--- a/문서/UI 디자인 명세.pptx
+++ b/문서/UI 디자인 명세.pptx
@@ -7,6 +7,8 @@
   <p:sldIdLst>
     <p:sldId id="256" r:id="rId2"/>
     <p:sldId id="257" r:id="rId3"/>
+    <p:sldId id="258" r:id="rId4"/>
+    <p:sldId id="259" r:id="rId5"/>
   </p:sldIdLst>
   <p:sldSz cx="12192000" cy="6858000"/>
   <p:notesSz cx="6858000" cy="9144000"/>
@@ -105,6 +107,11 @@
       </a:defRPr>
     </a:lvl9pPr>
   </p:defaultTextStyle>
+  <p:extLst>
+    <p:ext uri="{EFAFB233-063F-42B5-8137-9DF3F51BA10A}">
+      <p15:sldGuideLst xmlns:p15="http://schemas.microsoft.com/office/powerpoint/2012/main"/>
+    </p:ext>
+  </p:extLst>
 </p:presentation>
 </file>
 
@@ -142,7 +149,7 @@
           <p:cNvPr id="2" name="제목 1">
             <a:extLst>
               <a:ext uri="{FF2B5EF4-FFF2-40B4-BE49-F238E27FC236}">
-                <a16:creationId xmlns:a16="http://schemas.microsoft.com/office/drawing/2014/main" id="{62ED35AF-349B-4D94-BF6A-324F1D261909}"/>
+                <a16:creationId xmlns="" xmlns:a16="http://schemas.microsoft.com/office/drawing/2014/main" id="{62ED35AF-349B-4D94-BF6A-324F1D261909}"/>
               </a:ext>
             </a:extLst>
           </p:cNvPr>
@@ -179,7 +186,7 @@
           <p:cNvPr id="3" name="부제목 2">
             <a:extLst>
               <a:ext uri="{FF2B5EF4-FFF2-40B4-BE49-F238E27FC236}">
-                <a16:creationId xmlns:a16="http://schemas.microsoft.com/office/drawing/2014/main" id="{D2D928CB-6216-422F-B754-92D8B4A0285B}"/>
+                <a16:creationId xmlns="" xmlns:a16="http://schemas.microsoft.com/office/drawing/2014/main" id="{D2D928CB-6216-422F-B754-92D8B4A0285B}"/>
               </a:ext>
             </a:extLst>
           </p:cNvPr>
@@ -249,7 +256,7 @@
           <p:cNvPr id="4" name="날짜 개체 틀 3">
             <a:extLst>
               <a:ext uri="{FF2B5EF4-FFF2-40B4-BE49-F238E27FC236}">
-                <a16:creationId xmlns:a16="http://schemas.microsoft.com/office/drawing/2014/main" id="{BAE2ABE8-9046-420D-9221-4822565E6BA3}"/>
+                <a16:creationId xmlns="" xmlns:a16="http://schemas.microsoft.com/office/drawing/2014/main" id="{BAE2ABE8-9046-420D-9221-4822565E6BA3}"/>
               </a:ext>
             </a:extLst>
           </p:cNvPr>
@@ -267,7 +274,7 @@
           <a:p>
             <a:fld id="{5858DE85-2A6A-430C-A9BC-549214584F34}" type="datetimeFigureOut">
               <a:rPr lang="ko-KR" altLang="en-US" smtClean="0"/>
-              <a:t>2021-10-04</a:t>
+              <a:t>2021-10-08</a:t>
             </a:fld>
             <a:endParaRPr lang="ko-KR" altLang="en-US"/>
           </a:p>
@@ -278,7 +285,7 @@
           <p:cNvPr id="5" name="바닥글 개체 틀 4">
             <a:extLst>
               <a:ext uri="{FF2B5EF4-FFF2-40B4-BE49-F238E27FC236}">
-                <a16:creationId xmlns:a16="http://schemas.microsoft.com/office/drawing/2014/main" id="{31C1D9E4-2670-491D-8CA5-5FB1BAFFE1B4}"/>
+                <a16:creationId xmlns="" xmlns:a16="http://schemas.microsoft.com/office/drawing/2014/main" id="{31C1D9E4-2670-491D-8CA5-5FB1BAFFE1B4}"/>
               </a:ext>
             </a:extLst>
           </p:cNvPr>
@@ -303,7 +310,7 @@
           <p:cNvPr id="6" name="슬라이드 번호 개체 틀 5">
             <a:extLst>
               <a:ext uri="{FF2B5EF4-FFF2-40B4-BE49-F238E27FC236}">
-                <a16:creationId xmlns:a16="http://schemas.microsoft.com/office/drawing/2014/main" id="{9ED62624-89BC-4986-A53A-C336A92EFACC}"/>
+                <a16:creationId xmlns="" xmlns:a16="http://schemas.microsoft.com/office/drawing/2014/main" id="{9ED62624-89BC-4986-A53A-C336A92EFACC}"/>
               </a:ext>
             </a:extLst>
           </p:cNvPr>
@@ -362,7 +369,7 @@
           <p:cNvPr id="2" name="제목 1">
             <a:extLst>
               <a:ext uri="{FF2B5EF4-FFF2-40B4-BE49-F238E27FC236}">
-                <a16:creationId xmlns:a16="http://schemas.microsoft.com/office/drawing/2014/main" id="{AF099159-F11C-406C-834D-7063F1C50492}"/>
+                <a16:creationId xmlns="" xmlns:a16="http://schemas.microsoft.com/office/drawing/2014/main" id="{AF099159-F11C-406C-834D-7063F1C50492}"/>
               </a:ext>
             </a:extLst>
           </p:cNvPr>
@@ -390,7 +397,7 @@
           <p:cNvPr id="3" name="세로 텍스트 개체 틀 2">
             <a:extLst>
               <a:ext uri="{FF2B5EF4-FFF2-40B4-BE49-F238E27FC236}">
-                <a16:creationId xmlns:a16="http://schemas.microsoft.com/office/drawing/2014/main" id="{B4CCE3CA-9E80-4A4E-9E30-E354A2BEBBB8}"/>
+                <a16:creationId xmlns="" xmlns:a16="http://schemas.microsoft.com/office/drawing/2014/main" id="{B4CCE3CA-9E80-4A4E-9E30-E354A2BEBBB8}"/>
               </a:ext>
             </a:extLst>
           </p:cNvPr>
@@ -447,7 +454,7 @@
           <p:cNvPr id="4" name="날짜 개체 틀 3">
             <a:extLst>
               <a:ext uri="{FF2B5EF4-FFF2-40B4-BE49-F238E27FC236}">
-                <a16:creationId xmlns:a16="http://schemas.microsoft.com/office/drawing/2014/main" id="{538F2B6B-4374-4A79-A2D9-D50B083C30C3}"/>
+                <a16:creationId xmlns="" xmlns:a16="http://schemas.microsoft.com/office/drawing/2014/main" id="{538F2B6B-4374-4A79-A2D9-D50B083C30C3}"/>
               </a:ext>
             </a:extLst>
           </p:cNvPr>
@@ -465,7 +472,7 @@
           <a:p>
             <a:fld id="{5858DE85-2A6A-430C-A9BC-549214584F34}" type="datetimeFigureOut">
               <a:rPr lang="ko-KR" altLang="en-US" smtClean="0"/>
-              <a:t>2021-10-04</a:t>
+              <a:t>2021-10-08</a:t>
             </a:fld>
             <a:endParaRPr lang="ko-KR" altLang="en-US"/>
           </a:p>
@@ -476,7 +483,7 @@
           <p:cNvPr id="5" name="바닥글 개체 틀 4">
             <a:extLst>
               <a:ext uri="{FF2B5EF4-FFF2-40B4-BE49-F238E27FC236}">
-                <a16:creationId xmlns:a16="http://schemas.microsoft.com/office/drawing/2014/main" id="{F42BDFBE-D1AF-43C8-BB30-E80C0879B77C}"/>
+                <a16:creationId xmlns="" xmlns:a16="http://schemas.microsoft.com/office/drawing/2014/main" id="{F42BDFBE-D1AF-43C8-BB30-E80C0879B77C}"/>
               </a:ext>
             </a:extLst>
           </p:cNvPr>
@@ -501,7 +508,7 @@
           <p:cNvPr id="6" name="슬라이드 번호 개체 틀 5">
             <a:extLst>
               <a:ext uri="{FF2B5EF4-FFF2-40B4-BE49-F238E27FC236}">
-                <a16:creationId xmlns:a16="http://schemas.microsoft.com/office/drawing/2014/main" id="{C9D13CC6-1FC1-4157-B7DE-DB9B8EE57BD2}"/>
+                <a16:creationId xmlns="" xmlns:a16="http://schemas.microsoft.com/office/drawing/2014/main" id="{C9D13CC6-1FC1-4157-B7DE-DB9B8EE57BD2}"/>
               </a:ext>
             </a:extLst>
           </p:cNvPr>
@@ -560,7 +567,7 @@
           <p:cNvPr id="2" name="세로 제목 1">
             <a:extLst>
               <a:ext uri="{FF2B5EF4-FFF2-40B4-BE49-F238E27FC236}">
-                <a16:creationId xmlns:a16="http://schemas.microsoft.com/office/drawing/2014/main" id="{3B3F228C-A61B-4DAC-A695-1857DB04691E}"/>
+                <a16:creationId xmlns="" xmlns:a16="http://schemas.microsoft.com/office/drawing/2014/main" id="{3B3F228C-A61B-4DAC-A695-1857DB04691E}"/>
               </a:ext>
             </a:extLst>
           </p:cNvPr>
@@ -593,7 +600,7 @@
           <p:cNvPr id="3" name="세로 텍스트 개체 틀 2">
             <a:extLst>
               <a:ext uri="{FF2B5EF4-FFF2-40B4-BE49-F238E27FC236}">
-                <a16:creationId xmlns:a16="http://schemas.microsoft.com/office/drawing/2014/main" id="{F44E0E11-BEC0-4442-82B5-7A11828FE758}"/>
+                <a16:creationId xmlns="" xmlns:a16="http://schemas.microsoft.com/office/drawing/2014/main" id="{F44E0E11-BEC0-4442-82B5-7A11828FE758}"/>
               </a:ext>
             </a:extLst>
           </p:cNvPr>
@@ -655,7 +662,7 @@
           <p:cNvPr id="4" name="날짜 개체 틀 3">
             <a:extLst>
               <a:ext uri="{FF2B5EF4-FFF2-40B4-BE49-F238E27FC236}">
-                <a16:creationId xmlns:a16="http://schemas.microsoft.com/office/drawing/2014/main" id="{40E5193E-82BB-46FB-A5B8-F47645B4ADED}"/>
+                <a16:creationId xmlns="" xmlns:a16="http://schemas.microsoft.com/office/drawing/2014/main" id="{40E5193E-82BB-46FB-A5B8-F47645B4ADED}"/>
               </a:ext>
             </a:extLst>
           </p:cNvPr>
@@ -673,7 +680,7 @@
           <a:p>
             <a:fld id="{5858DE85-2A6A-430C-A9BC-549214584F34}" type="datetimeFigureOut">
               <a:rPr lang="ko-KR" altLang="en-US" smtClean="0"/>
-              <a:t>2021-10-04</a:t>
+              <a:t>2021-10-08</a:t>
             </a:fld>
             <a:endParaRPr lang="ko-KR" altLang="en-US"/>
           </a:p>
@@ -684,7 +691,7 @@
           <p:cNvPr id="5" name="바닥글 개체 틀 4">
             <a:extLst>
               <a:ext uri="{FF2B5EF4-FFF2-40B4-BE49-F238E27FC236}">
-                <a16:creationId xmlns:a16="http://schemas.microsoft.com/office/drawing/2014/main" id="{4751F4F9-B872-4175-B35F-CEF194F8C7F0}"/>
+                <a16:creationId xmlns="" xmlns:a16="http://schemas.microsoft.com/office/drawing/2014/main" id="{4751F4F9-B872-4175-B35F-CEF194F8C7F0}"/>
               </a:ext>
             </a:extLst>
           </p:cNvPr>
@@ -709,7 +716,7 @@
           <p:cNvPr id="6" name="슬라이드 번호 개체 틀 5">
             <a:extLst>
               <a:ext uri="{FF2B5EF4-FFF2-40B4-BE49-F238E27FC236}">
-                <a16:creationId xmlns:a16="http://schemas.microsoft.com/office/drawing/2014/main" id="{B9A06C74-356A-4384-B425-F1A1DC5E2F38}"/>
+                <a16:creationId xmlns="" xmlns:a16="http://schemas.microsoft.com/office/drawing/2014/main" id="{B9A06C74-356A-4384-B425-F1A1DC5E2F38}"/>
               </a:ext>
             </a:extLst>
           </p:cNvPr>
@@ -768,7 +775,7 @@
           <p:cNvPr id="2" name="제목 1">
             <a:extLst>
               <a:ext uri="{FF2B5EF4-FFF2-40B4-BE49-F238E27FC236}">
-                <a16:creationId xmlns:a16="http://schemas.microsoft.com/office/drawing/2014/main" id="{AC087A28-0474-4510-8DF2-82FA45EEC18D}"/>
+                <a16:creationId xmlns="" xmlns:a16="http://schemas.microsoft.com/office/drawing/2014/main" id="{AC087A28-0474-4510-8DF2-82FA45EEC18D}"/>
               </a:ext>
             </a:extLst>
           </p:cNvPr>
@@ -796,7 +803,7 @@
           <p:cNvPr id="3" name="내용 개체 틀 2">
             <a:extLst>
               <a:ext uri="{FF2B5EF4-FFF2-40B4-BE49-F238E27FC236}">
-                <a16:creationId xmlns:a16="http://schemas.microsoft.com/office/drawing/2014/main" id="{6A1BEDB7-2FAC-41EA-8D0C-55B3213DF92D}"/>
+                <a16:creationId xmlns="" xmlns:a16="http://schemas.microsoft.com/office/drawing/2014/main" id="{6A1BEDB7-2FAC-41EA-8D0C-55B3213DF92D}"/>
               </a:ext>
             </a:extLst>
           </p:cNvPr>
@@ -853,7 +860,7 @@
           <p:cNvPr id="4" name="날짜 개체 틀 3">
             <a:extLst>
               <a:ext uri="{FF2B5EF4-FFF2-40B4-BE49-F238E27FC236}">
-                <a16:creationId xmlns:a16="http://schemas.microsoft.com/office/drawing/2014/main" id="{038437DA-34A6-4D19-A370-CAE981808ED9}"/>
+                <a16:creationId xmlns="" xmlns:a16="http://schemas.microsoft.com/office/drawing/2014/main" id="{038437DA-34A6-4D19-A370-CAE981808ED9}"/>
               </a:ext>
             </a:extLst>
           </p:cNvPr>
@@ -871,7 +878,7 @@
           <a:p>
             <a:fld id="{5858DE85-2A6A-430C-A9BC-549214584F34}" type="datetimeFigureOut">
               <a:rPr lang="ko-KR" altLang="en-US" smtClean="0"/>
-              <a:t>2021-10-04</a:t>
+              <a:t>2021-10-08</a:t>
             </a:fld>
             <a:endParaRPr lang="ko-KR" altLang="en-US"/>
           </a:p>
@@ -882,7 +889,7 @@
           <p:cNvPr id="5" name="바닥글 개체 틀 4">
             <a:extLst>
               <a:ext uri="{FF2B5EF4-FFF2-40B4-BE49-F238E27FC236}">
-                <a16:creationId xmlns:a16="http://schemas.microsoft.com/office/drawing/2014/main" id="{18A242A8-6D64-46D0-9564-91EB63322512}"/>
+                <a16:creationId xmlns="" xmlns:a16="http://schemas.microsoft.com/office/drawing/2014/main" id="{18A242A8-6D64-46D0-9564-91EB63322512}"/>
               </a:ext>
             </a:extLst>
           </p:cNvPr>
@@ -907,7 +914,7 @@
           <p:cNvPr id="6" name="슬라이드 번호 개체 틀 5">
             <a:extLst>
               <a:ext uri="{FF2B5EF4-FFF2-40B4-BE49-F238E27FC236}">
-                <a16:creationId xmlns:a16="http://schemas.microsoft.com/office/drawing/2014/main" id="{40EB67C7-A472-4219-AF13-869D5ECF2AD9}"/>
+                <a16:creationId xmlns="" xmlns:a16="http://schemas.microsoft.com/office/drawing/2014/main" id="{40EB67C7-A472-4219-AF13-869D5ECF2AD9}"/>
               </a:ext>
             </a:extLst>
           </p:cNvPr>
@@ -966,7 +973,7 @@
           <p:cNvPr id="2" name="제목 1">
             <a:extLst>
               <a:ext uri="{FF2B5EF4-FFF2-40B4-BE49-F238E27FC236}">
-                <a16:creationId xmlns:a16="http://schemas.microsoft.com/office/drawing/2014/main" id="{45622ECB-77E5-4A2E-AEC8-D13B84439849}"/>
+                <a16:creationId xmlns="" xmlns:a16="http://schemas.microsoft.com/office/drawing/2014/main" id="{45622ECB-77E5-4A2E-AEC8-D13B84439849}"/>
               </a:ext>
             </a:extLst>
           </p:cNvPr>
@@ -1003,7 +1010,7 @@
           <p:cNvPr id="3" name="텍스트 개체 틀 2">
             <a:extLst>
               <a:ext uri="{FF2B5EF4-FFF2-40B4-BE49-F238E27FC236}">
-                <a16:creationId xmlns:a16="http://schemas.microsoft.com/office/drawing/2014/main" id="{6F0BE832-07CA-4F3C-923F-5BB3C52D6299}"/>
+                <a16:creationId xmlns="" xmlns:a16="http://schemas.microsoft.com/office/drawing/2014/main" id="{6F0BE832-07CA-4F3C-923F-5BB3C52D6299}"/>
               </a:ext>
             </a:extLst>
           </p:cNvPr>
@@ -1128,7 +1135,7 @@
           <p:cNvPr id="4" name="날짜 개체 틀 3">
             <a:extLst>
               <a:ext uri="{FF2B5EF4-FFF2-40B4-BE49-F238E27FC236}">
-                <a16:creationId xmlns:a16="http://schemas.microsoft.com/office/drawing/2014/main" id="{1C7AF9C5-EB7A-4672-BCE9-A3E1E16B8029}"/>
+                <a16:creationId xmlns="" xmlns:a16="http://schemas.microsoft.com/office/drawing/2014/main" id="{1C7AF9C5-EB7A-4672-BCE9-A3E1E16B8029}"/>
               </a:ext>
             </a:extLst>
           </p:cNvPr>
@@ -1146,7 +1153,7 @@
           <a:p>
             <a:fld id="{5858DE85-2A6A-430C-A9BC-549214584F34}" type="datetimeFigureOut">
               <a:rPr lang="ko-KR" altLang="en-US" smtClean="0"/>
-              <a:t>2021-10-04</a:t>
+              <a:t>2021-10-08</a:t>
             </a:fld>
             <a:endParaRPr lang="ko-KR" altLang="en-US"/>
           </a:p>
@@ -1157,7 +1164,7 @@
           <p:cNvPr id="5" name="바닥글 개체 틀 4">
             <a:extLst>
               <a:ext uri="{FF2B5EF4-FFF2-40B4-BE49-F238E27FC236}">
-                <a16:creationId xmlns:a16="http://schemas.microsoft.com/office/drawing/2014/main" id="{4DFED39D-4B7C-4E66-8824-03C629271E1C}"/>
+                <a16:creationId xmlns="" xmlns:a16="http://schemas.microsoft.com/office/drawing/2014/main" id="{4DFED39D-4B7C-4E66-8824-03C629271E1C}"/>
               </a:ext>
             </a:extLst>
           </p:cNvPr>
@@ -1182,7 +1189,7 @@
           <p:cNvPr id="6" name="슬라이드 번호 개체 틀 5">
             <a:extLst>
               <a:ext uri="{FF2B5EF4-FFF2-40B4-BE49-F238E27FC236}">
-                <a16:creationId xmlns:a16="http://schemas.microsoft.com/office/drawing/2014/main" id="{FEAB4350-49AE-4FE9-8345-56D934F368B4}"/>
+                <a16:creationId xmlns="" xmlns:a16="http://schemas.microsoft.com/office/drawing/2014/main" id="{FEAB4350-49AE-4FE9-8345-56D934F368B4}"/>
               </a:ext>
             </a:extLst>
           </p:cNvPr>
@@ -1241,7 +1248,7 @@
           <p:cNvPr id="2" name="제목 1">
             <a:extLst>
               <a:ext uri="{FF2B5EF4-FFF2-40B4-BE49-F238E27FC236}">
-                <a16:creationId xmlns:a16="http://schemas.microsoft.com/office/drawing/2014/main" id="{C37873CE-DDA6-4D44-BBA2-A287BBBE5CA8}"/>
+                <a16:creationId xmlns="" xmlns:a16="http://schemas.microsoft.com/office/drawing/2014/main" id="{C37873CE-DDA6-4D44-BBA2-A287BBBE5CA8}"/>
               </a:ext>
             </a:extLst>
           </p:cNvPr>
@@ -1269,7 +1276,7 @@
           <p:cNvPr id="3" name="내용 개체 틀 2">
             <a:extLst>
               <a:ext uri="{FF2B5EF4-FFF2-40B4-BE49-F238E27FC236}">
-                <a16:creationId xmlns:a16="http://schemas.microsoft.com/office/drawing/2014/main" id="{44DD605C-74E3-4FA1-B111-4B9ED46AF4D4}"/>
+                <a16:creationId xmlns="" xmlns:a16="http://schemas.microsoft.com/office/drawing/2014/main" id="{44DD605C-74E3-4FA1-B111-4B9ED46AF4D4}"/>
               </a:ext>
             </a:extLst>
           </p:cNvPr>
@@ -1331,7 +1338,7 @@
           <p:cNvPr id="4" name="내용 개체 틀 3">
             <a:extLst>
               <a:ext uri="{FF2B5EF4-FFF2-40B4-BE49-F238E27FC236}">
-                <a16:creationId xmlns:a16="http://schemas.microsoft.com/office/drawing/2014/main" id="{57562880-6033-4A96-89A6-47C4D58E1CD8}"/>
+                <a16:creationId xmlns="" xmlns:a16="http://schemas.microsoft.com/office/drawing/2014/main" id="{57562880-6033-4A96-89A6-47C4D58E1CD8}"/>
               </a:ext>
             </a:extLst>
           </p:cNvPr>
@@ -1393,7 +1400,7 @@
           <p:cNvPr id="5" name="날짜 개체 틀 4">
             <a:extLst>
               <a:ext uri="{FF2B5EF4-FFF2-40B4-BE49-F238E27FC236}">
-                <a16:creationId xmlns:a16="http://schemas.microsoft.com/office/drawing/2014/main" id="{2422EF54-9606-4D32-8B08-BA6AA69E665E}"/>
+                <a16:creationId xmlns="" xmlns:a16="http://schemas.microsoft.com/office/drawing/2014/main" id="{2422EF54-9606-4D32-8B08-BA6AA69E665E}"/>
               </a:ext>
             </a:extLst>
           </p:cNvPr>
@@ -1411,7 +1418,7 @@
           <a:p>
             <a:fld id="{5858DE85-2A6A-430C-A9BC-549214584F34}" type="datetimeFigureOut">
               <a:rPr lang="ko-KR" altLang="en-US" smtClean="0"/>
-              <a:t>2021-10-04</a:t>
+              <a:t>2021-10-08</a:t>
             </a:fld>
             <a:endParaRPr lang="ko-KR" altLang="en-US"/>
           </a:p>
@@ -1422,7 +1429,7 @@
           <p:cNvPr id="6" name="바닥글 개체 틀 5">
             <a:extLst>
               <a:ext uri="{FF2B5EF4-FFF2-40B4-BE49-F238E27FC236}">
-                <a16:creationId xmlns:a16="http://schemas.microsoft.com/office/drawing/2014/main" id="{6E71D484-0368-4830-BCFE-0C5AFE8C288E}"/>
+                <a16:creationId xmlns="" xmlns:a16="http://schemas.microsoft.com/office/drawing/2014/main" id="{6E71D484-0368-4830-BCFE-0C5AFE8C288E}"/>
               </a:ext>
             </a:extLst>
           </p:cNvPr>
@@ -1447,7 +1454,7 @@
           <p:cNvPr id="7" name="슬라이드 번호 개체 틀 6">
             <a:extLst>
               <a:ext uri="{FF2B5EF4-FFF2-40B4-BE49-F238E27FC236}">
-                <a16:creationId xmlns:a16="http://schemas.microsoft.com/office/drawing/2014/main" id="{3AC7AEE1-54AE-44F0-B7A8-0AD12D72707F}"/>
+                <a16:creationId xmlns="" xmlns:a16="http://schemas.microsoft.com/office/drawing/2014/main" id="{3AC7AEE1-54AE-44F0-B7A8-0AD12D72707F}"/>
               </a:ext>
             </a:extLst>
           </p:cNvPr>
@@ -1506,7 +1513,7 @@
           <p:cNvPr id="2" name="제목 1">
             <a:extLst>
               <a:ext uri="{FF2B5EF4-FFF2-40B4-BE49-F238E27FC236}">
-                <a16:creationId xmlns:a16="http://schemas.microsoft.com/office/drawing/2014/main" id="{7B48A831-A1D5-4671-8B43-967803DA920A}"/>
+                <a16:creationId xmlns="" xmlns:a16="http://schemas.microsoft.com/office/drawing/2014/main" id="{7B48A831-A1D5-4671-8B43-967803DA920A}"/>
               </a:ext>
             </a:extLst>
           </p:cNvPr>
@@ -1539,7 +1546,7 @@
           <p:cNvPr id="3" name="텍스트 개체 틀 2">
             <a:extLst>
               <a:ext uri="{FF2B5EF4-FFF2-40B4-BE49-F238E27FC236}">
-                <a16:creationId xmlns:a16="http://schemas.microsoft.com/office/drawing/2014/main" id="{9F35C56A-957F-4316-8FA1-C16968E57441}"/>
+                <a16:creationId xmlns="" xmlns:a16="http://schemas.microsoft.com/office/drawing/2014/main" id="{9F35C56A-957F-4316-8FA1-C16968E57441}"/>
               </a:ext>
             </a:extLst>
           </p:cNvPr>
@@ -1610,7 +1617,7 @@
           <p:cNvPr id="4" name="내용 개체 틀 3">
             <a:extLst>
               <a:ext uri="{FF2B5EF4-FFF2-40B4-BE49-F238E27FC236}">
-                <a16:creationId xmlns:a16="http://schemas.microsoft.com/office/drawing/2014/main" id="{C0A9048E-8D0B-4618-A70F-2039FDB1DDCA}"/>
+                <a16:creationId xmlns="" xmlns:a16="http://schemas.microsoft.com/office/drawing/2014/main" id="{C0A9048E-8D0B-4618-A70F-2039FDB1DDCA}"/>
               </a:ext>
             </a:extLst>
           </p:cNvPr>
@@ -1672,7 +1679,7 @@
           <p:cNvPr id="5" name="텍스트 개체 틀 4">
             <a:extLst>
               <a:ext uri="{FF2B5EF4-FFF2-40B4-BE49-F238E27FC236}">
-                <a16:creationId xmlns:a16="http://schemas.microsoft.com/office/drawing/2014/main" id="{D7FF200E-126F-426E-998E-145CC2FC29E2}"/>
+                <a16:creationId xmlns="" xmlns:a16="http://schemas.microsoft.com/office/drawing/2014/main" id="{D7FF200E-126F-426E-998E-145CC2FC29E2}"/>
               </a:ext>
             </a:extLst>
           </p:cNvPr>
@@ -1743,7 +1750,7 @@
           <p:cNvPr id="6" name="내용 개체 틀 5">
             <a:extLst>
               <a:ext uri="{FF2B5EF4-FFF2-40B4-BE49-F238E27FC236}">
-                <a16:creationId xmlns:a16="http://schemas.microsoft.com/office/drawing/2014/main" id="{FB9AAE00-11E9-4F13-BF3E-6A0A2717C633}"/>
+                <a16:creationId xmlns="" xmlns:a16="http://schemas.microsoft.com/office/drawing/2014/main" id="{FB9AAE00-11E9-4F13-BF3E-6A0A2717C633}"/>
               </a:ext>
             </a:extLst>
           </p:cNvPr>
@@ -1805,7 +1812,7 @@
           <p:cNvPr id="7" name="날짜 개체 틀 6">
             <a:extLst>
               <a:ext uri="{FF2B5EF4-FFF2-40B4-BE49-F238E27FC236}">
-                <a16:creationId xmlns:a16="http://schemas.microsoft.com/office/drawing/2014/main" id="{50058011-97DC-464A-832C-7262C0671FB9}"/>
+                <a16:creationId xmlns="" xmlns:a16="http://schemas.microsoft.com/office/drawing/2014/main" id="{50058011-97DC-464A-832C-7262C0671FB9}"/>
               </a:ext>
             </a:extLst>
           </p:cNvPr>
@@ -1823,7 +1830,7 @@
           <a:p>
             <a:fld id="{5858DE85-2A6A-430C-A9BC-549214584F34}" type="datetimeFigureOut">
               <a:rPr lang="ko-KR" altLang="en-US" smtClean="0"/>
-              <a:t>2021-10-04</a:t>
+              <a:t>2021-10-08</a:t>
             </a:fld>
             <a:endParaRPr lang="ko-KR" altLang="en-US"/>
           </a:p>
@@ -1834,7 +1841,7 @@
           <p:cNvPr id="8" name="바닥글 개체 틀 7">
             <a:extLst>
               <a:ext uri="{FF2B5EF4-FFF2-40B4-BE49-F238E27FC236}">
-                <a16:creationId xmlns:a16="http://schemas.microsoft.com/office/drawing/2014/main" id="{9CA09AC8-CE28-47FA-A5F7-AAFA78B8BC09}"/>
+                <a16:creationId xmlns="" xmlns:a16="http://schemas.microsoft.com/office/drawing/2014/main" id="{9CA09AC8-CE28-47FA-A5F7-AAFA78B8BC09}"/>
               </a:ext>
             </a:extLst>
           </p:cNvPr>
@@ -1859,7 +1866,7 @@
           <p:cNvPr id="9" name="슬라이드 번호 개체 틀 8">
             <a:extLst>
               <a:ext uri="{FF2B5EF4-FFF2-40B4-BE49-F238E27FC236}">
-                <a16:creationId xmlns:a16="http://schemas.microsoft.com/office/drawing/2014/main" id="{A33CEF56-B049-4E8C-9372-5B2542F04249}"/>
+                <a16:creationId xmlns="" xmlns:a16="http://schemas.microsoft.com/office/drawing/2014/main" id="{A33CEF56-B049-4E8C-9372-5B2542F04249}"/>
               </a:ext>
             </a:extLst>
           </p:cNvPr>
@@ -1918,7 +1925,7 @@
           <p:cNvPr id="2" name="제목 1">
             <a:extLst>
               <a:ext uri="{FF2B5EF4-FFF2-40B4-BE49-F238E27FC236}">
-                <a16:creationId xmlns:a16="http://schemas.microsoft.com/office/drawing/2014/main" id="{5CA2070E-7A7F-456F-9008-A48510B2E09C}"/>
+                <a16:creationId xmlns="" xmlns:a16="http://schemas.microsoft.com/office/drawing/2014/main" id="{5CA2070E-7A7F-456F-9008-A48510B2E09C}"/>
               </a:ext>
             </a:extLst>
           </p:cNvPr>
@@ -1946,7 +1953,7 @@
           <p:cNvPr id="3" name="날짜 개체 틀 2">
             <a:extLst>
               <a:ext uri="{FF2B5EF4-FFF2-40B4-BE49-F238E27FC236}">
-                <a16:creationId xmlns:a16="http://schemas.microsoft.com/office/drawing/2014/main" id="{A7300D0B-D6DB-4312-9838-73D83455570D}"/>
+                <a16:creationId xmlns="" xmlns:a16="http://schemas.microsoft.com/office/drawing/2014/main" id="{A7300D0B-D6DB-4312-9838-73D83455570D}"/>
               </a:ext>
             </a:extLst>
           </p:cNvPr>
@@ -1964,7 +1971,7 @@
           <a:p>
             <a:fld id="{5858DE85-2A6A-430C-A9BC-549214584F34}" type="datetimeFigureOut">
               <a:rPr lang="ko-KR" altLang="en-US" smtClean="0"/>
-              <a:t>2021-10-04</a:t>
+              <a:t>2021-10-08</a:t>
             </a:fld>
             <a:endParaRPr lang="ko-KR" altLang="en-US"/>
           </a:p>
@@ -1975,7 +1982,7 @@
           <p:cNvPr id="4" name="바닥글 개체 틀 3">
             <a:extLst>
               <a:ext uri="{FF2B5EF4-FFF2-40B4-BE49-F238E27FC236}">
-                <a16:creationId xmlns:a16="http://schemas.microsoft.com/office/drawing/2014/main" id="{D7022E40-2B56-45E9-97A3-DA2E82B26BE2}"/>
+                <a16:creationId xmlns="" xmlns:a16="http://schemas.microsoft.com/office/drawing/2014/main" id="{D7022E40-2B56-45E9-97A3-DA2E82B26BE2}"/>
               </a:ext>
             </a:extLst>
           </p:cNvPr>
@@ -2000,7 +2007,7 @@
           <p:cNvPr id="5" name="슬라이드 번호 개체 틀 4">
             <a:extLst>
               <a:ext uri="{FF2B5EF4-FFF2-40B4-BE49-F238E27FC236}">
-                <a16:creationId xmlns:a16="http://schemas.microsoft.com/office/drawing/2014/main" id="{54AFAF0F-A3EF-4526-A796-3172239E9A2D}"/>
+                <a16:creationId xmlns="" xmlns:a16="http://schemas.microsoft.com/office/drawing/2014/main" id="{54AFAF0F-A3EF-4526-A796-3172239E9A2D}"/>
               </a:ext>
             </a:extLst>
           </p:cNvPr>
@@ -2059,7 +2066,7 @@
           <p:cNvPr id="2" name="날짜 개체 틀 1">
             <a:extLst>
               <a:ext uri="{FF2B5EF4-FFF2-40B4-BE49-F238E27FC236}">
-                <a16:creationId xmlns:a16="http://schemas.microsoft.com/office/drawing/2014/main" id="{8C9E685E-FC57-40B1-B0FC-425E17C4D6E7}"/>
+                <a16:creationId xmlns="" xmlns:a16="http://schemas.microsoft.com/office/drawing/2014/main" id="{8C9E685E-FC57-40B1-B0FC-425E17C4D6E7}"/>
               </a:ext>
             </a:extLst>
           </p:cNvPr>
@@ -2077,7 +2084,7 @@
           <a:p>
             <a:fld id="{5858DE85-2A6A-430C-A9BC-549214584F34}" type="datetimeFigureOut">
               <a:rPr lang="ko-KR" altLang="en-US" smtClean="0"/>
-              <a:t>2021-10-04</a:t>
+              <a:t>2021-10-08</a:t>
             </a:fld>
             <a:endParaRPr lang="ko-KR" altLang="en-US"/>
           </a:p>
@@ -2088,7 +2095,7 @@
           <p:cNvPr id="3" name="바닥글 개체 틀 2">
             <a:extLst>
               <a:ext uri="{FF2B5EF4-FFF2-40B4-BE49-F238E27FC236}">
-                <a16:creationId xmlns:a16="http://schemas.microsoft.com/office/drawing/2014/main" id="{B350D64A-8646-45F7-9D24-6185DE4720D4}"/>
+                <a16:creationId xmlns="" xmlns:a16="http://schemas.microsoft.com/office/drawing/2014/main" id="{B350D64A-8646-45F7-9D24-6185DE4720D4}"/>
               </a:ext>
             </a:extLst>
           </p:cNvPr>
@@ -2113,7 +2120,7 @@
           <p:cNvPr id="4" name="슬라이드 번호 개체 틀 3">
             <a:extLst>
               <a:ext uri="{FF2B5EF4-FFF2-40B4-BE49-F238E27FC236}">
-                <a16:creationId xmlns:a16="http://schemas.microsoft.com/office/drawing/2014/main" id="{C237BFDC-D761-4E0C-A0CC-C07EAC9053AE}"/>
+                <a16:creationId xmlns="" xmlns:a16="http://schemas.microsoft.com/office/drawing/2014/main" id="{C237BFDC-D761-4E0C-A0CC-C07EAC9053AE}"/>
               </a:ext>
             </a:extLst>
           </p:cNvPr>
@@ -2172,7 +2179,7 @@
           <p:cNvPr id="2" name="제목 1">
             <a:extLst>
               <a:ext uri="{FF2B5EF4-FFF2-40B4-BE49-F238E27FC236}">
-                <a16:creationId xmlns:a16="http://schemas.microsoft.com/office/drawing/2014/main" id="{6019B54C-4FE2-4961-A677-097255DADF9C}"/>
+                <a16:creationId xmlns="" xmlns:a16="http://schemas.microsoft.com/office/drawing/2014/main" id="{6019B54C-4FE2-4961-A677-097255DADF9C}"/>
               </a:ext>
             </a:extLst>
           </p:cNvPr>
@@ -2209,7 +2216,7 @@
           <p:cNvPr id="3" name="내용 개체 틀 2">
             <a:extLst>
               <a:ext uri="{FF2B5EF4-FFF2-40B4-BE49-F238E27FC236}">
-                <a16:creationId xmlns:a16="http://schemas.microsoft.com/office/drawing/2014/main" id="{CA209EC0-F5AF-42DE-A8EC-950BF1C0128F}"/>
+                <a16:creationId xmlns="" xmlns:a16="http://schemas.microsoft.com/office/drawing/2014/main" id="{CA209EC0-F5AF-42DE-A8EC-950BF1C0128F}"/>
               </a:ext>
             </a:extLst>
           </p:cNvPr>
@@ -2299,7 +2306,7 @@
           <p:cNvPr id="4" name="텍스트 개체 틀 3">
             <a:extLst>
               <a:ext uri="{FF2B5EF4-FFF2-40B4-BE49-F238E27FC236}">
-                <a16:creationId xmlns:a16="http://schemas.microsoft.com/office/drawing/2014/main" id="{B24F7AA7-12EA-4C8B-9861-200416896215}"/>
+                <a16:creationId xmlns="" xmlns:a16="http://schemas.microsoft.com/office/drawing/2014/main" id="{B24F7AA7-12EA-4C8B-9861-200416896215}"/>
               </a:ext>
             </a:extLst>
           </p:cNvPr>
@@ -2370,7 +2377,7 @@
           <p:cNvPr id="5" name="날짜 개체 틀 4">
             <a:extLst>
               <a:ext uri="{FF2B5EF4-FFF2-40B4-BE49-F238E27FC236}">
-                <a16:creationId xmlns:a16="http://schemas.microsoft.com/office/drawing/2014/main" id="{67558371-6CAC-4EC1-9D6D-E9646E582152}"/>
+                <a16:creationId xmlns="" xmlns:a16="http://schemas.microsoft.com/office/drawing/2014/main" id="{67558371-6CAC-4EC1-9D6D-E9646E582152}"/>
               </a:ext>
             </a:extLst>
           </p:cNvPr>
@@ -2388,7 +2395,7 @@
           <a:p>
             <a:fld id="{5858DE85-2A6A-430C-A9BC-549214584F34}" type="datetimeFigureOut">
               <a:rPr lang="ko-KR" altLang="en-US" smtClean="0"/>
-              <a:t>2021-10-04</a:t>
+              <a:t>2021-10-08</a:t>
             </a:fld>
             <a:endParaRPr lang="ko-KR" altLang="en-US"/>
           </a:p>
@@ -2399,7 +2406,7 @@
           <p:cNvPr id="6" name="바닥글 개체 틀 5">
             <a:extLst>
               <a:ext uri="{FF2B5EF4-FFF2-40B4-BE49-F238E27FC236}">
-                <a16:creationId xmlns:a16="http://schemas.microsoft.com/office/drawing/2014/main" id="{F1BDE4F8-90BE-4A7C-999E-2FFB3AA3ED6D}"/>
+                <a16:creationId xmlns="" xmlns:a16="http://schemas.microsoft.com/office/drawing/2014/main" id="{F1BDE4F8-90BE-4A7C-999E-2FFB3AA3ED6D}"/>
               </a:ext>
             </a:extLst>
           </p:cNvPr>
@@ -2424,7 +2431,7 @@
           <p:cNvPr id="7" name="슬라이드 번호 개체 틀 6">
             <a:extLst>
               <a:ext uri="{FF2B5EF4-FFF2-40B4-BE49-F238E27FC236}">
-                <a16:creationId xmlns:a16="http://schemas.microsoft.com/office/drawing/2014/main" id="{0A64F9CB-33EA-4E43-8702-5358554BE3B8}"/>
+                <a16:creationId xmlns="" xmlns:a16="http://schemas.microsoft.com/office/drawing/2014/main" id="{0A64F9CB-33EA-4E43-8702-5358554BE3B8}"/>
               </a:ext>
             </a:extLst>
           </p:cNvPr>
@@ -2483,7 +2490,7 @@
           <p:cNvPr id="2" name="제목 1">
             <a:extLst>
               <a:ext uri="{FF2B5EF4-FFF2-40B4-BE49-F238E27FC236}">
-                <a16:creationId xmlns:a16="http://schemas.microsoft.com/office/drawing/2014/main" id="{A77741BA-1679-404A-B154-81C694B2F0D1}"/>
+                <a16:creationId xmlns="" xmlns:a16="http://schemas.microsoft.com/office/drawing/2014/main" id="{A77741BA-1679-404A-B154-81C694B2F0D1}"/>
               </a:ext>
             </a:extLst>
           </p:cNvPr>
@@ -2520,7 +2527,7 @@
           <p:cNvPr id="3" name="그림 개체 틀 2">
             <a:extLst>
               <a:ext uri="{FF2B5EF4-FFF2-40B4-BE49-F238E27FC236}">
-                <a16:creationId xmlns:a16="http://schemas.microsoft.com/office/drawing/2014/main" id="{2C27C8EB-2C51-424F-A324-761DDD5395F3}"/>
+                <a16:creationId xmlns="" xmlns:a16="http://schemas.microsoft.com/office/drawing/2014/main" id="{2C27C8EB-2C51-424F-A324-761DDD5395F3}"/>
               </a:ext>
             </a:extLst>
           </p:cNvPr>
@@ -2587,7 +2594,7 @@
           <p:cNvPr id="4" name="텍스트 개체 틀 3">
             <a:extLst>
               <a:ext uri="{FF2B5EF4-FFF2-40B4-BE49-F238E27FC236}">
-                <a16:creationId xmlns:a16="http://schemas.microsoft.com/office/drawing/2014/main" id="{35F79E8A-4605-41ED-8484-960D8CB4CE06}"/>
+                <a16:creationId xmlns="" xmlns:a16="http://schemas.microsoft.com/office/drawing/2014/main" id="{35F79E8A-4605-41ED-8484-960D8CB4CE06}"/>
               </a:ext>
             </a:extLst>
           </p:cNvPr>
@@ -2658,7 +2665,7 @@
           <p:cNvPr id="5" name="날짜 개체 틀 4">
             <a:extLst>
               <a:ext uri="{FF2B5EF4-FFF2-40B4-BE49-F238E27FC236}">
-                <a16:creationId xmlns:a16="http://schemas.microsoft.com/office/drawing/2014/main" id="{D8129A4D-F4A0-418B-B127-DF10DE5670C1}"/>
+                <a16:creationId xmlns="" xmlns:a16="http://schemas.microsoft.com/office/drawing/2014/main" id="{D8129A4D-F4A0-418B-B127-DF10DE5670C1}"/>
               </a:ext>
             </a:extLst>
           </p:cNvPr>
@@ -2676,7 +2683,7 @@
           <a:p>
             <a:fld id="{5858DE85-2A6A-430C-A9BC-549214584F34}" type="datetimeFigureOut">
               <a:rPr lang="ko-KR" altLang="en-US" smtClean="0"/>
-              <a:t>2021-10-04</a:t>
+              <a:t>2021-10-08</a:t>
             </a:fld>
             <a:endParaRPr lang="ko-KR" altLang="en-US"/>
           </a:p>
@@ -2687,7 +2694,7 @@
           <p:cNvPr id="6" name="바닥글 개체 틀 5">
             <a:extLst>
               <a:ext uri="{FF2B5EF4-FFF2-40B4-BE49-F238E27FC236}">
-                <a16:creationId xmlns:a16="http://schemas.microsoft.com/office/drawing/2014/main" id="{026D326D-D317-49F6-A59C-501411ACF023}"/>
+                <a16:creationId xmlns="" xmlns:a16="http://schemas.microsoft.com/office/drawing/2014/main" id="{026D326D-D317-49F6-A59C-501411ACF023}"/>
               </a:ext>
             </a:extLst>
           </p:cNvPr>
@@ -2712,7 +2719,7 @@
           <p:cNvPr id="7" name="슬라이드 번호 개체 틀 6">
             <a:extLst>
               <a:ext uri="{FF2B5EF4-FFF2-40B4-BE49-F238E27FC236}">
-                <a16:creationId xmlns:a16="http://schemas.microsoft.com/office/drawing/2014/main" id="{127BD735-79A8-4BAB-BC62-922A90A687C2}"/>
+                <a16:creationId xmlns="" xmlns:a16="http://schemas.microsoft.com/office/drawing/2014/main" id="{127BD735-79A8-4BAB-BC62-922A90A687C2}"/>
               </a:ext>
             </a:extLst>
           </p:cNvPr>
@@ -2776,7 +2783,7 @@
           <p:cNvPr id="2" name="제목 개체 틀 1">
             <a:extLst>
               <a:ext uri="{FF2B5EF4-FFF2-40B4-BE49-F238E27FC236}">
-                <a16:creationId xmlns:a16="http://schemas.microsoft.com/office/drawing/2014/main" id="{1F83D5D1-BDE6-4821-8E61-245990BC95FA}"/>
+                <a16:creationId xmlns="" xmlns:a16="http://schemas.microsoft.com/office/drawing/2014/main" id="{1F83D5D1-BDE6-4821-8E61-245990BC95FA}"/>
               </a:ext>
             </a:extLst>
           </p:cNvPr>
@@ -2814,7 +2821,7 @@
           <p:cNvPr id="3" name="텍스트 개체 틀 2">
             <a:extLst>
               <a:ext uri="{FF2B5EF4-FFF2-40B4-BE49-F238E27FC236}">
-                <a16:creationId xmlns:a16="http://schemas.microsoft.com/office/drawing/2014/main" id="{59097062-9408-48C2-9F82-B3B9AB221076}"/>
+                <a16:creationId xmlns="" xmlns:a16="http://schemas.microsoft.com/office/drawing/2014/main" id="{59097062-9408-48C2-9F82-B3B9AB221076}"/>
               </a:ext>
             </a:extLst>
           </p:cNvPr>
@@ -2881,7 +2888,7 @@
           <p:cNvPr id="4" name="날짜 개체 틀 3">
             <a:extLst>
               <a:ext uri="{FF2B5EF4-FFF2-40B4-BE49-F238E27FC236}">
-                <a16:creationId xmlns:a16="http://schemas.microsoft.com/office/drawing/2014/main" id="{7BD56D38-DB0C-4D0C-B04A-E826D9878BBE}"/>
+                <a16:creationId xmlns="" xmlns:a16="http://schemas.microsoft.com/office/drawing/2014/main" id="{7BD56D38-DB0C-4D0C-B04A-E826D9878BBE}"/>
               </a:ext>
             </a:extLst>
           </p:cNvPr>
@@ -2917,7 +2924,7 @@
           <a:p>
             <a:fld id="{5858DE85-2A6A-430C-A9BC-549214584F34}" type="datetimeFigureOut">
               <a:rPr lang="ko-KR" altLang="en-US" smtClean="0"/>
-              <a:t>2021-10-04</a:t>
+              <a:t>2021-10-08</a:t>
             </a:fld>
             <a:endParaRPr lang="ko-KR" altLang="en-US"/>
           </a:p>
@@ -2928,7 +2935,7 @@
           <p:cNvPr id="5" name="바닥글 개체 틀 4">
             <a:extLst>
               <a:ext uri="{FF2B5EF4-FFF2-40B4-BE49-F238E27FC236}">
-                <a16:creationId xmlns:a16="http://schemas.microsoft.com/office/drawing/2014/main" id="{B5440CBB-E817-46B7-9ABA-20DA0F1D5E1E}"/>
+                <a16:creationId xmlns="" xmlns:a16="http://schemas.microsoft.com/office/drawing/2014/main" id="{B5440CBB-E817-46B7-9ABA-20DA0F1D5E1E}"/>
               </a:ext>
             </a:extLst>
           </p:cNvPr>
@@ -2971,7 +2978,7 @@
           <p:cNvPr id="6" name="슬라이드 번호 개체 틀 5">
             <a:extLst>
               <a:ext uri="{FF2B5EF4-FFF2-40B4-BE49-F238E27FC236}">
-                <a16:creationId xmlns:a16="http://schemas.microsoft.com/office/drawing/2014/main" id="{0ECAD4A1-23F4-4DF1-B8D5-696600662A8A}"/>
+                <a16:creationId xmlns="" xmlns:a16="http://schemas.microsoft.com/office/drawing/2014/main" id="{0ECAD4A1-23F4-4DF1-B8D5-696600662A8A}"/>
               </a:ext>
             </a:extLst>
           </p:cNvPr>
@@ -3339,7 +3346,7 @@
           <p:cNvPr id="4" name="직사각형 3">
             <a:extLst>
               <a:ext uri="{FF2B5EF4-FFF2-40B4-BE49-F238E27FC236}">
-                <a16:creationId xmlns:a16="http://schemas.microsoft.com/office/drawing/2014/main" id="{B2C92360-C33A-46F9-82BD-6D910E205878}"/>
+                <a16:creationId xmlns="" xmlns:a16="http://schemas.microsoft.com/office/drawing/2014/main" id="{B2C92360-C33A-46F9-82BD-6D910E205878}"/>
               </a:ext>
             </a:extLst>
           </p:cNvPr>
@@ -3393,7 +3400,7 @@
           <p:cNvPr id="5" name="직사각형 4">
             <a:extLst>
               <a:ext uri="{FF2B5EF4-FFF2-40B4-BE49-F238E27FC236}">
-                <a16:creationId xmlns:a16="http://schemas.microsoft.com/office/drawing/2014/main" id="{4FB6433F-953A-4346-AC70-45B76AD05C8B}"/>
+                <a16:creationId xmlns="" xmlns:a16="http://schemas.microsoft.com/office/drawing/2014/main" id="{4FB6433F-953A-4346-AC70-45B76AD05C8B}"/>
               </a:ext>
             </a:extLst>
           </p:cNvPr>
@@ -3447,7 +3454,7 @@
           <p:cNvPr id="8" name="TextBox 7">
             <a:extLst>
               <a:ext uri="{FF2B5EF4-FFF2-40B4-BE49-F238E27FC236}">
-                <a16:creationId xmlns:a16="http://schemas.microsoft.com/office/drawing/2014/main" id="{E48E7EFC-F9E0-48BD-8B54-2E5F951D1CB3}"/>
+                <a16:creationId xmlns="" xmlns:a16="http://schemas.microsoft.com/office/drawing/2014/main" id="{E48E7EFC-F9E0-48BD-8B54-2E5F951D1CB3}"/>
               </a:ext>
             </a:extLst>
           </p:cNvPr>
@@ -3488,7 +3495,7 @@
           <p:cNvPr id="12" name="직선 화살표 연결선 11">
             <a:extLst>
               <a:ext uri="{FF2B5EF4-FFF2-40B4-BE49-F238E27FC236}">
-                <a16:creationId xmlns:a16="http://schemas.microsoft.com/office/drawing/2014/main" id="{FAB7B8ED-3857-4F21-B06C-97791FD8A429}"/>
+                <a16:creationId xmlns="" xmlns:a16="http://schemas.microsoft.com/office/drawing/2014/main" id="{FAB7B8ED-3857-4F21-B06C-97791FD8A429}"/>
               </a:ext>
             </a:extLst>
           </p:cNvPr>
@@ -3531,7 +3538,7 @@
           <p:cNvPr id="14" name="직선 화살표 연결선 13">
             <a:extLst>
               <a:ext uri="{FF2B5EF4-FFF2-40B4-BE49-F238E27FC236}">
-                <a16:creationId xmlns:a16="http://schemas.microsoft.com/office/drawing/2014/main" id="{9A902761-F6DE-4CE8-A657-2B37F0C8B5A9}"/>
+                <a16:creationId xmlns="" xmlns:a16="http://schemas.microsoft.com/office/drawing/2014/main" id="{9A902761-F6DE-4CE8-A657-2B37F0C8B5A9}"/>
               </a:ext>
             </a:extLst>
           </p:cNvPr>
@@ -3575,7 +3582,7 @@
           <p:cNvPr id="17" name="TextBox 16">
             <a:extLst>
               <a:ext uri="{FF2B5EF4-FFF2-40B4-BE49-F238E27FC236}">
-                <a16:creationId xmlns:a16="http://schemas.microsoft.com/office/drawing/2014/main" id="{46C66031-426C-4DB4-8EF5-7E998E41EFC2}"/>
+                <a16:creationId xmlns="" xmlns:a16="http://schemas.microsoft.com/office/drawing/2014/main" id="{46C66031-426C-4DB4-8EF5-7E998E41EFC2}"/>
               </a:ext>
             </a:extLst>
           </p:cNvPr>
@@ -3616,7 +3623,7 @@
           <p:cNvPr id="47" name="그룹 46">
             <a:extLst>
               <a:ext uri="{FF2B5EF4-FFF2-40B4-BE49-F238E27FC236}">
-                <a16:creationId xmlns:a16="http://schemas.microsoft.com/office/drawing/2014/main" id="{496C623F-ED03-4A00-AF6D-859D9CAD995F}"/>
+                <a16:creationId xmlns="" xmlns:a16="http://schemas.microsoft.com/office/drawing/2014/main" id="{496C623F-ED03-4A00-AF6D-859D9CAD995F}"/>
               </a:ext>
             </a:extLst>
           </p:cNvPr>
@@ -3636,7 +3643,7 @@
             <p:cNvPr id="34" name="타원 33">
               <a:extLst>
                 <a:ext uri="{FF2B5EF4-FFF2-40B4-BE49-F238E27FC236}">
-                  <a16:creationId xmlns:a16="http://schemas.microsoft.com/office/drawing/2014/main" id="{D0C18ABF-A9BC-4BFF-BC5A-5899A7053D01}"/>
+                  <a16:creationId xmlns="" xmlns:a16="http://schemas.microsoft.com/office/drawing/2014/main" id="{D0C18ABF-A9BC-4BFF-BC5A-5899A7053D01}"/>
                 </a:ext>
               </a:extLst>
             </p:cNvPr>
@@ -3690,7 +3697,7 @@
             <p:cNvPr id="26" name="직선 화살표 연결선 25">
               <a:extLst>
                 <a:ext uri="{FF2B5EF4-FFF2-40B4-BE49-F238E27FC236}">
-                  <a16:creationId xmlns:a16="http://schemas.microsoft.com/office/drawing/2014/main" id="{202B9AF5-EAC8-41D6-B4E1-52B26A002238}"/>
+                  <a16:creationId xmlns="" xmlns:a16="http://schemas.microsoft.com/office/drawing/2014/main" id="{202B9AF5-EAC8-41D6-B4E1-52B26A002238}"/>
                 </a:ext>
               </a:extLst>
             </p:cNvPr>
@@ -3733,7 +3740,7 @@
             <p:cNvPr id="30" name="TextBox 29">
               <a:extLst>
                 <a:ext uri="{FF2B5EF4-FFF2-40B4-BE49-F238E27FC236}">
-                  <a16:creationId xmlns:a16="http://schemas.microsoft.com/office/drawing/2014/main" id="{33B37D42-8896-4884-A09D-FCEA25C4B721}"/>
+                  <a16:creationId xmlns="" xmlns:a16="http://schemas.microsoft.com/office/drawing/2014/main" id="{33B37D42-8896-4884-A09D-FCEA25C4B721}"/>
                 </a:ext>
               </a:extLst>
             </p:cNvPr>
@@ -3775,7 +3782,7 @@
           <p:cNvPr id="46" name="그룹 45">
             <a:extLst>
               <a:ext uri="{FF2B5EF4-FFF2-40B4-BE49-F238E27FC236}">
-                <a16:creationId xmlns:a16="http://schemas.microsoft.com/office/drawing/2014/main" id="{52533F16-C1AF-45B8-8702-D42714D442F7}"/>
+                <a16:creationId xmlns="" xmlns:a16="http://schemas.microsoft.com/office/drawing/2014/main" id="{52533F16-C1AF-45B8-8702-D42714D442F7}"/>
               </a:ext>
             </a:extLst>
           </p:cNvPr>
@@ -3795,7 +3802,7 @@
             <p:cNvPr id="39" name="타원 38">
               <a:extLst>
                 <a:ext uri="{FF2B5EF4-FFF2-40B4-BE49-F238E27FC236}">
-                  <a16:creationId xmlns:a16="http://schemas.microsoft.com/office/drawing/2014/main" id="{22516CB0-4604-47F7-BF70-59D4BDA6FFB2}"/>
+                  <a16:creationId xmlns="" xmlns:a16="http://schemas.microsoft.com/office/drawing/2014/main" id="{22516CB0-4604-47F7-BF70-59D4BDA6FFB2}"/>
                 </a:ext>
               </a:extLst>
             </p:cNvPr>
@@ -3849,7 +3856,7 @@
             <p:cNvPr id="40" name="직선 화살표 연결선 39">
               <a:extLst>
                 <a:ext uri="{FF2B5EF4-FFF2-40B4-BE49-F238E27FC236}">
-                  <a16:creationId xmlns:a16="http://schemas.microsoft.com/office/drawing/2014/main" id="{AB0CE38D-2E8D-4AFE-9B60-84B22BE2E4B0}"/>
+                  <a16:creationId xmlns="" xmlns:a16="http://schemas.microsoft.com/office/drawing/2014/main" id="{AB0CE38D-2E8D-4AFE-9B60-84B22BE2E4B0}"/>
                 </a:ext>
               </a:extLst>
             </p:cNvPr>
@@ -3892,7 +3899,7 @@
             <p:cNvPr id="41" name="TextBox 40">
               <a:extLst>
                 <a:ext uri="{FF2B5EF4-FFF2-40B4-BE49-F238E27FC236}">
-                  <a16:creationId xmlns:a16="http://schemas.microsoft.com/office/drawing/2014/main" id="{88B770F8-3BFB-4D85-97F6-15BDCDF7D06E}"/>
+                  <a16:creationId xmlns="" xmlns:a16="http://schemas.microsoft.com/office/drawing/2014/main" id="{88B770F8-3BFB-4D85-97F6-15BDCDF7D06E}"/>
                 </a:ext>
               </a:extLst>
             </p:cNvPr>
@@ -3934,7 +3941,7 @@
           <p:cNvPr id="42" name="직선 화살표 연결선 41">
             <a:extLst>
               <a:ext uri="{FF2B5EF4-FFF2-40B4-BE49-F238E27FC236}">
-                <a16:creationId xmlns:a16="http://schemas.microsoft.com/office/drawing/2014/main" id="{25F6CD26-35DF-4E88-82B1-6CCEB9D1FC39}"/>
+                <a16:creationId xmlns="" xmlns:a16="http://schemas.microsoft.com/office/drawing/2014/main" id="{25F6CD26-35DF-4E88-82B1-6CCEB9D1FC39}"/>
               </a:ext>
             </a:extLst>
           </p:cNvPr>
@@ -3978,7 +3985,7 @@
           <p:cNvPr id="44" name="TextBox 43">
             <a:extLst>
               <a:ext uri="{FF2B5EF4-FFF2-40B4-BE49-F238E27FC236}">
-                <a16:creationId xmlns:a16="http://schemas.microsoft.com/office/drawing/2014/main" id="{2E7057CF-F415-4BF5-847E-CB091047DC42}"/>
+                <a16:creationId xmlns="" xmlns:a16="http://schemas.microsoft.com/office/drawing/2014/main" id="{2E7057CF-F415-4BF5-847E-CB091047DC42}"/>
               </a:ext>
             </a:extLst>
           </p:cNvPr>
@@ -4019,7 +4026,7 @@
           <p:cNvPr id="48" name="그룹 47">
             <a:extLst>
               <a:ext uri="{FF2B5EF4-FFF2-40B4-BE49-F238E27FC236}">
-                <a16:creationId xmlns:a16="http://schemas.microsoft.com/office/drawing/2014/main" id="{B60C2020-FC23-4335-A02A-BBE203EC230C}"/>
+                <a16:creationId xmlns="" xmlns:a16="http://schemas.microsoft.com/office/drawing/2014/main" id="{B60C2020-FC23-4335-A02A-BBE203EC230C}"/>
               </a:ext>
             </a:extLst>
           </p:cNvPr>
@@ -4039,7 +4046,7 @@
             <p:cNvPr id="49" name="타원 48">
               <a:extLst>
                 <a:ext uri="{FF2B5EF4-FFF2-40B4-BE49-F238E27FC236}">
-                  <a16:creationId xmlns:a16="http://schemas.microsoft.com/office/drawing/2014/main" id="{1B99A42C-10ED-42E0-8353-B623E0BC42FE}"/>
+                  <a16:creationId xmlns="" xmlns:a16="http://schemas.microsoft.com/office/drawing/2014/main" id="{1B99A42C-10ED-42E0-8353-B623E0BC42FE}"/>
                 </a:ext>
               </a:extLst>
             </p:cNvPr>
@@ -4093,7 +4100,7 @@
             <p:cNvPr id="50" name="직선 화살표 연결선 49">
               <a:extLst>
                 <a:ext uri="{FF2B5EF4-FFF2-40B4-BE49-F238E27FC236}">
-                  <a16:creationId xmlns:a16="http://schemas.microsoft.com/office/drawing/2014/main" id="{5CA10EF9-BFC2-45F6-BBBF-9395FD6A306E}"/>
+                  <a16:creationId xmlns="" xmlns:a16="http://schemas.microsoft.com/office/drawing/2014/main" id="{5CA10EF9-BFC2-45F6-BBBF-9395FD6A306E}"/>
                 </a:ext>
               </a:extLst>
             </p:cNvPr>
@@ -4136,7 +4143,7 @@
             <p:cNvPr id="51" name="TextBox 50">
               <a:extLst>
                 <a:ext uri="{FF2B5EF4-FFF2-40B4-BE49-F238E27FC236}">
-                  <a16:creationId xmlns:a16="http://schemas.microsoft.com/office/drawing/2014/main" id="{421E2104-6B87-41C5-B9B4-21D6EB0D5348}"/>
+                  <a16:creationId xmlns="" xmlns:a16="http://schemas.microsoft.com/office/drawing/2014/main" id="{421E2104-6B87-41C5-B9B4-21D6EB0D5348}"/>
                 </a:ext>
               </a:extLst>
             </p:cNvPr>
@@ -4178,7 +4185,7 @@
           <p:cNvPr id="52" name="직선 화살표 연결선 51">
             <a:extLst>
               <a:ext uri="{FF2B5EF4-FFF2-40B4-BE49-F238E27FC236}">
-                <a16:creationId xmlns:a16="http://schemas.microsoft.com/office/drawing/2014/main" id="{FA1A4E32-443E-4B91-844C-A0AB016C426B}"/>
+                <a16:creationId xmlns="" xmlns:a16="http://schemas.microsoft.com/office/drawing/2014/main" id="{FA1A4E32-443E-4B91-844C-A0AB016C426B}"/>
               </a:ext>
             </a:extLst>
           </p:cNvPr>
@@ -4222,7 +4229,7 @@
           <p:cNvPr id="55" name="TextBox 54">
             <a:extLst>
               <a:ext uri="{FF2B5EF4-FFF2-40B4-BE49-F238E27FC236}">
-                <a16:creationId xmlns:a16="http://schemas.microsoft.com/office/drawing/2014/main" id="{E1635862-17BD-45BC-B3CE-8D6FB3959D90}"/>
+                <a16:creationId xmlns="" xmlns:a16="http://schemas.microsoft.com/office/drawing/2014/main" id="{E1635862-17BD-45BC-B3CE-8D6FB3959D90}"/>
               </a:ext>
             </a:extLst>
           </p:cNvPr>
@@ -4263,7 +4270,7 @@
           <p:cNvPr id="59" name="직선 연결선 58">
             <a:extLst>
               <a:ext uri="{FF2B5EF4-FFF2-40B4-BE49-F238E27FC236}">
-                <a16:creationId xmlns:a16="http://schemas.microsoft.com/office/drawing/2014/main" id="{45D491AA-5BA8-403B-884D-7D6F633F7B2D}"/>
+                <a16:creationId xmlns="" xmlns:a16="http://schemas.microsoft.com/office/drawing/2014/main" id="{45D491AA-5BA8-403B-884D-7D6F633F7B2D}"/>
               </a:ext>
             </a:extLst>
           </p:cNvPr>
@@ -4306,7 +4313,7 @@
           <p:cNvPr id="64" name="직선 화살표 연결선 63">
             <a:extLst>
               <a:ext uri="{FF2B5EF4-FFF2-40B4-BE49-F238E27FC236}">
-                <a16:creationId xmlns:a16="http://schemas.microsoft.com/office/drawing/2014/main" id="{234B6DDF-4888-40F0-AD06-D3967A5DDFD5}"/>
+                <a16:creationId xmlns="" xmlns:a16="http://schemas.microsoft.com/office/drawing/2014/main" id="{234B6DDF-4888-40F0-AD06-D3967A5DDFD5}"/>
               </a:ext>
             </a:extLst>
           </p:cNvPr>
@@ -4349,7 +4356,7 @@
           <p:cNvPr id="65" name="TextBox 64">
             <a:extLst>
               <a:ext uri="{FF2B5EF4-FFF2-40B4-BE49-F238E27FC236}">
-                <a16:creationId xmlns:a16="http://schemas.microsoft.com/office/drawing/2014/main" id="{607B6ACD-BCE1-4FA2-A500-0B3708190F4C}"/>
+                <a16:creationId xmlns="" xmlns:a16="http://schemas.microsoft.com/office/drawing/2014/main" id="{607B6ACD-BCE1-4FA2-A500-0B3708190F4C}"/>
               </a:ext>
             </a:extLst>
           </p:cNvPr>
@@ -4390,7 +4397,7 @@
           <p:cNvPr id="66" name="직사각형 65">
             <a:extLst>
               <a:ext uri="{FF2B5EF4-FFF2-40B4-BE49-F238E27FC236}">
-                <a16:creationId xmlns:a16="http://schemas.microsoft.com/office/drawing/2014/main" id="{A4F25954-D150-4537-8AC5-DCE54AF99D0B}"/>
+                <a16:creationId xmlns="" xmlns:a16="http://schemas.microsoft.com/office/drawing/2014/main" id="{A4F25954-D150-4537-8AC5-DCE54AF99D0B}"/>
               </a:ext>
             </a:extLst>
           </p:cNvPr>
@@ -4444,7 +4451,7 @@
           <p:cNvPr id="68" name="직사각형 67">
             <a:extLst>
               <a:ext uri="{FF2B5EF4-FFF2-40B4-BE49-F238E27FC236}">
-                <a16:creationId xmlns:a16="http://schemas.microsoft.com/office/drawing/2014/main" id="{6DCBB259-0998-46D2-84F6-F993BB10A48C}"/>
+                <a16:creationId xmlns="" xmlns:a16="http://schemas.microsoft.com/office/drawing/2014/main" id="{6DCBB259-0998-46D2-84F6-F993BB10A48C}"/>
               </a:ext>
             </a:extLst>
           </p:cNvPr>
@@ -4498,7 +4505,7 @@
           <p:cNvPr id="69" name="TextBox 68">
             <a:extLst>
               <a:ext uri="{FF2B5EF4-FFF2-40B4-BE49-F238E27FC236}">
-                <a16:creationId xmlns:a16="http://schemas.microsoft.com/office/drawing/2014/main" id="{AB7385E6-33E0-4C25-B06D-B7C0DB036CC3}"/>
+                <a16:creationId xmlns="" xmlns:a16="http://schemas.microsoft.com/office/drawing/2014/main" id="{AB7385E6-33E0-4C25-B06D-B7C0DB036CC3}"/>
               </a:ext>
             </a:extLst>
           </p:cNvPr>
@@ -4542,7 +4549,7 @@
           <p:cNvPr id="70" name="TextBox 69">
             <a:extLst>
               <a:ext uri="{FF2B5EF4-FFF2-40B4-BE49-F238E27FC236}">
-                <a16:creationId xmlns:a16="http://schemas.microsoft.com/office/drawing/2014/main" id="{9E443283-F2F5-47AA-A859-82148E0CE2CD}"/>
+                <a16:creationId xmlns="" xmlns:a16="http://schemas.microsoft.com/office/drawing/2014/main" id="{9E443283-F2F5-47AA-A859-82148E0CE2CD}"/>
               </a:ext>
             </a:extLst>
           </p:cNvPr>
@@ -4588,7 +4595,7 @@
           <p:cNvPr id="71" name="TextBox 70">
             <a:extLst>
               <a:ext uri="{FF2B5EF4-FFF2-40B4-BE49-F238E27FC236}">
-                <a16:creationId xmlns:a16="http://schemas.microsoft.com/office/drawing/2014/main" id="{1F67AAF1-CFB2-4551-8473-2C87EB868572}"/>
+                <a16:creationId xmlns="" xmlns:a16="http://schemas.microsoft.com/office/drawing/2014/main" id="{1F67AAF1-CFB2-4551-8473-2C87EB868572}"/>
               </a:ext>
             </a:extLst>
           </p:cNvPr>
@@ -4632,7 +4639,7 @@
           <p:cNvPr id="73" name="오른쪽 중괄호 72">
             <a:extLst>
               <a:ext uri="{FF2B5EF4-FFF2-40B4-BE49-F238E27FC236}">
-                <a16:creationId xmlns:a16="http://schemas.microsoft.com/office/drawing/2014/main" id="{4ED7A47B-AC09-406B-9A9F-C809146293D3}"/>
+                <a16:creationId xmlns="" xmlns:a16="http://schemas.microsoft.com/office/drawing/2014/main" id="{4ED7A47B-AC09-406B-9A9F-C809146293D3}"/>
               </a:ext>
             </a:extLst>
           </p:cNvPr>
@@ -4679,7 +4686,7 @@
           <p:cNvPr id="74" name="왼쪽 중괄호 73">
             <a:extLst>
               <a:ext uri="{FF2B5EF4-FFF2-40B4-BE49-F238E27FC236}">
-                <a16:creationId xmlns:a16="http://schemas.microsoft.com/office/drawing/2014/main" id="{D4BE8370-CD83-4A4E-B011-2831049DD83D}"/>
+                <a16:creationId xmlns="" xmlns:a16="http://schemas.microsoft.com/office/drawing/2014/main" id="{D4BE8370-CD83-4A4E-B011-2831049DD83D}"/>
               </a:ext>
             </a:extLst>
           </p:cNvPr>
@@ -4723,7 +4730,7 @@
           <p:cNvPr id="75" name="TextBox 74">
             <a:extLst>
               <a:ext uri="{FF2B5EF4-FFF2-40B4-BE49-F238E27FC236}">
-                <a16:creationId xmlns:a16="http://schemas.microsoft.com/office/drawing/2014/main" id="{5F0F758F-A0CC-491F-AE91-E529C9D6851C}"/>
+                <a16:creationId xmlns="" xmlns:a16="http://schemas.microsoft.com/office/drawing/2014/main" id="{5F0F758F-A0CC-491F-AE91-E529C9D6851C}"/>
               </a:ext>
             </a:extLst>
           </p:cNvPr>
@@ -4767,7 +4774,7 @@
           <p:cNvPr id="76" name="왼쪽 중괄호 75">
             <a:extLst>
               <a:ext uri="{FF2B5EF4-FFF2-40B4-BE49-F238E27FC236}">
-                <a16:creationId xmlns:a16="http://schemas.microsoft.com/office/drawing/2014/main" id="{651D63D5-F656-42DA-8583-692911B08301}"/>
+                <a16:creationId xmlns="" xmlns:a16="http://schemas.microsoft.com/office/drawing/2014/main" id="{651D63D5-F656-42DA-8583-692911B08301}"/>
               </a:ext>
             </a:extLst>
           </p:cNvPr>
@@ -4811,7 +4818,7 @@
           <p:cNvPr id="77" name="TextBox 76">
             <a:extLst>
               <a:ext uri="{FF2B5EF4-FFF2-40B4-BE49-F238E27FC236}">
-                <a16:creationId xmlns:a16="http://schemas.microsoft.com/office/drawing/2014/main" id="{0EA958A9-9369-4363-9D5F-FDE90905CC8D}"/>
+                <a16:creationId xmlns="" xmlns:a16="http://schemas.microsoft.com/office/drawing/2014/main" id="{0EA958A9-9369-4363-9D5F-FDE90905CC8D}"/>
               </a:ext>
             </a:extLst>
           </p:cNvPr>
@@ -4855,7 +4862,7 @@
           <p:cNvPr id="78" name="직사각형 77">
             <a:extLst>
               <a:ext uri="{FF2B5EF4-FFF2-40B4-BE49-F238E27FC236}">
-                <a16:creationId xmlns:a16="http://schemas.microsoft.com/office/drawing/2014/main" id="{3394C3F3-8EDE-4AA6-8D02-FA02C389D83D}"/>
+                <a16:creationId xmlns="" xmlns:a16="http://schemas.microsoft.com/office/drawing/2014/main" id="{3394C3F3-8EDE-4AA6-8D02-FA02C389D83D}"/>
               </a:ext>
             </a:extLst>
           </p:cNvPr>
@@ -4909,7 +4916,7 @@
           <p:cNvPr id="90" name="그룹 89">
             <a:extLst>
               <a:ext uri="{FF2B5EF4-FFF2-40B4-BE49-F238E27FC236}">
-                <a16:creationId xmlns:a16="http://schemas.microsoft.com/office/drawing/2014/main" id="{3266F12E-EF10-4B18-A10F-5740263E80BC}"/>
+                <a16:creationId xmlns="" xmlns:a16="http://schemas.microsoft.com/office/drawing/2014/main" id="{3266F12E-EF10-4B18-A10F-5740263E80BC}"/>
               </a:ext>
             </a:extLst>
           </p:cNvPr>
@@ -4929,7 +4936,7 @@
             <p:cNvPr id="84" name="TextBox 83">
               <a:extLst>
                 <a:ext uri="{FF2B5EF4-FFF2-40B4-BE49-F238E27FC236}">
-                  <a16:creationId xmlns:a16="http://schemas.microsoft.com/office/drawing/2014/main" id="{0D4D0129-94E1-4D54-8623-9AB0ACD99DC9}"/>
+                  <a16:creationId xmlns="" xmlns:a16="http://schemas.microsoft.com/office/drawing/2014/main" id="{0D4D0129-94E1-4D54-8623-9AB0ACD99DC9}"/>
                 </a:ext>
               </a:extLst>
             </p:cNvPr>
@@ -4986,6 +4993,10 @@
               <a:endParaRPr lang="en-US" altLang="ko-KR" sz="1000" dirty="0"/>
             </a:p>
             <a:p>
+              <a:r>
+                <a:rPr lang="en-US" altLang="ko-KR" sz="1000" dirty="0"/>
+                <a:t/>
+              </a:r>
               <a:br>
                 <a:rPr lang="en-US" altLang="ko-KR" sz="1000" dirty="0"/>
               </a:br>
@@ -5023,7 +5034,7 @@
             <p:cNvPr id="85" name="타원 84">
               <a:extLst>
                 <a:ext uri="{FF2B5EF4-FFF2-40B4-BE49-F238E27FC236}">
-                  <a16:creationId xmlns:a16="http://schemas.microsoft.com/office/drawing/2014/main" id="{5F5F62E0-F2F9-4FF1-9922-8461DC638368}"/>
+                  <a16:creationId xmlns="" xmlns:a16="http://schemas.microsoft.com/office/drawing/2014/main" id="{5F5F62E0-F2F9-4FF1-9922-8461DC638368}"/>
                 </a:ext>
               </a:extLst>
             </p:cNvPr>
@@ -5077,7 +5088,7 @@
             <p:cNvPr id="86" name="직사각형 85">
               <a:extLst>
                 <a:ext uri="{FF2B5EF4-FFF2-40B4-BE49-F238E27FC236}">
-                  <a16:creationId xmlns:a16="http://schemas.microsoft.com/office/drawing/2014/main" id="{577B372C-927E-4263-AA66-0A45EAB1DF04}"/>
+                  <a16:creationId xmlns="" xmlns:a16="http://schemas.microsoft.com/office/drawing/2014/main" id="{577B372C-927E-4263-AA66-0A45EAB1DF04}"/>
                 </a:ext>
               </a:extLst>
             </p:cNvPr>
@@ -5135,7 +5146,7 @@
           <p:cNvPr id="92" name="그룹 91">
             <a:extLst>
               <a:ext uri="{FF2B5EF4-FFF2-40B4-BE49-F238E27FC236}">
-                <a16:creationId xmlns:a16="http://schemas.microsoft.com/office/drawing/2014/main" id="{E6D27DBE-7953-416B-BF32-4418F44F4C50}"/>
+                <a16:creationId xmlns="" xmlns:a16="http://schemas.microsoft.com/office/drawing/2014/main" id="{E6D27DBE-7953-416B-BF32-4418F44F4C50}"/>
               </a:ext>
             </a:extLst>
           </p:cNvPr>
@@ -5155,7 +5166,7 @@
             <p:cNvPr id="93" name="TextBox 92">
               <a:extLst>
                 <a:ext uri="{FF2B5EF4-FFF2-40B4-BE49-F238E27FC236}">
-                  <a16:creationId xmlns:a16="http://schemas.microsoft.com/office/drawing/2014/main" id="{EC4DBD43-148B-4897-8088-0FA1AEA81EEF}"/>
+                  <a16:creationId xmlns="" xmlns:a16="http://schemas.microsoft.com/office/drawing/2014/main" id="{EC4DBD43-148B-4897-8088-0FA1AEA81EEF}"/>
                 </a:ext>
               </a:extLst>
             </p:cNvPr>
@@ -5265,7 +5276,7 @@
             <p:cNvPr id="94" name="타원 93">
               <a:extLst>
                 <a:ext uri="{FF2B5EF4-FFF2-40B4-BE49-F238E27FC236}">
-                  <a16:creationId xmlns:a16="http://schemas.microsoft.com/office/drawing/2014/main" id="{261C02D0-EA84-4424-95C4-06A1205AA05A}"/>
+                  <a16:creationId xmlns="" xmlns:a16="http://schemas.microsoft.com/office/drawing/2014/main" id="{261C02D0-EA84-4424-95C4-06A1205AA05A}"/>
                 </a:ext>
               </a:extLst>
             </p:cNvPr>
@@ -5319,7 +5330,7 @@
             <p:cNvPr id="95" name="직사각형 94">
               <a:extLst>
                 <a:ext uri="{FF2B5EF4-FFF2-40B4-BE49-F238E27FC236}">
-                  <a16:creationId xmlns:a16="http://schemas.microsoft.com/office/drawing/2014/main" id="{AC4569CC-589F-431C-939D-668ED7951BE7}"/>
+                  <a16:creationId xmlns="" xmlns:a16="http://schemas.microsoft.com/office/drawing/2014/main" id="{AC4569CC-589F-431C-939D-668ED7951BE7}"/>
                 </a:ext>
               </a:extLst>
             </p:cNvPr>
@@ -5377,7 +5388,7 @@
           <p:cNvPr id="96" name="직사각형 95">
             <a:extLst>
               <a:ext uri="{FF2B5EF4-FFF2-40B4-BE49-F238E27FC236}">
-                <a16:creationId xmlns:a16="http://schemas.microsoft.com/office/drawing/2014/main" id="{D3E20144-6713-4E25-A870-958E31BE2D30}"/>
+                <a16:creationId xmlns="" xmlns:a16="http://schemas.microsoft.com/office/drawing/2014/main" id="{D3E20144-6713-4E25-A870-958E31BE2D30}"/>
               </a:ext>
             </a:extLst>
           </p:cNvPr>
@@ -5431,7 +5442,7 @@
           <p:cNvPr id="98" name="직사각형 97">
             <a:extLst>
               <a:ext uri="{FF2B5EF4-FFF2-40B4-BE49-F238E27FC236}">
-                <a16:creationId xmlns:a16="http://schemas.microsoft.com/office/drawing/2014/main" id="{95B1E11E-7A14-45AB-AF49-089D9CA8B59C}"/>
+                <a16:creationId xmlns="" xmlns:a16="http://schemas.microsoft.com/office/drawing/2014/main" id="{95B1E11E-7A14-45AB-AF49-089D9CA8B59C}"/>
               </a:ext>
             </a:extLst>
           </p:cNvPr>
@@ -5485,7 +5496,7 @@
           <p:cNvPr id="99" name="직사각형 98">
             <a:extLst>
               <a:ext uri="{FF2B5EF4-FFF2-40B4-BE49-F238E27FC236}">
-                <a16:creationId xmlns:a16="http://schemas.microsoft.com/office/drawing/2014/main" id="{6E9430C2-B03D-4904-A3BB-DEE9C3ED215A}"/>
+                <a16:creationId xmlns="" xmlns:a16="http://schemas.microsoft.com/office/drawing/2014/main" id="{6E9430C2-B03D-4904-A3BB-DEE9C3ED215A}"/>
               </a:ext>
             </a:extLst>
           </p:cNvPr>
@@ -5539,7 +5550,7 @@
           <p:cNvPr id="100" name="직사각형 99">
             <a:extLst>
               <a:ext uri="{FF2B5EF4-FFF2-40B4-BE49-F238E27FC236}">
-                <a16:creationId xmlns:a16="http://schemas.microsoft.com/office/drawing/2014/main" id="{D07D2E78-FA0B-44A6-9C91-7D6F0FCE2D63}"/>
+                <a16:creationId xmlns="" xmlns:a16="http://schemas.microsoft.com/office/drawing/2014/main" id="{D07D2E78-FA0B-44A6-9C91-7D6F0FCE2D63}"/>
               </a:ext>
             </a:extLst>
           </p:cNvPr>
@@ -5593,7 +5604,7 @@
           <p:cNvPr id="101" name="직사각형 100">
             <a:extLst>
               <a:ext uri="{FF2B5EF4-FFF2-40B4-BE49-F238E27FC236}">
-                <a16:creationId xmlns:a16="http://schemas.microsoft.com/office/drawing/2014/main" id="{4043A908-C547-49CB-A640-5D71E5303F44}"/>
+                <a16:creationId xmlns="" xmlns:a16="http://schemas.microsoft.com/office/drawing/2014/main" id="{4043A908-C547-49CB-A640-5D71E5303F44}"/>
               </a:ext>
             </a:extLst>
           </p:cNvPr>
@@ -5647,7 +5658,7 @@
           <p:cNvPr id="102" name="직사각형 101">
             <a:extLst>
               <a:ext uri="{FF2B5EF4-FFF2-40B4-BE49-F238E27FC236}">
-                <a16:creationId xmlns:a16="http://schemas.microsoft.com/office/drawing/2014/main" id="{843167CF-D4D8-498C-9E76-EE1064B6CD1F}"/>
+                <a16:creationId xmlns="" xmlns:a16="http://schemas.microsoft.com/office/drawing/2014/main" id="{843167CF-D4D8-498C-9E76-EE1064B6CD1F}"/>
               </a:ext>
             </a:extLst>
           </p:cNvPr>
@@ -5701,7 +5712,7 @@
           <p:cNvPr id="103" name="직사각형 102">
             <a:extLst>
               <a:ext uri="{FF2B5EF4-FFF2-40B4-BE49-F238E27FC236}">
-                <a16:creationId xmlns:a16="http://schemas.microsoft.com/office/drawing/2014/main" id="{99D07B69-57CC-4DF9-98E1-D908CFDAF067}"/>
+                <a16:creationId xmlns="" xmlns:a16="http://schemas.microsoft.com/office/drawing/2014/main" id="{99D07B69-57CC-4DF9-98E1-D908CFDAF067}"/>
               </a:ext>
             </a:extLst>
           </p:cNvPr>
@@ -5755,7 +5766,7 @@
           <p:cNvPr id="104" name="직사각형 103">
             <a:extLst>
               <a:ext uri="{FF2B5EF4-FFF2-40B4-BE49-F238E27FC236}">
-                <a16:creationId xmlns:a16="http://schemas.microsoft.com/office/drawing/2014/main" id="{A4F63C0A-84B5-4E21-BBF6-DE29C51395F1}"/>
+                <a16:creationId xmlns="" xmlns:a16="http://schemas.microsoft.com/office/drawing/2014/main" id="{A4F63C0A-84B5-4E21-BBF6-DE29C51395F1}"/>
               </a:ext>
             </a:extLst>
           </p:cNvPr>
@@ -5809,7 +5820,7 @@
           <p:cNvPr id="106" name="직사각형 105">
             <a:extLst>
               <a:ext uri="{FF2B5EF4-FFF2-40B4-BE49-F238E27FC236}">
-                <a16:creationId xmlns:a16="http://schemas.microsoft.com/office/drawing/2014/main" id="{3EE46C2C-1473-4BB7-A028-CDFB082A4730}"/>
+                <a16:creationId xmlns="" xmlns:a16="http://schemas.microsoft.com/office/drawing/2014/main" id="{3EE46C2C-1473-4BB7-A028-CDFB082A4730}"/>
               </a:ext>
             </a:extLst>
           </p:cNvPr>
@@ -5863,7 +5874,7 @@
           <p:cNvPr id="107" name="직사각형 106">
             <a:extLst>
               <a:ext uri="{FF2B5EF4-FFF2-40B4-BE49-F238E27FC236}">
-                <a16:creationId xmlns:a16="http://schemas.microsoft.com/office/drawing/2014/main" id="{3A75657D-809B-44DC-BD15-B5442E8A5389}"/>
+                <a16:creationId xmlns="" xmlns:a16="http://schemas.microsoft.com/office/drawing/2014/main" id="{3A75657D-809B-44DC-BD15-B5442E8A5389}"/>
               </a:ext>
             </a:extLst>
           </p:cNvPr>
@@ -5917,7 +5928,7 @@
           <p:cNvPr id="108" name="직사각형 107">
             <a:extLst>
               <a:ext uri="{FF2B5EF4-FFF2-40B4-BE49-F238E27FC236}">
-                <a16:creationId xmlns:a16="http://schemas.microsoft.com/office/drawing/2014/main" id="{34C948D3-2172-4231-B881-1467EDD6F38A}"/>
+                <a16:creationId xmlns="" xmlns:a16="http://schemas.microsoft.com/office/drawing/2014/main" id="{34C948D3-2172-4231-B881-1467EDD6F38A}"/>
               </a:ext>
             </a:extLst>
           </p:cNvPr>
@@ -5971,7 +5982,7 @@
           <p:cNvPr id="109" name="직사각형 108">
             <a:extLst>
               <a:ext uri="{FF2B5EF4-FFF2-40B4-BE49-F238E27FC236}">
-                <a16:creationId xmlns:a16="http://schemas.microsoft.com/office/drawing/2014/main" id="{5069912C-4D8C-4E21-87C6-AF1AC88F6CBD}"/>
+                <a16:creationId xmlns="" xmlns:a16="http://schemas.microsoft.com/office/drawing/2014/main" id="{5069912C-4D8C-4E21-87C6-AF1AC88F6CBD}"/>
               </a:ext>
             </a:extLst>
           </p:cNvPr>
@@ -6025,7 +6036,7 @@
           <p:cNvPr id="110" name="직사각형 109">
             <a:extLst>
               <a:ext uri="{FF2B5EF4-FFF2-40B4-BE49-F238E27FC236}">
-                <a16:creationId xmlns:a16="http://schemas.microsoft.com/office/drawing/2014/main" id="{93FEF782-B96F-4AA2-AFF3-0155CF5ABF0E}"/>
+                <a16:creationId xmlns="" xmlns:a16="http://schemas.microsoft.com/office/drawing/2014/main" id="{93FEF782-B96F-4AA2-AFF3-0155CF5ABF0E}"/>
               </a:ext>
             </a:extLst>
           </p:cNvPr>
@@ -6079,7 +6090,7 @@
           <p:cNvPr id="111" name="왼쪽 중괄호 110">
             <a:extLst>
               <a:ext uri="{FF2B5EF4-FFF2-40B4-BE49-F238E27FC236}">
-                <a16:creationId xmlns:a16="http://schemas.microsoft.com/office/drawing/2014/main" id="{BDAFC3FB-6A6A-45F0-B9E7-D3B3CF42CA05}"/>
+                <a16:creationId xmlns="" xmlns:a16="http://schemas.microsoft.com/office/drawing/2014/main" id="{BDAFC3FB-6A6A-45F0-B9E7-D3B3CF42CA05}"/>
               </a:ext>
             </a:extLst>
           </p:cNvPr>
@@ -6123,7 +6134,7 @@
           <p:cNvPr id="112" name="TextBox 111">
             <a:extLst>
               <a:ext uri="{FF2B5EF4-FFF2-40B4-BE49-F238E27FC236}">
-                <a16:creationId xmlns:a16="http://schemas.microsoft.com/office/drawing/2014/main" id="{5E9DD45A-B690-44D6-A0C8-ED936D281244}"/>
+                <a16:creationId xmlns="" xmlns:a16="http://schemas.microsoft.com/office/drawing/2014/main" id="{5E9DD45A-B690-44D6-A0C8-ED936D281244}"/>
               </a:ext>
             </a:extLst>
           </p:cNvPr>
@@ -6225,7 +6236,7 @@
           <p:cNvPr id="113" name="직사각형 112">
             <a:extLst>
               <a:ext uri="{FF2B5EF4-FFF2-40B4-BE49-F238E27FC236}">
-                <a16:creationId xmlns:a16="http://schemas.microsoft.com/office/drawing/2014/main" id="{B1B92AD2-4462-4419-9811-58AF185F9A41}"/>
+                <a16:creationId xmlns="" xmlns:a16="http://schemas.microsoft.com/office/drawing/2014/main" id="{B1B92AD2-4462-4419-9811-58AF185F9A41}"/>
               </a:ext>
             </a:extLst>
           </p:cNvPr>
@@ -6279,7 +6290,7 @@
           <p:cNvPr id="114" name="직사각형 113">
             <a:extLst>
               <a:ext uri="{FF2B5EF4-FFF2-40B4-BE49-F238E27FC236}">
-                <a16:creationId xmlns:a16="http://schemas.microsoft.com/office/drawing/2014/main" id="{D5AF3640-982F-42AC-BCB9-7A8DECBFE748}"/>
+                <a16:creationId xmlns="" xmlns:a16="http://schemas.microsoft.com/office/drawing/2014/main" id="{D5AF3640-982F-42AC-BCB9-7A8DECBFE748}"/>
               </a:ext>
             </a:extLst>
           </p:cNvPr>
@@ -6333,7 +6344,7 @@
           <p:cNvPr id="115" name="직사각형 114">
             <a:extLst>
               <a:ext uri="{FF2B5EF4-FFF2-40B4-BE49-F238E27FC236}">
-                <a16:creationId xmlns:a16="http://schemas.microsoft.com/office/drawing/2014/main" id="{92209C06-078B-4721-B76B-33BE33BEC704}"/>
+                <a16:creationId xmlns="" xmlns:a16="http://schemas.microsoft.com/office/drawing/2014/main" id="{92209C06-078B-4721-B76B-33BE33BEC704}"/>
               </a:ext>
             </a:extLst>
           </p:cNvPr>
@@ -6387,7 +6398,7 @@
           <p:cNvPr id="116" name="직사각형 115">
             <a:extLst>
               <a:ext uri="{FF2B5EF4-FFF2-40B4-BE49-F238E27FC236}">
-                <a16:creationId xmlns:a16="http://schemas.microsoft.com/office/drawing/2014/main" id="{527F1F91-E7E4-4308-A62F-2850E9D1C2F7}"/>
+                <a16:creationId xmlns="" xmlns:a16="http://schemas.microsoft.com/office/drawing/2014/main" id="{527F1F91-E7E4-4308-A62F-2850E9D1C2F7}"/>
               </a:ext>
             </a:extLst>
           </p:cNvPr>
@@ -6441,7 +6452,7 @@
           <p:cNvPr id="117" name="직사각형 116">
             <a:extLst>
               <a:ext uri="{FF2B5EF4-FFF2-40B4-BE49-F238E27FC236}">
-                <a16:creationId xmlns:a16="http://schemas.microsoft.com/office/drawing/2014/main" id="{444E7598-53E5-440B-9175-63569EFE2CC5}"/>
+                <a16:creationId xmlns="" xmlns:a16="http://schemas.microsoft.com/office/drawing/2014/main" id="{444E7598-53E5-440B-9175-63569EFE2CC5}"/>
               </a:ext>
             </a:extLst>
           </p:cNvPr>
@@ -6495,7 +6506,7 @@
           <p:cNvPr id="118" name="직사각형 117">
             <a:extLst>
               <a:ext uri="{FF2B5EF4-FFF2-40B4-BE49-F238E27FC236}">
-                <a16:creationId xmlns:a16="http://schemas.microsoft.com/office/drawing/2014/main" id="{78964BB3-1232-4605-AD6F-DF1924C16B7B}"/>
+                <a16:creationId xmlns="" xmlns:a16="http://schemas.microsoft.com/office/drawing/2014/main" id="{78964BB3-1232-4605-AD6F-DF1924C16B7B}"/>
               </a:ext>
             </a:extLst>
           </p:cNvPr>
@@ -6549,7 +6560,7 @@
           <p:cNvPr id="119" name="직사각형 118">
             <a:extLst>
               <a:ext uri="{FF2B5EF4-FFF2-40B4-BE49-F238E27FC236}">
-                <a16:creationId xmlns:a16="http://schemas.microsoft.com/office/drawing/2014/main" id="{5E451305-8F0E-46E2-99E7-97EFC89432A1}"/>
+                <a16:creationId xmlns="" xmlns:a16="http://schemas.microsoft.com/office/drawing/2014/main" id="{5E451305-8F0E-46E2-99E7-97EFC89432A1}"/>
               </a:ext>
             </a:extLst>
           </p:cNvPr>
@@ -6603,7 +6614,7 @@
           <p:cNvPr id="120" name="직사각형 119">
             <a:extLst>
               <a:ext uri="{FF2B5EF4-FFF2-40B4-BE49-F238E27FC236}">
-                <a16:creationId xmlns:a16="http://schemas.microsoft.com/office/drawing/2014/main" id="{6D54F0F7-CDB7-468B-85C9-F3D852D64B81}"/>
+                <a16:creationId xmlns="" xmlns:a16="http://schemas.microsoft.com/office/drawing/2014/main" id="{6D54F0F7-CDB7-468B-85C9-F3D852D64B81}"/>
               </a:ext>
             </a:extLst>
           </p:cNvPr>
@@ -6657,7 +6668,7 @@
           <p:cNvPr id="121" name="직사각형 120">
             <a:extLst>
               <a:ext uri="{FF2B5EF4-FFF2-40B4-BE49-F238E27FC236}">
-                <a16:creationId xmlns:a16="http://schemas.microsoft.com/office/drawing/2014/main" id="{479F67A3-1E64-4D87-AAD6-0BA2BDC4EC1A}"/>
+                <a16:creationId xmlns="" xmlns:a16="http://schemas.microsoft.com/office/drawing/2014/main" id="{479F67A3-1E64-4D87-AAD6-0BA2BDC4EC1A}"/>
               </a:ext>
             </a:extLst>
           </p:cNvPr>
@@ -6711,7 +6722,7 @@
           <p:cNvPr id="122" name="직사각형 121">
             <a:extLst>
               <a:ext uri="{FF2B5EF4-FFF2-40B4-BE49-F238E27FC236}">
-                <a16:creationId xmlns:a16="http://schemas.microsoft.com/office/drawing/2014/main" id="{88C053F9-1009-4D58-B1DB-2637632D6557}"/>
+                <a16:creationId xmlns="" xmlns:a16="http://schemas.microsoft.com/office/drawing/2014/main" id="{88C053F9-1009-4D58-B1DB-2637632D6557}"/>
               </a:ext>
             </a:extLst>
           </p:cNvPr>
@@ -6765,7 +6776,7 @@
           <p:cNvPr id="123" name="직사각형 122">
             <a:extLst>
               <a:ext uri="{FF2B5EF4-FFF2-40B4-BE49-F238E27FC236}">
-                <a16:creationId xmlns:a16="http://schemas.microsoft.com/office/drawing/2014/main" id="{F15651A3-DB9B-4796-9EE7-B511FE4CB6C3}"/>
+                <a16:creationId xmlns="" xmlns:a16="http://schemas.microsoft.com/office/drawing/2014/main" id="{F15651A3-DB9B-4796-9EE7-B511FE4CB6C3}"/>
               </a:ext>
             </a:extLst>
           </p:cNvPr>
@@ -6819,7 +6830,7 @@
           <p:cNvPr id="124" name="직사각형 123">
             <a:extLst>
               <a:ext uri="{FF2B5EF4-FFF2-40B4-BE49-F238E27FC236}">
-                <a16:creationId xmlns:a16="http://schemas.microsoft.com/office/drawing/2014/main" id="{FAEB40AB-9177-4C0C-8FCA-654BD4C8D11D}"/>
+                <a16:creationId xmlns="" xmlns:a16="http://schemas.microsoft.com/office/drawing/2014/main" id="{FAEB40AB-9177-4C0C-8FCA-654BD4C8D11D}"/>
               </a:ext>
             </a:extLst>
           </p:cNvPr>
@@ -6873,7 +6884,7 @@
           <p:cNvPr id="125" name="직사각형 124">
             <a:extLst>
               <a:ext uri="{FF2B5EF4-FFF2-40B4-BE49-F238E27FC236}">
-                <a16:creationId xmlns:a16="http://schemas.microsoft.com/office/drawing/2014/main" id="{89B12FEF-E510-4309-B410-0B26816996F9}"/>
+                <a16:creationId xmlns="" xmlns:a16="http://schemas.microsoft.com/office/drawing/2014/main" id="{89B12FEF-E510-4309-B410-0B26816996F9}"/>
               </a:ext>
             </a:extLst>
           </p:cNvPr>
@@ -6927,7 +6938,7 @@
           <p:cNvPr id="126" name="직사각형 125">
             <a:extLst>
               <a:ext uri="{FF2B5EF4-FFF2-40B4-BE49-F238E27FC236}">
-                <a16:creationId xmlns:a16="http://schemas.microsoft.com/office/drawing/2014/main" id="{E11D7440-05C2-4EAB-A236-8039A06DFA83}"/>
+                <a16:creationId xmlns="" xmlns:a16="http://schemas.microsoft.com/office/drawing/2014/main" id="{E11D7440-05C2-4EAB-A236-8039A06DFA83}"/>
               </a:ext>
             </a:extLst>
           </p:cNvPr>
@@ -6981,7 +6992,7 @@
           <p:cNvPr id="127" name="직사각형 126">
             <a:extLst>
               <a:ext uri="{FF2B5EF4-FFF2-40B4-BE49-F238E27FC236}">
-                <a16:creationId xmlns:a16="http://schemas.microsoft.com/office/drawing/2014/main" id="{1E68E927-3C1A-4DD0-805A-EA5AA98EBA24}"/>
+                <a16:creationId xmlns="" xmlns:a16="http://schemas.microsoft.com/office/drawing/2014/main" id="{1E68E927-3C1A-4DD0-805A-EA5AA98EBA24}"/>
               </a:ext>
             </a:extLst>
           </p:cNvPr>
@@ -7035,7 +7046,7 @@
           <p:cNvPr id="128" name="직사각형 127">
             <a:extLst>
               <a:ext uri="{FF2B5EF4-FFF2-40B4-BE49-F238E27FC236}">
-                <a16:creationId xmlns:a16="http://schemas.microsoft.com/office/drawing/2014/main" id="{4F6B78E7-12F7-4FDD-AE48-024A26319207}"/>
+                <a16:creationId xmlns="" xmlns:a16="http://schemas.microsoft.com/office/drawing/2014/main" id="{4F6B78E7-12F7-4FDD-AE48-024A26319207}"/>
               </a:ext>
             </a:extLst>
           </p:cNvPr>
@@ -7089,7 +7100,7 @@
           <p:cNvPr id="129" name="직사각형 128">
             <a:extLst>
               <a:ext uri="{FF2B5EF4-FFF2-40B4-BE49-F238E27FC236}">
-                <a16:creationId xmlns:a16="http://schemas.microsoft.com/office/drawing/2014/main" id="{062C1480-4B0D-467C-8A9D-01D13D06687B}"/>
+                <a16:creationId xmlns="" xmlns:a16="http://schemas.microsoft.com/office/drawing/2014/main" id="{062C1480-4B0D-467C-8A9D-01D13D06687B}"/>
               </a:ext>
             </a:extLst>
           </p:cNvPr>
@@ -7143,7 +7154,7 @@
           <p:cNvPr id="130" name="직사각형 129">
             <a:extLst>
               <a:ext uri="{FF2B5EF4-FFF2-40B4-BE49-F238E27FC236}">
-                <a16:creationId xmlns:a16="http://schemas.microsoft.com/office/drawing/2014/main" id="{1FAF466C-36DC-45FB-ABE4-537A21792308}"/>
+                <a16:creationId xmlns="" xmlns:a16="http://schemas.microsoft.com/office/drawing/2014/main" id="{1FAF466C-36DC-45FB-ABE4-537A21792308}"/>
               </a:ext>
             </a:extLst>
           </p:cNvPr>
@@ -7197,7 +7208,7 @@
           <p:cNvPr id="131" name="직사각형 130">
             <a:extLst>
               <a:ext uri="{FF2B5EF4-FFF2-40B4-BE49-F238E27FC236}">
-                <a16:creationId xmlns:a16="http://schemas.microsoft.com/office/drawing/2014/main" id="{1B243C6E-71F5-415B-9D4C-E7278C8BE1BB}"/>
+                <a16:creationId xmlns="" xmlns:a16="http://schemas.microsoft.com/office/drawing/2014/main" id="{1B243C6E-71F5-415B-9D4C-E7278C8BE1BB}"/>
               </a:ext>
             </a:extLst>
           </p:cNvPr>
@@ -7251,7 +7262,7 @@
           <p:cNvPr id="132" name="직사각형 131">
             <a:extLst>
               <a:ext uri="{FF2B5EF4-FFF2-40B4-BE49-F238E27FC236}">
-                <a16:creationId xmlns:a16="http://schemas.microsoft.com/office/drawing/2014/main" id="{AC0D24CA-FDF4-467F-8339-9F61E394ED29}"/>
+                <a16:creationId xmlns="" xmlns:a16="http://schemas.microsoft.com/office/drawing/2014/main" id="{AC0D24CA-FDF4-467F-8339-9F61E394ED29}"/>
               </a:ext>
             </a:extLst>
           </p:cNvPr>
@@ -7305,7 +7316,7 @@
           <p:cNvPr id="133" name="직사각형 132">
             <a:extLst>
               <a:ext uri="{FF2B5EF4-FFF2-40B4-BE49-F238E27FC236}">
-                <a16:creationId xmlns:a16="http://schemas.microsoft.com/office/drawing/2014/main" id="{32A36638-BD9E-488B-B31C-7961E0861439}"/>
+                <a16:creationId xmlns="" xmlns:a16="http://schemas.microsoft.com/office/drawing/2014/main" id="{32A36638-BD9E-488B-B31C-7961E0861439}"/>
               </a:ext>
             </a:extLst>
           </p:cNvPr>
@@ -7361,7 +7372,7 @@
           <p:cNvPr id="136" name="TextBox 135">
             <a:extLst>
               <a:ext uri="{FF2B5EF4-FFF2-40B4-BE49-F238E27FC236}">
-                <a16:creationId xmlns:a16="http://schemas.microsoft.com/office/drawing/2014/main" id="{C5DF76BA-2E32-4F49-B9F7-432E1042DB16}"/>
+                <a16:creationId xmlns="" xmlns:a16="http://schemas.microsoft.com/office/drawing/2014/main" id="{C5DF76BA-2E32-4F49-B9F7-432E1042DB16}"/>
               </a:ext>
             </a:extLst>
           </p:cNvPr>
@@ -7426,7 +7437,7 @@
           <p:cNvPr id="137" name="직사각형 136">
             <a:extLst>
               <a:ext uri="{FF2B5EF4-FFF2-40B4-BE49-F238E27FC236}">
-                <a16:creationId xmlns:a16="http://schemas.microsoft.com/office/drawing/2014/main" id="{D9C09403-9E6D-4B11-B276-D24B4860AFAA}"/>
+                <a16:creationId xmlns="" xmlns:a16="http://schemas.microsoft.com/office/drawing/2014/main" id="{D9C09403-9E6D-4B11-B276-D24B4860AFAA}"/>
               </a:ext>
             </a:extLst>
           </p:cNvPr>
@@ -7480,7 +7491,7 @@
           <p:cNvPr id="138" name="TextBox 137">
             <a:extLst>
               <a:ext uri="{FF2B5EF4-FFF2-40B4-BE49-F238E27FC236}">
-                <a16:creationId xmlns:a16="http://schemas.microsoft.com/office/drawing/2014/main" id="{3AD3163A-68E0-4CF8-9763-550C0E82AB8A}"/>
+                <a16:creationId xmlns="" xmlns:a16="http://schemas.microsoft.com/office/drawing/2014/main" id="{3AD3163A-68E0-4CF8-9763-550C0E82AB8A}"/>
               </a:ext>
             </a:extLst>
           </p:cNvPr>
@@ -7519,7 +7530,7 @@
           <p:cNvPr id="140" name="직선 연결선 139">
             <a:extLst>
               <a:ext uri="{FF2B5EF4-FFF2-40B4-BE49-F238E27FC236}">
-                <a16:creationId xmlns:a16="http://schemas.microsoft.com/office/drawing/2014/main" id="{3E83F32F-AD39-417A-BFE4-A5C995FE1AB0}"/>
+                <a16:creationId xmlns="" xmlns:a16="http://schemas.microsoft.com/office/drawing/2014/main" id="{3E83F32F-AD39-417A-BFE4-A5C995FE1AB0}"/>
               </a:ext>
             </a:extLst>
           </p:cNvPr>
@@ -7560,7 +7571,7 @@
           <p:cNvPr id="142" name="화살표: 오각형 141">
             <a:extLst>
               <a:ext uri="{FF2B5EF4-FFF2-40B4-BE49-F238E27FC236}">
-                <a16:creationId xmlns:a16="http://schemas.microsoft.com/office/drawing/2014/main" id="{530F07DE-64FE-46B3-A550-19501793C229}"/>
+                <a16:creationId xmlns="" xmlns:a16="http://schemas.microsoft.com/office/drawing/2014/main" id="{530F07DE-64FE-46B3-A550-19501793C229}"/>
               </a:ext>
             </a:extLst>
           </p:cNvPr>
@@ -7614,7 +7625,7 @@
           <p:cNvPr id="143" name="타원 142">
             <a:extLst>
               <a:ext uri="{FF2B5EF4-FFF2-40B4-BE49-F238E27FC236}">
-                <a16:creationId xmlns:a16="http://schemas.microsoft.com/office/drawing/2014/main" id="{3F1588A3-6B16-4088-AED8-236ACFD5E81E}"/>
+                <a16:creationId xmlns="" xmlns:a16="http://schemas.microsoft.com/office/drawing/2014/main" id="{3F1588A3-6B16-4088-AED8-236ACFD5E81E}"/>
               </a:ext>
             </a:extLst>
           </p:cNvPr>
@@ -7666,7 +7677,7 @@
           <p:cNvPr id="144" name="타원 143">
             <a:extLst>
               <a:ext uri="{FF2B5EF4-FFF2-40B4-BE49-F238E27FC236}">
-                <a16:creationId xmlns:a16="http://schemas.microsoft.com/office/drawing/2014/main" id="{3FABE189-F3A9-4BF8-BDC0-1CFD2E8AEBEB}"/>
+                <a16:creationId xmlns="" xmlns:a16="http://schemas.microsoft.com/office/drawing/2014/main" id="{3FABE189-F3A9-4BF8-BDC0-1CFD2E8AEBEB}"/>
               </a:ext>
             </a:extLst>
           </p:cNvPr>
@@ -7718,7 +7729,7 @@
           <p:cNvPr id="145" name="왼쪽 중괄호 144">
             <a:extLst>
               <a:ext uri="{FF2B5EF4-FFF2-40B4-BE49-F238E27FC236}">
-                <a16:creationId xmlns:a16="http://schemas.microsoft.com/office/drawing/2014/main" id="{3C187B06-624B-40FE-9988-682215301EC0}"/>
+                <a16:creationId xmlns="" xmlns:a16="http://schemas.microsoft.com/office/drawing/2014/main" id="{3C187B06-624B-40FE-9988-682215301EC0}"/>
               </a:ext>
             </a:extLst>
           </p:cNvPr>
@@ -7762,7 +7773,7 @@
           <p:cNvPr id="146" name="TextBox 145">
             <a:extLst>
               <a:ext uri="{FF2B5EF4-FFF2-40B4-BE49-F238E27FC236}">
-                <a16:creationId xmlns:a16="http://schemas.microsoft.com/office/drawing/2014/main" id="{AB6CCD22-CEE2-452E-82F1-519762310101}"/>
+                <a16:creationId xmlns="" xmlns:a16="http://schemas.microsoft.com/office/drawing/2014/main" id="{AB6CCD22-CEE2-452E-82F1-519762310101}"/>
               </a:ext>
             </a:extLst>
           </p:cNvPr>
@@ -7806,7 +7817,7 @@
           <p:cNvPr id="147" name="TextBox 146">
             <a:extLst>
               <a:ext uri="{FF2B5EF4-FFF2-40B4-BE49-F238E27FC236}">
-                <a16:creationId xmlns:a16="http://schemas.microsoft.com/office/drawing/2014/main" id="{C24286CB-EC01-4F02-826C-C972500336CE}"/>
+                <a16:creationId xmlns="" xmlns:a16="http://schemas.microsoft.com/office/drawing/2014/main" id="{C24286CB-EC01-4F02-826C-C972500336CE}"/>
               </a:ext>
             </a:extLst>
           </p:cNvPr>
@@ -7857,7 +7868,7 @@
           <p:cNvPr id="148" name="TextBox 147">
             <a:extLst>
               <a:ext uri="{FF2B5EF4-FFF2-40B4-BE49-F238E27FC236}">
-                <a16:creationId xmlns:a16="http://schemas.microsoft.com/office/drawing/2014/main" id="{13436262-714C-4B1F-9583-87C79C7C2D12}"/>
+                <a16:creationId xmlns="" xmlns:a16="http://schemas.microsoft.com/office/drawing/2014/main" id="{13436262-714C-4B1F-9583-87C79C7C2D12}"/>
               </a:ext>
             </a:extLst>
           </p:cNvPr>
@@ -7930,7 +7941,7 @@
           <p:cNvPr id="149" name="TextBox 148">
             <a:extLst>
               <a:ext uri="{FF2B5EF4-FFF2-40B4-BE49-F238E27FC236}">
-                <a16:creationId xmlns:a16="http://schemas.microsoft.com/office/drawing/2014/main" id="{4A3FD607-8192-4E25-BDAB-E206594DCF99}"/>
+                <a16:creationId xmlns="" xmlns:a16="http://schemas.microsoft.com/office/drawing/2014/main" id="{4A3FD607-8192-4E25-BDAB-E206594DCF99}"/>
               </a:ext>
             </a:extLst>
           </p:cNvPr>
@@ -7985,7 +7996,7 @@
           <p:cNvPr id="154" name="그룹 153">
             <a:extLst>
               <a:ext uri="{FF2B5EF4-FFF2-40B4-BE49-F238E27FC236}">
-                <a16:creationId xmlns:a16="http://schemas.microsoft.com/office/drawing/2014/main" id="{067A0F56-C447-423E-9659-D633D012C020}"/>
+                <a16:creationId xmlns="" xmlns:a16="http://schemas.microsoft.com/office/drawing/2014/main" id="{067A0F56-C447-423E-9659-D633D012C020}"/>
               </a:ext>
             </a:extLst>
           </p:cNvPr>
@@ -8005,7 +8016,7 @@
             <p:cNvPr id="151" name="TextBox 150">
               <a:extLst>
                 <a:ext uri="{FF2B5EF4-FFF2-40B4-BE49-F238E27FC236}">
-                  <a16:creationId xmlns:a16="http://schemas.microsoft.com/office/drawing/2014/main" id="{AAA813C2-B5B4-44C4-81D3-04B18EC33704}"/>
+                  <a16:creationId xmlns="" xmlns:a16="http://schemas.microsoft.com/office/drawing/2014/main" id="{AAA813C2-B5B4-44C4-81D3-04B18EC33704}"/>
                 </a:ext>
               </a:extLst>
             </p:cNvPr>
@@ -8044,7 +8055,7 @@
             <p:cNvPr id="150" name="타원 149">
               <a:extLst>
                 <a:ext uri="{FF2B5EF4-FFF2-40B4-BE49-F238E27FC236}">
-                  <a16:creationId xmlns:a16="http://schemas.microsoft.com/office/drawing/2014/main" id="{3730AD89-9B98-428B-8245-6139FEA1BAE6}"/>
+                  <a16:creationId xmlns="" xmlns:a16="http://schemas.microsoft.com/office/drawing/2014/main" id="{3730AD89-9B98-428B-8245-6139FEA1BAE6}"/>
                 </a:ext>
               </a:extLst>
             </p:cNvPr>
@@ -8098,7 +8109,7 @@
             <p:cNvPr id="152" name="TextBox 151">
               <a:extLst>
                 <a:ext uri="{FF2B5EF4-FFF2-40B4-BE49-F238E27FC236}">
-                  <a16:creationId xmlns:a16="http://schemas.microsoft.com/office/drawing/2014/main" id="{86F1206B-D53E-422D-84EF-3E7F87DAE0AF}"/>
+                  <a16:creationId xmlns="" xmlns:a16="http://schemas.microsoft.com/office/drawing/2014/main" id="{86F1206B-D53E-422D-84EF-3E7F87DAE0AF}"/>
                 </a:ext>
               </a:extLst>
             </p:cNvPr>
@@ -8154,7 +8165,7 @@
           <p:cNvPr id="153" name="TextBox 152">
             <a:extLst>
               <a:ext uri="{FF2B5EF4-FFF2-40B4-BE49-F238E27FC236}">
-                <a16:creationId xmlns:a16="http://schemas.microsoft.com/office/drawing/2014/main" id="{843CA255-7EDD-43DE-BC28-829DF012B93B}"/>
+                <a16:creationId xmlns="" xmlns:a16="http://schemas.microsoft.com/office/drawing/2014/main" id="{843CA255-7EDD-43DE-BC28-829DF012B93B}"/>
               </a:ext>
             </a:extLst>
           </p:cNvPr>
@@ -8198,7 +8209,7 @@
           <p:cNvPr id="155" name="그룹 154">
             <a:extLst>
               <a:ext uri="{FF2B5EF4-FFF2-40B4-BE49-F238E27FC236}">
-                <a16:creationId xmlns:a16="http://schemas.microsoft.com/office/drawing/2014/main" id="{9DD1DB25-0250-4800-B84B-6F38A3844C7F}"/>
+                <a16:creationId xmlns="" xmlns:a16="http://schemas.microsoft.com/office/drawing/2014/main" id="{9DD1DB25-0250-4800-B84B-6F38A3844C7F}"/>
               </a:ext>
             </a:extLst>
           </p:cNvPr>
@@ -8218,7 +8229,7 @@
             <p:cNvPr id="156" name="TextBox 155">
               <a:extLst>
                 <a:ext uri="{FF2B5EF4-FFF2-40B4-BE49-F238E27FC236}">
-                  <a16:creationId xmlns:a16="http://schemas.microsoft.com/office/drawing/2014/main" id="{937EC23A-A497-4FE2-84EC-70D75F840D24}"/>
+                  <a16:creationId xmlns="" xmlns:a16="http://schemas.microsoft.com/office/drawing/2014/main" id="{937EC23A-A497-4FE2-84EC-70D75F840D24}"/>
                 </a:ext>
               </a:extLst>
             </p:cNvPr>
@@ -8257,7 +8268,7 @@
             <p:cNvPr id="157" name="타원 156">
               <a:extLst>
                 <a:ext uri="{FF2B5EF4-FFF2-40B4-BE49-F238E27FC236}">
-                  <a16:creationId xmlns:a16="http://schemas.microsoft.com/office/drawing/2014/main" id="{0A6E595D-5D10-495A-93F7-2C00438A4123}"/>
+                  <a16:creationId xmlns="" xmlns:a16="http://schemas.microsoft.com/office/drawing/2014/main" id="{0A6E595D-5D10-495A-93F7-2C00438A4123}"/>
                 </a:ext>
               </a:extLst>
             </p:cNvPr>
@@ -8311,7 +8322,7 @@
             <p:cNvPr id="158" name="TextBox 157">
               <a:extLst>
                 <a:ext uri="{FF2B5EF4-FFF2-40B4-BE49-F238E27FC236}">
-                  <a16:creationId xmlns:a16="http://schemas.microsoft.com/office/drawing/2014/main" id="{51A7AA0B-5AA0-4622-9ACF-9B219ADF111D}"/>
+                  <a16:creationId xmlns="" xmlns:a16="http://schemas.microsoft.com/office/drawing/2014/main" id="{51A7AA0B-5AA0-4622-9ACF-9B219ADF111D}"/>
                 </a:ext>
               </a:extLst>
             </p:cNvPr>
@@ -8367,7 +8378,7 @@
           <p:cNvPr id="159" name="타원 158">
             <a:extLst>
               <a:ext uri="{FF2B5EF4-FFF2-40B4-BE49-F238E27FC236}">
-                <a16:creationId xmlns:a16="http://schemas.microsoft.com/office/drawing/2014/main" id="{526FFEF2-E14C-4007-9251-EA0B2BD1C3FB}"/>
+                <a16:creationId xmlns="" xmlns:a16="http://schemas.microsoft.com/office/drawing/2014/main" id="{526FFEF2-E14C-4007-9251-EA0B2BD1C3FB}"/>
               </a:ext>
             </a:extLst>
           </p:cNvPr>
@@ -8421,7 +8432,7 @@
           <p:cNvPr id="160" name="타원 159">
             <a:extLst>
               <a:ext uri="{FF2B5EF4-FFF2-40B4-BE49-F238E27FC236}">
-                <a16:creationId xmlns:a16="http://schemas.microsoft.com/office/drawing/2014/main" id="{E2D2C27E-A4EF-4AFF-B986-52C26D38C7FB}"/>
+                <a16:creationId xmlns="" xmlns:a16="http://schemas.microsoft.com/office/drawing/2014/main" id="{E2D2C27E-A4EF-4AFF-B986-52C26D38C7FB}"/>
               </a:ext>
             </a:extLst>
           </p:cNvPr>
@@ -8475,7 +8486,7 @@
           <p:cNvPr id="161" name="TextBox 160">
             <a:extLst>
               <a:ext uri="{FF2B5EF4-FFF2-40B4-BE49-F238E27FC236}">
-                <a16:creationId xmlns:a16="http://schemas.microsoft.com/office/drawing/2014/main" id="{771AA55F-E132-40D6-BB9B-36ED4B05AC2F}"/>
+                <a16:creationId xmlns="" xmlns:a16="http://schemas.microsoft.com/office/drawing/2014/main" id="{771AA55F-E132-40D6-BB9B-36ED4B05AC2F}"/>
               </a:ext>
             </a:extLst>
           </p:cNvPr>
@@ -8588,7 +8599,7 @@
           <p:cNvPr id="162" name="TextBox 161">
             <a:extLst>
               <a:ext uri="{FF2B5EF4-FFF2-40B4-BE49-F238E27FC236}">
-                <a16:creationId xmlns:a16="http://schemas.microsoft.com/office/drawing/2014/main" id="{2CDE1E13-2979-480E-BFAF-B76431AAF33B}"/>
+                <a16:creationId xmlns="" xmlns:a16="http://schemas.microsoft.com/office/drawing/2014/main" id="{2CDE1E13-2979-480E-BFAF-B76431AAF33B}"/>
               </a:ext>
             </a:extLst>
           </p:cNvPr>
@@ -8665,10 +8676,6610 @@
           <a:chExt cx="0" cy="0"/>
         </a:xfrm>
       </p:grpSpPr>
+      <p:sp>
+        <p:nvSpPr>
+          <p:cNvPr id="2" name="직사각형 1">
+            <a:extLst>
+              <a:ext uri="{FF2B5EF4-FFF2-40B4-BE49-F238E27FC236}">
+                <a16:creationId xmlns="" xmlns:a16="http://schemas.microsoft.com/office/drawing/2014/main" id="{B2C92360-C33A-46F9-82BD-6D910E205878}"/>
+              </a:ext>
+            </a:extLst>
+          </p:cNvPr>
+          <p:cNvSpPr/>
+          <p:nvPr/>
+        </p:nvSpPr>
+        <p:spPr>
+          <a:xfrm>
+            <a:off x="1066800" y="566127"/>
+            <a:ext cx="10262236" cy="5725745"/>
+          </a:xfrm>
+          <a:prstGeom prst="rect">
+            <a:avLst/>
+          </a:prstGeom>
+          <a:solidFill>
+            <a:schemeClr val="bg1"/>
+          </a:solidFill>
+          <a:ln>
+            <a:solidFill>
+              <a:schemeClr val="tx1"/>
+            </a:solidFill>
+          </a:ln>
+        </p:spPr>
+        <p:style>
+          <a:lnRef idx="2">
+            <a:schemeClr val="accent1">
+              <a:shade val="50000"/>
+            </a:schemeClr>
+          </a:lnRef>
+          <a:fillRef idx="1">
+            <a:schemeClr val="accent1"/>
+          </a:fillRef>
+          <a:effectRef idx="0">
+            <a:schemeClr val="accent1"/>
+          </a:effectRef>
+          <a:fontRef idx="minor">
+            <a:schemeClr val="lt1"/>
+          </a:fontRef>
+        </p:style>
+        <p:txBody>
+          <a:bodyPr rtlCol="0" anchor="ctr"/>
+          <a:lstStyle/>
+          <a:p>
+            <a:pPr algn="ctr"/>
+            <a:endParaRPr lang="ko-KR" altLang="en-US"/>
+          </a:p>
+        </p:txBody>
+      </p:sp>
+      <p:sp>
+        <p:nvSpPr>
+          <p:cNvPr id="3" name="직사각형 2">
+            <a:extLst>
+              <a:ext uri="{FF2B5EF4-FFF2-40B4-BE49-F238E27FC236}">
+                <a16:creationId xmlns="" xmlns:a16="http://schemas.microsoft.com/office/drawing/2014/main" id="{4FB6433F-953A-4346-AC70-45B76AD05C8B}"/>
+              </a:ext>
+            </a:extLst>
+          </p:cNvPr>
+          <p:cNvSpPr/>
+          <p:nvPr/>
+        </p:nvSpPr>
+        <p:spPr>
+          <a:xfrm>
+            <a:off x="1066800" y="566127"/>
+            <a:ext cx="965200" cy="5725745"/>
+          </a:xfrm>
+          <a:prstGeom prst="rect">
+            <a:avLst/>
+          </a:prstGeom>
+          <a:solidFill>
+            <a:schemeClr val="bg1"/>
+          </a:solidFill>
+          <a:ln>
+            <a:solidFill>
+              <a:schemeClr val="tx1"/>
+            </a:solidFill>
+          </a:ln>
+        </p:spPr>
+        <p:style>
+          <a:lnRef idx="2">
+            <a:schemeClr val="accent1">
+              <a:shade val="50000"/>
+            </a:schemeClr>
+          </a:lnRef>
+          <a:fillRef idx="1">
+            <a:schemeClr val="accent1"/>
+          </a:fillRef>
+          <a:effectRef idx="0">
+            <a:schemeClr val="accent1"/>
+          </a:effectRef>
+          <a:fontRef idx="minor">
+            <a:schemeClr val="lt1"/>
+          </a:fontRef>
+        </p:style>
+        <p:txBody>
+          <a:bodyPr rtlCol="0" anchor="ctr"/>
+          <a:lstStyle/>
+          <a:p>
+            <a:pPr algn="ctr"/>
+            <a:endParaRPr lang="ko-KR" altLang="en-US"/>
+          </a:p>
+        </p:txBody>
+      </p:sp>
+      <p:sp>
+        <p:nvSpPr>
+          <p:cNvPr id="13" name="타원 12">
+            <a:extLst>
+              <a:ext uri="{FF2B5EF4-FFF2-40B4-BE49-F238E27FC236}">
+                <a16:creationId xmlns="" xmlns:a16="http://schemas.microsoft.com/office/drawing/2014/main" id="{22516CB0-4604-47F7-BF70-59D4BDA6FFB2}"/>
+              </a:ext>
+            </a:extLst>
+          </p:cNvPr>
+          <p:cNvSpPr/>
+          <p:nvPr/>
+        </p:nvSpPr>
+        <p:spPr>
+          <a:xfrm>
+            <a:off x="1307140" y="1766325"/>
+            <a:ext cx="500380" cy="500380"/>
+          </a:xfrm>
+          <a:prstGeom prst="ellipse">
+            <a:avLst/>
+          </a:prstGeom>
+          <a:solidFill>
+            <a:schemeClr val="bg1"/>
+          </a:solidFill>
+          <a:ln>
+            <a:solidFill>
+              <a:schemeClr val="tx1"/>
+            </a:solidFill>
+          </a:ln>
+        </p:spPr>
+        <p:style>
+          <a:lnRef idx="2">
+            <a:schemeClr val="accent1">
+              <a:shade val="50000"/>
+            </a:schemeClr>
+          </a:lnRef>
+          <a:fillRef idx="1">
+            <a:schemeClr val="accent1"/>
+          </a:fillRef>
+          <a:effectRef idx="0">
+            <a:schemeClr val="accent1"/>
+          </a:effectRef>
+          <a:fontRef idx="minor">
+            <a:schemeClr val="lt1"/>
+          </a:fontRef>
+        </p:style>
+        <p:txBody>
+          <a:bodyPr rtlCol="0" anchor="ctr"/>
+          <a:lstStyle/>
+          <a:p>
+            <a:pPr algn="ctr"/>
+            <a:endParaRPr lang="ko-KR" altLang="en-US"/>
+          </a:p>
+        </p:txBody>
+      </p:sp>
+      <p:sp>
+        <p:nvSpPr>
+          <p:cNvPr id="19" name="타원 18">
+            <a:extLst>
+              <a:ext uri="{FF2B5EF4-FFF2-40B4-BE49-F238E27FC236}">
+                <a16:creationId xmlns="" xmlns:a16="http://schemas.microsoft.com/office/drawing/2014/main" id="{1B99A42C-10ED-42E0-8353-B623E0BC42FE}"/>
+              </a:ext>
+            </a:extLst>
+          </p:cNvPr>
+          <p:cNvSpPr/>
+          <p:nvPr/>
+        </p:nvSpPr>
+        <p:spPr>
+          <a:xfrm>
+            <a:off x="1303981" y="2366732"/>
+            <a:ext cx="500380" cy="500380"/>
+          </a:xfrm>
+          <a:prstGeom prst="ellipse">
+            <a:avLst/>
+          </a:prstGeom>
+          <a:solidFill>
+            <a:schemeClr val="bg1"/>
+          </a:solidFill>
+          <a:ln>
+            <a:solidFill>
+              <a:schemeClr val="tx1"/>
+            </a:solidFill>
+          </a:ln>
+        </p:spPr>
+        <p:style>
+          <a:lnRef idx="2">
+            <a:schemeClr val="accent1">
+              <a:shade val="50000"/>
+            </a:schemeClr>
+          </a:lnRef>
+          <a:fillRef idx="1">
+            <a:schemeClr val="accent1"/>
+          </a:fillRef>
+          <a:effectRef idx="0">
+            <a:schemeClr val="accent1"/>
+          </a:effectRef>
+          <a:fontRef idx="minor">
+            <a:schemeClr val="lt1"/>
+          </a:fontRef>
+        </p:style>
+        <p:txBody>
+          <a:bodyPr rtlCol="0" anchor="ctr"/>
+          <a:lstStyle/>
+          <a:p>
+            <a:pPr algn="ctr"/>
+            <a:endParaRPr lang="ko-KR" altLang="en-US"/>
+          </a:p>
+        </p:txBody>
+      </p:sp>
+      <p:sp>
+        <p:nvSpPr>
+          <p:cNvPr id="27" name="직사각형 26">
+            <a:extLst>
+              <a:ext uri="{FF2B5EF4-FFF2-40B4-BE49-F238E27FC236}">
+                <a16:creationId xmlns="" xmlns:a16="http://schemas.microsoft.com/office/drawing/2014/main" id="{A4F25954-D150-4537-8AC5-DCE54AF99D0B}"/>
+              </a:ext>
+            </a:extLst>
+          </p:cNvPr>
+          <p:cNvSpPr/>
+          <p:nvPr/>
+        </p:nvSpPr>
+        <p:spPr>
+          <a:xfrm>
+            <a:off x="2025682" y="566127"/>
+            <a:ext cx="2414238" cy="5725745"/>
+          </a:xfrm>
+          <a:prstGeom prst="rect">
+            <a:avLst/>
+          </a:prstGeom>
+          <a:solidFill>
+            <a:schemeClr val="bg1"/>
+          </a:solidFill>
+          <a:ln>
+            <a:solidFill>
+              <a:schemeClr val="tx1"/>
+            </a:solidFill>
+          </a:ln>
+        </p:spPr>
+        <p:style>
+          <a:lnRef idx="2">
+            <a:schemeClr val="accent1">
+              <a:shade val="50000"/>
+            </a:schemeClr>
+          </a:lnRef>
+          <a:fillRef idx="1">
+            <a:schemeClr val="accent1"/>
+          </a:fillRef>
+          <a:effectRef idx="0">
+            <a:schemeClr val="accent1"/>
+          </a:effectRef>
+          <a:fontRef idx="minor">
+            <a:schemeClr val="lt1"/>
+          </a:fontRef>
+        </p:style>
+        <p:txBody>
+          <a:bodyPr rtlCol="0" anchor="ctr"/>
+          <a:lstStyle/>
+          <a:p>
+            <a:pPr algn="ctr"/>
+            <a:endParaRPr lang="ko-KR" altLang="en-US"/>
+          </a:p>
+        </p:txBody>
+      </p:sp>
+      <p:sp>
+        <p:nvSpPr>
+          <p:cNvPr id="28" name="직사각형 27">
+            <a:extLst>
+              <a:ext uri="{FF2B5EF4-FFF2-40B4-BE49-F238E27FC236}">
+                <a16:creationId xmlns="" xmlns:a16="http://schemas.microsoft.com/office/drawing/2014/main" id="{6DCBB259-0998-46D2-84F6-F993BB10A48C}"/>
+              </a:ext>
+            </a:extLst>
+          </p:cNvPr>
+          <p:cNvSpPr/>
+          <p:nvPr/>
+        </p:nvSpPr>
+        <p:spPr>
+          <a:xfrm>
+            <a:off x="2030469" y="566127"/>
+            <a:ext cx="2409451" cy="740777"/>
+          </a:xfrm>
+          <a:prstGeom prst="rect">
+            <a:avLst/>
+          </a:prstGeom>
+          <a:solidFill>
+            <a:schemeClr val="bg1"/>
+          </a:solidFill>
+          <a:ln>
+            <a:solidFill>
+              <a:schemeClr val="tx1"/>
+            </a:solidFill>
+          </a:ln>
+        </p:spPr>
+        <p:style>
+          <a:lnRef idx="2">
+            <a:schemeClr val="accent1">
+              <a:shade val="50000"/>
+            </a:schemeClr>
+          </a:lnRef>
+          <a:fillRef idx="1">
+            <a:schemeClr val="accent1"/>
+          </a:fillRef>
+          <a:effectRef idx="0">
+            <a:schemeClr val="accent1"/>
+          </a:effectRef>
+          <a:fontRef idx="minor">
+            <a:schemeClr val="lt1"/>
+          </a:fontRef>
+        </p:style>
+        <p:txBody>
+          <a:bodyPr rtlCol="0" anchor="ctr"/>
+          <a:lstStyle/>
+          <a:p>
+            <a:pPr algn="ctr"/>
+            <a:endParaRPr lang="ko-KR" altLang="en-US" sz="1200" dirty="0"/>
+          </a:p>
+        </p:txBody>
+      </p:sp>
+      <p:sp>
+        <p:nvSpPr>
+          <p:cNvPr id="30" name="TextBox 29">
+            <a:extLst>
+              <a:ext uri="{FF2B5EF4-FFF2-40B4-BE49-F238E27FC236}">
+                <a16:creationId xmlns="" xmlns:a16="http://schemas.microsoft.com/office/drawing/2014/main" id="{9E443283-F2F5-47AA-A859-82148E0CE2CD}"/>
+              </a:ext>
+            </a:extLst>
+          </p:cNvPr>
+          <p:cNvSpPr txBox="1"/>
+          <p:nvPr/>
+        </p:nvSpPr>
+        <p:spPr>
+          <a:xfrm>
+            <a:off x="2120690" y="786451"/>
+            <a:ext cx="2034749" cy="369332"/>
+          </a:xfrm>
+          <a:prstGeom prst="rect">
+            <a:avLst/>
+          </a:prstGeom>
+          <a:noFill/>
+          <a:ln w="6350">
+            <a:noFill/>
+          </a:ln>
+        </p:spPr>
+        <p:txBody>
+          <a:bodyPr wrap="square" rtlCol="0">
+            <a:spAutoFit/>
+          </a:bodyPr>
+          <a:lstStyle/>
+          <a:p>
+            <a:r>
+              <a:rPr lang="ko-KR" altLang="en-US" b="1" dirty="0" err="1"/>
+              <a:t>채팅방</a:t>
+            </a:r>
+            <a:r>
+              <a:rPr lang="ko-KR" altLang="en-US" b="1" dirty="0"/>
+              <a:t> 이름</a:t>
+            </a:r>
+          </a:p>
+        </p:txBody>
+      </p:sp>
+      <p:sp>
+        <p:nvSpPr>
+          <p:cNvPr id="37" name="직사각형 36">
+            <a:extLst>
+              <a:ext uri="{FF2B5EF4-FFF2-40B4-BE49-F238E27FC236}">
+                <a16:creationId xmlns="" xmlns:a16="http://schemas.microsoft.com/office/drawing/2014/main" id="{3394C3F3-8EDE-4AA6-8D02-FA02C389D83D}"/>
+              </a:ext>
+            </a:extLst>
+          </p:cNvPr>
+          <p:cNvSpPr/>
+          <p:nvPr/>
+        </p:nvSpPr>
+        <p:spPr>
+          <a:xfrm>
+            <a:off x="4432019" y="566127"/>
+            <a:ext cx="3381841" cy="5725745"/>
+          </a:xfrm>
+          <a:prstGeom prst="rect">
+            <a:avLst/>
+          </a:prstGeom>
+          <a:solidFill>
+            <a:schemeClr val="bg1"/>
+          </a:solidFill>
+          <a:ln>
+            <a:solidFill>
+              <a:schemeClr val="tx1"/>
+            </a:solidFill>
+          </a:ln>
+        </p:spPr>
+        <p:style>
+          <a:lnRef idx="2">
+            <a:schemeClr val="accent1">
+              <a:shade val="50000"/>
+            </a:schemeClr>
+          </a:lnRef>
+          <a:fillRef idx="1">
+            <a:schemeClr val="accent1"/>
+          </a:fillRef>
+          <a:effectRef idx="0">
+            <a:schemeClr val="accent1"/>
+          </a:effectRef>
+          <a:fontRef idx="minor">
+            <a:schemeClr val="lt1"/>
+          </a:fontRef>
+        </p:style>
+        <p:txBody>
+          <a:bodyPr rtlCol="0" anchor="ctr"/>
+          <a:lstStyle/>
+          <a:p>
+            <a:pPr algn="ctr"/>
+            <a:endParaRPr lang="ko-KR" altLang="en-US"/>
+          </a:p>
+        </p:txBody>
+      </p:sp>
+      <p:grpSp>
+        <p:nvGrpSpPr>
+          <p:cNvPr id="38" name="그룹 37">
+            <a:extLst>
+              <a:ext uri="{FF2B5EF4-FFF2-40B4-BE49-F238E27FC236}">
+                <a16:creationId xmlns="" xmlns:a16="http://schemas.microsoft.com/office/drawing/2014/main" id="{3266F12E-EF10-4B18-A10F-5740263E80BC}"/>
+              </a:ext>
+            </a:extLst>
+          </p:cNvPr>
+          <p:cNvGrpSpPr/>
+          <p:nvPr/>
+        </p:nvGrpSpPr>
+        <p:grpSpPr>
+          <a:xfrm>
+            <a:off x="4454778" y="1389649"/>
+            <a:ext cx="2401913" cy="1969770"/>
+            <a:chOff x="4454778" y="3379262"/>
+            <a:chExt cx="2401913" cy="1969770"/>
+          </a:xfrm>
+        </p:grpSpPr>
+        <p:sp>
+          <p:nvSpPr>
+            <p:cNvPr id="39" name="TextBox 38">
+              <a:extLst>
+                <a:ext uri="{FF2B5EF4-FFF2-40B4-BE49-F238E27FC236}">
+                  <a16:creationId xmlns="" xmlns:a16="http://schemas.microsoft.com/office/drawing/2014/main" id="{0D4D0129-94E1-4D54-8623-9AB0ACD99DC9}"/>
+                </a:ext>
+              </a:extLst>
+            </p:cNvPr>
+            <p:cNvSpPr txBox="1"/>
+            <p:nvPr/>
+          </p:nvSpPr>
+          <p:spPr>
+            <a:xfrm>
+              <a:off x="4821942" y="3379262"/>
+              <a:ext cx="2034749" cy="1969770"/>
+            </a:xfrm>
+            <a:prstGeom prst="rect">
+              <a:avLst/>
+            </a:prstGeom>
+            <a:noFill/>
+            <a:ln w="6350">
+              <a:noFill/>
+            </a:ln>
+          </p:spPr>
+          <p:txBody>
+            <a:bodyPr wrap="square" rtlCol="0">
+              <a:spAutoFit/>
+            </a:bodyPr>
+            <a:lstStyle/>
+            <a:p>
+              <a:r>
+                <a:rPr lang="ko-KR" altLang="en-US" sz="1200" b="1" dirty="0"/>
+                <a:t>닉네임</a:t>
+              </a:r>
+              <a:endParaRPr lang="en-US" altLang="ko-KR" sz="1200" b="1" dirty="0"/>
+            </a:p>
+            <a:p>
+              <a:r>
+                <a:rPr lang="ko-KR" altLang="en-US" sz="1000" dirty="0"/>
+                <a:t>상대방 측에서 보낸 채팅</a:t>
+              </a:r>
+              <a:endParaRPr lang="en-US" altLang="ko-KR" sz="1000" dirty="0"/>
+            </a:p>
+            <a:p>
+              <a:r>
+                <a:rPr lang="ko-KR" altLang="en-US" sz="1000" dirty="0"/>
+                <a:t>이런 식으로 보입니다</a:t>
+              </a:r>
+              <a:r>
+                <a:rPr lang="en-US" altLang="ko-KR" sz="1000" dirty="0"/>
+                <a:t>.</a:t>
+              </a:r>
+            </a:p>
+            <a:p>
+              <a:endParaRPr lang="en-US" altLang="ko-KR" sz="1000" dirty="0"/>
+            </a:p>
+            <a:p>
+              <a:r>
+                <a:rPr lang="en-US" altLang="ko-KR" sz="1000" dirty="0"/>
+                <a:t/>
+              </a:r>
+              <a:br>
+                <a:rPr lang="en-US" altLang="ko-KR" sz="1000" dirty="0"/>
+              </a:br>
+              <a:endParaRPr lang="en-US" altLang="ko-KR" sz="1000" dirty="0"/>
+            </a:p>
+            <a:p>
+              <a:endParaRPr lang="en-US" altLang="ko-KR" sz="1000" dirty="0"/>
+            </a:p>
+            <a:p>
+              <a:endParaRPr lang="en-US" altLang="ko-KR" sz="1000" dirty="0"/>
+            </a:p>
+            <a:p>
+              <a:endParaRPr lang="en-US" altLang="ko-KR" sz="1000" dirty="0"/>
+            </a:p>
+            <a:p>
+              <a:endParaRPr lang="en-US" altLang="ko-KR" sz="1000" dirty="0"/>
+            </a:p>
+            <a:p>
+              <a:endParaRPr lang="en-US" altLang="ko-KR" sz="1000" dirty="0"/>
+            </a:p>
+            <a:p>
+              <a:r>
+                <a:rPr lang="ko-KR" altLang="en-US" sz="1000" dirty="0"/>
+                <a:t>그림을 중간에 넣을 수 있습니다</a:t>
+              </a:r>
+              <a:r>
+                <a:rPr lang="en-US" altLang="ko-KR" sz="1000" dirty="0"/>
+                <a:t>.</a:t>
+              </a:r>
+            </a:p>
+          </p:txBody>
+        </p:sp>
+        <p:sp>
+          <p:nvSpPr>
+            <p:cNvPr id="40" name="타원 39">
+              <a:extLst>
+                <a:ext uri="{FF2B5EF4-FFF2-40B4-BE49-F238E27FC236}">
+                  <a16:creationId xmlns="" xmlns:a16="http://schemas.microsoft.com/office/drawing/2014/main" id="{5F5F62E0-F2F9-4FF1-9922-8461DC638368}"/>
+                </a:ext>
+              </a:extLst>
+            </p:cNvPr>
+            <p:cNvSpPr/>
+            <p:nvPr/>
+          </p:nvSpPr>
+          <p:spPr>
+            <a:xfrm>
+              <a:off x="4454778" y="3383280"/>
+              <a:ext cx="329184" cy="329184"/>
+            </a:xfrm>
+            <a:prstGeom prst="ellipse">
+              <a:avLst/>
+            </a:prstGeom>
+            <a:solidFill>
+              <a:schemeClr val="bg1"/>
+            </a:solidFill>
+            <a:ln>
+              <a:solidFill>
+                <a:schemeClr val="tx1"/>
+              </a:solidFill>
+            </a:ln>
+          </p:spPr>
+          <p:style>
+            <a:lnRef idx="2">
+              <a:schemeClr val="accent1">
+                <a:shade val="50000"/>
+              </a:schemeClr>
+            </a:lnRef>
+            <a:fillRef idx="1">
+              <a:schemeClr val="accent1"/>
+            </a:fillRef>
+            <a:effectRef idx="0">
+              <a:schemeClr val="accent1"/>
+            </a:effectRef>
+            <a:fontRef idx="minor">
+              <a:schemeClr val="lt1"/>
+            </a:fontRef>
+          </p:style>
+          <p:txBody>
+            <a:bodyPr rtlCol="0" anchor="ctr"/>
+            <a:lstStyle/>
+            <a:p>
+              <a:pPr algn="ctr"/>
+              <a:endParaRPr lang="ko-KR" altLang="en-US" dirty="0"/>
+            </a:p>
+          </p:txBody>
+        </p:sp>
+        <p:sp>
+          <p:nvSpPr>
+            <p:cNvPr id="41" name="직사각형 40">
+              <a:extLst>
+                <a:ext uri="{FF2B5EF4-FFF2-40B4-BE49-F238E27FC236}">
+                  <a16:creationId xmlns="" xmlns:a16="http://schemas.microsoft.com/office/drawing/2014/main" id="{577B372C-927E-4263-AA66-0A45EAB1DF04}"/>
+                </a:ext>
+              </a:extLst>
+            </p:cNvPr>
+            <p:cNvSpPr/>
+            <p:nvPr/>
+          </p:nvSpPr>
+          <p:spPr>
+            <a:xfrm>
+              <a:off x="4894181" y="3931919"/>
+              <a:ext cx="1201819" cy="1151651"/>
+            </a:xfrm>
+            <a:prstGeom prst="rect">
+              <a:avLst/>
+            </a:prstGeom>
+            <a:solidFill>
+              <a:schemeClr val="accent5">
+                <a:lumMod val="60000"/>
+                <a:lumOff val="40000"/>
+              </a:schemeClr>
+            </a:solidFill>
+            <a:ln>
+              <a:solidFill>
+                <a:schemeClr val="tx1"/>
+              </a:solidFill>
+            </a:ln>
+          </p:spPr>
+          <p:style>
+            <a:lnRef idx="2">
+              <a:schemeClr val="accent1">
+                <a:shade val="50000"/>
+              </a:schemeClr>
+            </a:lnRef>
+            <a:fillRef idx="1">
+              <a:schemeClr val="accent1"/>
+            </a:fillRef>
+            <a:effectRef idx="0">
+              <a:schemeClr val="accent1"/>
+            </a:effectRef>
+            <a:fontRef idx="minor">
+              <a:schemeClr val="lt1"/>
+            </a:fontRef>
+          </p:style>
+          <p:txBody>
+            <a:bodyPr rtlCol="0" anchor="ctr"/>
+            <a:lstStyle/>
+            <a:p>
+              <a:pPr algn="ctr"/>
+              <a:endParaRPr lang="ko-KR" altLang="en-US"/>
+            </a:p>
+          </p:txBody>
+        </p:sp>
+      </p:grpSp>
+      <p:grpSp>
+        <p:nvGrpSpPr>
+          <p:cNvPr id="42" name="그룹 41">
+            <a:extLst>
+              <a:ext uri="{FF2B5EF4-FFF2-40B4-BE49-F238E27FC236}">
+                <a16:creationId xmlns="" xmlns:a16="http://schemas.microsoft.com/office/drawing/2014/main" id="{E6D27DBE-7953-416B-BF32-4418F44F4C50}"/>
+              </a:ext>
+            </a:extLst>
+          </p:cNvPr>
+          <p:cNvGrpSpPr/>
+          <p:nvPr/>
+        </p:nvGrpSpPr>
+        <p:grpSpPr>
+          <a:xfrm>
+            <a:off x="5271522" y="3500453"/>
+            <a:ext cx="2424723" cy="2123658"/>
+            <a:chOff x="5271522" y="3253633"/>
+            <a:chExt cx="2424723" cy="2123658"/>
+          </a:xfrm>
+        </p:grpSpPr>
+        <p:sp>
+          <p:nvSpPr>
+            <p:cNvPr id="43" name="TextBox 42">
+              <a:extLst>
+                <a:ext uri="{FF2B5EF4-FFF2-40B4-BE49-F238E27FC236}">
+                  <a16:creationId xmlns="" xmlns:a16="http://schemas.microsoft.com/office/drawing/2014/main" id="{EC4DBD43-148B-4897-8088-0FA1AEA81EEF}"/>
+                </a:ext>
+              </a:extLst>
+            </p:cNvPr>
+            <p:cNvSpPr txBox="1"/>
+            <p:nvPr/>
+          </p:nvSpPr>
+          <p:spPr>
+            <a:xfrm>
+              <a:off x="5271522" y="3253633"/>
+              <a:ext cx="2034749" cy="2123658"/>
+            </a:xfrm>
+            <a:prstGeom prst="rect">
+              <a:avLst/>
+            </a:prstGeom>
+            <a:noFill/>
+            <a:ln w="6350">
+              <a:noFill/>
+            </a:ln>
+          </p:spPr>
+          <p:txBody>
+            <a:bodyPr wrap="square" rtlCol="0">
+              <a:spAutoFit/>
+            </a:bodyPr>
+            <a:lstStyle/>
+            <a:p>
+              <a:pPr algn="r"/>
+              <a:r>
+                <a:rPr lang="ko-KR" altLang="en-US" sz="1200" b="1" dirty="0"/>
+                <a:t>나</a:t>
+              </a:r>
+              <a:endParaRPr lang="en-US" altLang="ko-KR" sz="1200" b="1" dirty="0"/>
+            </a:p>
+            <a:p>
+              <a:pPr algn="r"/>
+              <a:r>
+                <a:rPr lang="ko-KR" altLang="en-US" sz="1000" dirty="0"/>
+                <a:t> 내가 보낸 채팅</a:t>
+              </a:r>
+              <a:endParaRPr lang="en-US" altLang="ko-KR" sz="1000" dirty="0"/>
+            </a:p>
+            <a:p>
+              <a:pPr algn="r"/>
+              <a:r>
+                <a:rPr lang="ko-KR" altLang="en-US" sz="1000" dirty="0"/>
+                <a:t>이런 식으로 보입니다</a:t>
+              </a:r>
+              <a:r>
+                <a:rPr lang="en-US" altLang="ko-KR" sz="1000" dirty="0"/>
+                <a:t>.</a:t>
+              </a:r>
+            </a:p>
+            <a:p>
+              <a:pPr algn="r"/>
+              <a:endParaRPr lang="en-US" altLang="ko-KR" sz="1000" dirty="0"/>
+            </a:p>
+            <a:p>
+              <a:pPr algn="r"/>
+              <a:endParaRPr lang="en-US" altLang="ko-KR" sz="1000" dirty="0"/>
+            </a:p>
+            <a:p>
+              <a:pPr algn="r"/>
+              <a:endParaRPr lang="en-US" altLang="ko-KR" sz="1000" dirty="0"/>
+            </a:p>
+            <a:p>
+              <a:pPr algn="r"/>
+              <a:endParaRPr lang="en-US" altLang="ko-KR" sz="1000" dirty="0"/>
+            </a:p>
+            <a:p>
+              <a:pPr algn="r"/>
+              <a:endParaRPr lang="en-US" altLang="ko-KR" sz="1000" dirty="0"/>
+            </a:p>
+            <a:p>
+              <a:pPr algn="r"/>
+              <a:endParaRPr lang="en-US" altLang="ko-KR" sz="1000" dirty="0"/>
+            </a:p>
+            <a:p>
+              <a:pPr algn="r"/>
+              <a:endParaRPr lang="en-US" altLang="ko-KR" sz="1000" dirty="0"/>
+            </a:p>
+            <a:p>
+              <a:pPr algn="r"/>
+              <a:endParaRPr lang="en-US" altLang="ko-KR" sz="1000" dirty="0"/>
+            </a:p>
+            <a:p>
+              <a:pPr algn="r"/>
+              <a:endParaRPr lang="en-US" altLang="ko-KR" sz="1000" dirty="0"/>
+            </a:p>
+            <a:p>
+              <a:pPr algn="r"/>
+              <a:r>
+                <a:rPr lang="ko-KR" altLang="en-US" sz="1000" dirty="0"/>
+                <a:t>그림을 중간에 넣을 수 있습니다</a:t>
+              </a:r>
+              <a:r>
+                <a:rPr lang="en-US" altLang="ko-KR" sz="1000" dirty="0"/>
+                <a:t>.</a:t>
+              </a:r>
+            </a:p>
+          </p:txBody>
+        </p:sp>
+        <p:sp>
+          <p:nvSpPr>
+            <p:cNvPr id="44" name="타원 43">
+              <a:extLst>
+                <a:ext uri="{FF2B5EF4-FFF2-40B4-BE49-F238E27FC236}">
+                  <a16:creationId xmlns="" xmlns:a16="http://schemas.microsoft.com/office/drawing/2014/main" id="{261C02D0-EA84-4424-95C4-06A1205AA05A}"/>
+                </a:ext>
+              </a:extLst>
+            </p:cNvPr>
+            <p:cNvSpPr/>
+            <p:nvPr/>
+          </p:nvSpPr>
+          <p:spPr>
+            <a:xfrm>
+              <a:off x="7367061" y="3253633"/>
+              <a:ext cx="329184" cy="329184"/>
+            </a:xfrm>
+            <a:prstGeom prst="ellipse">
+              <a:avLst/>
+            </a:prstGeom>
+            <a:solidFill>
+              <a:schemeClr val="bg1"/>
+            </a:solidFill>
+            <a:ln>
+              <a:solidFill>
+                <a:schemeClr val="tx1"/>
+              </a:solidFill>
+            </a:ln>
+          </p:spPr>
+          <p:style>
+            <a:lnRef idx="2">
+              <a:schemeClr val="accent1">
+                <a:shade val="50000"/>
+              </a:schemeClr>
+            </a:lnRef>
+            <a:fillRef idx="1">
+              <a:schemeClr val="accent1"/>
+            </a:fillRef>
+            <a:effectRef idx="0">
+              <a:schemeClr val="accent1"/>
+            </a:effectRef>
+            <a:fontRef idx="minor">
+              <a:schemeClr val="lt1"/>
+            </a:fontRef>
+          </p:style>
+          <p:txBody>
+            <a:bodyPr rtlCol="0" anchor="ctr"/>
+            <a:lstStyle/>
+            <a:p>
+              <a:pPr algn="ctr"/>
+              <a:endParaRPr lang="ko-KR" altLang="en-US" dirty="0"/>
+            </a:p>
+          </p:txBody>
+        </p:sp>
+        <p:sp>
+          <p:nvSpPr>
+            <p:cNvPr id="45" name="직사각형 44">
+              <a:extLst>
+                <a:ext uri="{FF2B5EF4-FFF2-40B4-BE49-F238E27FC236}">
+                  <a16:creationId xmlns="" xmlns:a16="http://schemas.microsoft.com/office/drawing/2014/main" id="{AC4569CC-589F-431C-939D-668ED7951BE7}"/>
+                </a:ext>
+              </a:extLst>
+            </p:cNvPr>
+            <p:cNvSpPr/>
+            <p:nvPr/>
+          </p:nvSpPr>
+          <p:spPr>
+            <a:xfrm>
+              <a:off x="6028925" y="3806290"/>
+              <a:ext cx="1201819" cy="1283109"/>
+            </a:xfrm>
+            <a:prstGeom prst="rect">
+              <a:avLst/>
+            </a:prstGeom>
+            <a:solidFill>
+              <a:schemeClr val="accent5">
+                <a:lumMod val="60000"/>
+                <a:lumOff val="40000"/>
+              </a:schemeClr>
+            </a:solidFill>
+            <a:ln>
+              <a:solidFill>
+                <a:schemeClr val="tx1"/>
+              </a:solidFill>
+            </a:ln>
+          </p:spPr>
+          <p:style>
+            <a:lnRef idx="2">
+              <a:schemeClr val="accent1">
+                <a:shade val="50000"/>
+              </a:schemeClr>
+            </a:lnRef>
+            <a:fillRef idx="1">
+              <a:schemeClr val="accent1"/>
+            </a:fillRef>
+            <a:effectRef idx="0">
+              <a:schemeClr val="accent1"/>
+            </a:effectRef>
+            <a:fontRef idx="minor">
+              <a:schemeClr val="lt1"/>
+            </a:fontRef>
+          </p:style>
+          <p:txBody>
+            <a:bodyPr rtlCol="0" anchor="ctr"/>
+            <a:lstStyle/>
+            <a:p>
+              <a:pPr algn="ctr"/>
+              <a:endParaRPr lang="ko-KR" altLang="en-US"/>
+            </a:p>
+          </p:txBody>
+        </p:sp>
+      </p:grpSp>
+      <p:sp>
+        <p:nvSpPr>
+          <p:cNvPr id="46" name="직사각형 45">
+            <a:extLst>
+              <a:ext uri="{FF2B5EF4-FFF2-40B4-BE49-F238E27FC236}">
+                <a16:creationId xmlns="" xmlns:a16="http://schemas.microsoft.com/office/drawing/2014/main" id="{D3E20144-6713-4E25-A870-958E31BE2D30}"/>
+              </a:ext>
+            </a:extLst>
+          </p:cNvPr>
+          <p:cNvSpPr/>
+          <p:nvPr/>
+        </p:nvSpPr>
+        <p:spPr>
+          <a:xfrm>
+            <a:off x="4419418" y="5760721"/>
+            <a:ext cx="3381839" cy="531151"/>
+          </a:xfrm>
+          <a:prstGeom prst="rect">
+            <a:avLst/>
+          </a:prstGeom>
+          <a:solidFill>
+            <a:schemeClr val="bg1"/>
+          </a:solidFill>
+          <a:ln>
+            <a:solidFill>
+              <a:schemeClr val="tx1"/>
+            </a:solidFill>
+          </a:ln>
+        </p:spPr>
+        <p:style>
+          <a:lnRef idx="2">
+            <a:schemeClr val="accent1">
+              <a:shade val="50000"/>
+            </a:schemeClr>
+          </a:lnRef>
+          <a:fillRef idx="1">
+            <a:schemeClr val="accent1"/>
+          </a:fillRef>
+          <a:effectRef idx="0">
+            <a:schemeClr val="accent1"/>
+          </a:effectRef>
+          <a:fontRef idx="minor">
+            <a:schemeClr val="lt1"/>
+          </a:fontRef>
+        </p:style>
+        <p:txBody>
+          <a:bodyPr rtlCol="0" anchor="ctr"/>
+          <a:lstStyle/>
+          <a:p>
+            <a:pPr algn="ctr"/>
+            <a:endParaRPr lang="ko-KR" altLang="en-US" sz="1200" dirty="0"/>
+          </a:p>
+        </p:txBody>
+      </p:sp>
+      <p:sp>
+        <p:nvSpPr>
+          <p:cNvPr id="47" name="직사각형 46">
+            <a:extLst>
+              <a:ext uri="{FF2B5EF4-FFF2-40B4-BE49-F238E27FC236}">
+                <a16:creationId xmlns="" xmlns:a16="http://schemas.microsoft.com/office/drawing/2014/main" id="{95B1E11E-7A14-45AB-AF49-089D9CA8B59C}"/>
+              </a:ext>
+            </a:extLst>
+          </p:cNvPr>
+          <p:cNvSpPr/>
+          <p:nvPr/>
+        </p:nvSpPr>
+        <p:spPr>
+          <a:xfrm>
+            <a:off x="7801257" y="5010150"/>
+            <a:ext cx="3527778" cy="1281723"/>
+          </a:xfrm>
+          <a:prstGeom prst="rect">
+            <a:avLst/>
+          </a:prstGeom>
+          <a:solidFill>
+            <a:schemeClr val="bg1"/>
+          </a:solidFill>
+          <a:ln>
+            <a:solidFill>
+              <a:schemeClr val="tx1"/>
+            </a:solidFill>
+          </a:ln>
+        </p:spPr>
+        <p:style>
+          <a:lnRef idx="2">
+            <a:schemeClr val="accent1">
+              <a:shade val="50000"/>
+            </a:schemeClr>
+          </a:lnRef>
+          <a:fillRef idx="1">
+            <a:schemeClr val="accent1"/>
+          </a:fillRef>
+          <a:effectRef idx="0">
+            <a:schemeClr val="accent1"/>
+          </a:effectRef>
+          <a:fontRef idx="minor">
+            <a:schemeClr val="lt1"/>
+          </a:fontRef>
+        </p:style>
+        <p:txBody>
+          <a:bodyPr rtlCol="0" anchor="ctr"/>
+          <a:lstStyle/>
+          <a:p>
+            <a:pPr algn="ctr"/>
+            <a:endParaRPr lang="ko-KR" altLang="en-US" sz="1200" dirty="0"/>
+          </a:p>
+        </p:txBody>
+      </p:sp>
+      <p:sp>
+        <p:nvSpPr>
+          <p:cNvPr id="48" name="직사각형 47">
+            <a:extLst>
+              <a:ext uri="{FF2B5EF4-FFF2-40B4-BE49-F238E27FC236}">
+                <a16:creationId xmlns="" xmlns:a16="http://schemas.microsoft.com/office/drawing/2014/main" id="{6E9430C2-B03D-4904-A3BB-DEE9C3ED215A}"/>
+              </a:ext>
+            </a:extLst>
+          </p:cNvPr>
+          <p:cNvSpPr/>
+          <p:nvPr/>
+        </p:nvSpPr>
+        <p:spPr>
+          <a:xfrm>
+            <a:off x="7443589" y="5901165"/>
+            <a:ext cx="252656" cy="260472"/>
+          </a:xfrm>
+          <a:prstGeom prst="rect">
+            <a:avLst/>
+          </a:prstGeom>
+          <a:solidFill>
+            <a:schemeClr val="bg1"/>
+          </a:solidFill>
+          <a:ln>
+            <a:solidFill>
+              <a:schemeClr val="tx1"/>
+            </a:solidFill>
+          </a:ln>
+        </p:spPr>
+        <p:style>
+          <a:lnRef idx="2">
+            <a:schemeClr val="accent1">
+              <a:shade val="50000"/>
+            </a:schemeClr>
+          </a:lnRef>
+          <a:fillRef idx="1">
+            <a:schemeClr val="accent1"/>
+          </a:fillRef>
+          <a:effectRef idx="0">
+            <a:schemeClr val="accent1"/>
+          </a:effectRef>
+          <a:fontRef idx="minor">
+            <a:schemeClr val="lt1"/>
+          </a:fontRef>
+        </p:style>
+        <p:txBody>
+          <a:bodyPr rtlCol="0" anchor="ctr"/>
+          <a:lstStyle/>
+          <a:p>
+            <a:pPr algn="ctr"/>
+            <a:endParaRPr lang="ko-KR" altLang="en-US"/>
+          </a:p>
+        </p:txBody>
+      </p:sp>
+      <p:sp>
+        <p:nvSpPr>
+          <p:cNvPr id="49" name="직사각형 48">
+            <a:extLst>
+              <a:ext uri="{FF2B5EF4-FFF2-40B4-BE49-F238E27FC236}">
+                <a16:creationId xmlns="" xmlns:a16="http://schemas.microsoft.com/office/drawing/2014/main" id="{D07D2E78-FA0B-44A6-9C91-7D6F0FCE2D63}"/>
+              </a:ext>
+            </a:extLst>
+          </p:cNvPr>
+          <p:cNvSpPr/>
+          <p:nvPr/>
+        </p:nvSpPr>
+        <p:spPr>
+          <a:xfrm>
+            <a:off x="8856476" y="5169149"/>
+            <a:ext cx="225981" cy="225981"/>
+          </a:xfrm>
+          <a:prstGeom prst="rect">
+            <a:avLst/>
+          </a:prstGeom>
+          <a:solidFill>
+            <a:srgbClr val="C00000"/>
+          </a:solidFill>
+          <a:ln>
+            <a:solidFill>
+              <a:schemeClr val="tx1"/>
+            </a:solidFill>
+          </a:ln>
+        </p:spPr>
+        <p:style>
+          <a:lnRef idx="2">
+            <a:schemeClr val="accent1">
+              <a:shade val="50000"/>
+            </a:schemeClr>
+          </a:lnRef>
+          <a:fillRef idx="1">
+            <a:schemeClr val="accent1"/>
+          </a:fillRef>
+          <a:effectRef idx="0">
+            <a:schemeClr val="accent1"/>
+          </a:effectRef>
+          <a:fontRef idx="minor">
+            <a:schemeClr val="lt1"/>
+          </a:fontRef>
+        </p:style>
+        <p:txBody>
+          <a:bodyPr rtlCol="0" anchor="ctr"/>
+          <a:lstStyle/>
+          <a:p>
+            <a:pPr algn="ctr"/>
+            <a:endParaRPr lang="ko-KR" altLang="en-US"/>
+          </a:p>
+        </p:txBody>
+      </p:sp>
+      <p:sp>
+        <p:nvSpPr>
+          <p:cNvPr id="50" name="직사각형 49">
+            <a:extLst>
+              <a:ext uri="{FF2B5EF4-FFF2-40B4-BE49-F238E27FC236}">
+                <a16:creationId xmlns="" xmlns:a16="http://schemas.microsoft.com/office/drawing/2014/main" id="{4043A908-C547-49CB-A640-5D71E5303F44}"/>
+              </a:ext>
+            </a:extLst>
+          </p:cNvPr>
+          <p:cNvSpPr/>
+          <p:nvPr/>
+        </p:nvSpPr>
+        <p:spPr>
+          <a:xfrm>
+            <a:off x="9097315" y="5169578"/>
+            <a:ext cx="225981" cy="225981"/>
+          </a:xfrm>
+          <a:prstGeom prst="rect">
+            <a:avLst/>
+          </a:prstGeom>
+          <a:solidFill>
+            <a:srgbClr val="FF0000"/>
+          </a:solidFill>
+          <a:ln>
+            <a:solidFill>
+              <a:schemeClr val="tx1"/>
+            </a:solidFill>
+          </a:ln>
+        </p:spPr>
+        <p:style>
+          <a:lnRef idx="2">
+            <a:schemeClr val="accent1">
+              <a:shade val="50000"/>
+            </a:schemeClr>
+          </a:lnRef>
+          <a:fillRef idx="1">
+            <a:schemeClr val="accent1"/>
+          </a:fillRef>
+          <a:effectRef idx="0">
+            <a:schemeClr val="accent1"/>
+          </a:effectRef>
+          <a:fontRef idx="minor">
+            <a:schemeClr val="lt1"/>
+          </a:fontRef>
+        </p:style>
+        <p:txBody>
+          <a:bodyPr rtlCol="0" anchor="ctr"/>
+          <a:lstStyle/>
+          <a:p>
+            <a:pPr algn="ctr"/>
+            <a:endParaRPr lang="ko-KR" altLang="en-US"/>
+          </a:p>
+        </p:txBody>
+      </p:sp>
+      <p:sp>
+        <p:nvSpPr>
+          <p:cNvPr id="51" name="직사각형 50">
+            <a:extLst>
+              <a:ext uri="{FF2B5EF4-FFF2-40B4-BE49-F238E27FC236}">
+                <a16:creationId xmlns="" xmlns:a16="http://schemas.microsoft.com/office/drawing/2014/main" id="{843167CF-D4D8-498C-9E76-EE1064B6CD1F}"/>
+              </a:ext>
+            </a:extLst>
+          </p:cNvPr>
+          <p:cNvSpPr/>
+          <p:nvPr/>
+        </p:nvSpPr>
+        <p:spPr>
+          <a:xfrm>
+            <a:off x="9338154" y="5169149"/>
+            <a:ext cx="225981" cy="225981"/>
+          </a:xfrm>
+          <a:prstGeom prst="rect">
+            <a:avLst/>
+          </a:prstGeom>
+          <a:solidFill>
+            <a:srgbClr val="FFC000"/>
+          </a:solidFill>
+          <a:ln>
+            <a:solidFill>
+              <a:schemeClr val="tx1"/>
+            </a:solidFill>
+          </a:ln>
+        </p:spPr>
+        <p:style>
+          <a:lnRef idx="2">
+            <a:schemeClr val="accent1">
+              <a:shade val="50000"/>
+            </a:schemeClr>
+          </a:lnRef>
+          <a:fillRef idx="1">
+            <a:schemeClr val="accent1"/>
+          </a:fillRef>
+          <a:effectRef idx="0">
+            <a:schemeClr val="accent1"/>
+          </a:effectRef>
+          <a:fontRef idx="minor">
+            <a:schemeClr val="lt1"/>
+          </a:fontRef>
+        </p:style>
+        <p:txBody>
+          <a:bodyPr rtlCol="0" anchor="ctr"/>
+          <a:lstStyle/>
+          <a:p>
+            <a:pPr algn="ctr"/>
+            <a:endParaRPr lang="ko-KR" altLang="en-US"/>
+          </a:p>
+        </p:txBody>
+      </p:sp>
+      <p:sp>
+        <p:nvSpPr>
+          <p:cNvPr id="52" name="직사각형 51">
+            <a:extLst>
+              <a:ext uri="{FF2B5EF4-FFF2-40B4-BE49-F238E27FC236}">
+                <a16:creationId xmlns="" xmlns:a16="http://schemas.microsoft.com/office/drawing/2014/main" id="{99D07B69-57CC-4DF9-98E1-D908CFDAF067}"/>
+              </a:ext>
+            </a:extLst>
+          </p:cNvPr>
+          <p:cNvSpPr/>
+          <p:nvPr/>
+        </p:nvSpPr>
+        <p:spPr>
+          <a:xfrm>
+            <a:off x="9577444" y="5169149"/>
+            <a:ext cx="225981" cy="225981"/>
+          </a:xfrm>
+          <a:prstGeom prst="rect">
+            <a:avLst/>
+          </a:prstGeom>
+          <a:solidFill>
+            <a:srgbClr val="FFFF00"/>
+          </a:solidFill>
+          <a:ln>
+            <a:solidFill>
+              <a:schemeClr val="tx1"/>
+            </a:solidFill>
+          </a:ln>
+        </p:spPr>
+        <p:style>
+          <a:lnRef idx="2">
+            <a:schemeClr val="accent1">
+              <a:shade val="50000"/>
+            </a:schemeClr>
+          </a:lnRef>
+          <a:fillRef idx="1">
+            <a:schemeClr val="accent1"/>
+          </a:fillRef>
+          <a:effectRef idx="0">
+            <a:schemeClr val="accent1"/>
+          </a:effectRef>
+          <a:fontRef idx="minor">
+            <a:schemeClr val="lt1"/>
+          </a:fontRef>
+        </p:style>
+        <p:txBody>
+          <a:bodyPr rtlCol="0" anchor="ctr"/>
+          <a:lstStyle/>
+          <a:p>
+            <a:pPr algn="ctr"/>
+            <a:endParaRPr lang="ko-KR" altLang="en-US"/>
+          </a:p>
+        </p:txBody>
+      </p:sp>
+      <p:sp>
+        <p:nvSpPr>
+          <p:cNvPr id="53" name="직사각형 52">
+            <a:extLst>
+              <a:ext uri="{FF2B5EF4-FFF2-40B4-BE49-F238E27FC236}">
+                <a16:creationId xmlns="" xmlns:a16="http://schemas.microsoft.com/office/drawing/2014/main" id="{A4F63C0A-84B5-4E21-BBF6-DE29C51395F1}"/>
+              </a:ext>
+            </a:extLst>
+          </p:cNvPr>
+          <p:cNvSpPr/>
+          <p:nvPr/>
+        </p:nvSpPr>
+        <p:spPr>
+          <a:xfrm>
+            <a:off x="9816734" y="5169148"/>
+            <a:ext cx="225981" cy="225981"/>
+          </a:xfrm>
+          <a:prstGeom prst="rect">
+            <a:avLst/>
+          </a:prstGeom>
+          <a:solidFill>
+            <a:srgbClr val="92D050"/>
+          </a:solidFill>
+          <a:ln>
+            <a:solidFill>
+              <a:schemeClr val="tx1"/>
+            </a:solidFill>
+          </a:ln>
+        </p:spPr>
+        <p:style>
+          <a:lnRef idx="2">
+            <a:schemeClr val="accent1">
+              <a:shade val="50000"/>
+            </a:schemeClr>
+          </a:lnRef>
+          <a:fillRef idx="1">
+            <a:schemeClr val="accent1"/>
+          </a:fillRef>
+          <a:effectRef idx="0">
+            <a:schemeClr val="accent1"/>
+          </a:effectRef>
+          <a:fontRef idx="minor">
+            <a:schemeClr val="lt1"/>
+          </a:fontRef>
+        </p:style>
+        <p:txBody>
+          <a:bodyPr rtlCol="0" anchor="ctr"/>
+          <a:lstStyle/>
+          <a:p>
+            <a:pPr algn="ctr"/>
+            <a:endParaRPr lang="ko-KR" altLang="en-US"/>
+          </a:p>
+        </p:txBody>
+      </p:sp>
+      <p:sp>
+        <p:nvSpPr>
+          <p:cNvPr id="54" name="직사각형 53">
+            <a:extLst>
+              <a:ext uri="{FF2B5EF4-FFF2-40B4-BE49-F238E27FC236}">
+                <a16:creationId xmlns="" xmlns:a16="http://schemas.microsoft.com/office/drawing/2014/main" id="{3EE46C2C-1473-4BB7-A028-CDFB082A4730}"/>
+              </a:ext>
+            </a:extLst>
+          </p:cNvPr>
+          <p:cNvSpPr/>
+          <p:nvPr/>
+        </p:nvSpPr>
+        <p:spPr>
+          <a:xfrm>
+            <a:off x="10055318" y="5169148"/>
+            <a:ext cx="225981" cy="225981"/>
+          </a:xfrm>
+          <a:prstGeom prst="rect">
+            <a:avLst/>
+          </a:prstGeom>
+          <a:solidFill>
+            <a:srgbClr val="00B050"/>
+          </a:solidFill>
+          <a:ln>
+            <a:solidFill>
+              <a:schemeClr val="tx1"/>
+            </a:solidFill>
+          </a:ln>
+        </p:spPr>
+        <p:style>
+          <a:lnRef idx="2">
+            <a:schemeClr val="accent1">
+              <a:shade val="50000"/>
+            </a:schemeClr>
+          </a:lnRef>
+          <a:fillRef idx="1">
+            <a:schemeClr val="accent1"/>
+          </a:fillRef>
+          <a:effectRef idx="0">
+            <a:schemeClr val="accent1"/>
+          </a:effectRef>
+          <a:fontRef idx="minor">
+            <a:schemeClr val="lt1"/>
+          </a:fontRef>
+        </p:style>
+        <p:txBody>
+          <a:bodyPr rtlCol="0" anchor="ctr"/>
+          <a:lstStyle/>
+          <a:p>
+            <a:pPr algn="ctr"/>
+            <a:endParaRPr lang="ko-KR" altLang="en-US"/>
+          </a:p>
+        </p:txBody>
+      </p:sp>
+      <p:sp>
+        <p:nvSpPr>
+          <p:cNvPr id="55" name="직사각형 54">
+            <a:extLst>
+              <a:ext uri="{FF2B5EF4-FFF2-40B4-BE49-F238E27FC236}">
+                <a16:creationId xmlns="" xmlns:a16="http://schemas.microsoft.com/office/drawing/2014/main" id="{3A75657D-809B-44DC-BD15-B5442E8A5389}"/>
+              </a:ext>
+            </a:extLst>
+          </p:cNvPr>
+          <p:cNvSpPr/>
+          <p:nvPr/>
+        </p:nvSpPr>
+        <p:spPr>
+          <a:xfrm>
+            <a:off x="10296157" y="5169577"/>
+            <a:ext cx="225981" cy="225981"/>
+          </a:xfrm>
+          <a:prstGeom prst="rect">
+            <a:avLst/>
+          </a:prstGeom>
+          <a:solidFill>
+            <a:srgbClr val="00B0F0"/>
+          </a:solidFill>
+          <a:ln>
+            <a:solidFill>
+              <a:schemeClr val="tx1"/>
+            </a:solidFill>
+          </a:ln>
+        </p:spPr>
+        <p:style>
+          <a:lnRef idx="2">
+            <a:schemeClr val="accent1">
+              <a:shade val="50000"/>
+            </a:schemeClr>
+          </a:lnRef>
+          <a:fillRef idx="1">
+            <a:schemeClr val="accent1"/>
+          </a:fillRef>
+          <a:effectRef idx="0">
+            <a:schemeClr val="accent1"/>
+          </a:effectRef>
+          <a:fontRef idx="minor">
+            <a:schemeClr val="lt1"/>
+          </a:fontRef>
+        </p:style>
+        <p:txBody>
+          <a:bodyPr rtlCol="0" anchor="ctr"/>
+          <a:lstStyle/>
+          <a:p>
+            <a:pPr algn="ctr"/>
+            <a:endParaRPr lang="ko-KR" altLang="en-US"/>
+          </a:p>
+        </p:txBody>
+      </p:sp>
+      <p:sp>
+        <p:nvSpPr>
+          <p:cNvPr id="56" name="직사각형 55">
+            <a:extLst>
+              <a:ext uri="{FF2B5EF4-FFF2-40B4-BE49-F238E27FC236}">
+                <a16:creationId xmlns="" xmlns:a16="http://schemas.microsoft.com/office/drawing/2014/main" id="{34C948D3-2172-4231-B881-1467EDD6F38A}"/>
+              </a:ext>
+            </a:extLst>
+          </p:cNvPr>
+          <p:cNvSpPr/>
+          <p:nvPr/>
+        </p:nvSpPr>
+        <p:spPr>
+          <a:xfrm>
+            <a:off x="10536996" y="5169148"/>
+            <a:ext cx="225981" cy="225981"/>
+          </a:xfrm>
+          <a:prstGeom prst="rect">
+            <a:avLst/>
+          </a:prstGeom>
+          <a:solidFill>
+            <a:srgbClr val="0070C0"/>
+          </a:solidFill>
+          <a:ln>
+            <a:solidFill>
+              <a:schemeClr val="tx1"/>
+            </a:solidFill>
+          </a:ln>
+        </p:spPr>
+        <p:style>
+          <a:lnRef idx="2">
+            <a:schemeClr val="accent1">
+              <a:shade val="50000"/>
+            </a:schemeClr>
+          </a:lnRef>
+          <a:fillRef idx="1">
+            <a:schemeClr val="accent1"/>
+          </a:fillRef>
+          <a:effectRef idx="0">
+            <a:schemeClr val="accent1"/>
+          </a:effectRef>
+          <a:fontRef idx="minor">
+            <a:schemeClr val="lt1"/>
+          </a:fontRef>
+        </p:style>
+        <p:txBody>
+          <a:bodyPr rtlCol="0" anchor="ctr"/>
+          <a:lstStyle/>
+          <a:p>
+            <a:pPr algn="ctr"/>
+            <a:endParaRPr lang="ko-KR" altLang="en-US"/>
+          </a:p>
+        </p:txBody>
+      </p:sp>
+      <p:sp>
+        <p:nvSpPr>
+          <p:cNvPr id="57" name="직사각형 56">
+            <a:extLst>
+              <a:ext uri="{FF2B5EF4-FFF2-40B4-BE49-F238E27FC236}">
+                <a16:creationId xmlns="" xmlns:a16="http://schemas.microsoft.com/office/drawing/2014/main" id="{5069912C-4D8C-4E21-87C6-AF1AC88F6CBD}"/>
+              </a:ext>
+            </a:extLst>
+          </p:cNvPr>
+          <p:cNvSpPr/>
+          <p:nvPr/>
+        </p:nvSpPr>
+        <p:spPr>
+          <a:xfrm>
+            <a:off x="10776286" y="5169148"/>
+            <a:ext cx="225981" cy="225981"/>
+          </a:xfrm>
+          <a:prstGeom prst="rect">
+            <a:avLst/>
+          </a:prstGeom>
+          <a:solidFill>
+            <a:srgbClr val="002060"/>
+          </a:solidFill>
+          <a:ln>
+            <a:solidFill>
+              <a:schemeClr val="tx1"/>
+            </a:solidFill>
+          </a:ln>
+        </p:spPr>
+        <p:style>
+          <a:lnRef idx="2">
+            <a:schemeClr val="accent1">
+              <a:shade val="50000"/>
+            </a:schemeClr>
+          </a:lnRef>
+          <a:fillRef idx="1">
+            <a:schemeClr val="accent1"/>
+          </a:fillRef>
+          <a:effectRef idx="0">
+            <a:schemeClr val="accent1"/>
+          </a:effectRef>
+          <a:fontRef idx="minor">
+            <a:schemeClr val="lt1"/>
+          </a:fontRef>
+        </p:style>
+        <p:txBody>
+          <a:bodyPr rtlCol="0" anchor="ctr"/>
+          <a:lstStyle/>
+          <a:p>
+            <a:pPr algn="ctr"/>
+            <a:endParaRPr lang="ko-KR" altLang="en-US"/>
+          </a:p>
+        </p:txBody>
+      </p:sp>
+      <p:sp>
+        <p:nvSpPr>
+          <p:cNvPr id="58" name="직사각형 57">
+            <a:extLst>
+              <a:ext uri="{FF2B5EF4-FFF2-40B4-BE49-F238E27FC236}">
+                <a16:creationId xmlns="" xmlns:a16="http://schemas.microsoft.com/office/drawing/2014/main" id="{93FEF782-B96F-4AA2-AFF3-0155CF5ABF0E}"/>
+              </a:ext>
+            </a:extLst>
+          </p:cNvPr>
+          <p:cNvSpPr/>
+          <p:nvPr/>
+        </p:nvSpPr>
+        <p:spPr>
+          <a:xfrm>
+            <a:off x="11015576" y="5169147"/>
+            <a:ext cx="225981" cy="225981"/>
+          </a:xfrm>
+          <a:prstGeom prst="rect">
+            <a:avLst/>
+          </a:prstGeom>
+          <a:solidFill>
+            <a:srgbClr val="7030A0"/>
+          </a:solidFill>
+          <a:ln>
+            <a:solidFill>
+              <a:schemeClr val="tx1"/>
+            </a:solidFill>
+          </a:ln>
+        </p:spPr>
+        <p:style>
+          <a:lnRef idx="2">
+            <a:schemeClr val="accent1">
+              <a:shade val="50000"/>
+            </a:schemeClr>
+          </a:lnRef>
+          <a:fillRef idx="1">
+            <a:schemeClr val="accent1"/>
+          </a:fillRef>
+          <a:effectRef idx="0">
+            <a:schemeClr val="accent1"/>
+          </a:effectRef>
+          <a:fontRef idx="minor">
+            <a:schemeClr val="lt1"/>
+          </a:fontRef>
+        </p:style>
+        <p:txBody>
+          <a:bodyPr rtlCol="0" anchor="ctr"/>
+          <a:lstStyle/>
+          <a:p>
+            <a:pPr algn="ctr"/>
+            <a:endParaRPr lang="ko-KR" altLang="en-US"/>
+          </a:p>
+        </p:txBody>
+      </p:sp>
+      <p:sp>
+        <p:nvSpPr>
+          <p:cNvPr id="61" name="직사각형 60">
+            <a:extLst>
+              <a:ext uri="{FF2B5EF4-FFF2-40B4-BE49-F238E27FC236}">
+                <a16:creationId xmlns="" xmlns:a16="http://schemas.microsoft.com/office/drawing/2014/main" id="{B1B92AD2-4462-4419-9811-58AF185F9A41}"/>
+              </a:ext>
+            </a:extLst>
+          </p:cNvPr>
+          <p:cNvSpPr/>
+          <p:nvPr/>
+        </p:nvSpPr>
+        <p:spPr>
+          <a:xfrm>
+            <a:off x="8856476" y="5402531"/>
+            <a:ext cx="225981" cy="225981"/>
+          </a:xfrm>
+          <a:prstGeom prst="rect">
+            <a:avLst/>
+          </a:prstGeom>
+          <a:solidFill>
+            <a:srgbClr val="922E2E"/>
+          </a:solidFill>
+          <a:ln>
+            <a:solidFill>
+              <a:schemeClr val="tx1"/>
+            </a:solidFill>
+          </a:ln>
+        </p:spPr>
+        <p:style>
+          <a:lnRef idx="2">
+            <a:schemeClr val="accent1">
+              <a:shade val="50000"/>
+            </a:schemeClr>
+          </a:lnRef>
+          <a:fillRef idx="1">
+            <a:schemeClr val="accent1"/>
+          </a:fillRef>
+          <a:effectRef idx="0">
+            <a:schemeClr val="accent1"/>
+          </a:effectRef>
+          <a:fontRef idx="minor">
+            <a:schemeClr val="lt1"/>
+          </a:fontRef>
+        </p:style>
+        <p:txBody>
+          <a:bodyPr rtlCol="0" anchor="ctr"/>
+          <a:lstStyle/>
+          <a:p>
+            <a:pPr algn="ctr"/>
+            <a:endParaRPr lang="ko-KR" altLang="en-US"/>
+          </a:p>
+        </p:txBody>
+      </p:sp>
+      <p:sp>
+        <p:nvSpPr>
+          <p:cNvPr id="62" name="직사각형 61">
+            <a:extLst>
+              <a:ext uri="{FF2B5EF4-FFF2-40B4-BE49-F238E27FC236}">
+                <a16:creationId xmlns="" xmlns:a16="http://schemas.microsoft.com/office/drawing/2014/main" id="{D5AF3640-982F-42AC-BCB9-7A8DECBFE748}"/>
+              </a:ext>
+            </a:extLst>
+          </p:cNvPr>
+          <p:cNvSpPr/>
+          <p:nvPr/>
+        </p:nvSpPr>
+        <p:spPr>
+          <a:xfrm>
+            <a:off x="9097315" y="5402960"/>
+            <a:ext cx="225981" cy="225981"/>
+          </a:xfrm>
+          <a:prstGeom prst="rect">
+            <a:avLst/>
+          </a:prstGeom>
+          <a:solidFill>
+            <a:srgbClr val="C43C3C"/>
+          </a:solidFill>
+          <a:ln>
+            <a:solidFill>
+              <a:schemeClr val="tx1"/>
+            </a:solidFill>
+          </a:ln>
+        </p:spPr>
+        <p:style>
+          <a:lnRef idx="2">
+            <a:schemeClr val="accent1">
+              <a:shade val="50000"/>
+            </a:schemeClr>
+          </a:lnRef>
+          <a:fillRef idx="1">
+            <a:schemeClr val="accent1"/>
+          </a:fillRef>
+          <a:effectRef idx="0">
+            <a:schemeClr val="accent1"/>
+          </a:effectRef>
+          <a:fontRef idx="minor">
+            <a:schemeClr val="lt1"/>
+          </a:fontRef>
+        </p:style>
+        <p:txBody>
+          <a:bodyPr rtlCol="0" anchor="ctr"/>
+          <a:lstStyle/>
+          <a:p>
+            <a:pPr algn="ctr"/>
+            <a:endParaRPr lang="ko-KR" altLang="en-US"/>
+          </a:p>
+        </p:txBody>
+      </p:sp>
+      <p:sp>
+        <p:nvSpPr>
+          <p:cNvPr id="63" name="직사각형 62">
+            <a:extLst>
+              <a:ext uri="{FF2B5EF4-FFF2-40B4-BE49-F238E27FC236}">
+                <a16:creationId xmlns="" xmlns:a16="http://schemas.microsoft.com/office/drawing/2014/main" id="{92209C06-078B-4721-B76B-33BE33BEC704}"/>
+              </a:ext>
+            </a:extLst>
+          </p:cNvPr>
+          <p:cNvSpPr/>
+          <p:nvPr/>
+        </p:nvSpPr>
+        <p:spPr>
+          <a:xfrm>
+            <a:off x="9338154" y="5402531"/>
+            <a:ext cx="225981" cy="225981"/>
+          </a:xfrm>
+          <a:prstGeom prst="rect">
+            <a:avLst/>
+          </a:prstGeom>
+          <a:solidFill>
+            <a:srgbClr val="C78A39"/>
+          </a:solidFill>
+          <a:ln>
+            <a:solidFill>
+              <a:schemeClr val="tx1"/>
+            </a:solidFill>
+          </a:ln>
+        </p:spPr>
+        <p:style>
+          <a:lnRef idx="2">
+            <a:schemeClr val="accent1">
+              <a:shade val="50000"/>
+            </a:schemeClr>
+          </a:lnRef>
+          <a:fillRef idx="1">
+            <a:schemeClr val="accent1"/>
+          </a:fillRef>
+          <a:effectRef idx="0">
+            <a:schemeClr val="accent1"/>
+          </a:effectRef>
+          <a:fontRef idx="minor">
+            <a:schemeClr val="lt1"/>
+          </a:fontRef>
+        </p:style>
+        <p:txBody>
+          <a:bodyPr rtlCol="0" anchor="ctr"/>
+          <a:lstStyle/>
+          <a:p>
+            <a:pPr algn="ctr"/>
+            <a:endParaRPr lang="ko-KR" altLang="en-US"/>
+          </a:p>
+        </p:txBody>
+      </p:sp>
+      <p:sp>
+        <p:nvSpPr>
+          <p:cNvPr id="64" name="직사각형 63">
+            <a:extLst>
+              <a:ext uri="{FF2B5EF4-FFF2-40B4-BE49-F238E27FC236}">
+                <a16:creationId xmlns="" xmlns:a16="http://schemas.microsoft.com/office/drawing/2014/main" id="{527F1F91-E7E4-4308-A62F-2850E9D1C2F7}"/>
+              </a:ext>
+            </a:extLst>
+          </p:cNvPr>
+          <p:cNvSpPr/>
+          <p:nvPr/>
+        </p:nvSpPr>
+        <p:spPr>
+          <a:xfrm>
+            <a:off x="9577444" y="5402531"/>
+            <a:ext cx="225981" cy="225981"/>
+          </a:xfrm>
+          <a:prstGeom prst="rect">
+            <a:avLst/>
+          </a:prstGeom>
+          <a:solidFill>
+            <a:srgbClr val="BDC739"/>
+          </a:solidFill>
+          <a:ln>
+            <a:solidFill>
+              <a:schemeClr val="tx1"/>
+            </a:solidFill>
+          </a:ln>
+        </p:spPr>
+        <p:style>
+          <a:lnRef idx="2">
+            <a:schemeClr val="accent1">
+              <a:shade val="50000"/>
+            </a:schemeClr>
+          </a:lnRef>
+          <a:fillRef idx="1">
+            <a:schemeClr val="accent1"/>
+          </a:fillRef>
+          <a:effectRef idx="0">
+            <a:schemeClr val="accent1"/>
+          </a:effectRef>
+          <a:fontRef idx="minor">
+            <a:schemeClr val="lt1"/>
+          </a:fontRef>
+        </p:style>
+        <p:txBody>
+          <a:bodyPr rtlCol="0" anchor="ctr"/>
+          <a:lstStyle/>
+          <a:p>
+            <a:pPr algn="ctr"/>
+            <a:endParaRPr lang="ko-KR" altLang="en-US"/>
+          </a:p>
+        </p:txBody>
+      </p:sp>
+      <p:sp>
+        <p:nvSpPr>
+          <p:cNvPr id="65" name="직사각형 64">
+            <a:extLst>
+              <a:ext uri="{FF2B5EF4-FFF2-40B4-BE49-F238E27FC236}">
+                <a16:creationId xmlns="" xmlns:a16="http://schemas.microsoft.com/office/drawing/2014/main" id="{444E7598-53E5-440B-9175-63569EFE2CC5}"/>
+              </a:ext>
+            </a:extLst>
+          </p:cNvPr>
+          <p:cNvSpPr/>
+          <p:nvPr/>
+        </p:nvSpPr>
+        <p:spPr>
+          <a:xfrm>
+            <a:off x="9816734" y="5402530"/>
+            <a:ext cx="225981" cy="225981"/>
+          </a:xfrm>
+          <a:prstGeom prst="rect">
+            <a:avLst/>
+          </a:prstGeom>
+          <a:solidFill>
+            <a:srgbClr val="9FB868"/>
+          </a:solidFill>
+          <a:ln>
+            <a:solidFill>
+              <a:schemeClr val="tx1"/>
+            </a:solidFill>
+          </a:ln>
+        </p:spPr>
+        <p:style>
+          <a:lnRef idx="2">
+            <a:schemeClr val="accent1">
+              <a:shade val="50000"/>
+            </a:schemeClr>
+          </a:lnRef>
+          <a:fillRef idx="1">
+            <a:schemeClr val="accent1"/>
+          </a:fillRef>
+          <a:effectRef idx="0">
+            <a:schemeClr val="accent1"/>
+          </a:effectRef>
+          <a:fontRef idx="minor">
+            <a:schemeClr val="lt1"/>
+          </a:fontRef>
+        </p:style>
+        <p:txBody>
+          <a:bodyPr rtlCol="0" anchor="ctr"/>
+          <a:lstStyle/>
+          <a:p>
+            <a:pPr algn="ctr"/>
+            <a:endParaRPr lang="ko-KR" altLang="en-US"/>
+          </a:p>
+        </p:txBody>
+      </p:sp>
+      <p:sp>
+        <p:nvSpPr>
+          <p:cNvPr id="66" name="직사각형 65">
+            <a:extLst>
+              <a:ext uri="{FF2B5EF4-FFF2-40B4-BE49-F238E27FC236}">
+                <a16:creationId xmlns="" xmlns:a16="http://schemas.microsoft.com/office/drawing/2014/main" id="{78964BB3-1232-4605-AD6F-DF1924C16B7B}"/>
+              </a:ext>
+            </a:extLst>
+          </p:cNvPr>
+          <p:cNvSpPr/>
+          <p:nvPr/>
+        </p:nvSpPr>
+        <p:spPr>
+          <a:xfrm>
+            <a:off x="10055318" y="5402530"/>
+            <a:ext cx="225981" cy="225981"/>
+          </a:xfrm>
+          <a:prstGeom prst="rect">
+            <a:avLst/>
+          </a:prstGeom>
+          <a:solidFill>
+            <a:srgbClr val="218F4B"/>
+          </a:solidFill>
+          <a:ln>
+            <a:solidFill>
+              <a:schemeClr val="tx1"/>
+            </a:solidFill>
+          </a:ln>
+        </p:spPr>
+        <p:style>
+          <a:lnRef idx="2">
+            <a:schemeClr val="accent1">
+              <a:shade val="50000"/>
+            </a:schemeClr>
+          </a:lnRef>
+          <a:fillRef idx="1">
+            <a:schemeClr val="accent1"/>
+          </a:fillRef>
+          <a:effectRef idx="0">
+            <a:schemeClr val="accent1"/>
+          </a:effectRef>
+          <a:fontRef idx="minor">
+            <a:schemeClr val="lt1"/>
+          </a:fontRef>
+        </p:style>
+        <p:txBody>
+          <a:bodyPr rtlCol="0" anchor="ctr"/>
+          <a:lstStyle/>
+          <a:p>
+            <a:pPr algn="ctr"/>
+            <a:endParaRPr lang="ko-KR" altLang="en-US"/>
+          </a:p>
+        </p:txBody>
+      </p:sp>
+      <p:sp>
+        <p:nvSpPr>
+          <p:cNvPr id="67" name="직사각형 66">
+            <a:extLst>
+              <a:ext uri="{FF2B5EF4-FFF2-40B4-BE49-F238E27FC236}">
+                <a16:creationId xmlns="" xmlns:a16="http://schemas.microsoft.com/office/drawing/2014/main" id="{5E451305-8F0E-46E2-99E7-97EFC89432A1}"/>
+              </a:ext>
+            </a:extLst>
+          </p:cNvPr>
+          <p:cNvSpPr/>
+          <p:nvPr/>
+        </p:nvSpPr>
+        <p:spPr>
+          <a:xfrm>
+            <a:off x="10296157" y="5402959"/>
+            <a:ext cx="225981" cy="225981"/>
+          </a:xfrm>
+          <a:prstGeom prst="rect">
+            <a:avLst/>
+          </a:prstGeom>
+          <a:solidFill>
+            <a:srgbClr val="368EBA"/>
+          </a:solidFill>
+          <a:ln>
+            <a:solidFill>
+              <a:schemeClr val="tx1"/>
+            </a:solidFill>
+          </a:ln>
+        </p:spPr>
+        <p:style>
+          <a:lnRef idx="2">
+            <a:schemeClr val="accent1">
+              <a:shade val="50000"/>
+            </a:schemeClr>
+          </a:lnRef>
+          <a:fillRef idx="1">
+            <a:schemeClr val="accent1"/>
+          </a:fillRef>
+          <a:effectRef idx="0">
+            <a:schemeClr val="accent1"/>
+          </a:effectRef>
+          <a:fontRef idx="minor">
+            <a:schemeClr val="lt1"/>
+          </a:fontRef>
+        </p:style>
+        <p:txBody>
+          <a:bodyPr rtlCol="0" anchor="ctr"/>
+          <a:lstStyle/>
+          <a:p>
+            <a:pPr algn="ctr"/>
+            <a:endParaRPr lang="ko-KR" altLang="en-US"/>
+          </a:p>
+        </p:txBody>
+      </p:sp>
+      <p:sp>
+        <p:nvSpPr>
+          <p:cNvPr id="68" name="직사각형 67">
+            <a:extLst>
+              <a:ext uri="{FF2B5EF4-FFF2-40B4-BE49-F238E27FC236}">
+                <a16:creationId xmlns="" xmlns:a16="http://schemas.microsoft.com/office/drawing/2014/main" id="{6D54F0F7-CDB7-468B-85C9-F3D852D64B81}"/>
+              </a:ext>
+            </a:extLst>
+          </p:cNvPr>
+          <p:cNvSpPr/>
+          <p:nvPr/>
+        </p:nvSpPr>
+        <p:spPr>
+          <a:xfrm>
+            <a:off x="10536996" y="5402530"/>
+            <a:ext cx="225981" cy="225981"/>
+          </a:xfrm>
+          <a:prstGeom prst="rect">
+            <a:avLst/>
+          </a:prstGeom>
+          <a:solidFill>
+            <a:srgbClr val="296397"/>
+          </a:solidFill>
+          <a:ln>
+            <a:solidFill>
+              <a:schemeClr val="tx1"/>
+            </a:solidFill>
+          </a:ln>
+        </p:spPr>
+        <p:style>
+          <a:lnRef idx="2">
+            <a:schemeClr val="accent1">
+              <a:shade val="50000"/>
+            </a:schemeClr>
+          </a:lnRef>
+          <a:fillRef idx="1">
+            <a:schemeClr val="accent1"/>
+          </a:fillRef>
+          <a:effectRef idx="0">
+            <a:schemeClr val="accent1"/>
+          </a:effectRef>
+          <a:fontRef idx="minor">
+            <a:schemeClr val="lt1"/>
+          </a:fontRef>
+        </p:style>
+        <p:txBody>
+          <a:bodyPr rtlCol="0" anchor="ctr"/>
+          <a:lstStyle/>
+          <a:p>
+            <a:pPr algn="ctr"/>
+            <a:endParaRPr lang="ko-KR" altLang="en-US"/>
+          </a:p>
+        </p:txBody>
+      </p:sp>
+      <p:sp>
+        <p:nvSpPr>
+          <p:cNvPr id="69" name="직사각형 68">
+            <a:extLst>
+              <a:ext uri="{FF2B5EF4-FFF2-40B4-BE49-F238E27FC236}">
+                <a16:creationId xmlns="" xmlns:a16="http://schemas.microsoft.com/office/drawing/2014/main" id="{479F67A3-1E64-4D87-AAD6-0BA2BDC4EC1A}"/>
+              </a:ext>
+            </a:extLst>
+          </p:cNvPr>
+          <p:cNvSpPr/>
+          <p:nvPr/>
+        </p:nvSpPr>
+        <p:spPr>
+          <a:xfrm>
+            <a:off x="10776286" y="5402530"/>
+            <a:ext cx="225981" cy="225981"/>
+          </a:xfrm>
+          <a:prstGeom prst="rect">
+            <a:avLst/>
+          </a:prstGeom>
+          <a:solidFill>
+            <a:srgbClr val="16264A"/>
+          </a:solidFill>
+          <a:ln>
+            <a:solidFill>
+              <a:schemeClr val="tx1"/>
+            </a:solidFill>
+          </a:ln>
+        </p:spPr>
+        <p:style>
+          <a:lnRef idx="2">
+            <a:schemeClr val="accent1">
+              <a:shade val="50000"/>
+            </a:schemeClr>
+          </a:lnRef>
+          <a:fillRef idx="1">
+            <a:schemeClr val="accent1"/>
+          </a:fillRef>
+          <a:effectRef idx="0">
+            <a:schemeClr val="accent1"/>
+          </a:effectRef>
+          <a:fontRef idx="minor">
+            <a:schemeClr val="lt1"/>
+          </a:fontRef>
+        </p:style>
+        <p:txBody>
+          <a:bodyPr rtlCol="0" anchor="ctr"/>
+          <a:lstStyle/>
+          <a:p>
+            <a:pPr algn="ctr"/>
+            <a:endParaRPr lang="ko-KR" altLang="en-US"/>
+          </a:p>
+        </p:txBody>
+      </p:sp>
+      <p:sp>
+        <p:nvSpPr>
+          <p:cNvPr id="70" name="직사각형 69">
+            <a:extLst>
+              <a:ext uri="{FF2B5EF4-FFF2-40B4-BE49-F238E27FC236}">
+                <a16:creationId xmlns="" xmlns:a16="http://schemas.microsoft.com/office/drawing/2014/main" id="{88C053F9-1009-4D58-B1DB-2637632D6557}"/>
+              </a:ext>
+            </a:extLst>
+          </p:cNvPr>
+          <p:cNvSpPr/>
+          <p:nvPr/>
+        </p:nvSpPr>
+        <p:spPr>
+          <a:xfrm>
+            <a:off x="11015576" y="5402529"/>
+            <a:ext cx="225981" cy="225981"/>
+          </a:xfrm>
+          <a:prstGeom prst="rect">
+            <a:avLst/>
+          </a:prstGeom>
+          <a:solidFill>
+            <a:srgbClr val="684B85"/>
+          </a:solidFill>
+          <a:ln>
+            <a:solidFill>
+              <a:schemeClr val="tx1"/>
+            </a:solidFill>
+          </a:ln>
+        </p:spPr>
+        <p:style>
+          <a:lnRef idx="2">
+            <a:schemeClr val="accent1">
+              <a:shade val="50000"/>
+            </a:schemeClr>
+          </a:lnRef>
+          <a:fillRef idx="1">
+            <a:schemeClr val="accent1"/>
+          </a:fillRef>
+          <a:effectRef idx="0">
+            <a:schemeClr val="accent1"/>
+          </a:effectRef>
+          <a:fontRef idx="minor">
+            <a:schemeClr val="lt1"/>
+          </a:fontRef>
+        </p:style>
+        <p:txBody>
+          <a:bodyPr rtlCol="0" anchor="ctr"/>
+          <a:lstStyle/>
+          <a:p>
+            <a:pPr algn="ctr"/>
+            <a:endParaRPr lang="ko-KR" altLang="en-US"/>
+          </a:p>
+        </p:txBody>
+      </p:sp>
+      <p:sp>
+        <p:nvSpPr>
+          <p:cNvPr id="71" name="직사각형 70">
+            <a:extLst>
+              <a:ext uri="{FF2B5EF4-FFF2-40B4-BE49-F238E27FC236}">
+                <a16:creationId xmlns="" xmlns:a16="http://schemas.microsoft.com/office/drawing/2014/main" id="{F15651A3-DB9B-4796-9EE7-B511FE4CB6C3}"/>
+              </a:ext>
+            </a:extLst>
+          </p:cNvPr>
+          <p:cNvSpPr/>
+          <p:nvPr/>
+        </p:nvSpPr>
+        <p:spPr>
+          <a:xfrm>
+            <a:off x="8856476" y="5644389"/>
+            <a:ext cx="225981" cy="225981"/>
+          </a:xfrm>
+          <a:prstGeom prst="rect">
+            <a:avLst/>
+          </a:prstGeom>
+          <a:solidFill>
+            <a:schemeClr val="bg1"/>
+          </a:solidFill>
+          <a:ln>
+            <a:solidFill>
+              <a:schemeClr val="tx1"/>
+            </a:solidFill>
+          </a:ln>
+        </p:spPr>
+        <p:style>
+          <a:lnRef idx="2">
+            <a:schemeClr val="accent1">
+              <a:shade val="50000"/>
+            </a:schemeClr>
+          </a:lnRef>
+          <a:fillRef idx="1">
+            <a:schemeClr val="accent1"/>
+          </a:fillRef>
+          <a:effectRef idx="0">
+            <a:schemeClr val="accent1"/>
+          </a:effectRef>
+          <a:fontRef idx="minor">
+            <a:schemeClr val="lt1"/>
+          </a:fontRef>
+        </p:style>
+        <p:txBody>
+          <a:bodyPr rtlCol="0" anchor="ctr"/>
+          <a:lstStyle/>
+          <a:p>
+            <a:pPr algn="ctr"/>
+            <a:endParaRPr lang="ko-KR" altLang="en-US"/>
+          </a:p>
+        </p:txBody>
+      </p:sp>
+      <p:sp>
+        <p:nvSpPr>
+          <p:cNvPr id="72" name="직사각형 71">
+            <a:extLst>
+              <a:ext uri="{FF2B5EF4-FFF2-40B4-BE49-F238E27FC236}">
+                <a16:creationId xmlns="" xmlns:a16="http://schemas.microsoft.com/office/drawing/2014/main" id="{FAEB40AB-9177-4C0C-8FCA-654BD4C8D11D}"/>
+              </a:ext>
+            </a:extLst>
+          </p:cNvPr>
+          <p:cNvSpPr/>
+          <p:nvPr/>
+        </p:nvSpPr>
+        <p:spPr>
+          <a:xfrm>
+            <a:off x="9097315" y="5644818"/>
+            <a:ext cx="225981" cy="225981"/>
+          </a:xfrm>
+          <a:prstGeom prst="rect">
+            <a:avLst/>
+          </a:prstGeom>
+          <a:solidFill>
+            <a:schemeClr val="bg1"/>
+          </a:solidFill>
+          <a:ln>
+            <a:solidFill>
+              <a:schemeClr val="tx1"/>
+            </a:solidFill>
+          </a:ln>
+        </p:spPr>
+        <p:style>
+          <a:lnRef idx="2">
+            <a:schemeClr val="accent1">
+              <a:shade val="50000"/>
+            </a:schemeClr>
+          </a:lnRef>
+          <a:fillRef idx="1">
+            <a:schemeClr val="accent1"/>
+          </a:fillRef>
+          <a:effectRef idx="0">
+            <a:schemeClr val="accent1"/>
+          </a:effectRef>
+          <a:fontRef idx="minor">
+            <a:schemeClr val="lt1"/>
+          </a:fontRef>
+        </p:style>
+        <p:txBody>
+          <a:bodyPr rtlCol="0" anchor="ctr"/>
+          <a:lstStyle/>
+          <a:p>
+            <a:pPr algn="ctr"/>
+            <a:endParaRPr lang="ko-KR" altLang="en-US"/>
+          </a:p>
+        </p:txBody>
+      </p:sp>
+      <p:sp>
+        <p:nvSpPr>
+          <p:cNvPr id="73" name="직사각형 72">
+            <a:extLst>
+              <a:ext uri="{FF2B5EF4-FFF2-40B4-BE49-F238E27FC236}">
+                <a16:creationId xmlns="" xmlns:a16="http://schemas.microsoft.com/office/drawing/2014/main" id="{89B12FEF-E510-4309-B410-0B26816996F9}"/>
+              </a:ext>
+            </a:extLst>
+          </p:cNvPr>
+          <p:cNvSpPr/>
+          <p:nvPr/>
+        </p:nvSpPr>
+        <p:spPr>
+          <a:xfrm>
+            <a:off x="9338154" y="5644389"/>
+            <a:ext cx="225981" cy="225981"/>
+          </a:xfrm>
+          <a:prstGeom prst="rect">
+            <a:avLst/>
+          </a:prstGeom>
+          <a:solidFill>
+            <a:schemeClr val="bg1"/>
+          </a:solidFill>
+          <a:ln>
+            <a:solidFill>
+              <a:schemeClr val="tx1"/>
+            </a:solidFill>
+          </a:ln>
+        </p:spPr>
+        <p:style>
+          <a:lnRef idx="2">
+            <a:schemeClr val="accent1">
+              <a:shade val="50000"/>
+            </a:schemeClr>
+          </a:lnRef>
+          <a:fillRef idx="1">
+            <a:schemeClr val="accent1"/>
+          </a:fillRef>
+          <a:effectRef idx="0">
+            <a:schemeClr val="accent1"/>
+          </a:effectRef>
+          <a:fontRef idx="minor">
+            <a:schemeClr val="lt1"/>
+          </a:fontRef>
+        </p:style>
+        <p:txBody>
+          <a:bodyPr rtlCol="0" anchor="ctr"/>
+          <a:lstStyle/>
+          <a:p>
+            <a:pPr algn="ctr"/>
+            <a:endParaRPr lang="ko-KR" altLang="en-US"/>
+          </a:p>
+        </p:txBody>
+      </p:sp>
+      <p:sp>
+        <p:nvSpPr>
+          <p:cNvPr id="74" name="직사각형 73">
+            <a:extLst>
+              <a:ext uri="{FF2B5EF4-FFF2-40B4-BE49-F238E27FC236}">
+                <a16:creationId xmlns="" xmlns:a16="http://schemas.microsoft.com/office/drawing/2014/main" id="{E11D7440-05C2-4EAB-A236-8039A06DFA83}"/>
+              </a:ext>
+            </a:extLst>
+          </p:cNvPr>
+          <p:cNvSpPr/>
+          <p:nvPr/>
+        </p:nvSpPr>
+        <p:spPr>
+          <a:xfrm>
+            <a:off x="9577444" y="5644389"/>
+            <a:ext cx="225981" cy="225981"/>
+          </a:xfrm>
+          <a:prstGeom prst="rect">
+            <a:avLst/>
+          </a:prstGeom>
+          <a:solidFill>
+            <a:schemeClr val="bg1"/>
+          </a:solidFill>
+          <a:ln>
+            <a:solidFill>
+              <a:schemeClr val="tx1"/>
+            </a:solidFill>
+          </a:ln>
+        </p:spPr>
+        <p:style>
+          <a:lnRef idx="2">
+            <a:schemeClr val="accent1">
+              <a:shade val="50000"/>
+            </a:schemeClr>
+          </a:lnRef>
+          <a:fillRef idx="1">
+            <a:schemeClr val="accent1"/>
+          </a:fillRef>
+          <a:effectRef idx="0">
+            <a:schemeClr val="accent1"/>
+          </a:effectRef>
+          <a:fontRef idx="minor">
+            <a:schemeClr val="lt1"/>
+          </a:fontRef>
+        </p:style>
+        <p:txBody>
+          <a:bodyPr rtlCol="0" anchor="ctr"/>
+          <a:lstStyle/>
+          <a:p>
+            <a:pPr algn="ctr"/>
+            <a:endParaRPr lang="ko-KR" altLang="en-US"/>
+          </a:p>
+        </p:txBody>
+      </p:sp>
+      <p:sp>
+        <p:nvSpPr>
+          <p:cNvPr id="75" name="직사각형 74">
+            <a:extLst>
+              <a:ext uri="{FF2B5EF4-FFF2-40B4-BE49-F238E27FC236}">
+                <a16:creationId xmlns="" xmlns:a16="http://schemas.microsoft.com/office/drawing/2014/main" id="{1E68E927-3C1A-4DD0-805A-EA5AA98EBA24}"/>
+              </a:ext>
+            </a:extLst>
+          </p:cNvPr>
+          <p:cNvSpPr/>
+          <p:nvPr/>
+        </p:nvSpPr>
+        <p:spPr>
+          <a:xfrm>
+            <a:off x="9816734" y="5644388"/>
+            <a:ext cx="225981" cy="225981"/>
+          </a:xfrm>
+          <a:prstGeom prst="rect">
+            <a:avLst/>
+          </a:prstGeom>
+          <a:solidFill>
+            <a:schemeClr val="bg1"/>
+          </a:solidFill>
+          <a:ln>
+            <a:solidFill>
+              <a:schemeClr val="tx1"/>
+            </a:solidFill>
+          </a:ln>
+        </p:spPr>
+        <p:style>
+          <a:lnRef idx="2">
+            <a:schemeClr val="accent1">
+              <a:shade val="50000"/>
+            </a:schemeClr>
+          </a:lnRef>
+          <a:fillRef idx="1">
+            <a:schemeClr val="accent1"/>
+          </a:fillRef>
+          <a:effectRef idx="0">
+            <a:schemeClr val="accent1"/>
+          </a:effectRef>
+          <a:fontRef idx="minor">
+            <a:schemeClr val="lt1"/>
+          </a:fontRef>
+        </p:style>
+        <p:txBody>
+          <a:bodyPr rtlCol="0" anchor="ctr"/>
+          <a:lstStyle/>
+          <a:p>
+            <a:pPr algn="ctr"/>
+            <a:endParaRPr lang="ko-KR" altLang="en-US"/>
+          </a:p>
+        </p:txBody>
+      </p:sp>
+      <p:sp>
+        <p:nvSpPr>
+          <p:cNvPr id="76" name="직사각형 75">
+            <a:extLst>
+              <a:ext uri="{FF2B5EF4-FFF2-40B4-BE49-F238E27FC236}">
+                <a16:creationId xmlns="" xmlns:a16="http://schemas.microsoft.com/office/drawing/2014/main" id="{4F6B78E7-12F7-4FDD-AE48-024A26319207}"/>
+              </a:ext>
+            </a:extLst>
+          </p:cNvPr>
+          <p:cNvSpPr/>
+          <p:nvPr/>
+        </p:nvSpPr>
+        <p:spPr>
+          <a:xfrm>
+            <a:off x="10055318" y="5644388"/>
+            <a:ext cx="225981" cy="225981"/>
+          </a:xfrm>
+          <a:prstGeom prst="rect">
+            <a:avLst/>
+          </a:prstGeom>
+          <a:solidFill>
+            <a:schemeClr val="bg1"/>
+          </a:solidFill>
+          <a:ln>
+            <a:solidFill>
+              <a:schemeClr val="tx1"/>
+            </a:solidFill>
+          </a:ln>
+        </p:spPr>
+        <p:style>
+          <a:lnRef idx="2">
+            <a:schemeClr val="accent1">
+              <a:shade val="50000"/>
+            </a:schemeClr>
+          </a:lnRef>
+          <a:fillRef idx="1">
+            <a:schemeClr val="accent1"/>
+          </a:fillRef>
+          <a:effectRef idx="0">
+            <a:schemeClr val="accent1"/>
+          </a:effectRef>
+          <a:fontRef idx="minor">
+            <a:schemeClr val="lt1"/>
+          </a:fontRef>
+        </p:style>
+        <p:txBody>
+          <a:bodyPr rtlCol="0" anchor="ctr"/>
+          <a:lstStyle/>
+          <a:p>
+            <a:pPr algn="ctr"/>
+            <a:endParaRPr lang="ko-KR" altLang="en-US"/>
+          </a:p>
+        </p:txBody>
+      </p:sp>
+      <p:sp>
+        <p:nvSpPr>
+          <p:cNvPr id="77" name="직사각형 76">
+            <a:extLst>
+              <a:ext uri="{FF2B5EF4-FFF2-40B4-BE49-F238E27FC236}">
+                <a16:creationId xmlns="" xmlns:a16="http://schemas.microsoft.com/office/drawing/2014/main" id="{062C1480-4B0D-467C-8A9D-01D13D06687B}"/>
+              </a:ext>
+            </a:extLst>
+          </p:cNvPr>
+          <p:cNvSpPr/>
+          <p:nvPr/>
+        </p:nvSpPr>
+        <p:spPr>
+          <a:xfrm>
+            <a:off x="10296157" y="5644817"/>
+            <a:ext cx="225981" cy="225981"/>
+          </a:xfrm>
+          <a:prstGeom prst="rect">
+            <a:avLst/>
+          </a:prstGeom>
+          <a:solidFill>
+            <a:schemeClr val="bg1"/>
+          </a:solidFill>
+          <a:ln>
+            <a:solidFill>
+              <a:schemeClr val="tx1"/>
+            </a:solidFill>
+          </a:ln>
+        </p:spPr>
+        <p:style>
+          <a:lnRef idx="2">
+            <a:schemeClr val="accent1">
+              <a:shade val="50000"/>
+            </a:schemeClr>
+          </a:lnRef>
+          <a:fillRef idx="1">
+            <a:schemeClr val="accent1"/>
+          </a:fillRef>
+          <a:effectRef idx="0">
+            <a:schemeClr val="accent1"/>
+          </a:effectRef>
+          <a:fontRef idx="minor">
+            <a:schemeClr val="lt1"/>
+          </a:fontRef>
+        </p:style>
+        <p:txBody>
+          <a:bodyPr rtlCol="0" anchor="ctr"/>
+          <a:lstStyle/>
+          <a:p>
+            <a:pPr algn="ctr"/>
+            <a:endParaRPr lang="ko-KR" altLang="en-US"/>
+          </a:p>
+        </p:txBody>
+      </p:sp>
+      <p:sp>
+        <p:nvSpPr>
+          <p:cNvPr id="78" name="직사각형 77">
+            <a:extLst>
+              <a:ext uri="{FF2B5EF4-FFF2-40B4-BE49-F238E27FC236}">
+                <a16:creationId xmlns="" xmlns:a16="http://schemas.microsoft.com/office/drawing/2014/main" id="{1FAF466C-36DC-45FB-ABE4-537A21792308}"/>
+              </a:ext>
+            </a:extLst>
+          </p:cNvPr>
+          <p:cNvSpPr/>
+          <p:nvPr/>
+        </p:nvSpPr>
+        <p:spPr>
+          <a:xfrm>
+            <a:off x="10536996" y="5644388"/>
+            <a:ext cx="225981" cy="225981"/>
+          </a:xfrm>
+          <a:prstGeom prst="rect">
+            <a:avLst/>
+          </a:prstGeom>
+          <a:solidFill>
+            <a:schemeClr val="bg1"/>
+          </a:solidFill>
+          <a:ln>
+            <a:solidFill>
+              <a:schemeClr val="tx1"/>
+            </a:solidFill>
+          </a:ln>
+        </p:spPr>
+        <p:style>
+          <a:lnRef idx="2">
+            <a:schemeClr val="accent1">
+              <a:shade val="50000"/>
+            </a:schemeClr>
+          </a:lnRef>
+          <a:fillRef idx="1">
+            <a:schemeClr val="accent1"/>
+          </a:fillRef>
+          <a:effectRef idx="0">
+            <a:schemeClr val="accent1"/>
+          </a:effectRef>
+          <a:fontRef idx="minor">
+            <a:schemeClr val="lt1"/>
+          </a:fontRef>
+        </p:style>
+        <p:txBody>
+          <a:bodyPr rtlCol="0" anchor="ctr"/>
+          <a:lstStyle/>
+          <a:p>
+            <a:pPr algn="ctr"/>
+            <a:endParaRPr lang="ko-KR" altLang="en-US"/>
+          </a:p>
+        </p:txBody>
+      </p:sp>
+      <p:sp>
+        <p:nvSpPr>
+          <p:cNvPr id="79" name="직사각형 78">
+            <a:extLst>
+              <a:ext uri="{FF2B5EF4-FFF2-40B4-BE49-F238E27FC236}">
+                <a16:creationId xmlns="" xmlns:a16="http://schemas.microsoft.com/office/drawing/2014/main" id="{1B243C6E-71F5-415B-9D4C-E7278C8BE1BB}"/>
+              </a:ext>
+            </a:extLst>
+          </p:cNvPr>
+          <p:cNvSpPr/>
+          <p:nvPr/>
+        </p:nvSpPr>
+        <p:spPr>
+          <a:xfrm>
+            <a:off x="10776286" y="5644388"/>
+            <a:ext cx="225981" cy="225981"/>
+          </a:xfrm>
+          <a:prstGeom prst="rect">
+            <a:avLst/>
+          </a:prstGeom>
+          <a:solidFill>
+            <a:schemeClr val="bg1"/>
+          </a:solidFill>
+          <a:ln>
+            <a:solidFill>
+              <a:schemeClr val="tx1"/>
+            </a:solidFill>
+          </a:ln>
+        </p:spPr>
+        <p:style>
+          <a:lnRef idx="2">
+            <a:schemeClr val="accent1">
+              <a:shade val="50000"/>
+            </a:schemeClr>
+          </a:lnRef>
+          <a:fillRef idx="1">
+            <a:schemeClr val="accent1"/>
+          </a:fillRef>
+          <a:effectRef idx="0">
+            <a:schemeClr val="accent1"/>
+          </a:effectRef>
+          <a:fontRef idx="minor">
+            <a:schemeClr val="lt1"/>
+          </a:fontRef>
+        </p:style>
+        <p:txBody>
+          <a:bodyPr rtlCol="0" anchor="ctr"/>
+          <a:lstStyle/>
+          <a:p>
+            <a:pPr algn="ctr"/>
+            <a:endParaRPr lang="ko-KR" altLang="en-US"/>
+          </a:p>
+        </p:txBody>
+      </p:sp>
+      <p:sp>
+        <p:nvSpPr>
+          <p:cNvPr id="80" name="직사각형 79">
+            <a:extLst>
+              <a:ext uri="{FF2B5EF4-FFF2-40B4-BE49-F238E27FC236}">
+                <a16:creationId xmlns="" xmlns:a16="http://schemas.microsoft.com/office/drawing/2014/main" id="{AC0D24CA-FDF4-467F-8339-9F61E394ED29}"/>
+              </a:ext>
+            </a:extLst>
+          </p:cNvPr>
+          <p:cNvSpPr/>
+          <p:nvPr/>
+        </p:nvSpPr>
+        <p:spPr>
+          <a:xfrm>
+            <a:off x="11015576" y="5644387"/>
+            <a:ext cx="225981" cy="225981"/>
+          </a:xfrm>
+          <a:prstGeom prst="rect">
+            <a:avLst/>
+          </a:prstGeom>
+          <a:solidFill>
+            <a:schemeClr val="bg1"/>
+          </a:solidFill>
+          <a:ln>
+            <a:solidFill>
+              <a:schemeClr val="tx1"/>
+            </a:solidFill>
+          </a:ln>
+        </p:spPr>
+        <p:style>
+          <a:lnRef idx="2">
+            <a:schemeClr val="accent1">
+              <a:shade val="50000"/>
+            </a:schemeClr>
+          </a:lnRef>
+          <a:fillRef idx="1">
+            <a:schemeClr val="accent1"/>
+          </a:fillRef>
+          <a:effectRef idx="0">
+            <a:schemeClr val="accent1"/>
+          </a:effectRef>
+          <a:fontRef idx="minor">
+            <a:schemeClr val="lt1"/>
+          </a:fontRef>
+        </p:style>
+        <p:txBody>
+          <a:bodyPr rtlCol="0" anchor="ctr"/>
+          <a:lstStyle/>
+          <a:p>
+            <a:pPr algn="ctr"/>
+            <a:endParaRPr lang="ko-KR" altLang="en-US"/>
+          </a:p>
+        </p:txBody>
+      </p:sp>
+      <p:sp>
+        <p:nvSpPr>
+          <p:cNvPr id="81" name="직사각형 80">
+            <a:extLst>
+              <a:ext uri="{FF2B5EF4-FFF2-40B4-BE49-F238E27FC236}">
+                <a16:creationId xmlns="" xmlns:a16="http://schemas.microsoft.com/office/drawing/2014/main" id="{32A36638-BD9E-488B-B31C-7961E0861439}"/>
+              </a:ext>
+            </a:extLst>
+          </p:cNvPr>
+          <p:cNvSpPr/>
+          <p:nvPr/>
+        </p:nvSpPr>
+        <p:spPr>
+          <a:xfrm>
+            <a:off x="7893016" y="5169147"/>
+            <a:ext cx="488081" cy="488081"/>
+          </a:xfrm>
+          <a:prstGeom prst="rect">
+            <a:avLst/>
+          </a:prstGeom>
+          <a:solidFill>
+            <a:schemeClr val="bg1">
+              <a:lumMod val="65000"/>
+            </a:schemeClr>
+          </a:solidFill>
+          <a:ln>
+            <a:solidFill>
+              <a:schemeClr val="tx1"/>
+            </a:solidFill>
+          </a:ln>
+        </p:spPr>
+        <p:style>
+          <a:lnRef idx="2">
+            <a:schemeClr val="accent1">
+              <a:shade val="50000"/>
+            </a:schemeClr>
+          </a:lnRef>
+          <a:fillRef idx="1">
+            <a:schemeClr val="accent1"/>
+          </a:fillRef>
+          <a:effectRef idx="0">
+            <a:schemeClr val="accent1"/>
+          </a:effectRef>
+          <a:fontRef idx="minor">
+            <a:schemeClr val="lt1"/>
+          </a:fontRef>
+        </p:style>
+        <p:txBody>
+          <a:bodyPr rtlCol="0" anchor="ctr"/>
+          <a:lstStyle/>
+          <a:p>
+            <a:pPr algn="ctr"/>
+            <a:endParaRPr lang="ko-KR" altLang="en-US"/>
+          </a:p>
+        </p:txBody>
+      </p:sp>
+      <p:sp>
+        <p:nvSpPr>
+          <p:cNvPr id="82" name="TextBox 81">
+            <a:extLst>
+              <a:ext uri="{FF2B5EF4-FFF2-40B4-BE49-F238E27FC236}">
+                <a16:creationId xmlns="" xmlns:a16="http://schemas.microsoft.com/office/drawing/2014/main" id="{C5DF76BA-2E32-4F49-B9F7-432E1042DB16}"/>
+              </a:ext>
+            </a:extLst>
+          </p:cNvPr>
+          <p:cNvSpPr txBox="1"/>
+          <p:nvPr/>
+        </p:nvSpPr>
+        <p:spPr>
+          <a:xfrm>
+            <a:off x="1454624" y="2922031"/>
+            <a:ext cx="199093" cy="323165"/>
+          </a:xfrm>
+          <a:prstGeom prst="rect">
+            <a:avLst/>
+          </a:prstGeom>
+          <a:noFill/>
+        </p:spPr>
+        <p:txBody>
+          <a:bodyPr wrap="none" rtlCol="0">
+            <a:spAutoFit/>
+          </a:bodyPr>
+          <a:lstStyle/>
+          <a:p>
+            <a:r>
+              <a:rPr lang="en-US" altLang="ko-KR" sz="500" dirty="0">
+                <a:solidFill>
+                  <a:schemeClr val="accent5">
+                    <a:lumMod val="75000"/>
+                  </a:schemeClr>
+                </a:solidFill>
+              </a:rPr>
+              <a:t>.</a:t>
+            </a:r>
+          </a:p>
+          <a:p>
+            <a:r>
+              <a:rPr lang="en-US" altLang="ko-KR" sz="500" dirty="0">
+                <a:solidFill>
+                  <a:schemeClr val="accent5">
+                    <a:lumMod val="75000"/>
+                  </a:schemeClr>
+                </a:solidFill>
+              </a:rPr>
+              <a:t>.</a:t>
+            </a:r>
+          </a:p>
+          <a:p>
+            <a:r>
+              <a:rPr lang="en-US" altLang="ko-KR" sz="500" dirty="0">
+                <a:solidFill>
+                  <a:schemeClr val="accent5">
+                    <a:lumMod val="75000"/>
+                  </a:schemeClr>
+                </a:solidFill>
+              </a:rPr>
+              <a:t>.</a:t>
+            </a:r>
+          </a:p>
+        </p:txBody>
+      </p:sp>
+      <p:sp>
+        <p:nvSpPr>
+          <p:cNvPr id="83" name="직사각형 82">
+            <a:extLst>
+              <a:ext uri="{FF2B5EF4-FFF2-40B4-BE49-F238E27FC236}">
+                <a16:creationId xmlns="" xmlns:a16="http://schemas.microsoft.com/office/drawing/2014/main" id="{D9C09403-9E6D-4B11-B276-D24B4860AFAA}"/>
+              </a:ext>
+            </a:extLst>
+          </p:cNvPr>
+          <p:cNvSpPr/>
+          <p:nvPr/>
+        </p:nvSpPr>
+        <p:spPr>
+          <a:xfrm>
+            <a:off x="8505796" y="5651011"/>
+            <a:ext cx="225981" cy="225981"/>
+          </a:xfrm>
+          <a:prstGeom prst="rect">
+            <a:avLst/>
+          </a:prstGeom>
+          <a:solidFill>
+            <a:schemeClr val="bg1"/>
+          </a:solidFill>
+          <a:ln>
+            <a:solidFill>
+              <a:schemeClr val="tx1"/>
+            </a:solidFill>
+          </a:ln>
+        </p:spPr>
+        <p:style>
+          <a:lnRef idx="2">
+            <a:schemeClr val="accent1">
+              <a:shade val="50000"/>
+            </a:schemeClr>
+          </a:lnRef>
+          <a:fillRef idx="1">
+            <a:schemeClr val="accent1"/>
+          </a:fillRef>
+          <a:effectRef idx="0">
+            <a:schemeClr val="accent1"/>
+          </a:effectRef>
+          <a:fontRef idx="minor">
+            <a:schemeClr val="lt1"/>
+          </a:fontRef>
+        </p:style>
+        <p:txBody>
+          <a:bodyPr rtlCol="0" anchor="ctr"/>
+          <a:lstStyle/>
+          <a:p>
+            <a:pPr algn="ctr"/>
+            <a:endParaRPr lang="ko-KR" altLang="en-US"/>
+          </a:p>
+        </p:txBody>
+      </p:sp>
+      <p:cxnSp>
+        <p:nvCxnSpPr>
+          <p:cNvPr id="85" name="직선 연결선 84">
+            <a:extLst>
+              <a:ext uri="{FF2B5EF4-FFF2-40B4-BE49-F238E27FC236}">
+                <a16:creationId xmlns="" xmlns:a16="http://schemas.microsoft.com/office/drawing/2014/main" id="{3E83F32F-AD39-417A-BFE4-A5C995FE1AB0}"/>
+              </a:ext>
+            </a:extLst>
+          </p:cNvPr>
+          <p:cNvCxnSpPr/>
+          <p:nvPr/>
+        </p:nvCxnSpPr>
+        <p:spPr>
+          <a:xfrm>
+            <a:off x="7893016" y="6069330"/>
+            <a:ext cx="3348541" cy="0"/>
+          </a:xfrm>
+          <a:prstGeom prst="line">
+            <a:avLst/>
+          </a:prstGeom>
+          <a:ln w="38100">
+            <a:solidFill>
+              <a:schemeClr val="tx1"/>
+            </a:solidFill>
+          </a:ln>
+        </p:spPr>
+        <p:style>
+          <a:lnRef idx="1">
+            <a:schemeClr val="accent1"/>
+          </a:lnRef>
+          <a:fillRef idx="0">
+            <a:schemeClr val="accent1"/>
+          </a:fillRef>
+          <a:effectRef idx="0">
+            <a:schemeClr val="accent1"/>
+          </a:effectRef>
+          <a:fontRef idx="minor">
+            <a:schemeClr val="tx1"/>
+          </a:fontRef>
+        </p:style>
+      </p:cxnSp>
+      <p:sp>
+        <p:nvSpPr>
+          <p:cNvPr id="86" name="화살표: 오각형 141">
+            <a:extLst>
+              <a:ext uri="{FF2B5EF4-FFF2-40B4-BE49-F238E27FC236}">
+                <a16:creationId xmlns="" xmlns:a16="http://schemas.microsoft.com/office/drawing/2014/main" id="{530F07DE-64FE-46B3-A550-19501793C229}"/>
+              </a:ext>
+            </a:extLst>
+          </p:cNvPr>
+          <p:cNvSpPr/>
+          <p:nvPr/>
+        </p:nvSpPr>
+        <p:spPr>
+          <a:xfrm rot="16200000">
+            <a:off x="9477453" y="6048715"/>
+            <a:ext cx="163830" cy="127929"/>
+          </a:xfrm>
+          <a:prstGeom prst="homePlate">
+            <a:avLst/>
+          </a:prstGeom>
+          <a:solidFill>
+            <a:schemeClr val="bg1"/>
+          </a:solidFill>
+          <a:ln>
+            <a:solidFill>
+              <a:schemeClr val="tx1"/>
+            </a:solidFill>
+          </a:ln>
+        </p:spPr>
+        <p:style>
+          <a:lnRef idx="2">
+            <a:schemeClr val="accent1">
+              <a:shade val="50000"/>
+            </a:schemeClr>
+          </a:lnRef>
+          <a:fillRef idx="1">
+            <a:schemeClr val="accent1"/>
+          </a:fillRef>
+          <a:effectRef idx="0">
+            <a:schemeClr val="accent1"/>
+          </a:effectRef>
+          <a:fontRef idx="minor">
+            <a:schemeClr val="lt1"/>
+          </a:fontRef>
+        </p:style>
+        <p:txBody>
+          <a:bodyPr rtlCol="0" anchor="ctr"/>
+          <a:lstStyle/>
+          <a:p>
+            <a:pPr algn="ctr"/>
+            <a:endParaRPr lang="ko-KR" altLang="en-US"/>
+          </a:p>
+        </p:txBody>
+      </p:sp>
+      <p:sp>
+        <p:nvSpPr>
+          <p:cNvPr id="87" name="타원 86">
+            <a:extLst>
+              <a:ext uri="{FF2B5EF4-FFF2-40B4-BE49-F238E27FC236}">
+                <a16:creationId xmlns="" xmlns:a16="http://schemas.microsoft.com/office/drawing/2014/main" id="{3F1588A3-6B16-4088-AED8-236ACFD5E81E}"/>
+              </a:ext>
+            </a:extLst>
+          </p:cNvPr>
+          <p:cNvSpPr/>
+          <p:nvPr/>
+        </p:nvSpPr>
+        <p:spPr>
+          <a:xfrm>
+            <a:off x="7877179" y="6155817"/>
+            <a:ext cx="45719" cy="45719"/>
+          </a:xfrm>
+          <a:prstGeom prst="ellipse">
+            <a:avLst/>
+          </a:prstGeom>
+          <a:solidFill>
+            <a:schemeClr val="tx1"/>
+          </a:solidFill>
+          <a:ln>
+            <a:noFill/>
+          </a:ln>
+        </p:spPr>
+        <p:style>
+          <a:lnRef idx="2">
+            <a:schemeClr val="accent1">
+              <a:shade val="50000"/>
+            </a:schemeClr>
+          </a:lnRef>
+          <a:fillRef idx="1">
+            <a:schemeClr val="accent1"/>
+          </a:fillRef>
+          <a:effectRef idx="0">
+            <a:schemeClr val="accent1"/>
+          </a:effectRef>
+          <a:fontRef idx="minor">
+            <a:schemeClr val="lt1"/>
+          </a:fontRef>
+        </p:style>
+        <p:txBody>
+          <a:bodyPr rtlCol="0" anchor="ctr"/>
+          <a:lstStyle/>
+          <a:p>
+            <a:pPr algn="ctr"/>
+            <a:endParaRPr lang="ko-KR" altLang="en-US"/>
+          </a:p>
+        </p:txBody>
+      </p:sp>
+      <p:sp>
+        <p:nvSpPr>
+          <p:cNvPr id="88" name="타원 87">
+            <a:extLst>
+              <a:ext uri="{FF2B5EF4-FFF2-40B4-BE49-F238E27FC236}">
+                <a16:creationId xmlns="" xmlns:a16="http://schemas.microsoft.com/office/drawing/2014/main" id="{3FABE189-F3A9-4BF8-BDC0-1CFD2E8AEBEB}"/>
+              </a:ext>
+            </a:extLst>
+          </p:cNvPr>
+          <p:cNvSpPr/>
+          <p:nvPr/>
+        </p:nvSpPr>
+        <p:spPr>
+          <a:xfrm>
+            <a:off x="11146097" y="6107897"/>
+            <a:ext cx="133232" cy="133232"/>
+          </a:xfrm>
+          <a:prstGeom prst="ellipse">
+            <a:avLst/>
+          </a:prstGeom>
+          <a:solidFill>
+            <a:schemeClr val="tx1"/>
+          </a:solidFill>
+          <a:ln>
+            <a:noFill/>
+          </a:ln>
+        </p:spPr>
+        <p:style>
+          <a:lnRef idx="2">
+            <a:schemeClr val="accent1">
+              <a:shade val="50000"/>
+            </a:schemeClr>
+          </a:lnRef>
+          <a:fillRef idx="1">
+            <a:schemeClr val="accent1"/>
+          </a:fillRef>
+          <a:effectRef idx="0">
+            <a:schemeClr val="accent1"/>
+          </a:effectRef>
+          <a:fontRef idx="minor">
+            <a:schemeClr val="lt1"/>
+          </a:fontRef>
+        </p:style>
+        <p:txBody>
+          <a:bodyPr rtlCol="0" anchor="ctr"/>
+          <a:lstStyle/>
+          <a:p>
+            <a:pPr algn="ctr"/>
+            <a:endParaRPr lang="ko-KR" altLang="en-US"/>
+          </a:p>
+        </p:txBody>
+      </p:sp>
+      <p:sp>
+        <p:nvSpPr>
+          <p:cNvPr id="91" name="TextBox 90">
+            <a:extLst>
+              <a:ext uri="{FF2B5EF4-FFF2-40B4-BE49-F238E27FC236}">
+                <a16:creationId xmlns="" xmlns:a16="http://schemas.microsoft.com/office/drawing/2014/main" id="{C24286CB-EC01-4F02-826C-C972500336CE}"/>
+              </a:ext>
+            </a:extLst>
+          </p:cNvPr>
+          <p:cNvSpPr txBox="1"/>
+          <p:nvPr/>
+        </p:nvSpPr>
+        <p:spPr>
+          <a:xfrm>
+            <a:off x="2081597" y="1393788"/>
+            <a:ext cx="1056866" cy="230832"/>
+          </a:xfrm>
+          <a:prstGeom prst="rect">
+            <a:avLst/>
+          </a:prstGeom>
+          <a:noFill/>
+          <a:ln w="6350">
+            <a:noFill/>
+          </a:ln>
+        </p:spPr>
+        <p:txBody>
+          <a:bodyPr wrap="square" rtlCol="0">
+            <a:spAutoFit/>
+          </a:bodyPr>
+          <a:lstStyle/>
+          <a:p>
+            <a:r>
+              <a:rPr lang="ko-KR" altLang="en-US" sz="900" b="1" dirty="0"/>
+              <a:t>멤버 목록 </a:t>
+            </a:r>
+            <a:r>
+              <a:rPr lang="en-US" altLang="ko-KR" sz="900" b="1" dirty="0"/>
+              <a:t>- </a:t>
+            </a:r>
+            <a:r>
+              <a:rPr lang="en-US" altLang="ko-KR" sz="900" b="1" dirty="0" err="1"/>
+              <a:t>nn</a:t>
+            </a:r>
+            <a:endParaRPr lang="ko-KR" altLang="en-US" sz="900" b="1" dirty="0"/>
+          </a:p>
+        </p:txBody>
+      </p:sp>
+      <p:grpSp>
+        <p:nvGrpSpPr>
+          <p:cNvPr id="108" name="그룹 107"/>
+          <p:cNvGrpSpPr/>
+          <p:nvPr/>
+        </p:nvGrpSpPr>
+        <p:grpSpPr>
+          <a:xfrm>
+            <a:off x="2114640" y="1652656"/>
+            <a:ext cx="2230064" cy="480060"/>
+            <a:chOff x="2114640" y="1752020"/>
+            <a:chExt cx="2230064" cy="480060"/>
+          </a:xfrm>
+        </p:grpSpPr>
+        <p:sp>
+          <p:nvSpPr>
+            <p:cNvPr id="95" name="TextBox 94">
+              <a:extLst>
+                <a:ext uri="{FF2B5EF4-FFF2-40B4-BE49-F238E27FC236}">
+                  <a16:creationId xmlns="" xmlns:a16="http://schemas.microsoft.com/office/drawing/2014/main" id="{AAA813C2-B5B4-44C4-81D3-04B18EC33704}"/>
+                </a:ext>
+              </a:extLst>
+            </p:cNvPr>
+            <p:cNvSpPr txBox="1"/>
+            <p:nvPr/>
+          </p:nvSpPr>
+          <p:spPr>
+            <a:xfrm>
+              <a:off x="2114640" y="1752020"/>
+              <a:ext cx="2230064" cy="480060"/>
+            </a:xfrm>
+            <a:prstGeom prst="rect">
+              <a:avLst/>
+            </a:prstGeom>
+            <a:solidFill>
+              <a:schemeClr val="bg1"/>
+            </a:solidFill>
+            <a:ln>
+              <a:noFill/>
+            </a:ln>
+          </p:spPr>
+          <p:txBody>
+            <a:bodyPr wrap="square" rtlCol="0">
+              <a:spAutoFit/>
+            </a:bodyPr>
+            <a:lstStyle/>
+            <a:p>
+              <a:endParaRPr lang="ko-KR" altLang="en-US" dirty="0"/>
+            </a:p>
+          </p:txBody>
+        </p:sp>
+        <p:sp>
+          <p:nvSpPr>
+            <p:cNvPr id="96" name="타원 95">
+              <a:extLst>
+                <a:ext uri="{FF2B5EF4-FFF2-40B4-BE49-F238E27FC236}">
+                  <a16:creationId xmlns="" xmlns:a16="http://schemas.microsoft.com/office/drawing/2014/main" id="{3730AD89-9B98-428B-8245-6139FEA1BAE6}"/>
+                </a:ext>
+              </a:extLst>
+            </p:cNvPr>
+            <p:cNvSpPr/>
+            <p:nvPr/>
+          </p:nvSpPr>
+          <p:spPr>
+            <a:xfrm>
+              <a:off x="2192574" y="1827458"/>
+              <a:ext cx="329184" cy="329184"/>
+            </a:xfrm>
+            <a:prstGeom prst="ellipse">
+              <a:avLst/>
+            </a:prstGeom>
+            <a:solidFill>
+              <a:schemeClr val="bg1"/>
+            </a:solidFill>
+            <a:ln>
+              <a:solidFill>
+                <a:schemeClr val="tx1"/>
+              </a:solidFill>
+            </a:ln>
+          </p:spPr>
+          <p:style>
+            <a:lnRef idx="2">
+              <a:schemeClr val="accent1">
+                <a:shade val="50000"/>
+              </a:schemeClr>
+            </a:lnRef>
+            <a:fillRef idx="1">
+              <a:schemeClr val="accent1"/>
+            </a:fillRef>
+            <a:effectRef idx="0">
+              <a:schemeClr val="accent1"/>
+            </a:effectRef>
+            <a:fontRef idx="minor">
+              <a:schemeClr val="lt1"/>
+            </a:fontRef>
+          </p:style>
+          <p:txBody>
+            <a:bodyPr rtlCol="0" anchor="ctr"/>
+            <a:lstStyle/>
+            <a:p>
+              <a:pPr algn="ctr"/>
+              <a:endParaRPr lang="ko-KR" altLang="en-US" dirty="0"/>
+            </a:p>
+          </p:txBody>
+        </p:sp>
+        <p:sp>
+          <p:nvSpPr>
+            <p:cNvPr id="97" name="TextBox 96">
+              <a:extLst>
+                <a:ext uri="{FF2B5EF4-FFF2-40B4-BE49-F238E27FC236}">
+                  <a16:creationId xmlns="" xmlns:a16="http://schemas.microsoft.com/office/drawing/2014/main" id="{86F1206B-D53E-422D-84EF-3E7F87DAE0AF}"/>
+                </a:ext>
+              </a:extLst>
+            </p:cNvPr>
+            <p:cNvSpPr txBox="1"/>
+            <p:nvPr/>
+          </p:nvSpPr>
+          <p:spPr>
+            <a:xfrm>
+              <a:off x="2559038" y="1876634"/>
+              <a:ext cx="1636080" cy="230832"/>
+            </a:xfrm>
+            <a:prstGeom prst="rect">
+              <a:avLst/>
+            </a:prstGeom>
+            <a:noFill/>
+            <a:ln w="6350">
+              <a:noFill/>
+            </a:ln>
+          </p:spPr>
+          <p:txBody>
+            <a:bodyPr wrap="square" rtlCol="0">
+              <a:spAutoFit/>
+            </a:bodyPr>
+            <a:lstStyle/>
+            <a:p>
+              <a:r>
+                <a:rPr lang="ko-KR" altLang="en-US" sz="900" b="1" dirty="0"/>
+                <a:t>멤버</a:t>
+              </a:r>
+              <a:r>
+                <a:rPr lang="en-US" altLang="ko-KR" sz="900" b="1" dirty="0"/>
+                <a:t> </a:t>
+              </a:r>
+              <a:r>
+                <a:rPr lang="ko-KR" altLang="en-US" sz="900" b="1" dirty="0"/>
+                <a:t>이름</a:t>
+              </a:r>
+              <a:r>
+                <a:rPr lang="en-US" altLang="ko-KR" sz="900" b="1" dirty="0"/>
+                <a:t>1</a:t>
+              </a:r>
+              <a:endParaRPr lang="ko-KR" altLang="en-US" sz="900" b="1" dirty="0"/>
+            </a:p>
+          </p:txBody>
+        </p:sp>
+        <p:sp>
+          <p:nvSpPr>
+            <p:cNvPr id="103" name="타원 102">
+              <a:extLst>
+                <a:ext uri="{FF2B5EF4-FFF2-40B4-BE49-F238E27FC236}">
+                  <a16:creationId xmlns="" xmlns:a16="http://schemas.microsoft.com/office/drawing/2014/main" id="{526FFEF2-E14C-4007-9251-EA0B2BD1C3FB}"/>
+                </a:ext>
+              </a:extLst>
+            </p:cNvPr>
+            <p:cNvSpPr/>
+            <p:nvPr/>
+          </p:nvSpPr>
+          <p:spPr>
+            <a:xfrm>
+              <a:off x="2401234" y="2016515"/>
+              <a:ext cx="147757" cy="147757"/>
+            </a:xfrm>
+            <a:prstGeom prst="ellipse">
+              <a:avLst/>
+            </a:prstGeom>
+            <a:solidFill>
+              <a:schemeClr val="bg1"/>
+            </a:solidFill>
+            <a:ln>
+              <a:solidFill>
+                <a:schemeClr val="tx1"/>
+              </a:solidFill>
+            </a:ln>
+          </p:spPr>
+          <p:style>
+            <a:lnRef idx="2">
+              <a:schemeClr val="accent1">
+                <a:shade val="50000"/>
+              </a:schemeClr>
+            </a:lnRef>
+            <a:fillRef idx="1">
+              <a:schemeClr val="accent1"/>
+            </a:fillRef>
+            <a:effectRef idx="0">
+              <a:schemeClr val="accent1"/>
+            </a:effectRef>
+            <a:fontRef idx="minor">
+              <a:schemeClr val="lt1"/>
+            </a:fontRef>
+          </p:style>
+          <p:txBody>
+            <a:bodyPr rtlCol="0" anchor="ctr"/>
+            <a:lstStyle/>
+            <a:p>
+              <a:pPr algn="ctr"/>
+              <a:endParaRPr lang="ko-KR" altLang="en-US" dirty="0"/>
+            </a:p>
+          </p:txBody>
+        </p:sp>
+      </p:grpSp>
+      <p:sp>
+        <p:nvSpPr>
+          <p:cNvPr id="107" name="직사각형 106">
+            <a:extLst>
+              <a:ext uri="{FF2B5EF4-FFF2-40B4-BE49-F238E27FC236}">
+                <a16:creationId xmlns="" xmlns:a16="http://schemas.microsoft.com/office/drawing/2014/main" id="{4FB6433F-953A-4346-AC70-45B76AD05C8B}"/>
+              </a:ext>
+            </a:extLst>
+          </p:cNvPr>
+          <p:cNvSpPr/>
+          <p:nvPr/>
+        </p:nvSpPr>
+        <p:spPr>
+          <a:xfrm>
+            <a:off x="1065017" y="557955"/>
+            <a:ext cx="960664" cy="956300"/>
+          </a:xfrm>
+          <a:prstGeom prst="rect">
+            <a:avLst/>
+          </a:prstGeom>
+          <a:solidFill>
+            <a:schemeClr val="bg1"/>
+          </a:solidFill>
+          <a:ln>
+            <a:solidFill>
+              <a:schemeClr val="tx1"/>
+            </a:solidFill>
+          </a:ln>
+        </p:spPr>
+        <p:style>
+          <a:lnRef idx="2">
+            <a:schemeClr val="accent1">
+              <a:shade val="50000"/>
+            </a:schemeClr>
+          </a:lnRef>
+          <a:fillRef idx="1">
+            <a:schemeClr val="accent1"/>
+          </a:fillRef>
+          <a:effectRef idx="0">
+            <a:schemeClr val="accent1"/>
+          </a:effectRef>
+          <a:fontRef idx="minor">
+            <a:schemeClr val="lt1"/>
+          </a:fontRef>
+        </p:style>
+        <p:txBody>
+          <a:bodyPr rtlCol="0" anchor="ctr"/>
+          <a:lstStyle/>
+          <a:p>
+            <a:pPr algn="ctr"/>
+            <a:endParaRPr lang="ko-KR" altLang="en-US"/>
+          </a:p>
+        </p:txBody>
+      </p:sp>
+      <p:grpSp>
+        <p:nvGrpSpPr>
+          <p:cNvPr id="111" name="그룹 110"/>
+          <p:cNvGrpSpPr/>
+          <p:nvPr/>
+        </p:nvGrpSpPr>
+        <p:grpSpPr>
+          <a:xfrm>
+            <a:off x="2110676" y="2202733"/>
+            <a:ext cx="2230064" cy="480060"/>
+            <a:chOff x="2110676" y="2302097"/>
+            <a:chExt cx="2230064" cy="480060"/>
+          </a:xfrm>
+        </p:grpSpPr>
+        <p:sp>
+          <p:nvSpPr>
+            <p:cNvPr id="100" name="TextBox 99">
+              <a:extLst>
+                <a:ext uri="{FF2B5EF4-FFF2-40B4-BE49-F238E27FC236}">
+                  <a16:creationId xmlns="" xmlns:a16="http://schemas.microsoft.com/office/drawing/2014/main" id="{937EC23A-A497-4FE2-84EC-70D75F840D24}"/>
+                </a:ext>
+              </a:extLst>
+            </p:cNvPr>
+            <p:cNvSpPr txBox="1"/>
+            <p:nvPr/>
+          </p:nvSpPr>
+          <p:spPr>
+            <a:xfrm>
+              <a:off x="2110676" y="2302097"/>
+              <a:ext cx="2230064" cy="480060"/>
+            </a:xfrm>
+            <a:prstGeom prst="rect">
+              <a:avLst/>
+            </a:prstGeom>
+            <a:solidFill>
+              <a:schemeClr val="bg1"/>
+            </a:solidFill>
+            <a:ln>
+              <a:noFill/>
+            </a:ln>
+          </p:spPr>
+          <p:txBody>
+            <a:bodyPr wrap="square" rtlCol="0">
+              <a:spAutoFit/>
+            </a:bodyPr>
+            <a:lstStyle/>
+            <a:p>
+              <a:endParaRPr lang="ko-KR" altLang="en-US" dirty="0"/>
+            </a:p>
+          </p:txBody>
+        </p:sp>
+        <p:sp>
+          <p:nvSpPr>
+            <p:cNvPr id="101" name="타원 100">
+              <a:extLst>
+                <a:ext uri="{FF2B5EF4-FFF2-40B4-BE49-F238E27FC236}">
+                  <a16:creationId xmlns="" xmlns:a16="http://schemas.microsoft.com/office/drawing/2014/main" id="{0A6E595D-5D10-495A-93F7-2C00438A4123}"/>
+                </a:ext>
+              </a:extLst>
+            </p:cNvPr>
+            <p:cNvSpPr/>
+            <p:nvPr/>
+          </p:nvSpPr>
+          <p:spPr>
+            <a:xfrm>
+              <a:off x="2188610" y="2377535"/>
+              <a:ext cx="329184" cy="329184"/>
+            </a:xfrm>
+            <a:prstGeom prst="ellipse">
+              <a:avLst/>
+            </a:prstGeom>
+            <a:solidFill>
+              <a:schemeClr val="bg1"/>
+            </a:solidFill>
+            <a:ln>
+              <a:solidFill>
+                <a:schemeClr val="tx1"/>
+              </a:solidFill>
+            </a:ln>
+          </p:spPr>
+          <p:style>
+            <a:lnRef idx="2">
+              <a:schemeClr val="accent1">
+                <a:shade val="50000"/>
+              </a:schemeClr>
+            </a:lnRef>
+            <a:fillRef idx="1">
+              <a:schemeClr val="accent1"/>
+            </a:fillRef>
+            <a:effectRef idx="0">
+              <a:schemeClr val="accent1"/>
+            </a:effectRef>
+            <a:fontRef idx="minor">
+              <a:schemeClr val="lt1"/>
+            </a:fontRef>
+          </p:style>
+          <p:txBody>
+            <a:bodyPr rtlCol="0" anchor="ctr"/>
+            <a:lstStyle/>
+            <a:p>
+              <a:pPr algn="ctr"/>
+              <a:endParaRPr lang="ko-KR" altLang="en-US" dirty="0"/>
+            </a:p>
+          </p:txBody>
+        </p:sp>
+        <p:sp>
+          <p:nvSpPr>
+            <p:cNvPr id="102" name="TextBox 101">
+              <a:extLst>
+                <a:ext uri="{FF2B5EF4-FFF2-40B4-BE49-F238E27FC236}">
+                  <a16:creationId xmlns="" xmlns:a16="http://schemas.microsoft.com/office/drawing/2014/main" id="{51A7AA0B-5AA0-4622-9ACF-9B219ADF111D}"/>
+                </a:ext>
+              </a:extLst>
+            </p:cNvPr>
+            <p:cNvSpPr txBox="1"/>
+            <p:nvPr/>
+          </p:nvSpPr>
+          <p:spPr>
+            <a:xfrm>
+              <a:off x="2555074" y="2426711"/>
+              <a:ext cx="1636080" cy="230832"/>
+            </a:xfrm>
+            <a:prstGeom prst="rect">
+              <a:avLst/>
+            </a:prstGeom>
+            <a:noFill/>
+            <a:ln w="6350">
+              <a:noFill/>
+            </a:ln>
+          </p:spPr>
+          <p:txBody>
+            <a:bodyPr wrap="square" rtlCol="0">
+              <a:spAutoFit/>
+            </a:bodyPr>
+            <a:lstStyle/>
+            <a:p>
+              <a:r>
+                <a:rPr lang="ko-KR" altLang="en-US" sz="900" b="1" dirty="0"/>
+                <a:t>멤버</a:t>
+              </a:r>
+              <a:r>
+                <a:rPr lang="en-US" altLang="ko-KR" sz="900" b="1" dirty="0"/>
+                <a:t> </a:t>
+              </a:r>
+              <a:r>
+                <a:rPr lang="ko-KR" altLang="en-US" sz="900" b="1" dirty="0"/>
+                <a:t>이름</a:t>
+              </a:r>
+              <a:r>
+                <a:rPr lang="en-US" altLang="ko-KR" sz="900" b="1" dirty="0"/>
+                <a:t>2</a:t>
+              </a:r>
+              <a:endParaRPr lang="ko-KR" altLang="en-US" sz="900" b="1" dirty="0"/>
+            </a:p>
+          </p:txBody>
+        </p:sp>
+        <p:sp>
+          <p:nvSpPr>
+            <p:cNvPr id="104" name="타원 103">
+              <a:extLst>
+                <a:ext uri="{FF2B5EF4-FFF2-40B4-BE49-F238E27FC236}">
+                  <a16:creationId xmlns="" xmlns:a16="http://schemas.microsoft.com/office/drawing/2014/main" id="{E2D2C27E-A4EF-4AFF-B986-52C26D38C7FB}"/>
+                </a:ext>
+              </a:extLst>
+            </p:cNvPr>
+            <p:cNvSpPr/>
+            <p:nvPr/>
+          </p:nvSpPr>
+          <p:spPr>
+            <a:xfrm>
+              <a:off x="2394479" y="2569721"/>
+              <a:ext cx="147757" cy="147757"/>
+            </a:xfrm>
+            <a:prstGeom prst="ellipse">
+              <a:avLst/>
+            </a:prstGeom>
+            <a:solidFill>
+              <a:schemeClr val="bg1"/>
+            </a:solidFill>
+            <a:ln>
+              <a:solidFill>
+                <a:schemeClr val="tx1"/>
+              </a:solidFill>
+            </a:ln>
+          </p:spPr>
+          <p:style>
+            <a:lnRef idx="2">
+              <a:schemeClr val="accent1">
+                <a:shade val="50000"/>
+              </a:schemeClr>
+            </a:lnRef>
+            <a:fillRef idx="1">
+              <a:schemeClr val="accent1"/>
+            </a:fillRef>
+            <a:effectRef idx="0">
+              <a:schemeClr val="accent1"/>
+            </a:effectRef>
+            <a:fontRef idx="minor">
+              <a:schemeClr val="lt1"/>
+            </a:fontRef>
+          </p:style>
+          <p:txBody>
+            <a:bodyPr rtlCol="0" anchor="ctr"/>
+            <a:lstStyle/>
+            <a:p>
+              <a:pPr algn="ctr"/>
+              <a:endParaRPr lang="ko-KR" altLang="en-US" dirty="0"/>
+            </a:p>
+          </p:txBody>
+        </p:sp>
+      </p:grpSp>
+      <p:sp>
+        <p:nvSpPr>
+          <p:cNvPr id="9" name="타원 8">
+            <a:extLst>
+              <a:ext uri="{FF2B5EF4-FFF2-40B4-BE49-F238E27FC236}">
+                <a16:creationId xmlns="" xmlns:a16="http://schemas.microsoft.com/office/drawing/2014/main" id="{D0C18ABF-A9BC-4BFF-BC5A-5899A7053D01}"/>
+              </a:ext>
+            </a:extLst>
+          </p:cNvPr>
+          <p:cNvSpPr/>
+          <p:nvPr/>
+        </p:nvSpPr>
+        <p:spPr>
+          <a:xfrm>
+            <a:off x="1307140" y="806524"/>
+            <a:ext cx="500380" cy="500380"/>
+          </a:xfrm>
+          <a:prstGeom prst="ellipse">
+            <a:avLst/>
+          </a:prstGeom>
+          <a:solidFill>
+            <a:schemeClr val="bg1"/>
+          </a:solidFill>
+          <a:ln>
+            <a:solidFill>
+              <a:schemeClr val="tx1"/>
+            </a:solidFill>
+          </a:ln>
+        </p:spPr>
+        <p:style>
+          <a:lnRef idx="2">
+            <a:schemeClr val="accent1">
+              <a:shade val="50000"/>
+            </a:schemeClr>
+          </a:lnRef>
+          <a:fillRef idx="1">
+            <a:schemeClr val="accent1"/>
+          </a:fillRef>
+          <a:effectRef idx="0">
+            <a:schemeClr val="accent1"/>
+          </a:effectRef>
+          <a:fontRef idx="minor">
+            <a:schemeClr val="lt1"/>
+          </a:fontRef>
+        </p:style>
+        <p:txBody>
+          <a:bodyPr rtlCol="0" anchor="ctr"/>
+          <a:lstStyle/>
+          <a:p>
+            <a:pPr algn="ctr"/>
+            <a:endParaRPr lang="ko-KR" altLang="en-US"/>
+          </a:p>
+        </p:txBody>
+      </p:sp>
+      <p:sp>
+        <p:nvSpPr>
+          <p:cNvPr id="112" name="TextBox 111">
+            <a:extLst>
+              <a:ext uri="{FF2B5EF4-FFF2-40B4-BE49-F238E27FC236}">
+                <a16:creationId xmlns="" xmlns:a16="http://schemas.microsoft.com/office/drawing/2014/main" id="{9E443283-F2F5-47AA-A859-82148E0CE2CD}"/>
+              </a:ext>
+            </a:extLst>
+          </p:cNvPr>
+          <p:cNvSpPr txBox="1"/>
+          <p:nvPr/>
+        </p:nvSpPr>
+        <p:spPr>
+          <a:xfrm>
+            <a:off x="153861" y="138610"/>
+            <a:ext cx="2034749" cy="369332"/>
+          </a:xfrm>
+          <a:prstGeom prst="rect">
+            <a:avLst/>
+          </a:prstGeom>
+          <a:noFill/>
+          <a:ln w="6350">
+            <a:noFill/>
+          </a:ln>
+        </p:spPr>
+        <p:txBody>
+          <a:bodyPr wrap="square" rtlCol="0">
+            <a:spAutoFit/>
+          </a:bodyPr>
+          <a:lstStyle/>
+          <a:p>
+            <a:r>
+              <a:rPr lang="en-US" altLang="ko-KR" dirty="0" smtClean="0"/>
+              <a:t>1. </a:t>
+            </a:r>
+            <a:r>
+              <a:rPr lang="ko-KR" altLang="en-US" dirty="0" smtClean="0"/>
+              <a:t>초안</a:t>
+            </a:r>
+            <a:endParaRPr lang="ko-KR" altLang="en-US" dirty="0"/>
+          </a:p>
+        </p:txBody>
+      </p:sp>
     </p:spTree>
     <p:extLst>
       <p:ext uri="{BB962C8B-B14F-4D97-AF65-F5344CB8AC3E}">
         <p14:creationId xmlns:p14="http://schemas.microsoft.com/office/powerpoint/2010/main" val="1277289099"/>
+      </p:ext>
+    </p:extLst>
+  </p:cSld>
+  <p:clrMapOvr>
+    <a:masterClrMapping/>
+  </p:clrMapOvr>
+</p:sld>
+</file>
+
+<file path=ppt/slides/slide3.xml><?xml version="1.0" encoding="utf-8"?>
+<p:sld xmlns:a="http://schemas.openxmlformats.org/drawingml/2006/main" xmlns:r="http://schemas.openxmlformats.org/officeDocument/2006/relationships" xmlns:p="http://schemas.openxmlformats.org/presentationml/2006/main">
+  <p:cSld>
+    <p:spTree>
+      <p:nvGrpSpPr>
+        <p:cNvPr id="1" name=""/>
+        <p:cNvGrpSpPr/>
+        <p:nvPr/>
+      </p:nvGrpSpPr>
+      <p:grpSpPr>
+        <a:xfrm>
+          <a:off x="0" y="0"/>
+          <a:ext cx="0" cy="0"/>
+          <a:chOff x="0" y="0"/>
+          <a:chExt cx="0" cy="0"/>
+        </a:xfrm>
+      </p:grpSpPr>
+      <p:sp>
+        <p:nvSpPr>
+          <p:cNvPr id="6" name="TextBox 5">
+            <a:extLst>
+              <a:ext uri="{FF2B5EF4-FFF2-40B4-BE49-F238E27FC236}">
+                <a16:creationId xmlns="" xmlns:a16="http://schemas.microsoft.com/office/drawing/2014/main" id="{9E443283-F2F5-47AA-A859-82148E0CE2CD}"/>
+              </a:ext>
+            </a:extLst>
+          </p:cNvPr>
+          <p:cNvSpPr txBox="1"/>
+          <p:nvPr/>
+        </p:nvSpPr>
+        <p:spPr>
+          <a:xfrm>
+            <a:off x="153861" y="138610"/>
+            <a:ext cx="2034749" cy="369332"/>
+          </a:xfrm>
+          <a:prstGeom prst="rect">
+            <a:avLst/>
+          </a:prstGeom>
+          <a:noFill/>
+          <a:ln w="6350">
+            <a:noFill/>
+          </a:ln>
+        </p:spPr>
+        <p:txBody>
+          <a:bodyPr wrap="square" rtlCol="0">
+            <a:spAutoFit/>
+          </a:bodyPr>
+          <a:lstStyle/>
+          <a:p>
+            <a:r>
+              <a:rPr lang="en-US" altLang="ko-KR" dirty="0"/>
+              <a:t>2</a:t>
+            </a:r>
+            <a:r>
+              <a:rPr lang="en-US" altLang="ko-KR" dirty="0" smtClean="0"/>
+              <a:t>. Panel </a:t>
+            </a:r>
+            <a:r>
+              <a:rPr lang="ko-KR" altLang="en-US" dirty="0" smtClean="0"/>
+              <a:t>구조</a:t>
+            </a:r>
+            <a:endParaRPr lang="ko-KR" altLang="en-US" dirty="0"/>
+          </a:p>
+        </p:txBody>
+      </p:sp>
+      <p:grpSp>
+        <p:nvGrpSpPr>
+          <p:cNvPr id="14" name="그룹 13"/>
+          <p:cNvGrpSpPr/>
+          <p:nvPr/>
+        </p:nvGrpSpPr>
+        <p:grpSpPr>
+          <a:xfrm>
+            <a:off x="1066800" y="471431"/>
+            <a:ext cx="10262236" cy="6058566"/>
+            <a:chOff x="1066800" y="471431"/>
+            <a:chExt cx="10262236" cy="6058566"/>
+          </a:xfrm>
+        </p:grpSpPr>
+        <p:sp>
+          <p:nvSpPr>
+            <p:cNvPr id="8" name="직사각형 7">
+              <a:extLst>
+                <a:ext uri="{FF2B5EF4-FFF2-40B4-BE49-F238E27FC236}">
+                  <a16:creationId xmlns="" xmlns:a16="http://schemas.microsoft.com/office/drawing/2014/main" id="{B2C92360-C33A-46F9-82BD-6D910E205878}"/>
+                </a:ext>
+              </a:extLst>
+            </p:cNvPr>
+            <p:cNvSpPr/>
+            <p:nvPr/>
+          </p:nvSpPr>
+          <p:spPr>
+            <a:xfrm>
+              <a:off x="1066800" y="507942"/>
+              <a:ext cx="10262236" cy="6022055"/>
+            </a:xfrm>
+            <a:prstGeom prst="rect">
+              <a:avLst/>
+            </a:prstGeom>
+            <a:solidFill>
+              <a:schemeClr val="bg1">
+                <a:lumMod val="95000"/>
+              </a:schemeClr>
+            </a:solidFill>
+            <a:ln>
+              <a:noFill/>
+            </a:ln>
+          </p:spPr>
+          <p:style>
+            <a:lnRef idx="2">
+              <a:schemeClr val="accent1">
+                <a:shade val="50000"/>
+              </a:schemeClr>
+            </a:lnRef>
+            <a:fillRef idx="1">
+              <a:schemeClr val="accent1"/>
+            </a:fillRef>
+            <a:effectRef idx="0">
+              <a:schemeClr val="accent1"/>
+            </a:effectRef>
+            <a:fontRef idx="minor">
+              <a:schemeClr val="lt1"/>
+            </a:fontRef>
+          </p:style>
+          <p:txBody>
+            <a:bodyPr rtlCol="0" anchor="ctr"/>
+            <a:lstStyle/>
+            <a:p>
+              <a:pPr algn="ctr"/>
+              <a:endParaRPr lang="ko-KR" altLang="en-US"/>
+            </a:p>
+          </p:txBody>
+        </p:sp>
+        <p:sp>
+          <p:nvSpPr>
+            <p:cNvPr id="9" name="TextBox 8"/>
+            <p:cNvSpPr txBox="1"/>
+            <p:nvPr/>
+          </p:nvSpPr>
+          <p:spPr>
+            <a:xfrm>
+              <a:off x="9978986" y="471431"/>
+              <a:ext cx="1350050" cy="369332"/>
+            </a:xfrm>
+            <a:prstGeom prst="rect">
+              <a:avLst/>
+            </a:prstGeom>
+            <a:noFill/>
+          </p:spPr>
+          <p:txBody>
+            <a:bodyPr wrap="none" rtlCol="0">
+              <a:spAutoFit/>
+            </a:bodyPr>
+            <a:lstStyle/>
+            <a:p>
+              <a:pPr algn="r"/>
+              <a:r>
+                <a:rPr lang="en-US" altLang="ko-KR" dirty="0" err="1" smtClean="0"/>
+                <a:t>MainFrame</a:t>
+              </a:r>
+              <a:endParaRPr lang="ko-KR" altLang="en-US" dirty="0"/>
+            </a:p>
+          </p:txBody>
+        </p:sp>
+      </p:grpSp>
+      <p:grpSp>
+        <p:nvGrpSpPr>
+          <p:cNvPr id="13" name="그룹 12"/>
+          <p:cNvGrpSpPr/>
+          <p:nvPr/>
+        </p:nvGrpSpPr>
+        <p:grpSpPr>
+          <a:xfrm>
+            <a:off x="1207092" y="840763"/>
+            <a:ext cx="10011115" cy="5588612"/>
+            <a:chOff x="1171234" y="840763"/>
+            <a:chExt cx="10011115" cy="5588612"/>
+          </a:xfrm>
+        </p:grpSpPr>
+        <p:sp>
+          <p:nvSpPr>
+            <p:cNvPr id="5" name="직사각형 4">
+              <a:extLst>
+                <a:ext uri="{FF2B5EF4-FFF2-40B4-BE49-F238E27FC236}">
+                  <a16:creationId xmlns="" xmlns:a16="http://schemas.microsoft.com/office/drawing/2014/main" id="{B2C92360-C33A-46F9-82BD-6D910E205878}"/>
+                </a:ext>
+              </a:extLst>
+            </p:cNvPr>
+            <p:cNvSpPr/>
+            <p:nvPr/>
+          </p:nvSpPr>
+          <p:spPr>
+            <a:xfrm>
+              <a:off x="1171234" y="840763"/>
+              <a:ext cx="10011115" cy="5588612"/>
+            </a:xfrm>
+            <a:prstGeom prst="rect">
+              <a:avLst/>
+            </a:prstGeom>
+            <a:solidFill>
+              <a:schemeClr val="bg1">
+                <a:lumMod val="85000"/>
+              </a:schemeClr>
+            </a:solidFill>
+            <a:ln>
+              <a:noFill/>
+            </a:ln>
+          </p:spPr>
+          <p:style>
+            <a:lnRef idx="2">
+              <a:schemeClr val="accent1">
+                <a:shade val="50000"/>
+              </a:schemeClr>
+            </a:lnRef>
+            <a:fillRef idx="1">
+              <a:schemeClr val="accent1"/>
+            </a:fillRef>
+            <a:effectRef idx="0">
+              <a:schemeClr val="accent1"/>
+            </a:effectRef>
+            <a:fontRef idx="minor">
+              <a:schemeClr val="lt1"/>
+            </a:fontRef>
+          </p:style>
+          <p:txBody>
+            <a:bodyPr rtlCol="0" anchor="ctr"/>
+            <a:lstStyle/>
+            <a:p>
+              <a:pPr algn="ctr"/>
+              <a:endParaRPr lang="ko-KR" altLang="en-US"/>
+            </a:p>
+          </p:txBody>
+        </p:sp>
+        <p:sp>
+          <p:nvSpPr>
+            <p:cNvPr id="10" name="TextBox 9"/>
+            <p:cNvSpPr txBox="1"/>
+            <p:nvPr/>
+          </p:nvSpPr>
+          <p:spPr>
+            <a:xfrm>
+              <a:off x="9642394" y="877274"/>
+              <a:ext cx="1516441" cy="369332"/>
+            </a:xfrm>
+            <a:prstGeom prst="rect">
+              <a:avLst/>
+            </a:prstGeom>
+            <a:noFill/>
+          </p:spPr>
+          <p:txBody>
+            <a:bodyPr wrap="none" rtlCol="0">
+              <a:spAutoFit/>
+            </a:bodyPr>
+            <a:lstStyle/>
+            <a:p>
+              <a:pPr algn="r"/>
+              <a:r>
+                <a:rPr lang="en-US" altLang="ko-KR" dirty="0" err="1" smtClean="0"/>
+                <a:t>ContentPane</a:t>
+              </a:r>
+              <a:endParaRPr lang="en-US" altLang="ko-KR" dirty="0" smtClean="0"/>
+            </a:p>
+          </p:txBody>
+        </p:sp>
+      </p:grpSp>
+      <p:grpSp>
+        <p:nvGrpSpPr>
+          <p:cNvPr id="22" name="그룹 21"/>
+          <p:cNvGrpSpPr/>
+          <p:nvPr/>
+        </p:nvGrpSpPr>
+        <p:grpSpPr>
+          <a:xfrm>
+            <a:off x="1352551" y="1283117"/>
+            <a:ext cx="1066800" cy="5003383"/>
+            <a:chOff x="1352551" y="1283117"/>
+            <a:chExt cx="1066800" cy="5003383"/>
+          </a:xfrm>
+        </p:grpSpPr>
+        <p:grpSp>
+          <p:nvGrpSpPr>
+            <p:cNvPr id="15" name="그룹 14"/>
+            <p:cNvGrpSpPr/>
+            <p:nvPr/>
+          </p:nvGrpSpPr>
+          <p:grpSpPr>
+            <a:xfrm>
+              <a:off x="1352551" y="1283117"/>
+              <a:ext cx="1066800" cy="5003383"/>
+              <a:chOff x="1352551" y="1283117"/>
+              <a:chExt cx="1066800" cy="5003383"/>
+            </a:xfrm>
+            <a:solidFill>
+              <a:schemeClr val="accent5">
+                <a:lumMod val="75000"/>
+              </a:schemeClr>
+            </a:solidFill>
+          </p:grpSpPr>
+          <p:sp>
+            <p:nvSpPr>
+              <p:cNvPr id="11" name="직사각형 10"/>
+              <p:cNvSpPr/>
+              <p:nvPr/>
+            </p:nvSpPr>
+            <p:spPr>
+              <a:xfrm>
+                <a:off x="1352551" y="1283117"/>
+                <a:ext cx="1066800" cy="5003383"/>
+              </a:xfrm>
+              <a:prstGeom prst="rect">
+                <a:avLst/>
+              </a:prstGeom>
+              <a:grpFill/>
+              <a:ln>
+                <a:noFill/>
+              </a:ln>
+            </p:spPr>
+            <p:style>
+              <a:lnRef idx="2">
+                <a:schemeClr val="accent1">
+                  <a:shade val="50000"/>
+                </a:schemeClr>
+              </a:lnRef>
+              <a:fillRef idx="1">
+                <a:schemeClr val="accent1"/>
+              </a:fillRef>
+              <a:effectRef idx="0">
+                <a:schemeClr val="accent1"/>
+              </a:effectRef>
+              <a:fontRef idx="minor">
+                <a:schemeClr val="lt1"/>
+              </a:fontRef>
+            </p:style>
+            <p:txBody>
+              <a:bodyPr rtlCol="0" anchor="ctr"/>
+              <a:lstStyle/>
+              <a:p>
+                <a:pPr algn="ctr"/>
+                <a:endParaRPr lang="ko-KR" altLang="en-US"/>
+              </a:p>
+            </p:txBody>
+          </p:sp>
+          <p:sp>
+            <p:nvSpPr>
+              <p:cNvPr id="12" name="TextBox 11"/>
+              <p:cNvSpPr txBox="1"/>
+              <p:nvPr/>
+            </p:nvSpPr>
+            <p:spPr>
+              <a:xfrm>
+                <a:off x="1428750" y="1353524"/>
+                <a:ext cx="990601" cy="246221"/>
+              </a:xfrm>
+              <a:prstGeom prst="rect">
+                <a:avLst/>
+              </a:prstGeom>
+              <a:noFill/>
+            </p:spPr>
+            <p:txBody>
+              <a:bodyPr wrap="square" rtlCol="0">
+                <a:spAutoFit/>
+              </a:bodyPr>
+              <a:lstStyle/>
+              <a:p>
+                <a:pPr algn="r"/>
+                <a:r>
+                  <a:rPr lang="en-US" altLang="ko-KR" sz="1000" dirty="0" err="1" smtClean="0">
+                    <a:solidFill>
+                      <a:schemeClr val="bg1"/>
+                    </a:solidFill>
+                  </a:rPr>
+                  <a:t>MenuColumn</a:t>
+                </a:r>
+                <a:endParaRPr lang="en-US" altLang="ko-KR" sz="1000" dirty="0" smtClean="0">
+                  <a:solidFill>
+                    <a:schemeClr val="bg1"/>
+                  </a:solidFill>
+                </a:endParaRPr>
+              </a:p>
+            </p:txBody>
+          </p:sp>
+        </p:grpSp>
+        <p:sp>
+          <p:nvSpPr>
+            <p:cNvPr id="17" name="직사각형 16"/>
+            <p:cNvSpPr/>
+            <p:nvPr/>
+          </p:nvSpPr>
+          <p:spPr>
+            <a:xfrm>
+              <a:off x="1447800" y="1661160"/>
+              <a:ext cx="891540" cy="891540"/>
+            </a:xfrm>
+            <a:prstGeom prst="rect">
+              <a:avLst/>
+            </a:prstGeom>
+            <a:solidFill>
+              <a:schemeClr val="accent5">
+                <a:lumMod val="60000"/>
+                <a:lumOff val="40000"/>
+              </a:schemeClr>
+            </a:solidFill>
+            <a:ln>
+              <a:noFill/>
+            </a:ln>
+          </p:spPr>
+          <p:style>
+            <a:lnRef idx="2">
+              <a:schemeClr val="accent1">
+                <a:shade val="50000"/>
+              </a:schemeClr>
+            </a:lnRef>
+            <a:fillRef idx="1">
+              <a:schemeClr val="accent1"/>
+            </a:fillRef>
+            <a:effectRef idx="0">
+              <a:schemeClr val="accent1"/>
+            </a:effectRef>
+            <a:fontRef idx="minor">
+              <a:schemeClr val="lt1"/>
+            </a:fontRef>
+          </p:style>
+          <p:txBody>
+            <a:bodyPr rtlCol="0" anchor="ctr"/>
+            <a:lstStyle/>
+            <a:p>
+              <a:pPr algn="ctr"/>
+              <a:r>
+                <a:rPr lang="en-US" altLang="ko-KR" sz="1050" dirty="0" err="1" smtClean="0">
+                  <a:solidFill>
+                    <a:schemeClr val="tx1"/>
+                  </a:solidFill>
+                </a:rPr>
+                <a:t>MenuPanel</a:t>
+              </a:r>
+              <a:endParaRPr lang="en-US" altLang="ko-KR" sz="1050" dirty="0" smtClean="0">
+                <a:solidFill>
+                  <a:schemeClr val="tx1"/>
+                </a:solidFill>
+              </a:endParaRPr>
+            </a:p>
+          </p:txBody>
+        </p:sp>
+        <p:sp>
+          <p:nvSpPr>
+            <p:cNvPr id="18" name="직사각형 17"/>
+            <p:cNvSpPr/>
+            <p:nvPr/>
+          </p:nvSpPr>
+          <p:spPr>
+            <a:xfrm>
+              <a:off x="1447800" y="2627428"/>
+              <a:ext cx="891540" cy="3567631"/>
+            </a:xfrm>
+            <a:prstGeom prst="rect">
+              <a:avLst/>
+            </a:prstGeom>
+            <a:solidFill>
+              <a:schemeClr val="accent5">
+                <a:lumMod val="60000"/>
+                <a:lumOff val="40000"/>
+              </a:schemeClr>
+            </a:solidFill>
+            <a:ln>
+              <a:noFill/>
+            </a:ln>
+          </p:spPr>
+          <p:style>
+            <a:lnRef idx="2">
+              <a:schemeClr val="accent1">
+                <a:shade val="50000"/>
+              </a:schemeClr>
+            </a:lnRef>
+            <a:fillRef idx="1">
+              <a:schemeClr val="accent1"/>
+            </a:fillRef>
+            <a:effectRef idx="0">
+              <a:schemeClr val="accent1"/>
+            </a:effectRef>
+            <a:fontRef idx="minor">
+              <a:schemeClr val="lt1"/>
+            </a:fontRef>
+          </p:style>
+          <p:txBody>
+            <a:bodyPr rtlCol="0" anchor="ctr"/>
+            <a:lstStyle/>
+            <a:p>
+              <a:pPr algn="ctr"/>
+              <a:r>
+                <a:rPr lang="en-US" altLang="ko-KR" sz="1050" dirty="0" err="1" smtClean="0">
+                  <a:solidFill>
+                    <a:schemeClr val="tx1"/>
+                  </a:solidFill>
+                </a:rPr>
+                <a:t>RoomPanel</a:t>
+              </a:r>
+              <a:endParaRPr lang="en-US" altLang="ko-KR" sz="1050" dirty="0" smtClean="0">
+                <a:solidFill>
+                  <a:schemeClr val="tx1"/>
+                </a:solidFill>
+              </a:endParaRPr>
+            </a:p>
+          </p:txBody>
+        </p:sp>
+      </p:grpSp>
+      <p:grpSp>
+        <p:nvGrpSpPr>
+          <p:cNvPr id="23" name="그룹 22"/>
+          <p:cNvGrpSpPr/>
+          <p:nvPr/>
+        </p:nvGrpSpPr>
+        <p:grpSpPr>
+          <a:xfrm>
+            <a:off x="2542835" y="1283117"/>
+            <a:ext cx="1894693" cy="5003383"/>
+            <a:chOff x="1352551" y="1283117"/>
+            <a:chExt cx="1066800" cy="5003383"/>
+          </a:xfrm>
+        </p:grpSpPr>
+        <p:grpSp>
+          <p:nvGrpSpPr>
+            <p:cNvPr id="24" name="그룹 23"/>
+            <p:cNvGrpSpPr/>
+            <p:nvPr/>
+          </p:nvGrpSpPr>
+          <p:grpSpPr>
+            <a:xfrm>
+              <a:off x="1352551" y="1283117"/>
+              <a:ext cx="1066800" cy="5003383"/>
+              <a:chOff x="1352551" y="1283117"/>
+              <a:chExt cx="1066800" cy="5003383"/>
+            </a:xfrm>
+            <a:solidFill>
+              <a:schemeClr val="accent5">
+                <a:lumMod val="75000"/>
+              </a:schemeClr>
+            </a:solidFill>
+          </p:grpSpPr>
+          <p:sp>
+            <p:nvSpPr>
+              <p:cNvPr id="27" name="직사각형 26"/>
+              <p:cNvSpPr/>
+              <p:nvPr/>
+            </p:nvSpPr>
+            <p:spPr>
+              <a:xfrm>
+                <a:off x="1352551" y="1283117"/>
+                <a:ext cx="1066800" cy="5003383"/>
+              </a:xfrm>
+              <a:prstGeom prst="rect">
+                <a:avLst/>
+              </a:prstGeom>
+              <a:solidFill>
+                <a:schemeClr val="accent6">
+                  <a:lumMod val="75000"/>
+                </a:schemeClr>
+              </a:solidFill>
+              <a:ln>
+                <a:noFill/>
+              </a:ln>
+            </p:spPr>
+            <p:style>
+              <a:lnRef idx="2">
+                <a:schemeClr val="accent1">
+                  <a:shade val="50000"/>
+                </a:schemeClr>
+              </a:lnRef>
+              <a:fillRef idx="1">
+                <a:schemeClr val="accent1"/>
+              </a:fillRef>
+              <a:effectRef idx="0">
+                <a:schemeClr val="accent1"/>
+              </a:effectRef>
+              <a:fontRef idx="minor">
+                <a:schemeClr val="lt1"/>
+              </a:fontRef>
+            </p:style>
+            <p:txBody>
+              <a:bodyPr rtlCol="0" anchor="ctr"/>
+              <a:lstStyle/>
+              <a:p>
+                <a:pPr algn="ctr"/>
+                <a:endParaRPr lang="ko-KR" altLang="en-US"/>
+              </a:p>
+            </p:txBody>
+          </p:sp>
+          <p:sp>
+            <p:nvSpPr>
+              <p:cNvPr id="28" name="TextBox 27"/>
+              <p:cNvSpPr txBox="1"/>
+              <p:nvPr/>
+            </p:nvSpPr>
+            <p:spPr>
+              <a:xfrm>
+                <a:off x="1428750" y="1353524"/>
+                <a:ext cx="990601" cy="246221"/>
+              </a:xfrm>
+              <a:prstGeom prst="rect">
+                <a:avLst/>
+              </a:prstGeom>
+              <a:noFill/>
+            </p:spPr>
+            <p:txBody>
+              <a:bodyPr wrap="square" rtlCol="0">
+                <a:spAutoFit/>
+              </a:bodyPr>
+              <a:lstStyle/>
+              <a:p>
+                <a:pPr algn="r"/>
+                <a:r>
+                  <a:rPr lang="en-US" altLang="ko-KR" sz="1000" dirty="0" err="1" smtClean="0">
+                    <a:solidFill>
+                      <a:schemeClr val="bg1"/>
+                    </a:solidFill>
+                  </a:rPr>
+                  <a:t>InfoColumn</a:t>
+                </a:r>
+                <a:endParaRPr lang="en-US" altLang="ko-KR" sz="1000" dirty="0" smtClean="0">
+                  <a:solidFill>
+                    <a:schemeClr val="bg1"/>
+                  </a:solidFill>
+                </a:endParaRPr>
+              </a:p>
+            </p:txBody>
+          </p:sp>
+        </p:grpSp>
+        <p:sp>
+          <p:nvSpPr>
+            <p:cNvPr id="25" name="직사각형 24"/>
+            <p:cNvSpPr/>
+            <p:nvPr/>
+          </p:nvSpPr>
+          <p:spPr>
+            <a:xfrm>
+              <a:off x="1399748" y="1661160"/>
+              <a:ext cx="979223" cy="891540"/>
+            </a:xfrm>
+            <a:prstGeom prst="rect">
+              <a:avLst/>
+            </a:prstGeom>
+            <a:solidFill>
+              <a:schemeClr val="accent6">
+                <a:lumMod val="60000"/>
+                <a:lumOff val="40000"/>
+              </a:schemeClr>
+            </a:solidFill>
+            <a:ln>
+              <a:noFill/>
+            </a:ln>
+          </p:spPr>
+          <p:style>
+            <a:lnRef idx="2">
+              <a:schemeClr val="accent1">
+                <a:shade val="50000"/>
+              </a:schemeClr>
+            </a:lnRef>
+            <a:fillRef idx="1">
+              <a:schemeClr val="accent1"/>
+            </a:fillRef>
+            <a:effectRef idx="0">
+              <a:schemeClr val="accent1"/>
+            </a:effectRef>
+            <a:fontRef idx="minor">
+              <a:schemeClr val="lt1"/>
+            </a:fontRef>
+          </p:style>
+          <p:txBody>
+            <a:bodyPr rtlCol="0" anchor="ctr"/>
+            <a:lstStyle/>
+            <a:p>
+              <a:pPr algn="ctr"/>
+              <a:r>
+                <a:rPr lang="en-US" altLang="ko-KR" sz="1050" dirty="0" err="1" smtClean="0">
+                  <a:solidFill>
+                    <a:schemeClr val="tx1"/>
+                  </a:solidFill>
+                </a:rPr>
+                <a:t>RoomTitlePanel</a:t>
+              </a:r>
+              <a:endParaRPr lang="en-US" altLang="ko-KR" sz="1050" dirty="0" smtClean="0">
+                <a:solidFill>
+                  <a:schemeClr val="tx1"/>
+                </a:solidFill>
+              </a:endParaRPr>
+            </a:p>
+          </p:txBody>
+        </p:sp>
+        <p:sp>
+          <p:nvSpPr>
+            <p:cNvPr id="26" name="직사각형 25"/>
+            <p:cNvSpPr/>
+            <p:nvPr/>
+          </p:nvSpPr>
+          <p:spPr>
+            <a:xfrm>
+              <a:off x="1399748" y="2627428"/>
+              <a:ext cx="979223" cy="3567631"/>
+            </a:xfrm>
+            <a:prstGeom prst="rect">
+              <a:avLst/>
+            </a:prstGeom>
+            <a:solidFill>
+              <a:schemeClr val="accent6">
+                <a:lumMod val="60000"/>
+                <a:lumOff val="40000"/>
+              </a:schemeClr>
+            </a:solidFill>
+            <a:ln>
+              <a:noFill/>
+            </a:ln>
+          </p:spPr>
+          <p:style>
+            <a:lnRef idx="2">
+              <a:schemeClr val="accent1">
+                <a:shade val="50000"/>
+              </a:schemeClr>
+            </a:lnRef>
+            <a:fillRef idx="1">
+              <a:schemeClr val="accent1"/>
+            </a:fillRef>
+            <a:effectRef idx="0">
+              <a:schemeClr val="accent1"/>
+            </a:effectRef>
+            <a:fontRef idx="minor">
+              <a:schemeClr val="lt1"/>
+            </a:fontRef>
+          </p:style>
+          <p:txBody>
+            <a:bodyPr rtlCol="0" anchor="ctr"/>
+            <a:lstStyle/>
+            <a:p>
+              <a:pPr algn="ctr"/>
+              <a:r>
+                <a:rPr lang="en-US" altLang="ko-KR" sz="1050" dirty="0" err="1" smtClean="0">
+                  <a:solidFill>
+                    <a:schemeClr val="tx1"/>
+                  </a:solidFill>
+                </a:rPr>
+                <a:t>MemberPanel</a:t>
+              </a:r>
+              <a:endParaRPr lang="en-US" altLang="ko-KR" sz="1050" dirty="0" smtClean="0">
+                <a:solidFill>
+                  <a:schemeClr val="tx1"/>
+                </a:solidFill>
+              </a:endParaRPr>
+            </a:p>
+          </p:txBody>
+        </p:sp>
+      </p:grpSp>
+      <p:grpSp>
+        <p:nvGrpSpPr>
+          <p:cNvPr id="41" name="그룹 40"/>
+          <p:cNvGrpSpPr/>
+          <p:nvPr/>
+        </p:nvGrpSpPr>
+        <p:grpSpPr>
+          <a:xfrm>
+            <a:off x="4561012" y="1283116"/>
+            <a:ext cx="3381717" cy="5003383"/>
+            <a:chOff x="4561012" y="1283116"/>
+            <a:chExt cx="3381717" cy="5003383"/>
+          </a:xfrm>
+        </p:grpSpPr>
+        <p:grpSp>
+          <p:nvGrpSpPr>
+            <p:cNvPr id="30" name="그룹 29"/>
+            <p:cNvGrpSpPr/>
+            <p:nvPr/>
+          </p:nvGrpSpPr>
+          <p:grpSpPr>
+            <a:xfrm>
+              <a:off x="4561012" y="1283116"/>
+              <a:ext cx="3381717" cy="5003383"/>
+              <a:chOff x="1352551" y="1283117"/>
+              <a:chExt cx="1066800" cy="5003383"/>
+            </a:xfrm>
+            <a:solidFill>
+              <a:schemeClr val="accent5">
+                <a:lumMod val="75000"/>
+              </a:schemeClr>
+            </a:solidFill>
+          </p:grpSpPr>
+          <p:sp>
+            <p:nvSpPr>
+              <p:cNvPr id="33" name="직사각형 32"/>
+              <p:cNvSpPr/>
+              <p:nvPr/>
+            </p:nvSpPr>
+            <p:spPr>
+              <a:xfrm>
+                <a:off x="1352551" y="1283117"/>
+                <a:ext cx="1066800" cy="5003383"/>
+              </a:xfrm>
+              <a:prstGeom prst="rect">
+                <a:avLst/>
+              </a:prstGeom>
+              <a:solidFill>
+                <a:schemeClr val="accent4">
+                  <a:lumMod val="75000"/>
+                </a:schemeClr>
+              </a:solidFill>
+              <a:ln>
+                <a:noFill/>
+              </a:ln>
+            </p:spPr>
+            <p:style>
+              <a:lnRef idx="2">
+                <a:schemeClr val="accent1">
+                  <a:shade val="50000"/>
+                </a:schemeClr>
+              </a:lnRef>
+              <a:fillRef idx="1">
+                <a:schemeClr val="accent1"/>
+              </a:fillRef>
+              <a:effectRef idx="0">
+                <a:schemeClr val="accent1"/>
+              </a:effectRef>
+              <a:fontRef idx="minor">
+                <a:schemeClr val="lt1"/>
+              </a:fontRef>
+            </p:style>
+            <p:txBody>
+              <a:bodyPr rtlCol="0" anchor="ctr"/>
+              <a:lstStyle/>
+              <a:p>
+                <a:pPr algn="ctr"/>
+                <a:endParaRPr lang="ko-KR" altLang="en-US"/>
+              </a:p>
+            </p:txBody>
+          </p:sp>
+          <p:sp>
+            <p:nvSpPr>
+              <p:cNvPr id="34" name="TextBox 33"/>
+              <p:cNvSpPr txBox="1"/>
+              <p:nvPr/>
+            </p:nvSpPr>
+            <p:spPr>
+              <a:xfrm>
+                <a:off x="1428750" y="1353524"/>
+                <a:ext cx="990601" cy="246221"/>
+              </a:xfrm>
+              <a:prstGeom prst="rect">
+                <a:avLst/>
+              </a:prstGeom>
+              <a:noFill/>
+            </p:spPr>
+            <p:txBody>
+              <a:bodyPr wrap="square" rtlCol="0">
+                <a:spAutoFit/>
+              </a:bodyPr>
+              <a:lstStyle/>
+              <a:p>
+                <a:pPr algn="r"/>
+                <a:r>
+                  <a:rPr lang="en-US" altLang="ko-KR" sz="1000" dirty="0" err="1" smtClean="0">
+                    <a:solidFill>
+                      <a:schemeClr val="bg1"/>
+                    </a:solidFill>
+                  </a:rPr>
+                  <a:t>ChattingColumn</a:t>
+                </a:r>
+                <a:endParaRPr lang="en-US" altLang="ko-KR" sz="1000" dirty="0" smtClean="0">
+                  <a:solidFill>
+                    <a:schemeClr val="bg1"/>
+                  </a:solidFill>
+                </a:endParaRPr>
+              </a:p>
+            </p:txBody>
+          </p:sp>
+        </p:grpSp>
+        <p:sp>
+          <p:nvSpPr>
+            <p:cNvPr id="32" name="직사각형 31"/>
+            <p:cNvSpPr/>
+            <p:nvPr/>
+          </p:nvSpPr>
+          <p:spPr>
+            <a:xfrm>
+              <a:off x="4652684" y="5531224"/>
+              <a:ext cx="3209363" cy="663834"/>
+            </a:xfrm>
+            <a:prstGeom prst="rect">
+              <a:avLst/>
+            </a:prstGeom>
+            <a:solidFill>
+              <a:schemeClr val="accent4">
+                <a:lumMod val="60000"/>
+                <a:lumOff val="40000"/>
+              </a:schemeClr>
+            </a:solidFill>
+            <a:ln>
+              <a:noFill/>
+            </a:ln>
+          </p:spPr>
+          <p:style>
+            <a:lnRef idx="2">
+              <a:schemeClr val="accent1">
+                <a:shade val="50000"/>
+              </a:schemeClr>
+            </a:lnRef>
+            <a:fillRef idx="1">
+              <a:schemeClr val="accent1"/>
+            </a:fillRef>
+            <a:effectRef idx="0">
+              <a:schemeClr val="accent1"/>
+            </a:effectRef>
+            <a:fontRef idx="minor">
+              <a:schemeClr val="lt1"/>
+            </a:fontRef>
+          </p:style>
+          <p:txBody>
+            <a:bodyPr rtlCol="0" anchor="ctr"/>
+            <a:lstStyle/>
+            <a:p>
+              <a:pPr algn="ctr"/>
+              <a:r>
+                <a:rPr lang="en-US" altLang="ko-KR" sz="1050" dirty="0" err="1" smtClean="0">
+                  <a:solidFill>
+                    <a:schemeClr val="tx1"/>
+                  </a:solidFill>
+                </a:rPr>
+                <a:t>TypingPanel</a:t>
+              </a:r>
+              <a:endParaRPr lang="en-US" altLang="ko-KR" sz="1050" dirty="0" smtClean="0">
+                <a:solidFill>
+                  <a:schemeClr val="tx1"/>
+                </a:solidFill>
+              </a:endParaRPr>
+            </a:p>
+          </p:txBody>
+        </p:sp>
+        <p:grpSp>
+          <p:nvGrpSpPr>
+            <p:cNvPr id="37" name="그룹 36"/>
+            <p:cNvGrpSpPr/>
+            <p:nvPr/>
+          </p:nvGrpSpPr>
+          <p:grpSpPr>
+            <a:xfrm>
+              <a:off x="4652684" y="1661158"/>
+              <a:ext cx="3209363" cy="3778625"/>
+              <a:chOff x="4652684" y="1661158"/>
+              <a:chExt cx="3209363" cy="3778625"/>
+            </a:xfrm>
+          </p:grpSpPr>
+          <p:sp>
+            <p:nvSpPr>
+              <p:cNvPr id="31" name="직사각형 30"/>
+              <p:cNvSpPr/>
+              <p:nvPr/>
+            </p:nvSpPr>
+            <p:spPr>
+              <a:xfrm>
+                <a:off x="4652684" y="1661158"/>
+                <a:ext cx="3209363" cy="3778625"/>
+              </a:xfrm>
+              <a:prstGeom prst="rect">
+                <a:avLst/>
+              </a:prstGeom>
+              <a:solidFill>
+                <a:schemeClr val="accent4">
+                  <a:lumMod val="60000"/>
+                  <a:lumOff val="40000"/>
+                </a:schemeClr>
+              </a:solidFill>
+              <a:ln>
+                <a:noFill/>
+              </a:ln>
+            </p:spPr>
+            <p:style>
+              <a:lnRef idx="2">
+                <a:schemeClr val="accent1">
+                  <a:shade val="50000"/>
+                </a:schemeClr>
+              </a:lnRef>
+              <a:fillRef idx="1">
+                <a:schemeClr val="accent1"/>
+              </a:fillRef>
+              <a:effectRef idx="0">
+                <a:schemeClr val="accent1"/>
+              </a:effectRef>
+              <a:fontRef idx="minor">
+                <a:schemeClr val="lt1"/>
+              </a:fontRef>
+            </p:style>
+            <p:txBody>
+              <a:bodyPr rtlCol="0" anchor="ctr"/>
+              <a:lstStyle/>
+              <a:p>
+                <a:pPr algn="ctr"/>
+                <a:endParaRPr lang="en-US" altLang="ko-KR" sz="1050" dirty="0" smtClean="0">
+                  <a:solidFill>
+                    <a:schemeClr val="tx1"/>
+                  </a:solidFill>
+                </a:endParaRPr>
+              </a:p>
+            </p:txBody>
+          </p:sp>
+          <p:sp>
+            <p:nvSpPr>
+              <p:cNvPr id="35" name="TextBox 34"/>
+              <p:cNvSpPr txBox="1"/>
+              <p:nvPr/>
+            </p:nvSpPr>
+            <p:spPr>
+              <a:xfrm>
+                <a:off x="5818094" y="1691185"/>
+                <a:ext cx="2043953" cy="246221"/>
+              </a:xfrm>
+              <a:prstGeom prst="rect">
+                <a:avLst/>
+              </a:prstGeom>
+              <a:noFill/>
+            </p:spPr>
+            <p:txBody>
+              <a:bodyPr wrap="square" rtlCol="0">
+                <a:spAutoFit/>
+              </a:bodyPr>
+              <a:lstStyle/>
+              <a:p>
+                <a:pPr algn="r"/>
+                <a:r>
+                  <a:rPr lang="en-US" altLang="ko-KR" sz="1000" dirty="0" err="1" smtClean="0"/>
+                  <a:t>LogPanel</a:t>
+                </a:r>
+                <a:endParaRPr lang="en-US" altLang="ko-KR" sz="1000" dirty="0" smtClean="0"/>
+              </a:p>
+            </p:txBody>
+          </p:sp>
+        </p:grpSp>
+        <p:sp>
+          <p:nvSpPr>
+            <p:cNvPr id="38" name="직사각형 37"/>
+            <p:cNvSpPr/>
+            <p:nvPr/>
+          </p:nvSpPr>
+          <p:spPr>
+            <a:xfrm>
+              <a:off x="6024282" y="3908612"/>
+              <a:ext cx="1685364" cy="1394171"/>
+            </a:xfrm>
+            <a:prstGeom prst="rect">
+              <a:avLst/>
+            </a:prstGeom>
+            <a:solidFill>
+              <a:schemeClr val="accent4">
+                <a:lumMod val="20000"/>
+                <a:lumOff val="80000"/>
+              </a:schemeClr>
+            </a:solidFill>
+            <a:ln>
+              <a:noFill/>
+            </a:ln>
+          </p:spPr>
+          <p:style>
+            <a:lnRef idx="2">
+              <a:schemeClr val="accent1">
+                <a:shade val="50000"/>
+              </a:schemeClr>
+            </a:lnRef>
+            <a:fillRef idx="1">
+              <a:schemeClr val="accent1"/>
+            </a:fillRef>
+            <a:effectRef idx="0">
+              <a:schemeClr val="accent1"/>
+            </a:effectRef>
+            <a:fontRef idx="minor">
+              <a:schemeClr val="lt1"/>
+            </a:fontRef>
+          </p:style>
+          <p:txBody>
+            <a:bodyPr rtlCol="0" anchor="ctr"/>
+            <a:lstStyle/>
+            <a:p>
+              <a:pPr algn="ctr"/>
+              <a:r>
+                <a:rPr lang="en-US" altLang="ko-KR" sz="1050" dirty="0" err="1" smtClean="0">
+                  <a:solidFill>
+                    <a:schemeClr val="tx1"/>
+                  </a:solidFill>
+                </a:rPr>
+                <a:t>ChattingChunk</a:t>
+              </a:r>
+              <a:endParaRPr lang="en-US" altLang="ko-KR" sz="1050" dirty="0" smtClean="0">
+                <a:solidFill>
+                  <a:schemeClr val="tx1"/>
+                </a:solidFill>
+              </a:endParaRPr>
+            </a:p>
+          </p:txBody>
+        </p:sp>
+        <p:sp>
+          <p:nvSpPr>
+            <p:cNvPr id="39" name="직사각형 38"/>
+            <p:cNvSpPr/>
+            <p:nvPr/>
+          </p:nvSpPr>
+          <p:spPr>
+            <a:xfrm>
+              <a:off x="4802560" y="2379759"/>
+              <a:ext cx="1685364" cy="1394171"/>
+            </a:xfrm>
+            <a:prstGeom prst="rect">
+              <a:avLst/>
+            </a:prstGeom>
+            <a:solidFill>
+              <a:schemeClr val="accent4">
+                <a:lumMod val="20000"/>
+                <a:lumOff val="80000"/>
+              </a:schemeClr>
+            </a:solidFill>
+            <a:ln>
+              <a:noFill/>
+            </a:ln>
+          </p:spPr>
+          <p:style>
+            <a:lnRef idx="2">
+              <a:schemeClr val="accent1">
+                <a:shade val="50000"/>
+              </a:schemeClr>
+            </a:lnRef>
+            <a:fillRef idx="1">
+              <a:schemeClr val="accent1"/>
+            </a:fillRef>
+            <a:effectRef idx="0">
+              <a:schemeClr val="accent1"/>
+            </a:effectRef>
+            <a:fontRef idx="minor">
+              <a:schemeClr val="lt1"/>
+            </a:fontRef>
+          </p:style>
+          <p:txBody>
+            <a:bodyPr rtlCol="0" anchor="ctr"/>
+            <a:lstStyle/>
+            <a:p>
+              <a:pPr algn="ctr"/>
+              <a:r>
+                <a:rPr lang="en-US" altLang="ko-KR" sz="1050" dirty="0" err="1" smtClean="0">
+                  <a:solidFill>
+                    <a:schemeClr val="tx1"/>
+                  </a:solidFill>
+                </a:rPr>
+                <a:t>ChattingChunk</a:t>
+              </a:r>
+              <a:endParaRPr lang="en-US" altLang="ko-KR" sz="1050" dirty="0" smtClean="0">
+                <a:solidFill>
+                  <a:schemeClr val="tx1"/>
+                </a:solidFill>
+              </a:endParaRPr>
+            </a:p>
+          </p:txBody>
+        </p:sp>
+      </p:grpSp>
+      <p:grpSp>
+        <p:nvGrpSpPr>
+          <p:cNvPr id="43" name="그룹 42"/>
+          <p:cNvGrpSpPr/>
+          <p:nvPr/>
+        </p:nvGrpSpPr>
+        <p:grpSpPr>
+          <a:xfrm>
+            <a:off x="8002339" y="1283116"/>
+            <a:ext cx="3060108" cy="5003383"/>
+            <a:chOff x="1352551" y="1283117"/>
+            <a:chExt cx="1066800" cy="5003383"/>
+          </a:xfrm>
+        </p:grpSpPr>
+        <p:grpSp>
+          <p:nvGrpSpPr>
+            <p:cNvPr id="44" name="그룹 43"/>
+            <p:cNvGrpSpPr/>
+            <p:nvPr/>
+          </p:nvGrpSpPr>
+          <p:grpSpPr>
+            <a:xfrm>
+              <a:off x="1352551" y="1283117"/>
+              <a:ext cx="1066800" cy="5003383"/>
+              <a:chOff x="1352551" y="1283117"/>
+              <a:chExt cx="1066800" cy="5003383"/>
+            </a:xfrm>
+            <a:solidFill>
+              <a:schemeClr val="accent5">
+                <a:lumMod val="75000"/>
+              </a:schemeClr>
+            </a:solidFill>
+          </p:grpSpPr>
+          <p:sp>
+            <p:nvSpPr>
+              <p:cNvPr id="47" name="직사각형 46"/>
+              <p:cNvSpPr/>
+              <p:nvPr/>
+            </p:nvSpPr>
+            <p:spPr>
+              <a:xfrm>
+                <a:off x="1352551" y="1283117"/>
+                <a:ext cx="1066800" cy="5003383"/>
+              </a:xfrm>
+              <a:prstGeom prst="rect">
+                <a:avLst/>
+              </a:prstGeom>
+              <a:solidFill>
+                <a:schemeClr val="accent2">
+                  <a:lumMod val="75000"/>
+                </a:schemeClr>
+              </a:solidFill>
+              <a:ln>
+                <a:noFill/>
+              </a:ln>
+            </p:spPr>
+            <p:style>
+              <a:lnRef idx="2">
+                <a:schemeClr val="accent1">
+                  <a:shade val="50000"/>
+                </a:schemeClr>
+              </a:lnRef>
+              <a:fillRef idx="1">
+                <a:schemeClr val="accent1"/>
+              </a:fillRef>
+              <a:effectRef idx="0">
+                <a:schemeClr val="accent1"/>
+              </a:effectRef>
+              <a:fontRef idx="minor">
+                <a:schemeClr val="lt1"/>
+              </a:fontRef>
+            </p:style>
+            <p:txBody>
+              <a:bodyPr rtlCol="0" anchor="ctr"/>
+              <a:lstStyle/>
+              <a:p>
+                <a:pPr algn="ctr"/>
+                <a:endParaRPr lang="ko-KR" altLang="en-US"/>
+              </a:p>
+            </p:txBody>
+          </p:sp>
+          <p:sp>
+            <p:nvSpPr>
+              <p:cNvPr id="48" name="TextBox 47"/>
+              <p:cNvSpPr txBox="1"/>
+              <p:nvPr/>
+            </p:nvSpPr>
+            <p:spPr>
+              <a:xfrm>
+                <a:off x="1428750" y="1353524"/>
+                <a:ext cx="990601" cy="246221"/>
+              </a:xfrm>
+              <a:prstGeom prst="rect">
+                <a:avLst/>
+              </a:prstGeom>
+              <a:noFill/>
+            </p:spPr>
+            <p:txBody>
+              <a:bodyPr wrap="square" rtlCol="0">
+                <a:spAutoFit/>
+              </a:bodyPr>
+              <a:lstStyle/>
+              <a:p>
+                <a:pPr algn="r"/>
+                <a:r>
+                  <a:rPr lang="en-US" altLang="ko-KR" sz="1000" dirty="0" err="1" smtClean="0">
+                    <a:solidFill>
+                      <a:schemeClr val="bg1"/>
+                    </a:solidFill>
+                  </a:rPr>
+                  <a:t>InfoColumn</a:t>
+                </a:r>
+                <a:endParaRPr lang="en-US" altLang="ko-KR" sz="1000" dirty="0" smtClean="0">
+                  <a:solidFill>
+                    <a:schemeClr val="bg1"/>
+                  </a:solidFill>
+                </a:endParaRPr>
+              </a:p>
+            </p:txBody>
+          </p:sp>
+        </p:grpSp>
+        <p:sp>
+          <p:nvSpPr>
+            <p:cNvPr id="45" name="직사각형 44"/>
+            <p:cNvSpPr/>
+            <p:nvPr/>
+          </p:nvSpPr>
+          <p:spPr>
+            <a:xfrm>
+              <a:off x="1374818" y="1661160"/>
+              <a:ext cx="1022656" cy="3428784"/>
+            </a:xfrm>
+            <a:prstGeom prst="rect">
+              <a:avLst/>
+            </a:prstGeom>
+            <a:solidFill>
+              <a:schemeClr val="accent2">
+                <a:lumMod val="60000"/>
+                <a:lumOff val="40000"/>
+              </a:schemeClr>
+            </a:solidFill>
+            <a:ln>
+              <a:noFill/>
+            </a:ln>
+          </p:spPr>
+          <p:style>
+            <a:lnRef idx="2">
+              <a:schemeClr val="accent1">
+                <a:shade val="50000"/>
+              </a:schemeClr>
+            </a:lnRef>
+            <a:fillRef idx="1">
+              <a:schemeClr val="accent1"/>
+            </a:fillRef>
+            <a:effectRef idx="0">
+              <a:schemeClr val="accent1"/>
+            </a:effectRef>
+            <a:fontRef idx="minor">
+              <a:schemeClr val="lt1"/>
+            </a:fontRef>
+          </p:style>
+          <p:txBody>
+            <a:bodyPr rtlCol="0" anchor="ctr"/>
+            <a:lstStyle/>
+            <a:p>
+              <a:pPr algn="ctr"/>
+              <a:r>
+                <a:rPr lang="en-US" altLang="ko-KR" sz="1050" dirty="0" err="1" smtClean="0">
+                  <a:solidFill>
+                    <a:schemeClr val="tx1"/>
+                  </a:solidFill>
+                </a:rPr>
+                <a:t>EaselPanel</a:t>
+              </a:r>
+              <a:endParaRPr lang="en-US" altLang="ko-KR" sz="1050" dirty="0" smtClean="0">
+                <a:solidFill>
+                  <a:schemeClr val="tx1"/>
+                </a:solidFill>
+              </a:endParaRPr>
+            </a:p>
+          </p:txBody>
+        </p:sp>
+        <p:sp>
+          <p:nvSpPr>
+            <p:cNvPr id="46" name="직사각형 45"/>
+            <p:cNvSpPr/>
+            <p:nvPr/>
+          </p:nvSpPr>
+          <p:spPr>
+            <a:xfrm>
+              <a:off x="1374818" y="5190566"/>
+              <a:ext cx="1019733" cy="1004493"/>
+            </a:xfrm>
+            <a:prstGeom prst="rect">
+              <a:avLst/>
+            </a:prstGeom>
+            <a:solidFill>
+              <a:schemeClr val="accent2">
+                <a:lumMod val="60000"/>
+                <a:lumOff val="40000"/>
+              </a:schemeClr>
+            </a:solidFill>
+            <a:ln>
+              <a:noFill/>
+            </a:ln>
+          </p:spPr>
+          <p:style>
+            <a:lnRef idx="2">
+              <a:schemeClr val="accent1">
+                <a:shade val="50000"/>
+              </a:schemeClr>
+            </a:lnRef>
+            <a:fillRef idx="1">
+              <a:schemeClr val="accent1"/>
+            </a:fillRef>
+            <a:effectRef idx="0">
+              <a:schemeClr val="accent1"/>
+            </a:effectRef>
+            <a:fontRef idx="minor">
+              <a:schemeClr val="lt1"/>
+            </a:fontRef>
+          </p:style>
+          <p:txBody>
+            <a:bodyPr rtlCol="0" anchor="ctr"/>
+            <a:lstStyle/>
+            <a:p>
+              <a:pPr algn="ctr"/>
+              <a:r>
+                <a:rPr lang="en-US" altLang="ko-KR" sz="1050" dirty="0" err="1" smtClean="0">
+                  <a:solidFill>
+                    <a:schemeClr val="tx1"/>
+                  </a:solidFill>
+                </a:rPr>
+                <a:t>PallettePanel</a:t>
+              </a:r>
+              <a:endParaRPr lang="en-US" altLang="ko-KR" sz="1050" dirty="0" smtClean="0">
+                <a:solidFill>
+                  <a:schemeClr val="tx1"/>
+                </a:solidFill>
+              </a:endParaRPr>
+            </a:p>
+          </p:txBody>
+        </p:sp>
+      </p:grpSp>
+    </p:spTree>
+    <p:extLst>
+      <p:ext uri="{BB962C8B-B14F-4D97-AF65-F5344CB8AC3E}">
+        <p14:creationId xmlns:p14="http://schemas.microsoft.com/office/powerpoint/2010/main" val="1777939294"/>
+      </p:ext>
+    </p:extLst>
+  </p:cSld>
+  <p:clrMapOvr>
+    <a:masterClrMapping/>
+  </p:clrMapOvr>
+</p:sld>
+</file>
+
+<file path=ppt/slides/slide4.xml><?xml version="1.0" encoding="utf-8"?>
+<p:sld xmlns:a="http://schemas.openxmlformats.org/drawingml/2006/main" xmlns:r="http://schemas.openxmlformats.org/officeDocument/2006/relationships" xmlns:p="http://schemas.openxmlformats.org/presentationml/2006/main">
+  <p:cSld>
+    <p:spTree>
+      <p:nvGrpSpPr>
+        <p:cNvPr id="1" name=""/>
+        <p:cNvGrpSpPr/>
+        <p:nvPr/>
+      </p:nvGrpSpPr>
+      <p:grpSpPr>
+        <a:xfrm>
+          <a:off x="0" y="0"/>
+          <a:ext cx="0" cy="0"/>
+          <a:chOff x="0" y="0"/>
+          <a:chExt cx="0" cy="0"/>
+        </a:xfrm>
+      </p:grpSpPr>
+      <p:sp>
+        <p:nvSpPr>
+          <p:cNvPr id="4" name="TextBox 3">
+            <a:extLst>
+              <a:ext uri="{FF2B5EF4-FFF2-40B4-BE49-F238E27FC236}">
+                <a16:creationId xmlns="" xmlns:a16="http://schemas.microsoft.com/office/drawing/2014/main" id="{9E443283-F2F5-47AA-A859-82148E0CE2CD}"/>
+              </a:ext>
+            </a:extLst>
+          </p:cNvPr>
+          <p:cNvSpPr txBox="1"/>
+          <p:nvPr/>
+        </p:nvSpPr>
+        <p:spPr>
+          <a:xfrm>
+            <a:off x="153861" y="138610"/>
+            <a:ext cx="2123174" cy="369332"/>
+          </a:xfrm>
+          <a:prstGeom prst="rect">
+            <a:avLst/>
+          </a:prstGeom>
+          <a:noFill/>
+          <a:ln w="6350">
+            <a:noFill/>
+          </a:ln>
+        </p:spPr>
+        <p:txBody>
+          <a:bodyPr wrap="square" rtlCol="0">
+            <a:spAutoFit/>
+          </a:bodyPr>
+          <a:lstStyle/>
+          <a:p>
+            <a:r>
+              <a:rPr lang="en-US" altLang="ko-KR" dirty="0" smtClean="0"/>
+              <a:t>3-1. </a:t>
+            </a:r>
+            <a:r>
+              <a:rPr lang="en-US" altLang="ko-KR" dirty="0" err="1" smtClean="0"/>
+              <a:t>MenuColumn</a:t>
+            </a:r>
+            <a:endParaRPr lang="ko-KR" altLang="en-US" dirty="0"/>
+          </a:p>
+        </p:txBody>
+      </p:sp>
+      <p:grpSp>
+        <p:nvGrpSpPr>
+          <p:cNvPr id="12" name="그룹 11"/>
+          <p:cNvGrpSpPr/>
+          <p:nvPr/>
+        </p:nvGrpSpPr>
+        <p:grpSpPr>
+          <a:xfrm>
+            <a:off x="1997900" y="701757"/>
+            <a:ext cx="1210119" cy="5675561"/>
+            <a:chOff x="1352551" y="1283117"/>
+            <a:chExt cx="1066800" cy="5003383"/>
+          </a:xfrm>
+          <a:solidFill>
+            <a:schemeClr val="bg1"/>
+          </a:solidFill>
+        </p:grpSpPr>
+        <p:sp>
+          <p:nvSpPr>
+            <p:cNvPr id="16" name="직사각형 15"/>
+            <p:cNvSpPr/>
+            <p:nvPr/>
+          </p:nvSpPr>
+          <p:spPr>
+            <a:xfrm>
+              <a:off x="1352551" y="1283117"/>
+              <a:ext cx="1066800" cy="5003383"/>
+            </a:xfrm>
+            <a:prstGeom prst="rect">
+              <a:avLst/>
+            </a:prstGeom>
+            <a:grpFill/>
+            <a:ln>
+              <a:solidFill>
+                <a:schemeClr val="tx1"/>
+              </a:solidFill>
+            </a:ln>
+          </p:spPr>
+          <p:style>
+            <a:lnRef idx="2">
+              <a:schemeClr val="accent1">
+                <a:shade val="50000"/>
+              </a:schemeClr>
+            </a:lnRef>
+            <a:fillRef idx="1">
+              <a:schemeClr val="accent1"/>
+            </a:fillRef>
+            <a:effectRef idx="0">
+              <a:schemeClr val="accent1"/>
+            </a:effectRef>
+            <a:fontRef idx="minor">
+              <a:schemeClr val="lt1"/>
+            </a:fontRef>
+          </p:style>
+          <p:txBody>
+            <a:bodyPr rtlCol="0" anchor="ctr"/>
+            <a:lstStyle/>
+            <a:p>
+              <a:pPr algn="ctr"/>
+              <a:endParaRPr lang="ko-KR" altLang="en-US"/>
+            </a:p>
+          </p:txBody>
+        </p:sp>
+        <p:sp>
+          <p:nvSpPr>
+            <p:cNvPr id="14" name="직사각형 13"/>
+            <p:cNvSpPr/>
+            <p:nvPr/>
+          </p:nvSpPr>
+          <p:spPr>
+            <a:xfrm>
+              <a:off x="1447800" y="1406571"/>
+              <a:ext cx="891540" cy="891540"/>
+            </a:xfrm>
+            <a:prstGeom prst="rect">
+              <a:avLst/>
+            </a:prstGeom>
+            <a:grpFill/>
+            <a:ln>
+              <a:solidFill>
+                <a:schemeClr val="tx1"/>
+              </a:solidFill>
+            </a:ln>
+          </p:spPr>
+          <p:style>
+            <a:lnRef idx="2">
+              <a:schemeClr val="accent1">
+                <a:shade val="50000"/>
+              </a:schemeClr>
+            </a:lnRef>
+            <a:fillRef idx="1">
+              <a:schemeClr val="accent1"/>
+            </a:fillRef>
+            <a:effectRef idx="0">
+              <a:schemeClr val="accent1"/>
+            </a:effectRef>
+            <a:fontRef idx="minor">
+              <a:schemeClr val="lt1"/>
+            </a:fontRef>
+          </p:style>
+          <p:txBody>
+            <a:bodyPr rtlCol="0" anchor="ctr"/>
+            <a:lstStyle/>
+            <a:p>
+              <a:pPr algn="ctr"/>
+              <a:r>
+                <a:rPr lang="en-US" altLang="ko-KR" sz="1050" dirty="0" err="1" smtClean="0">
+                  <a:solidFill>
+                    <a:schemeClr val="tx1"/>
+                  </a:solidFill>
+                </a:rPr>
+                <a:t>MenuPanel</a:t>
+              </a:r>
+              <a:endParaRPr lang="en-US" altLang="ko-KR" sz="1050" dirty="0" smtClean="0">
+                <a:solidFill>
+                  <a:schemeClr val="tx1"/>
+                </a:solidFill>
+              </a:endParaRPr>
+            </a:p>
+          </p:txBody>
+        </p:sp>
+        <p:sp>
+          <p:nvSpPr>
+            <p:cNvPr id="15" name="직사각형 14"/>
+            <p:cNvSpPr/>
+            <p:nvPr/>
+          </p:nvSpPr>
+          <p:spPr>
+            <a:xfrm>
+              <a:off x="1447800" y="2627428"/>
+              <a:ext cx="891540" cy="3567631"/>
+            </a:xfrm>
+            <a:prstGeom prst="rect">
+              <a:avLst/>
+            </a:prstGeom>
+            <a:grpFill/>
+            <a:ln>
+              <a:solidFill>
+                <a:schemeClr val="tx1"/>
+              </a:solidFill>
+            </a:ln>
+          </p:spPr>
+          <p:style>
+            <a:lnRef idx="2">
+              <a:schemeClr val="accent1">
+                <a:shade val="50000"/>
+              </a:schemeClr>
+            </a:lnRef>
+            <a:fillRef idx="1">
+              <a:schemeClr val="accent1"/>
+            </a:fillRef>
+            <a:effectRef idx="0">
+              <a:schemeClr val="accent1"/>
+            </a:effectRef>
+            <a:fontRef idx="minor">
+              <a:schemeClr val="lt1"/>
+            </a:fontRef>
+          </p:style>
+          <p:txBody>
+            <a:bodyPr rtlCol="0" anchor="ctr"/>
+            <a:lstStyle/>
+            <a:p>
+              <a:pPr algn="ctr"/>
+              <a:r>
+                <a:rPr lang="en-US" altLang="ko-KR" sz="1050" dirty="0" err="1" smtClean="0">
+                  <a:solidFill>
+                    <a:schemeClr val="tx1"/>
+                  </a:solidFill>
+                </a:rPr>
+                <a:t>RoomPanel</a:t>
+              </a:r>
+              <a:endParaRPr lang="en-US" altLang="ko-KR" sz="1050" dirty="0" smtClean="0">
+                <a:solidFill>
+                  <a:schemeClr val="tx1"/>
+                </a:solidFill>
+              </a:endParaRPr>
+            </a:p>
+          </p:txBody>
+        </p:sp>
+      </p:grpSp>
+      <p:sp>
+        <p:nvSpPr>
+          <p:cNvPr id="26" name="TextBox 25"/>
+          <p:cNvSpPr txBox="1"/>
+          <p:nvPr/>
+        </p:nvSpPr>
+        <p:spPr>
+          <a:xfrm>
+            <a:off x="53816" y="796018"/>
+            <a:ext cx="1130438" cy="215444"/>
+          </a:xfrm>
+          <a:prstGeom prst="rect">
+            <a:avLst/>
+          </a:prstGeom>
+          <a:noFill/>
+        </p:spPr>
+        <p:txBody>
+          <a:bodyPr wrap="none" rtlCol="0">
+            <a:spAutoFit/>
+          </a:bodyPr>
+          <a:lstStyle/>
+          <a:p>
+            <a:pPr algn="r"/>
+            <a:r>
+              <a:rPr lang="en-US" altLang="ko-KR" sz="800" dirty="0" err="1" smtClean="0">
+                <a:solidFill>
+                  <a:schemeClr val="accent5">
+                    <a:lumMod val="75000"/>
+                  </a:schemeClr>
+                </a:solidFill>
+              </a:rPr>
+              <a:t>ContentPane</a:t>
+            </a:r>
+            <a:r>
+              <a:rPr lang="en-US" altLang="ko-KR" sz="800" dirty="0" smtClean="0">
+                <a:solidFill>
+                  <a:schemeClr val="accent5">
+                    <a:lumMod val="75000"/>
+                  </a:schemeClr>
+                </a:solidFill>
+              </a:rPr>
+              <a:t>-&gt;(0, 0)</a:t>
+            </a:r>
+            <a:endParaRPr lang="ko-KR" altLang="en-US" sz="800" dirty="0">
+              <a:solidFill>
+                <a:schemeClr val="accent5">
+                  <a:lumMod val="75000"/>
+                </a:schemeClr>
+              </a:solidFill>
+            </a:endParaRPr>
+          </a:p>
+        </p:txBody>
+      </p:sp>
+      <p:sp>
+        <p:nvSpPr>
+          <p:cNvPr id="32" name="TextBox 31"/>
+          <p:cNvSpPr txBox="1"/>
+          <p:nvPr/>
+        </p:nvSpPr>
+        <p:spPr>
+          <a:xfrm>
+            <a:off x="1255603" y="989832"/>
+            <a:ext cx="420308" cy="215444"/>
+          </a:xfrm>
+          <a:prstGeom prst="rect">
+            <a:avLst/>
+          </a:prstGeom>
+          <a:noFill/>
+        </p:spPr>
+        <p:txBody>
+          <a:bodyPr wrap="none" rtlCol="0">
+            <a:spAutoFit/>
+          </a:bodyPr>
+          <a:lstStyle/>
+          <a:p>
+            <a:pPr algn="r"/>
+            <a:r>
+              <a:rPr lang="en-US" altLang="ko-KR" sz="800" dirty="0" smtClean="0">
+                <a:solidFill>
+                  <a:schemeClr val="accent5">
+                    <a:lumMod val="75000"/>
+                  </a:schemeClr>
+                </a:solidFill>
+              </a:rPr>
+              <a:t>(0, 0)</a:t>
+            </a:r>
+            <a:endParaRPr lang="ko-KR" altLang="en-US" sz="800" dirty="0">
+              <a:solidFill>
+                <a:schemeClr val="accent5">
+                  <a:lumMod val="75000"/>
+                </a:schemeClr>
+              </a:solidFill>
+            </a:endParaRPr>
+          </a:p>
+        </p:txBody>
+      </p:sp>
+      <p:sp>
+        <p:nvSpPr>
+          <p:cNvPr id="33" name="TextBox 32"/>
+          <p:cNvSpPr txBox="1"/>
+          <p:nvPr/>
+        </p:nvSpPr>
+        <p:spPr>
+          <a:xfrm>
+            <a:off x="1227551" y="2226669"/>
+            <a:ext cx="476412" cy="215444"/>
+          </a:xfrm>
+          <a:prstGeom prst="rect">
+            <a:avLst/>
+          </a:prstGeom>
+          <a:noFill/>
+        </p:spPr>
+        <p:txBody>
+          <a:bodyPr wrap="none" rtlCol="0">
+            <a:spAutoFit/>
+          </a:bodyPr>
+          <a:lstStyle/>
+          <a:p>
+            <a:pPr algn="r"/>
+            <a:r>
+              <a:rPr lang="en-US" altLang="ko-KR" sz="800" dirty="0" smtClean="0">
+                <a:solidFill>
+                  <a:schemeClr val="accent5">
+                    <a:lumMod val="75000"/>
+                  </a:schemeClr>
+                </a:solidFill>
+              </a:rPr>
+              <a:t>(0, 90)</a:t>
+            </a:r>
+            <a:endParaRPr lang="ko-KR" altLang="en-US" sz="800" dirty="0">
+              <a:solidFill>
+                <a:schemeClr val="accent5">
+                  <a:lumMod val="75000"/>
+                </a:schemeClr>
+              </a:solidFill>
+            </a:endParaRPr>
+          </a:p>
+        </p:txBody>
+      </p:sp>
+      <p:cxnSp>
+        <p:nvCxnSpPr>
+          <p:cNvPr id="55" name="직선 연결선 54"/>
+          <p:cNvCxnSpPr>
+            <a:stCxn id="71" idx="3"/>
+            <a:endCxn id="26" idx="3"/>
+          </p:cNvCxnSpPr>
+          <p:nvPr/>
+        </p:nvCxnSpPr>
+        <p:spPr>
+          <a:xfrm flipH="1">
+            <a:off x="1184254" y="746136"/>
+            <a:ext cx="770749" cy="157604"/>
+          </a:xfrm>
+          <a:prstGeom prst="line">
+            <a:avLst/>
+          </a:prstGeom>
+          <a:ln>
+            <a:prstDash val="dash"/>
+          </a:ln>
+        </p:spPr>
+        <p:style>
+          <a:lnRef idx="1">
+            <a:schemeClr val="accent1"/>
+          </a:lnRef>
+          <a:fillRef idx="0">
+            <a:schemeClr val="accent1"/>
+          </a:fillRef>
+          <a:effectRef idx="0">
+            <a:schemeClr val="accent1"/>
+          </a:effectRef>
+          <a:fontRef idx="minor">
+            <a:schemeClr val="tx1"/>
+          </a:fontRef>
+        </p:style>
+      </p:cxnSp>
+      <p:cxnSp>
+        <p:nvCxnSpPr>
+          <p:cNvPr id="56" name="직선 연결선 55"/>
+          <p:cNvCxnSpPr>
+            <a:stCxn id="61" idx="3"/>
+            <a:endCxn id="32" idx="3"/>
+          </p:cNvCxnSpPr>
+          <p:nvPr/>
+        </p:nvCxnSpPr>
+        <p:spPr>
+          <a:xfrm flipH="1">
+            <a:off x="1675911" y="876994"/>
+            <a:ext cx="391839" cy="220560"/>
+          </a:xfrm>
+          <a:prstGeom prst="line">
+            <a:avLst/>
+          </a:prstGeom>
+          <a:ln>
+            <a:prstDash val="dash"/>
+          </a:ln>
+        </p:spPr>
+        <p:style>
+          <a:lnRef idx="1">
+            <a:schemeClr val="accent1"/>
+          </a:lnRef>
+          <a:fillRef idx="0">
+            <a:schemeClr val="accent1"/>
+          </a:fillRef>
+          <a:effectRef idx="0">
+            <a:schemeClr val="accent1"/>
+          </a:effectRef>
+          <a:fontRef idx="minor">
+            <a:schemeClr val="tx1"/>
+          </a:fontRef>
+        </p:style>
+      </p:cxnSp>
+      <p:sp>
+        <p:nvSpPr>
+          <p:cNvPr id="61" name="곱셈 기호 60"/>
+          <p:cNvSpPr/>
+          <p:nvPr/>
+        </p:nvSpPr>
+        <p:spPr>
+          <a:xfrm>
+            <a:off x="2028097" y="751547"/>
+            <a:ext cx="165100" cy="165100"/>
+          </a:xfrm>
+          <a:prstGeom prst="mathMultiply">
+            <a:avLst>
+              <a:gd name="adj1" fmla="val 4770"/>
+            </a:avLst>
+          </a:prstGeom>
+          <a:ln>
+            <a:noFill/>
+          </a:ln>
+        </p:spPr>
+        <p:style>
+          <a:lnRef idx="2">
+            <a:schemeClr val="accent1">
+              <a:shade val="50000"/>
+            </a:schemeClr>
+          </a:lnRef>
+          <a:fillRef idx="1">
+            <a:schemeClr val="accent1"/>
+          </a:fillRef>
+          <a:effectRef idx="0">
+            <a:schemeClr val="accent1"/>
+          </a:effectRef>
+          <a:fontRef idx="minor">
+            <a:schemeClr val="lt1"/>
+          </a:fontRef>
+        </p:style>
+        <p:txBody>
+          <a:bodyPr rtlCol="0" anchor="ctr"/>
+          <a:lstStyle/>
+          <a:p>
+            <a:pPr algn="ctr"/>
+            <a:endParaRPr lang="ko-KR" altLang="en-US"/>
+          </a:p>
+        </p:txBody>
+      </p:sp>
+      <p:cxnSp>
+        <p:nvCxnSpPr>
+          <p:cNvPr id="64" name="직선 연결선 63"/>
+          <p:cNvCxnSpPr>
+            <a:stCxn id="69" idx="3"/>
+            <a:endCxn id="33" idx="3"/>
+          </p:cNvCxnSpPr>
+          <p:nvPr/>
+        </p:nvCxnSpPr>
+        <p:spPr>
+          <a:xfrm flipH="1">
+            <a:off x="1703963" y="2269566"/>
+            <a:ext cx="361568" cy="64825"/>
+          </a:xfrm>
+          <a:prstGeom prst="line">
+            <a:avLst/>
+          </a:prstGeom>
+          <a:ln>
+            <a:prstDash val="dash"/>
+          </a:ln>
+        </p:spPr>
+        <p:style>
+          <a:lnRef idx="1">
+            <a:schemeClr val="accent1"/>
+          </a:lnRef>
+          <a:fillRef idx="0">
+            <a:schemeClr val="accent1"/>
+          </a:fillRef>
+          <a:effectRef idx="0">
+            <a:schemeClr val="accent1"/>
+          </a:effectRef>
+          <a:fontRef idx="minor">
+            <a:schemeClr val="tx1"/>
+          </a:fontRef>
+        </p:style>
+      </p:cxnSp>
+      <p:sp>
+        <p:nvSpPr>
+          <p:cNvPr id="69" name="곱셈 기호 68"/>
+          <p:cNvSpPr/>
+          <p:nvPr/>
+        </p:nvSpPr>
+        <p:spPr>
+          <a:xfrm>
+            <a:off x="2025878" y="2144119"/>
+            <a:ext cx="165100" cy="165100"/>
+          </a:xfrm>
+          <a:prstGeom prst="mathMultiply">
+            <a:avLst>
+              <a:gd name="adj1" fmla="val 4770"/>
+            </a:avLst>
+          </a:prstGeom>
+          <a:ln>
+            <a:noFill/>
+          </a:ln>
+        </p:spPr>
+        <p:style>
+          <a:lnRef idx="2">
+            <a:schemeClr val="accent1">
+              <a:shade val="50000"/>
+            </a:schemeClr>
+          </a:lnRef>
+          <a:fillRef idx="1">
+            <a:schemeClr val="accent1"/>
+          </a:fillRef>
+          <a:effectRef idx="0">
+            <a:schemeClr val="accent1"/>
+          </a:effectRef>
+          <a:fontRef idx="minor">
+            <a:schemeClr val="lt1"/>
+          </a:fontRef>
+        </p:style>
+        <p:txBody>
+          <a:bodyPr rtlCol="0" anchor="ctr"/>
+          <a:lstStyle/>
+          <a:p>
+            <a:pPr algn="ctr"/>
+            <a:endParaRPr lang="ko-KR" altLang="en-US"/>
+          </a:p>
+        </p:txBody>
+      </p:sp>
+      <p:sp>
+        <p:nvSpPr>
+          <p:cNvPr id="71" name="곱셈 기호 70"/>
+          <p:cNvSpPr/>
+          <p:nvPr/>
+        </p:nvSpPr>
+        <p:spPr>
+          <a:xfrm>
+            <a:off x="1915350" y="620689"/>
+            <a:ext cx="165100" cy="165100"/>
+          </a:xfrm>
+          <a:prstGeom prst="mathMultiply">
+            <a:avLst>
+              <a:gd name="adj1" fmla="val 4770"/>
+            </a:avLst>
+          </a:prstGeom>
+          <a:ln>
+            <a:noFill/>
+          </a:ln>
+        </p:spPr>
+        <p:style>
+          <a:lnRef idx="2">
+            <a:schemeClr val="accent1">
+              <a:shade val="50000"/>
+            </a:schemeClr>
+          </a:lnRef>
+          <a:fillRef idx="1">
+            <a:schemeClr val="accent1"/>
+          </a:fillRef>
+          <a:effectRef idx="0">
+            <a:schemeClr val="accent1"/>
+          </a:effectRef>
+          <a:fontRef idx="minor">
+            <a:schemeClr val="lt1"/>
+          </a:fontRef>
+        </p:style>
+        <p:txBody>
+          <a:bodyPr rtlCol="0" anchor="ctr"/>
+          <a:lstStyle/>
+          <a:p>
+            <a:pPr algn="ctr"/>
+            <a:endParaRPr lang="ko-KR" altLang="en-US"/>
+          </a:p>
+        </p:txBody>
+      </p:sp>
+      <p:cxnSp>
+        <p:nvCxnSpPr>
+          <p:cNvPr id="75" name="직선 연결선 74"/>
+          <p:cNvCxnSpPr/>
+          <p:nvPr/>
+        </p:nvCxnSpPr>
+        <p:spPr>
+          <a:xfrm>
+            <a:off x="2105945" y="2028825"/>
+            <a:ext cx="1011314" cy="0"/>
+          </a:xfrm>
+          <a:prstGeom prst="line">
+            <a:avLst/>
+          </a:prstGeom>
+          <a:ln w="19050">
+            <a:solidFill>
+              <a:schemeClr val="tx1"/>
+            </a:solidFill>
+          </a:ln>
+        </p:spPr>
+        <p:style>
+          <a:lnRef idx="1">
+            <a:schemeClr val="accent1"/>
+          </a:lnRef>
+          <a:fillRef idx="0">
+            <a:schemeClr val="accent1"/>
+          </a:fillRef>
+          <a:effectRef idx="0">
+            <a:schemeClr val="accent1"/>
+          </a:effectRef>
+          <a:fontRef idx="minor">
+            <a:schemeClr val="tx1"/>
+          </a:fontRef>
+        </p:style>
+      </p:cxnSp>
+      <p:cxnSp>
+        <p:nvCxnSpPr>
+          <p:cNvPr id="76" name="직선 연결선 75"/>
+          <p:cNvCxnSpPr>
+            <a:endCxn id="79" idx="3"/>
+          </p:cNvCxnSpPr>
+          <p:nvPr/>
+        </p:nvCxnSpPr>
+        <p:spPr>
+          <a:xfrm flipH="1" flipV="1">
+            <a:off x="1621889" y="1925133"/>
+            <a:ext cx="484056" cy="103693"/>
+          </a:xfrm>
+          <a:prstGeom prst="line">
+            <a:avLst/>
+          </a:prstGeom>
+          <a:ln>
+            <a:prstDash val="dash"/>
+          </a:ln>
+        </p:spPr>
+        <p:style>
+          <a:lnRef idx="1">
+            <a:schemeClr val="accent1"/>
+          </a:lnRef>
+          <a:fillRef idx="0">
+            <a:schemeClr val="accent1"/>
+          </a:fillRef>
+          <a:effectRef idx="0">
+            <a:schemeClr val="accent1"/>
+          </a:effectRef>
+          <a:fontRef idx="minor">
+            <a:schemeClr val="tx1"/>
+          </a:fontRef>
+        </p:style>
+      </p:cxnSp>
+      <p:sp>
+        <p:nvSpPr>
+          <p:cNvPr id="79" name="TextBox 78"/>
+          <p:cNvSpPr txBox="1"/>
+          <p:nvPr/>
+        </p:nvSpPr>
+        <p:spPr>
+          <a:xfrm>
+            <a:off x="244589" y="1755856"/>
+            <a:ext cx="1377300" cy="338554"/>
+          </a:xfrm>
+          <a:prstGeom prst="rect">
+            <a:avLst/>
+          </a:prstGeom>
+          <a:noFill/>
+        </p:spPr>
+        <p:txBody>
+          <a:bodyPr wrap="none" rtlCol="0">
+            <a:spAutoFit/>
+          </a:bodyPr>
+          <a:lstStyle/>
+          <a:p>
+            <a:pPr algn="r"/>
+            <a:r>
+              <a:rPr lang="en-US" altLang="ko-KR" sz="800" dirty="0" err="1" smtClean="0">
+                <a:solidFill>
+                  <a:schemeClr val="accent5">
+                    <a:lumMod val="75000"/>
+                  </a:schemeClr>
+                </a:solidFill>
+              </a:rPr>
+              <a:t>g.setColor</a:t>
+            </a:r>
+            <a:r>
+              <a:rPr lang="en-US" altLang="ko-KR" sz="800" dirty="0" smtClean="0">
+                <a:solidFill>
+                  <a:schemeClr val="accent5">
+                    <a:lumMod val="75000"/>
+                  </a:schemeClr>
+                </a:solidFill>
+              </a:rPr>
+              <a:t>(</a:t>
+            </a:r>
+            <a:r>
+              <a:rPr lang="ko-KR" altLang="en-US" sz="800" dirty="0" smtClean="0">
+                <a:solidFill>
+                  <a:schemeClr val="accent5">
+                    <a:lumMod val="75000"/>
+                  </a:schemeClr>
+                </a:solidFill>
+              </a:rPr>
+              <a:t>색깔</a:t>
+            </a:r>
+            <a:r>
+              <a:rPr lang="en-US" altLang="ko-KR" sz="800" dirty="0" smtClean="0">
+                <a:solidFill>
+                  <a:schemeClr val="accent5">
+                    <a:lumMod val="75000"/>
+                  </a:schemeClr>
+                </a:solidFill>
+              </a:rPr>
+              <a:t>)</a:t>
+            </a:r>
+          </a:p>
+          <a:p>
+            <a:pPr algn="r"/>
+            <a:r>
+              <a:rPr lang="en-US" altLang="ko-KR" sz="800" dirty="0" err="1" smtClean="0">
+                <a:solidFill>
+                  <a:schemeClr val="accent5">
+                    <a:lumMod val="75000"/>
+                  </a:schemeClr>
+                </a:solidFill>
+              </a:rPr>
+              <a:t>g.drawLine</a:t>
+            </a:r>
+            <a:r>
+              <a:rPr lang="en-US" altLang="ko-KR" sz="800" dirty="0" smtClean="0">
+                <a:solidFill>
+                  <a:schemeClr val="accent5">
+                    <a:lumMod val="75000"/>
+                  </a:schemeClr>
+                </a:solidFill>
+              </a:rPr>
+              <a:t>(10, 90, 80, 90)</a:t>
+            </a:r>
+            <a:endParaRPr lang="ko-KR" altLang="en-US" sz="800" dirty="0">
+              <a:solidFill>
+                <a:schemeClr val="accent5">
+                  <a:lumMod val="75000"/>
+                </a:schemeClr>
+              </a:solidFill>
+            </a:endParaRPr>
+          </a:p>
+        </p:txBody>
+      </p:sp>
+      <p:sp>
+        <p:nvSpPr>
+          <p:cNvPr id="81" name="직사각형 80"/>
+          <p:cNvSpPr/>
+          <p:nvPr/>
+        </p:nvSpPr>
+        <p:spPr>
+          <a:xfrm>
+            <a:off x="4906295" y="2334391"/>
+            <a:ext cx="2219325" cy="2219325"/>
+          </a:xfrm>
+          <a:prstGeom prst="rect">
+            <a:avLst/>
+          </a:prstGeom>
+          <a:noFill/>
+          <a:ln>
+            <a:solidFill>
+              <a:schemeClr val="tx1"/>
+            </a:solidFill>
+          </a:ln>
+        </p:spPr>
+        <p:style>
+          <a:lnRef idx="2">
+            <a:schemeClr val="accent1">
+              <a:shade val="50000"/>
+            </a:schemeClr>
+          </a:lnRef>
+          <a:fillRef idx="1">
+            <a:schemeClr val="accent1"/>
+          </a:fillRef>
+          <a:effectRef idx="0">
+            <a:schemeClr val="accent1"/>
+          </a:effectRef>
+          <a:fontRef idx="minor">
+            <a:schemeClr val="lt1"/>
+          </a:fontRef>
+        </p:style>
+        <p:txBody>
+          <a:bodyPr rtlCol="0" anchor="ctr"/>
+          <a:lstStyle/>
+          <a:p>
+            <a:pPr algn="ctr"/>
+            <a:endParaRPr lang="en-US" altLang="ko-KR" sz="1050" dirty="0" smtClean="0">
+              <a:solidFill>
+                <a:schemeClr val="tx1"/>
+              </a:solidFill>
+            </a:endParaRPr>
+          </a:p>
+        </p:txBody>
+      </p:sp>
+      <p:sp>
+        <p:nvSpPr>
+          <p:cNvPr id="82" name="직사각형 81"/>
+          <p:cNvSpPr/>
+          <p:nvPr/>
+        </p:nvSpPr>
+        <p:spPr>
+          <a:xfrm>
+            <a:off x="5344940" y="1360302"/>
+            <a:ext cx="1342034" cy="369332"/>
+          </a:xfrm>
+          <a:prstGeom prst="rect">
+            <a:avLst/>
+          </a:prstGeom>
+        </p:spPr>
+        <p:txBody>
+          <a:bodyPr wrap="none">
+            <a:spAutoFit/>
+          </a:bodyPr>
+          <a:lstStyle/>
+          <a:p>
+            <a:r>
+              <a:rPr lang="en-US" altLang="ko-KR" dirty="0" err="1" smtClean="0"/>
+              <a:t>MenuPanel</a:t>
+            </a:r>
+            <a:endParaRPr lang="ko-KR" altLang="en-US" dirty="0"/>
+          </a:p>
+        </p:txBody>
+      </p:sp>
+      <p:cxnSp>
+        <p:nvCxnSpPr>
+          <p:cNvPr id="84" name="직선 화살표 연결선 83"/>
+          <p:cNvCxnSpPr/>
+          <p:nvPr/>
+        </p:nvCxnSpPr>
+        <p:spPr>
+          <a:xfrm>
+            <a:off x="4906295" y="2212307"/>
+            <a:ext cx="2219325" cy="0"/>
+          </a:xfrm>
+          <a:prstGeom prst="straightConnector1">
+            <a:avLst/>
+          </a:prstGeom>
+          <a:ln>
+            <a:headEnd type="triangle" w="lg" len="sm"/>
+            <a:tailEnd type="triangle" w="lg" len="sm"/>
+          </a:ln>
+        </p:spPr>
+        <p:style>
+          <a:lnRef idx="1">
+            <a:schemeClr val="accent1"/>
+          </a:lnRef>
+          <a:fillRef idx="0">
+            <a:schemeClr val="accent1"/>
+          </a:fillRef>
+          <a:effectRef idx="0">
+            <a:schemeClr val="accent1"/>
+          </a:effectRef>
+          <a:fontRef idx="minor">
+            <a:schemeClr val="tx1"/>
+          </a:fontRef>
+        </p:style>
+      </p:cxnSp>
+      <p:sp>
+        <p:nvSpPr>
+          <p:cNvPr id="85" name="TextBox 84"/>
+          <p:cNvSpPr txBox="1"/>
+          <p:nvPr/>
+        </p:nvSpPr>
+        <p:spPr>
+          <a:xfrm>
+            <a:off x="5867519" y="1975341"/>
+            <a:ext cx="296876" cy="215444"/>
+          </a:xfrm>
+          <a:prstGeom prst="rect">
+            <a:avLst/>
+          </a:prstGeom>
+          <a:noFill/>
+        </p:spPr>
+        <p:txBody>
+          <a:bodyPr wrap="none" rtlCol="0">
+            <a:spAutoFit/>
+          </a:bodyPr>
+          <a:lstStyle/>
+          <a:p>
+            <a:pPr algn="r"/>
+            <a:r>
+              <a:rPr lang="en-US" altLang="ko-KR" sz="800" dirty="0" smtClean="0">
+                <a:solidFill>
+                  <a:schemeClr val="accent5">
+                    <a:lumMod val="75000"/>
+                  </a:schemeClr>
+                </a:solidFill>
+              </a:rPr>
+              <a:t>90</a:t>
+            </a:r>
+            <a:endParaRPr lang="ko-KR" altLang="en-US" sz="800" dirty="0">
+              <a:solidFill>
+                <a:schemeClr val="accent5">
+                  <a:lumMod val="75000"/>
+                </a:schemeClr>
+              </a:solidFill>
+            </a:endParaRPr>
+          </a:p>
+        </p:txBody>
+      </p:sp>
+      <p:cxnSp>
+        <p:nvCxnSpPr>
+          <p:cNvPr id="86" name="직선 화살표 연결선 85"/>
+          <p:cNvCxnSpPr/>
+          <p:nvPr/>
+        </p:nvCxnSpPr>
+        <p:spPr>
+          <a:xfrm>
+            <a:off x="4744930" y="2334391"/>
+            <a:ext cx="0" cy="2219325"/>
+          </a:xfrm>
+          <a:prstGeom prst="straightConnector1">
+            <a:avLst/>
+          </a:prstGeom>
+          <a:ln>
+            <a:headEnd type="triangle" w="lg" len="sm"/>
+            <a:tailEnd type="triangle" w="lg" len="sm"/>
+          </a:ln>
+        </p:spPr>
+        <p:style>
+          <a:lnRef idx="1">
+            <a:schemeClr val="accent1"/>
+          </a:lnRef>
+          <a:fillRef idx="0">
+            <a:schemeClr val="accent1"/>
+          </a:fillRef>
+          <a:effectRef idx="0">
+            <a:schemeClr val="accent1"/>
+          </a:effectRef>
+          <a:fontRef idx="minor">
+            <a:schemeClr val="tx1"/>
+          </a:fontRef>
+        </p:style>
+      </p:cxnSp>
+      <p:sp>
+        <p:nvSpPr>
+          <p:cNvPr id="89" name="TextBox 88"/>
+          <p:cNvSpPr txBox="1"/>
+          <p:nvPr/>
+        </p:nvSpPr>
+        <p:spPr>
+          <a:xfrm>
+            <a:off x="4440472" y="3336331"/>
+            <a:ext cx="296876" cy="215444"/>
+          </a:xfrm>
+          <a:prstGeom prst="rect">
+            <a:avLst/>
+          </a:prstGeom>
+          <a:noFill/>
+        </p:spPr>
+        <p:txBody>
+          <a:bodyPr wrap="none" rtlCol="0">
+            <a:spAutoFit/>
+          </a:bodyPr>
+          <a:lstStyle/>
+          <a:p>
+            <a:pPr algn="r"/>
+            <a:r>
+              <a:rPr lang="en-US" altLang="ko-KR" sz="800" dirty="0" smtClean="0">
+                <a:solidFill>
+                  <a:schemeClr val="accent5">
+                    <a:lumMod val="75000"/>
+                  </a:schemeClr>
+                </a:solidFill>
+              </a:rPr>
+              <a:t>90</a:t>
+            </a:r>
+            <a:endParaRPr lang="ko-KR" altLang="en-US" sz="800" dirty="0">
+              <a:solidFill>
+                <a:schemeClr val="accent5">
+                  <a:lumMod val="75000"/>
+                </a:schemeClr>
+              </a:solidFill>
+            </a:endParaRPr>
+          </a:p>
+        </p:txBody>
+      </p:sp>
+      <p:sp>
+        <p:nvSpPr>
+          <p:cNvPr id="90" name="타원 89"/>
+          <p:cNvSpPr/>
+          <p:nvPr/>
+        </p:nvSpPr>
+        <p:spPr>
+          <a:xfrm>
+            <a:off x="5325854" y="2753950"/>
+            <a:ext cx="1380205" cy="1380205"/>
+          </a:xfrm>
+          <a:prstGeom prst="ellipse">
+            <a:avLst/>
+          </a:prstGeom>
+          <a:solidFill>
+            <a:srgbClr val="FF9933"/>
+          </a:solidFill>
+          <a:ln>
+            <a:solidFill>
+              <a:schemeClr val="tx1"/>
+            </a:solidFill>
+          </a:ln>
+        </p:spPr>
+        <p:style>
+          <a:lnRef idx="2">
+            <a:schemeClr val="accent1">
+              <a:shade val="50000"/>
+            </a:schemeClr>
+          </a:lnRef>
+          <a:fillRef idx="1">
+            <a:schemeClr val="accent1"/>
+          </a:fillRef>
+          <a:effectRef idx="0">
+            <a:schemeClr val="accent1"/>
+          </a:effectRef>
+          <a:fontRef idx="minor">
+            <a:schemeClr val="lt1"/>
+          </a:fontRef>
+        </p:style>
+        <p:txBody>
+          <a:bodyPr rtlCol="0" anchor="ctr"/>
+          <a:lstStyle/>
+          <a:p>
+            <a:pPr algn="ctr"/>
+            <a:endParaRPr lang="ko-KR" altLang="en-US"/>
+          </a:p>
+        </p:txBody>
+      </p:sp>
+      <p:cxnSp>
+        <p:nvCxnSpPr>
+          <p:cNvPr id="91" name="직선 화살표 연결선 90"/>
+          <p:cNvCxnSpPr/>
+          <p:nvPr/>
+        </p:nvCxnSpPr>
+        <p:spPr>
+          <a:xfrm>
+            <a:off x="5325854" y="2651894"/>
+            <a:ext cx="1380205" cy="0"/>
+          </a:xfrm>
+          <a:prstGeom prst="straightConnector1">
+            <a:avLst/>
+          </a:prstGeom>
+          <a:ln>
+            <a:headEnd type="triangle" w="lg" len="sm"/>
+            <a:tailEnd type="triangle" w="lg" len="sm"/>
+          </a:ln>
+        </p:spPr>
+        <p:style>
+          <a:lnRef idx="1">
+            <a:schemeClr val="accent1"/>
+          </a:lnRef>
+          <a:fillRef idx="0">
+            <a:schemeClr val="accent1"/>
+          </a:fillRef>
+          <a:effectRef idx="0">
+            <a:schemeClr val="accent1"/>
+          </a:effectRef>
+          <a:fontRef idx="minor">
+            <a:schemeClr val="tx1"/>
+          </a:fontRef>
+        </p:style>
+      </p:cxnSp>
+      <p:sp>
+        <p:nvSpPr>
+          <p:cNvPr id="94" name="TextBox 93"/>
+          <p:cNvSpPr txBox="1"/>
+          <p:nvPr/>
+        </p:nvSpPr>
+        <p:spPr>
+          <a:xfrm>
+            <a:off x="5867519" y="2436449"/>
+            <a:ext cx="296876" cy="215444"/>
+          </a:xfrm>
+          <a:prstGeom prst="rect">
+            <a:avLst/>
+          </a:prstGeom>
+          <a:noFill/>
+        </p:spPr>
+        <p:txBody>
+          <a:bodyPr wrap="none" rtlCol="0">
+            <a:spAutoFit/>
+          </a:bodyPr>
+          <a:lstStyle/>
+          <a:p>
+            <a:pPr algn="r"/>
+            <a:r>
+              <a:rPr lang="en-US" altLang="ko-KR" sz="800" dirty="0" smtClean="0">
+                <a:solidFill>
+                  <a:schemeClr val="accent5">
+                    <a:lumMod val="75000"/>
+                  </a:schemeClr>
+                </a:solidFill>
+              </a:rPr>
+              <a:t>70</a:t>
+            </a:r>
+            <a:endParaRPr lang="ko-KR" altLang="en-US" sz="800" dirty="0">
+              <a:solidFill>
+                <a:schemeClr val="accent5">
+                  <a:lumMod val="75000"/>
+                </a:schemeClr>
+              </a:solidFill>
+            </a:endParaRPr>
+          </a:p>
+        </p:txBody>
+      </p:sp>
+      <p:sp>
+        <p:nvSpPr>
+          <p:cNvPr id="95" name="직사각형 94"/>
+          <p:cNvSpPr/>
+          <p:nvPr/>
+        </p:nvSpPr>
+        <p:spPr>
+          <a:xfrm>
+            <a:off x="5322470" y="2753950"/>
+            <a:ext cx="1383589" cy="1380205"/>
+          </a:xfrm>
+          <a:prstGeom prst="rect">
+            <a:avLst/>
+          </a:prstGeom>
+          <a:noFill/>
+          <a:ln w="6350">
+            <a:solidFill>
+              <a:srgbClr val="0070C0"/>
+            </a:solidFill>
+          </a:ln>
+        </p:spPr>
+        <p:style>
+          <a:lnRef idx="2">
+            <a:schemeClr val="accent1">
+              <a:shade val="50000"/>
+            </a:schemeClr>
+          </a:lnRef>
+          <a:fillRef idx="1">
+            <a:schemeClr val="accent1"/>
+          </a:fillRef>
+          <a:effectRef idx="0">
+            <a:schemeClr val="accent1"/>
+          </a:effectRef>
+          <a:fontRef idx="minor">
+            <a:schemeClr val="lt1"/>
+          </a:fontRef>
+        </p:style>
+        <p:txBody>
+          <a:bodyPr rtlCol="0" anchor="ctr"/>
+          <a:lstStyle/>
+          <a:p>
+            <a:pPr algn="ctr"/>
+            <a:endParaRPr lang="en-US" altLang="ko-KR" sz="1050" dirty="0" smtClean="0">
+              <a:solidFill>
+                <a:schemeClr val="tx1"/>
+              </a:solidFill>
+            </a:endParaRPr>
+          </a:p>
+        </p:txBody>
+      </p:sp>
+      <p:cxnSp>
+        <p:nvCxnSpPr>
+          <p:cNvPr id="100" name="직선 화살표 연결선 99"/>
+          <p:cNvCxnSpPr/>
+          <p:nvPr/>
+        </p:nvCxnSpPr>
+        <p:spPr>
+          <a:xfrm>
+            <a:off x="6686974" y="2651893"/>
+            <a:ext cx="438646" cy="1"/>
+          </a:xfrm>
+          <a:prstGeom prst="straightConnector1">
+            <a:avLst/>
+          </a:prstGeom>
+          <a:ln>
+            <a:headEnd type="triangle" w="lg" len="sm"/>
+            <a:tailEnd type="triangle" w="lg" len="sm"/>
+          </a:ln>
+        </p:spPr>
+        <p:style>
+          <a:lnRef idx="1">
+            <a:schemeClr val="accent1"/>
+          </a:lnRef>
+          <a:fillRef idx="0">
+            <a:schemeClr val="accent1"/>
+          </a:fillRef>
+          <a:effectRef idx="0">
+            <a:schemeClr val="accent1"/>
+          </a:effectRef>
+          <a:fontRef idx="minor">
+            <a:schemeClr val="tx1"/>
+          </a:fontRef>
+        </p:style>
+      </p:cxnSp>
+      <p:sp>
+        <p:nvSpPr>
+          <p:cNvPr id="103" name="TextBox 102"/>
+          <p:cNvSpPr txBox="1"/>
+          <p:nvPr/>
+        </p:nvSpPr>
+        <p:spPr>
+          <a:xfrm>
+            <a:off x="6767401" y="2436449"/>
+            <a:ext cx="296876" cy="215444"/>
+          </a:xfrm>
+          <a:prstGeom prst="rect">
+            <a:avLst/>
+          </a:prstGeom>
+          <a:noFill/>
+        </p:spPr>
+        <p:txBody>
+          <a:bodyPr wrap="none" rtlCol="0">
+            <a:spAutoFit/>
+          </a:bodyPr>
+          <a:lstStyle/>
+          <a:p>
+            <a:pPr algn="r"/>
+            <a:r>
+              <a:rPr lang="en-US" altLang="ko-KR" sz="800" dirty="0" smtClean="0">
+                <a:solidFill>
+                  <a:schemeClr val="accent5">
+                    <a:lumMod val="75000"/>
+                  </a:schemeClr>
+                </a:solidFill>
+              </a:rPr>
+              <a:t>10</a:t>
+            </a:r>
+            <a:endParaRPr lang="ko-KR" altLang="en-US" sz="800" dirty="0">
+              <a:solidFill>
+                <a:schemeClr val="accent5">
+                  <a:lumMod val="75000"/>
+                </a:schemeClr>
+              </a:solidFill>
+            </a:endParaRPr>
+          </a:p>
+        </p:txBody>
+      </p:sp>
+      <p:sp>
+        <p:nvSpPr>
+          <p:cNvPr id="104" name="곱셈 기호 103"/>
+          <p:cNvSpPr/>
+          <p:nvPr/>
+        </p:nvSpPr>
+        <p:spPr>
+          <a:xfrm>
+            <a:off x="5245957" y="2671400"/>
+            <a:ext cx="165100" cy="165100"/>
+          </a:xfrm>
+          <a:prstGeom prst="mathMultiply">
+            <a:avLst>
+              <a:gd name="adj1" fmla="val 4770"/>
+            </a:avLst>
+          </a:prstGeom>
+          <a:ln>
+            <a:noFill/>
+          </a:ln>
+        </p:spPr>
+        <p:style>
+          <a:lnRef idx="2">
+            <a:schemeClr val="accent1">
+              <a:shade val="50000"/>
+            </a:schemeClr>
+          </a:lnRef>
+          <a:fillRef idx="1">
+            <a:schemeClr val="accent1"/>
+          </a:fillRef>
+          <a:effectRef idx="0">
+            <a:schemeClr val="accent1"/>
+          </a:effectRef>
+          <a:fontRef idx="minor">
+            <a:schemeClr val="lt1"/>
+          </a:fontRef>
+        </p:style>
+        <p:txBody>
+          <a:bodyPr rtlCol="0" anchor="ctr"/>
+          <a:lstStyle/>
+          <a:p>
+            <a:pPr algn="ctr"/>
+            <a:endParaRPr lang="ko-KR" altLang="en-US"/>
+          </a:p>
+        </p:txBody>
+      </p:sp>
+      <p:cxnSp>
+        <p:nvCxnSpPr>
+          <p:cNvPr id="105" name="직선 연결선 104"/>
+          <p:cNvCxnSpPr/>
+          <p:nvPr/>
+        </p:nvCxnSpPr>
+        <p:spPr>
+          <a:xfrm flipH="1" flipV="1">
+            <a:off x="4544580" y="2671400"/>
+            <a:ext cx="777891" cy="64163"/>
+          </a:xfrm>
+          <a:prstGeom prst="line">
+            <a:avLst/>
+          </a:prstGeom>
+          <a:ln>
+            <a:prstDash val="dash"/>
+          </a:ln>
+        </p:spPr>
+        <p:style>
+          <a:lnRef idx="1">
+            <a:schemeClr val="accent1"/>
+          </a:lnRef>
+          <a:fillRef idx="0">
+            <a:schemeClr val="accent1"/>
+          </a:fillRef>
+          <a:effectRef idx="0">
+            <a:schemeClr val="accent1"/>
+          </a:effectRef>
+          <a:fontRef idx="minor">
+            <a:schemeClr val="tx1"/>
+          </a:fontRef>
+        </p:style>
+      </p:cxnSp>
+      <p:sp>
+        <p:nvSpPr>
+          <p:cNvPr id="108" name="TextBox 107"/>
+          <p:cNvSpPr txBox="1"/>
+          <p:nvPr/>
+        </p:nvSpPr>
+        <p:spPr>
+          <a:xfrm>
+            <a:off x="4062344" y="2544171"/>
+            <a:ext cx="532518" cy="215444"/>
+          </a:xfrm>
+          <a:prstGeom prst="rect">
+            <a:avLst/>
+          </a:prstGeom>
+          <a:noFill/>
+        </p:spPr>
+        <p:txBody>
+          <a:bodyPr wrap="none" rtlCol="0">
+            <a:spAutoFit/>
+          </a:bodyPr>
+          <a:lstStyle/>
+          <a:p>
+            <a:pPr algn="r"/>
+            <a:r>
+              <a:rPr lang="en-US" altLang="ko-KR" sz="800" dirty="0" smtClean="0">
+                <a:solidFill>
+                  <a:schemeClr val="accent5">
+                    <a:lumMod val="75000"/>
+                  </a:schemeClr>
+                </a:solidFill>
+              </a:rPr>
+              <a:t>(10, 10)</a:t>
+            </a:r>
+            <a:endParaRPr lang="ko-KR" altLang="en-US" sz="800" dirty="0">
+              <a:solidFill>
+                <a:schemeClr val="accent5">
+                  <a:lumMod val="75000"/>
+                </a:schemeClr>
+              </a:solidFill>
+            </a:endParaRPr>
+          </a:p>
+        </p:txBody>
+      </p:sp>
+      <p:cxnSp>
+        <p:nvCxnSpPr>
+          <p:cNvPr id="109" name="직선 연결선 108"/>
+          <p:cNvCxnSpPr>
+            <a:stCxn id="112" idx="0"/>
+            <a:endCxn id="111" idx="2"/>
+          </p:cNvCxnSpPr>
+          <p:nvPr/>
+        </p:nvCxnSpPr>
+        <p:spPr>
+          <a:xfrm flipH="1" flipV="1">
+            <a:off x="6755716" y="4181907"/>
+            <a:ext cx="51189" cy="99671"/>
+          </a:xfrm>
+          <a:prstGeom prst="line">
+            <a:avLst/>
+          </a:prstGeom>
+          <a:ln>
+            <a:prstDash val="dash"/>
+          </a:ln>
+        </p:spPr>
+        <p:style>
+          <a:lnRef idx="1">
+            <a:schemeClr val="accent1"/>
+          </a:lnRef>
+          <a:fillRef idx="0">
+            <a:schemeClr val="accent1"/>
+          </a:fillRef>
+          <a:effectRef idx="0">
+            <a:schemeClr val="accent1"/>
+          </a:effectRef>
+          <a:fontRef idx="minor">
+            <a:schemeClr val="tx1"/>
+          </a:fontRef>
+        </p:style>
+      </p:cxnSp>
+      <p:sp>
+        <p:nvSpPr>
+          <p:cNvPr id="111" name="곱셈 기호 110"/>
+          <p:cNvSpPr/>
+          <p:nvPr/>
+        </p:nvSpPr>
+        <p:spPr>
+          <a:xfrm>
+            <a:off x="6630269" y="4056460"/>
+            <a:ext cx="165100" cy="165100"/>
+          </a:xfrm>
+          <a:prstGeom prst="mathMultiply">
+            <a:avLst>
+              <a:gd name="adj1" fmla="val 4770"/>
+            </a:avLst>
+          </a:prstGeom>
+          <a:ln>
+            <a:noFill/>
+          </a:ln>
+        </p:spPr>
+        <p:style>
+          <a:lnRef idx="2">
+            <a:schemeClr val="accent1">
+              <a:shade val="50000"/>
+            </a:schemeClr>
+          </a:lnRef>
+          <a:fillRef idx="1">
+            <a:schemeClr val="accent1"/>
+          </a:fillRef>
+          <a:effectRef idx="0">
+            <a:schemeClr val="accent1"/>
+          </a:effectRef>
+          <a:fontRef idx="minor">
+            <a:schemeClr val="lt1"/>
+          </a:fontRef>
+        </p:style>
+        <p:txBody>
+          <a:bodyPr rtlCol="0" anchor="ctr"/>
+          <a:lstStyle/>
+          <a:p>
+            <a:pPr algn="ctr"/>
+            <a:endParaRPr lang="ko-KR" altLang="en-US"/>
+          </a:p>
+        </p:txBody>
+      </p:sp>
+      <p:sp>
+        <p:nvSpPr>
+          <p:cNvPr id="112" name="TextBox 111"/>
+          <p:cNvSpPr txBox="1"/>
+          <p:nvPr/>
+        </p:nvSpPr>
+        <p:spPr>
+          <a:xfrm>
+            <a:off x="6540646" y="4281578"/>
+            <a:ext cx="532518" cy="215444"/>
+          </a:xfrm>
+          <a:prstGeom prst="rect">
+            <a:avLst/>
+          </a:prstGeom>
+          <a:noFill/>
+        </p:spPr>
+        <p:txBody>
+          <a:bodyPr wrap="none" rtlCol="0">
+            <a:spAutoFit/>
+          </a:bodyPr>
+          <a:lstStyle/>
+          <a:p>
+            <a:pPr algn="r"/>
+            <a:r>
+              <a:rPr lang="en-US" altLang="ko-KR" sz="800" dirty="0" smtClean="0">
+                <a:solidFill>
+                  <a:schemeClr val="accent5">
+                    <a:lumMod val="75000"/>
+                  </a:schemeClr>
+                </a:solidFill>
+              </a:rPr>
+              <a:t>(80, 80)</a:t>
+            </a:r>
+            <a:endParaRPr lang="ko-KR" altLang="en-US" sz="800" dirty="0">
+              <a:solidFill>
+                <a:schemeClr val="accent5">
+                  <a:lumMod val="75000"/>
+                </a:schemeClr>
+              </a:solidFill>
+            </a:endParaRPr>
+          </a:p>
+        </p:txBody>
+      </p:sp>
+    </p:spTree>
+    <p:extLst>
+      <p:ext uri="{BB962C8B-B14F-4D97-AF65-F5344CB8AC3E}">
+        <p14:creationId xmlns:p14="http://schemas.microsoft.com/office/powerpoint/2010/main" val="54055295"/>
       </p:ext>
     </p:extLst>
   </p:cSld>

--- a/문서/UI 디자인 명세.pptx
+++ b/문서/UI 디자인 명세.pptx
@@ -149,7 +149,7 @@
           <p:cNvPr id="2" name="제목 1">
             <a:extLst>
               <a:ext uri="{FF2B5EF4-FFF2-40B4-BE49-F238E27FC236}">
-                <a16:creationId xmlns="" xmlns:a16="http://schemas.microsoft.com/office/drawing/2014/main" id="{62ED35AF-349B-4D94-BF6A-324F1D261909}"/>
+                <a16:creationId xmlns:a16="http://schemas.microsoft.com/office/drawing/2014/main" id="{62ED35AF-349B-4D94-BF6A-324F1D261909}"/>
               </a:ext>
             </a:extLst>
           </p:cNvPr>
@@ -186,7 +186,7 @@
           <p:cNvPr id="3" name="부제목 2">
             <a:extLst>
               <a:ext uri="{FF2B5EF4-FFF2-40B4-BE49-F238E27FC236}">
-                <a16:creationId xmlns="" xmlns:a16="http://schemas.microsoft.com/office/drawing/2014/main" id="{D2D928CB-6216-422F-B754-92D8B4A0285B}"/>
+                <a16:creationId xmlns:a16="http://schemas.microsoft.com/office/drawing/2014/main" id="{D2D928CB-6216-422F-B754-92D8B4A0285B}"/>
               </a:ext>
             </a:extLst>
           </p:cNvPr>
@@ -256,7 +256,7 @@
           <p:cNvPr id="4" name="날짜 개체 틀 3">
             <a:extLst>
               <a:ext uri="{FF2B5EF4-FFF2-40B4-BE49-F238E27FC236}">
-                <a16:creationId xmlns="" xmlns:a16="http://schemas.microsoft.com/office/drawing/2014/main" id="{BAE2ABE8-9046-420D-9221-4822565E6BA3}"/>
+                <a16:creationId xmlns:a16="http://schemas.microsoft.com/office/drawing/2014/main" id="{BAE2ABE8-9046-420D-9221-4822565E6BA3}"/>
               </a:ext>
             </a:extLst>
           </p:cNvPr>
@@ -274,7 +274,7 @@
           <a:p>
             <a:fld id="{5858DE85-2A6A-430C-A9BC-549214584F34}" type="datetimeFigureOut">
               <a:rPr lang="ko-KR" altLang="en-US" smtClean="0"/>
-              <a:t>2021-10-08</a:t>
+              <a:t>2021-10-11</a:t>
             </a:fld>
             <a:endParaRPr lang="ko-KR" altLang="en-US"/>
           </a:p>
@@ -285,7 +285,7 @@
           <p:cNvPr id="5" name="바닥글 개체 틀 4">
             <a:extLst>
               <a:ext uri="{FF2B5EF4-FFF2-40B4-BE49-F238E27FC236}">
-                <a16:creationId xmlns="" xmlns:a16="http://schemas.microsoft.com/office/drawing/2014/main" id="{31C1D9E4-2670-491D-8CA5-5FB1BAFFE1B4}"/>
+                <a16:creationId xmlns:a16="http://schemas.microsoft.com/office/drawing/2014/main" id="{31C1D9E4-2670-491D-8CA5-5FB1BAFFE1B4}"/>
               </a:ext>
             </a:extLst>
           </p:cNvPr>
@@ -310,7 +310,7 @@
           <p:cNvPr id="6" name="슬라이드 번호 개체 틀 5">
             <a:extLst>
               <a:ext uri="{FF2B5EF4-FFF2-40B4-BE49-F238E27FC236}">
-                <a16:creationId xmlns="" xmlns:a16="http://schemas.microsoft.com/office/drawing/2014/main" id="{9ED62624-89BC-4986-A53A-C336A92EFACC}"/>
+                <a16:creationId xmlns:a16="http://schemas.microsoft.com/office/drawing/2014/main" id="{9ED62624-89BC-4986-A53A-C336A92EFACC}"/>
               </a:ext>
             </a:extLst>
           </p:cNvPr>
@@ -369,7 +369,7 @@
           <p:cNvPr id="2" name="제목 1">
             <a:extLst>
               <a:ext uri="{FF2B5EF4-FFF2-40B4-BE49-F238E27FC236}">
-                <a16:creationId xmlns="" xmlns:a16="http://schemas.microsoft.com/office/drawing/2014/main" id="{AF099159-F11C-406C-834D-7063F1C50492}"/>
+                <a16:creationId xmlns:a16="http://schemas.microsoft.com/office/drawing/2014/main" id="{AF099159-F11C-406C-834D-7063F1C50492}"/>
               </a:ext>
             </a:extLst>
           </p:cNvPr>
@@ -397,7 +397,7 @@
           <p:cNvPr id="3" name="세로 텍스트 개체 틀 2">
             <a:extLst>
               <a:ext uri="{FF2B5EF4-FFF2-40B4-BE49-F238E27FC236}">
-                <a16:creationId xmlns="" xmlns:a16="http://schemas.microsoft.com/office/drawing/2014/main" id="{B4CCE3CA-9E80-4A4E-9E30-E354A2BEBBB8}"/>
+                <a16:creationId xmlns:a16="http://schemas.microsoft.com/office/drawing/2014/main" id="{B4CCE3CA-9E80-4A4E-9E30-E354A2BEBBB8}"/>
               </a:ext>
             </a:extLst>
           </p:cNvPr>
@@ -454,7 +454,7 @@
           <p:cNvPr id="4" name="날짜 개체 틀 3">
             <a:extLst>
               <a:ext uri="{FF2B5EF4-FFF2-40B4-BE49-F238E27FC236}">
-                <a16:creationId xmlns="" xmlns:a16="http://schemas.microsoft.com/office/drawing/2014/main" id="{538F2B6B-4374-4A79-A2D9-D50B083C30C3}"/>
+                <a16:creationId xmlns:a16="http://schemas.microsoft.com/office/drawing/2014/main" id="{538F2B6B-4374-4A79-A2D9-D50B083C30C3}"/>
               </a:ext>
             </a:extLst>
           </p:cNvPr>
@@ -472,7 +472,7 @@
           <a:p>
             <a:fld id="{5858DE85-2A6A-430C-A9BC-549214584F34}" type="datetimeFigureOut">
               <a:rPr lang="ko-KR" altLang="en-US" smtClean="0"/>
-              <a:t>2021-10-08</a:t>
+              <a:t>2021-10-11</a:t>
             </a:fld>
             <a:endParaRPr lang="ko-KR" altLang="en-US"/>
           </a:p>
@@ -483,7 +483,7 @@
           <p:cNvPr id="5" name="바닥글 개체 틀 4">
             <a:extLst>
               <a:ext uri="{FF2B5EF4-FFF2-40B4-BE49-F238E27FC236}">
-                <a16:creationId xmlns="" xmlns:a16="http://schemas.microsoft.com/office/drawing/2014/main" id="{F42BDFBE-D1AF-43C8-BB30-E80C0879B77C}"/>
+                <a16:creationId xmlns:a16="http://schemas.microsoft.com/office/drawing/2014/main" id="{F42BDFBE-D1AF-43C8-BB30-E80C0879B77C}"/>
               </a:ext>
             </a:extLst>
           </p:cNvPr>
@@ -508,7 +508,7 @@
           <p:cNvPr id="6" name="슬라이드 번호 개체 틀 5">
             <a:extLst>
               <a:ext uri="{FF2B5EF4-FFF2-40B4-BE49-F238E27FC236}">
-                <a16:creationId xmlns="" xmlns:a16="http://schemas.microsoft.com/office/drawing/2014/main" id="{C9D13CC6-1FC1-4157-B7DE-DB9B8EE57BD2}"/>
+                <a16:creationId xmlns:a16="http://schemas.microsoft.com/office/drawing/2014/main" id="{C9D13CC6-1FC1-4157-B7DE-DB9B8EE57BD2}"/>
               </a:ext>
             </a:extLst>
           </p:cNvPr>
@@ -567,7 +567,7 @@
           <p:cNvPr id="2" name="세로 제목 1">
             <a:extLst>
               <a:ext uri="{FF2B5EF4-FFF2-40B4-BE49-F238E27FC236}">
-                <a16:creationId xmlns="" xmlns:a16="http://schemas.microsoft.com/office/drawing/2014/main" id="{3B3F228C-A61B-4DAC-A695-1857DB04691E}"/>
+                <a16:creationId xmlns:a16="http://schemas.microsoft.com/office/drawing/2014/main" id="{3B3F228C-A61B-4DAC-A695-1857DB04691E}"/>
               </a:ext>
             </a:extLst>
           </p:cNvPr>
@@ -600,7 +600,7 @@
           <p:cNvPr id="3" name="세로 텍스트 개체 틀 2">
             <a:extLst>
               <a:ext uri="{FF2B5EF4-FFF2-40B4-BE49-F238E27FC236}">
-                <a16:creationId xmlns="" xmlns:a16="http://schemas.microsoft.com/office/drawing/2014/main" id="{F44E0E11-BEC0-4442-82B5-7A11828FE758}"/>
+                <a16:creationId xmlns:a16="http://schemas.microsoft.com/office/drawing/2014/main" id="{F44E0E11-BEC0-4442-82B5-7A11828FE758}"/>
               </a:ext>
             </a:extLst>
           </p:cNvPr>
@@ -662,7 +662,7 @@
           <p:cNvPr id="4" name="날짜 개체 틀 3">
             <a:extLst>
               <a:ext uri="{FF2B5EF4-FFF2-40B4-BE49-F238E27FC236}">
-                <a16:creationId xmlns="" xmlns:a16="http://schemas.microsoft.com/office/drawing/2014/main" id="{40E5193E-82BB-46FB-A5B8-F47645B4ADED}"/>
+                <a16:creationId xmlns:a16="http://schemas.microsoft.com/office/drawing/2014/main" id="{40E5193E-82BB-46FB-A5B8-F47645B4ADED}"/>
               </a:ext>
             </a:extLst>
           </p:cNvPr>
@@ -680,7 +680,7 @@
           <a:p>
             <a:fld id="{5858DE85-2A6A-430C-A9BC-549214584F34}" type="datetimeFigureOut">
               <a:rPr lang="ko-KR" altLang="en-US" smtClean="0"/>
-              <a:t>2021-10-08</a:t>
+              <a:t>2021-10-11</a:t>
             </a:fld>
             <a:endParaRPr lang="ko-KR" altLang="en-US"/>
           </a:p>
@@ -691,7 +691,7 @@
           <p:cNvPr id="5" name="바닥글 개체 틀 4">
             <a:extLst>
               <a:ext uri="{FF2B5EF4-FFF2-40B4-BE49-F238E27FC236}">
-                <a16:creationId xmlns="" xmlns:a16="http://schemas.microsoft.com/office/drawing/2014/main" id="{4751F4F9-B872-4175-B35F-CEF194F8C7F0}"/>
+                <a16:creationId xmlns:a16="http://schemas.microsoft.com/office/drawing/2014/main" id="{4751F4F9-B872-4175-B35F-CEF194F8C7F0}"/>
               </a:ext>
             </a:extLst>
           </p:cNvPr>
@@ -716,7 +716,7 @@
           <p:cNvPr id="6" name="슬라이드 번호 개체 틀 5">
             <a:extLst>
               <a:ext uri="{FF2B5EF4-FFF2-40B4-BE49-F238E27FC236}">
-                <a16:creationId xmlns="" xmlns:a16="http://schemas.microsoft.com/office/drawing/2014/main" id="{B9A06C74-356A-4384-B425-F1A1DC5E2F38}"/>
+                <a16:creationId xmlns:a16="http://schemas.microsoft.com/office/drawing/2014/main" id="{B9A06C74-356A-4384-B425-F1A1DC5E2F38}"/>
               </a:ext>
             </a:extLst>
           </p:cNvPr>
@@ -775,7 +775,7 @@
           <p:cNvPr id="2" name="제목 1">
             <a:extLst>
               <a:ext uri="{FF2B5EF4-FFF2-40B4-BE49-F238E27FC236}">
-                <a16:creationId xmlns="" xmlns:a16="http://schemas.microsoft.com/office/drawing/2014/main" id="{AC087A28-0474-4510-8DF2-82FA45EEC18D}"/>
+                <a16:creationId xmlns:a16="http://schemas.microsoft.com/office/drawing/2014/main" id="{AC087A28-0474-4510-8DF2-82FA45EEC18D}"/>
               </a:ext>
             </a:extLst>
           </p:cNvPr>
@@ -803,7 +803,7 @@
           <p:cNvPr id="3" name="내용 개체 틀 2">
             <a:extLst>
               <a:ext uri="{FF2B5EF4-FFF2-40B4-BE49-F238E27FC236}">
-                <a16:creationId xmlns="" xmlns:a16="http://schemas.microsoft.com/office/drawing/2014/main" id="{6A1BEDB7-2FAC-41EA-8D0C-55B3213DF92D}"/>
+                <a16:creationId xmlns:a16="http://schemas.microsoft.com/office/drawing/2014/main" id="{6A1BEDB7-2FAC-41EA-8D0C-55B3213DF92D}"/>
               </a:ext>
             </a:extLst>
           </p:cNvPr>
@@ -860,7 +860,7 @@
           <p:cNvPr id="4" name="날짜 개체 틀 3">
             <a:extLst>
               <a:ext uri="{FF2B5EF4-FFF2-40B4-BE49-F238E27FC236}">
-                <a16:creationId xmlns="" xmlns:a16="http://schemas.microsoft.com/office/drawing/2014/main" id="{038437DA-34A6-4D19-A370-CAE981808ED9}"/>
+                <a16:creationId xmlns:a16="http://schemas.microsoft.com/office/drawing/2014/main" id="{038437DA-34A6-4D19-A370-CAE981808ED9}"/>
               </a:ext>
             </a:extLst>
           </p:cNvPr>
@@ -878,7 +878,7 @@
           <a:p>
             <a:fld id="{5858DE85-2A6A-430C-A9BC-549214584F34}" type="datetimeFigureOut">
               <a:rPr lang="ko-KR" altLang="en-US" smtClean="0"/>
-              <a:t>2021-10-08</a:t>
+              <a:t>2021-10-11</a:t>
             </a:fld>
             <a:endParaRPr lang="ko-KR" altLang="en-US"/>
           </a:p>
@@ -889,7 +889,7 @@
           <p:cNvPr id="5" name="바닥글 개체 틀 4">
             <a:extLst>
               <a:ext uri="{FF2B5EF4-FFF2-40B4-BE49-F238E27FC236}">
-                <a16:creationId xmlns="" xmlns:a16="http://schemas.microsoft.com/office/drawing/2014/main" id="{18A242A8-6D64-46D0-9564-91EB63322512}"/>
+                <a16:creationId xmlns:a16="http://schemas.microsoft.com/office/drawing/2014/main" id="{18A242A8-6D64-46D0-9564-91EB63322512}"/>
               </a:ext>
             </a:extLst>
           </p:cNvPr>
@@ -914,7 +914,7 @@
           <p:cNvPr id="6" name="슬라이드 번호 개체 틀 5">
             <a:extLst>
               <a:ext uri="{FF2B5EF4-FFF2-40B4-BE49-F238E27FC236}">
-                <a16:creationId xmlns="" xmlns:a16="http://schemas.microsoft.com/office/drawing/2014/main" id="{40EB67C7-A472-4219-AF13-869D5ECF2AD9}"/>
+                <a16:creationId xmlns:a16="http://schemas.microsoft.com/office/drawing/2014/main" id="{40EB67C7-A472-4219-AF13-869D5ECF2AD9}"/>
               </a:ext>
             </a:extLst>
           </p:cNvPr>
@@ -973,7 +973,7 @@
           <p:cNvPr id="2" name="제목 1">
             <a:extLst>
               <a:ext uri="{FF2B5EF4-FFF2-40B4-BE49-F238E27FC236}">
-                <a16:creationId xmlns="" xmlns:a16="http://schemas.microsoft.com/office/drawing/2014/main" id="{45622ECB-77E5-4A2E-AEC8-D13B84439849}"/>
+                <a16:creationId xmlns:a16="http://schemas.microsoft.com/office/drawing/2014/main" id="{45622ECB-77E5-4A2E-AEC8-D13B84439849}"/>
               </a:ext>
             </a:extLst>
           </p:cNvPr>
@@ -1010,7 +1010,7 @@
           <p:cNvPr id="3" name="텍스트 개체 틀 2">
             <a:extLst>
               <a:ext uri="{FF2B5EF4-FFF2-40B4-BE49-F238E27FC236}">
-                <a16:creationId xmlns="" xmlns:a16="http://schemas.microsoft.com/office/drawing/2014/main" id="{6F0BE832-07CA-4F3C-923F-5BB3C52D6299}"/>
+                <a16:creationId xmlns:a16="http://schemas.microsoft.com/office/drawing/2014/main" id="{6F0BE832-07CA-4F3C-923F-5BB3C52D6299}"/>
               </a:ext>
             </a:extLst>
           </p:cNvPr>
@@ -1135,7 +1135,7 @@
           <p:cNvPr id="4" name="날짜 개체 틀 3">
             <a:extLst>
               <a:ext uri="{FF2B5EF4-FFF2-40B4-BE49-F238E27FC236}">
-                <a16:creationId xmlns="" xmlns:a16="http://schemas.microsoft.com/office/drawing/2014/main" id="{1C7AF9C5-EB7A-4672-BCE9-A3E1E16B8029}"/>
+                <a16:creationId xmlns:a16="http://schemas.microsoft.com/office/drawing/2014/main" id="{1C7AF9C5-EB7A-4672-BCE9-A3E1E16B8029}"/>
               </a:ext>
             </a:extLst>
           </p:cNvPr>
@@ -1153,7 +1153,7 @@
           <a:p>
             <a:fld id="{5858DE85-2A6A-430C-A9BC-549214584F34}" type="datetimeFigureOut">
               <a:rPr lang="ko-KR" altLang="en-US" smtClean="0"/>
-              <a:t>2021-10-08</a:t>
+              <a:t>2021-10-11</a:t>
             </a:fld>
             <a:endParaRPr lang="ko-KR" altLang="en-US"/>
           </a:p>
@@ -1164,7 +1164,7 @@
           <p:cNvPr id="5" name="바닥글 개체 틀 4">
             <a:extLst>
               <a:ext uri="{FF2B5EF4-FFF2-40B4-BE49-F238E27FC236}">
-                <a16:creationId xmlns="" xmlns:a16="http://schemas.microsoft.com/office/drawing/2014/main" id="{4DFED39D-4B7C-4E66-8824-03C629271E1C}"/>
+                <a16:creationId xmlns:a16="http://schemas.microsoft.com/office/drawing/2014/main" id="{4DFED39D-4B7C-4E66-8824-03C629271E1C}"/>
               </a:ext>
             </a:extLst>
           </p:cNvPr>
@@ -1189,7 +1189,7 @@
           <p:cNvPr id="6" name="슬라이드 번호 개체 틀 5">
             <a:extLst>
               <a:ext uri="{FF2B5EF4-FFF2-40B4-BE49-F238E27FC236}">
-                <a16:creationId xmlns="" xmlns:a16="http://schemas.microsoft.com/office/drawing/2014/main" id="{FEAB4350-49AE-4FE9-8345-56D934F368B4}"/>
+                <a16:creationId xmlns:a16="http://schemas.microsoft.com/office/drawing/2014/main" id="{FEAB4350-49AE-4FE9-8345-56D934F368B4}"/>
               </a:ext>
             </a:extLst>
           </p:cNvPr>
@@ -1248,7 +1248,7 @@
           <p:cNvPr id="2" name="제목 1">
             <a:extLst>
               <a:ext uri="{FF2B5EF4-FFF2-40B4-BE49-F238E27FC236}">
-                <a16:creationId xmlns="" xmlns:a16="http://schemas.microsoft.com/office/drawing/2014/main" id="{C37873CE-DDA6-4D44-BBA2-A287BBBE5CA8}"/>
+                <a16:creationId xmlns:a16="http://schemas.microsoft.com/office/drawing/2014/main" id="{C37873CE-DDA6-4D44-BBA2-A287BBBE5CA8}"/>
               </a:ext>
             </a:extLst>
           </p:cNvPr>
@@ -1276,7 +1276,7 @@
           <p:cNvPr id="3" name="내용 개체 틀 2">
             <a:extLst>
               <a:ext uri="{FF2B5EF4-FFF2-40B4-BE49-F238E27FC236}">
-                <a16:creationId xmlns="" xmlns:a16="http://schemas.microsoft.com/office/drawing/2014/main" id="{44DD605C-74E3-4FA1-B111-4B9ED46AF4D4}"/>
+                <a16:creationId xmlns:a16="http://schemas.microsoft.com/office/drawing/2014/main" id="{44DD605C-74E3-4FA1-B111-4B9ED46AF4D4}"/>
               </a:ext>
             </a:extLst>
           </p:cNvPr>
@@ -1338,7 +1338,7 @@
           <p:cNvPr id="4" name="내용 개체 틀 3">
             <a:extLst>
               <a:ext uri="{FF2B5EF4-FFF2-40B4-BE49-F238E27FC236}">
-                <a16:creationId xmlns="" xmlns:a16="http://schemas.microsoft.com/office/drawing/2014/main" id="{57562880-6033-4A96-89A6-47C4D58E1CD8}"/>
+                <a16:creationId xmlns:a16="http://schemas.microsoft.com/office/drawing/2014/main" id="{57562880-6033-4A96-89A6-47C4D58E1CD8}"/>
               </a:ext>
             </a:extLst>
           </p:cNvPr>
@@ -1400,7 +1400,7 @@
           <p:cNvPr id="5" name="날짜 개체 틀 4">
             <a:extLst>
               <a:ext uri="{FF2B5EF4-FFF2-40B4-BE49-F238E27FC236}">
-                <a16:creationId xmlns="" xmlns:a16="http://schemas.microsoft.com/office/drawing/2014/main" id="{2422EF54-9606-4D32-8B08-BA6AA69E665E}"/>
+                <a16:creationId xmlns:a16="http://schemas.microsoft.com/office/drawing/2014/main" id="{2422EF54-9606-4D32-8B08-BA6AA69E665E}"/>
               </a:ext>
             </a:extLst>
           </p:cNvPr>
@@ -1418,7 +1418,7 @@
           <a:p>
             <a:fld id="{5858DE85-2A6A-430C-A9BC-549214584F34}" type="datetimeFigureOut">
               <a:rPr lang="ko-KR" altLang="en-US" smtClean="0"/>
-              <a:t>2021-10-08</a:t>
+              <a:t>2021-10-11</a:t>
             </a:fld>
             <a:endParaRPr lang="ko-KR" altLang="en-US"/>
           </a:p>
@@ -1429,7 +1429,7 @@
           <p:cNvPr id="6" name="바닥글 개체 틀 5">
             <a:extLst>
               <a:ext uri="{FF2B5EF4-FFF2-40B4-BE49-F238E27FC236}">
-                <a16:creationId xmlns="" xmlns:a16="http://schemas.microsoft.com/office/drawing/2014/main" id="{6E71D484-0368-4830-BCFE-0C5AFE8C288E}"/>
+                <a16:creationId xmlns:a16="http://schemas.microsoft.com/office/drawing/2014/main" id="{6E71D484-0368-4830-BCFE-0C5AFE8C288E}"/>
               </a:ext>
             </a:extLst>
           </p:cNvPr>
@@ -1454,7 +1454,7 @@
           <p:cNvPr id="7" name="슬라이드 번호 개체 틀 6">
             <a:extLst>
               <a:ext uri="{FF2B5EF4-FFF2-40B4-BE49-F238E27FC236}">
-                <a16:creationId xmlns="" xmlns:a16="http://schemas.microsoft.com/office/drawing/2014/main" id="{3AC7AEE1-54AE-44F0-B7A8-0AD12D72707F}"/>
+                <a16:creationId xmlns:a16="http://schemas.microsoft.com/office/drawing/2014/main" id="{3AC7AEE1-54AE-44F0-B7A8-0AD12D72707F}"/>
               </a:ext>
             </a:extLst>
           </p:cNvPr>
@@ -1513,7 +1513,7 @@
           <p:cNvPr id="2" name="제목 1">
             <a:extLst>
               <a:ext uri="{FF2B5EF4-FFF2-40B4-BE49-F238E27FC236}">
-                <a16:creationId xmlns="" xmlns:a16="http://schemas.microsoft.com/office/drawing/2014/main" id="{7B48A831-A1D5-4671-8B43-967803DA920A}"/>
+                <a16:creationId xmlns:a16="http://schemas.microsoft.com/office/drawing/2014/main" id="{7B48A831-A1D5-4671-8B43-967803DA920A}"/>
               </a:ext>
             </a:extLst>
           </p:cNvPr>
@@ -1546,7 +1546,7 @@
           <p:cNvPr id="3" name="텍스트 개체 틀 2">
             <a:extLst>
               <a:ext uri="{FF2B5EF4-FFF2-40B4-BE49-F238E27FC236}">
-                <a16:creationId xmlns="" xmlns:a16="http://schemas.microsoft.com/office/drawing/2014/main" id="{9F35C56A-957F-4316-8FA1-C16968E57441}"/>
+                <a16:creationId xmlns:a16="http://schemas.microsoft.com/office/drawing/2014/main" id="{9F35C56A-957F-4316-8FA1-C16968E57441}"/>
               </a:ext>
             </a:extLst>
           </p:cNvPr>
@@ -1617,7 +1617,7 @@
           <p:cNvPr id="4" name="내용 개체 틀 3">
             <a:extLst>
               <a:ext uri="{FF2B5EF4-FFF2-40B4-BE49-F238E27FC236}">
-                <a16:creationId xmlns="" xmlns:a16="http://schemas.microsoft.com/office/drawing/2014/main" id="{C0A9048E-8D0B-4618-A70F-2039FDB1DDCA}"/>
+                <a16:creationId xmlns:a16="http://schemas.microsoft.com/office/drawing/2014/main" id="{C0A9048E-8D0B-4618-A70F-2039FDB1DDCA}"/>
               </a:ext>
             </a:extLst>
           </p:cNvPr>
@@ -1679,7 +1679,7 @@
           <p:cNvPr id="5" name="텍스트 개체 틀 4">
             <a:extLst>
               <a:ext uri="{FF2B5EF4-FFF2-40B4-BE49-F238E27FC236}">
-                <a16:creationId xmlns="" xmlns:a16="http://schemas.microsoft.com/office/drawing/2014/main" id="{D7FF200E-126F-426E-998E-145CC2FC29E2}"/>
+                <a16:creationId xmlns:a16="http://schemas.microsoft.com/office/drawing/2014/main" id="{D7FF200E-126F-426E-998E-145CC2FC29E2}"/>
               </a:ext>
             </a:extLst>
           </p:cNvPr>
@@ -1750,7 +1750,7 @@
           <p:cNvPr id="6" name="내용 개체 틀 5">
             <a:extLst>
               <a:ext uri="{FF2B5EF4-FFF2-40B4-BE49-F238E27FC236}">
-                <a16:creationId xmlns="" xmlns:a16="http://schemas.microsoft.com/office/drawing/2014/main" id="{FB9AAE00-11E9-4F13-BF3E-6A0A2717C633}"/>
+                <a16:creationId xmlns:a16="http://schemas.microsoft.com/office/drawing/2014/main" id="{FB9AAE00-11E9-4F13-BF3E-6A0A2717C633}"/>
               </a:ext>
             </a:extLst>
           </p:cNvPr>
@@ -1812,7 +1812,7 @@
           <p:cNvPr id="7" name="날짜 개체 틀 6">
             <a:extLst>
               <a:ext uri="{FF2B5EF4-FFF2-40B4-BE49-F238E27FC236}">
-                <a16:creationId xmlns="" xmlns:a16="http://schemas.microsoft.com/office/drawing/2014/main" id="{50058011-97DC-464A-832C-7262C0671FB9}"/>
+                <a16:creationId xmlns:a16="http://schemas.microsoft.com/office/drawing/2014/main" id="{50058011-97DC-464A-832C-7262C0671FB9}"/>
               </a:ext>
             </a:extLst>
           </p:cNvPr>
@@ -1830,7 +1830,7 @@
           <a:p>
             <a:fld id="{5858DE85-2A6A-430C-A9BC-549214584F34}" type="datetimeFigureOut">
               <a:rPr lang="ko-KR" altLang="en-US" smtClean="0"/>
-              <a:t>2021-10-08</a:t>
+              <a:t>2021-10-11</a:t>
             </a:fld>
             <a:endParaRPr lang="ko-KR" altLang="en-US"/>
           </a:p>
@@ -1841,7 +1841,7 @@
           <p:cNvPr id="8" name="바닥글 개체 틀 7">
             <a:extLst>
               <a:ext uri="{FF2B5EF4-FFF2-40B4-BE49-F238E27FC236}">
-                <a16:creationId xmlns="" xmlns:a16="http://schemas.microsoft.com/office/drawing/2014/main" id="{9CA09AC8-CE28-47FA-A5F7-AAFA78B8BC09}"/>
+                <a16:creationId xmlns:a16="http://schemas.microsoft.com/office/drawing/2014/main" id="{9CA09AC8-CE28-47FA-A5F7-AAFA78B8BC09}"/>
               </a:ext>
             </a:extLst>
           </p:cNvPr>
@@ -1866,7 +1866,7 @@
           <p:cNvPr id="9" name="슬라이드 번호 개체 틀 8">
             <a:extLst>
               <a:ext uri="{FF2B5EF4-FFF2-40B4-BE49-F238E27FC236}">
-                <a16:creationId xmlns="" xmlns:a16="http://schemas.microsoft.com/office/drawing/2014/main" id="{A33CEF56-B049-4E8C-9372-5B2542F04249}"/>
+                <a16:creationId xmlns:a16="http://schemas.microsoft.com/office/drawing/2014/main" id="{A33CEF56-B049-4E8C-9372-5B2542F04249}"/>
               </a:ext>
             </a:extLst>
           </p:cNvPr>
@@ -1925,7 +1925,7 @@
           <p:cNvPr id="2" name="제목 1">
             <a:extLst>
               <a:ext uri="{FF2B5EF4-FFF2-40B4-BE49-F238E27FC236}">
-                <a16:creationId xmlns="" xmlns:a16="http://schemas.microsoft.com/office/drawing/2014/main" id="{5CA2070E-7A7F-456F-9008-A48510B2E09C}"/>
+                <a16:creationId xmlns:a16="http://schemas.microsoft.com/office/drawing/2014/main" id="{5CA2070E-7A7F-456F-9008-A48510B2E09C}"/>
               </a:ext>
             </a:extLst>
           </p:cNvPr>
@@ -1953,7 +1953,7 @@
           <p:cNvPr id="3" name="날짜 개체 틀 2">
             <a:extLst>
               <a:ext uri="{FF2B5EF4-FFF2-40B4-BE49-F238E27FC236}">
-                <a16:creationId xmlns="" xmlns:a16="http://schemas.microsoft.com/office/drawing/2014/main" id="{A7300D0B-D6DB-4312-9838-73D83455570D}"/>
+                <a16:creationId xmlns:a16="http://schemas.microsoft.com/office/drawing/2014/main" id="{A7300D0B-D6DB-4312-9838-73D83455570D}"/>
               </a:ext>
             </a:extLst>
           </p:cNvPr>
@@ -1971,7 +1971,7 @@
           <a:p>
             <a:fld id="{5858DE85-2A6A-430C-A9BC-549214584F34}" type="datetimeFigureOut">
               <a:rPr lang="ko-KR" altLang="en-US" smtClean="0"/>
-              <a:t>2021-10-08</a:t>
+              <a:t>2021-10-11</a:t>
             </a:fld>
             <a:endParaRPr lang="ko-KR" altLang="en-US"/>
           </a:p>
@@ -1982,7 +1982,7 @@
           <p:cNvPr id="4" name="바닥글 개체 틀 3">
             <a:extLst>
               <a:ext uri="{FF2B5EF4-FFF2-40B4-BE49-F238E27FC236}">
-                <a16:creationId xmlns="" xmlns:a16="http://schemas.microsoft.com/office/drawing/2014/main" id="{D7022E40-2B56-45E9-97A3-DA2E82B26BE2}"/>
+                <a16:creationId xmlns:a16="http://schemas.microsoft.com/office/drawing/2014/main" id="{D7022E40-2B56-45E9-97A3-DA2E82B26BE2}"/>
               </a:ext>
             </a:extLst>
           </p:cNvPr>
@@ -2007,7 +2007,7 @@
           <p:cNvPr id="5" name="슬라이드 번호 개체 틀 4">
             <a:extLst>
               <a:ext uri="{FF2B5EF4-FFF2-40B4-BE49-F238E27FC236}">
-                <a16:creationId xmlns="" xmlns:a16="http://schemas.microsoft.com/office/drawing/2014/main" id="{54AFAF0F-A3EF-4526-A796-3172239E9A2D}"/>
+                <a16:creationId xmlns:a16="http://schemas.microsoft.com/office/drawing/2014/main" id="{54AFAF0F-A3EF-4526-A796-3172239E9A2D}"/>
               </a:ext>
             </a:extLst>
           </p:cNvPr>
@@ -2066,7 +2066,7 @@
           <p:cNvPr id="2" name="날짜 개체 틀 1">
             <a:extLst>
               <a:ext uri="{FF2B5EF4-FFF2-40B4-BE49-F238E27FC236}">
-                <a16:creationId xmlns="" xmlns:a16="http://schemas.microsoft.com/office/drawing/2014/main" id="{8C9E685E-FC57-40B1-B0FC-425E17C4D6E7}"/>
+                <a16:creationId xmlns:a16="http://schemas.microsoft.com/office/drawing/2014/main" id="{8C9E685E-FC57-40B1-B0FC-425E17C4D6E7}"/>
               </a:ext>
             </a:extLst>
           </p:cNvPr>
@@ -2084,7 +2084,7 @@
           <a:p>
             <a:fld id="{5858DE85-2A6A-430C-A9BC-549214584F34}" type="datetimeFigureOut">
               <a:rPr lang="ko-KR" altLang="en-US" smtClean="0"/>
-              <a:t>2021-10-08</a:t>
+              <a:t>2021-10-11</a:t>
             </a:fld>
             <a:endParaRPr lang="ko-KR" altLang="en-US"/>
           </a:p>
@@ -2095,7 +2095,7 @@
           <p:cNvPr id="3" name="바닥글 개체 틀 2">
             <a:extLst>
               <a:ext uri="{FF2B5EF4-FFF2-40B4-BE49-F238E27FC236}">
-                <a16:creationId xmlns="" xmlns:a16="http://schemas.microsoft.com/office/drawing/2014/main" id="{B350D64A-8646-45F7-9D24-6185DE4720D4}"/>
+                <a16:creationId xmlns:a16="http://schemas.microsoft.com/office/drawing/2014/main" id="{B350D64A-8646-45F7-9D24-6185DE4720D4}"/>
               </a:ext>
             </a:extLst>
           </p:cNvPr>
@@ -2120,7 +2120,7 @@
           <p:cNvPr id="4" name="슬라이드 번호 개체 틀 3">
             <a:extLst>
               <a:ext uri="{FF2B5EF4-FFF2-40B4-BE49-F238E27FC236}">
-                <a16:creationId xmlns="" xmlns:a16="http://schemas.microsoft.com/office/drawing/2014/main" id="{C237BFDC-D761-4E0C-A0CC-C07EAC9053AE}"/>
+                <a16:creationId xmlns:a16="http://schemas.microsoft.com/office/drawing/2014/main" id="{C237BFDC-D761-4E0C-A0CC-C07EAC9053AE}"/>
               </a:ext>
             </a:extLst>
           </p:cNvPr>
@@ -2179,7 +2179,7 @@
           <p:cNvPr id="2" name="제목 1">
             <a:extLst>
               <a:ext uri="{FF2B5EF4-FFF2-40B4-BE49-F238E27FC236}">
-                <a16:creationId xmlns="" xmlns:a16="http://schemas.microsoft.com/office/drawing/2014/main" id="{6019B54C-4FE2-4961-A677-097255DADF9C}"/>
+                <a16:creationId xmlns:a16="http://schemas.microsoft.com/office/drawing/2014/main" id="{6019B54C-4FE2-4961-A677-097255DADF9C}"/>
               </a:ext>
             </a:extLst>
           </p:cNvPr>
@@ -2216,7 +2216,7 @@
           <p:cNvPr id="3" name="내용 개체 틀 2">
             <a:extLst>
               <a:ext uri="{FF2B5EF4-FFF2-40B4-BE49-F238E27FC236}">
-                <a16:creationId xmlns="" xmlns:a16="http://schemas.microsoft.com/office/drawing/2014/main" id="{CA209EC0-F5AF-42DE-A8EC-950BF1C0128F}"/>
+                <a16:creationId xmlns:a16="http://schemas.microsoft.com/office/drawing/2014/main" id="{CA209EC0-F5AF-42DE-A8EC-950BF1C0128F}"/>
               </a:ext>
             </a:extLst>
           </p:cNvPr>
@@ -2306,7 +2306,7 @@
           <p:cNvPr id="4" name="텍스트 개체 틀 3">
             <a:extLst>
               <a:ext uri="{FF2B5EF4-FFF2-40B4-BE49-F238E27FC236}">
-                <a16:creationId xmlns="" xmlns:a16="http://schemas.microsoft.com/office/drawing/2014/main" id="{B24F7AA7-12EA-4C8B-9861-200416896215}"/>
+                <a16:creationId xmlns:a16="http://schemas.microsoft.com/office/drawing/2014/main" id="{B24F7AA7-12EA-4C8B-9861-200416896215}"/>
               </a:ext>
             </a:extLst>
           </p:cNvPr>
@@ -2377,7 +2377,7 @@
           <p:cNvPr id="5" name="날짜 개체 틀 4">
             <a:extLst>
               <a:ext uri="{FF2B5EF4-FFF2-40B4-BE49-F238E27FC236}">
-                <a16:creationId xmlns="" xmlns:a16="http://schemas.microsoft.com/office/drawing/2014/main" id="{67558371-6CAC-4EC1-9D6D-E9646E582152}"/>
+                <a16:creationId xmlns:a16="http://schemas.microsoft.com/office/drawing/2014/main" id="{67558371-6CAC-4EC1-9D6D-E9646E582152}"/>
               </a:ext>
             </a:extLst>
           </p:cNvPr>
@@ -2395,7 +2395,7 @@
           <a:p>
             <a:fld id="{5858DE85-2A6A-430C-A9BC-549214584F34}" type="datetimeFigureOut">
               <a:rPr lang="ko-KR" altLang="en-US" smtClean="0"/>
-              <a:t>2021-10-08</a:t>
+              <a:t>2021-10-11</a:t>
             </a:fld>
             <a:endParaRPr lang="ko-KR" altLang="en-US"/>
           </a:p>
@@ -2406,7 +2406,7 @@
           <p:cNvPr id="6" name="바닥글 개체 틀 5">
             <a:extLst>
               <a:ext uri="{FF2B5EF4-FFF2-40B4-BE49-F238E27FC236}">
-                <a16:creationId xmlns="" xmlns:a16="http://schemas.microsoft.com/office/drawing/2014/main" id="{F1BDE4F8-90BE-4A7C-999E-2FFB3AA3ED6D}"/>
+                <a16:creationId xmlns:a16="http://schemas.microsoft.com/office/drawing/2014/main" id="{F1BDE4F8-90BE-4A7C-999E-2FFB3AA3ED6D}"/>
               </a:ext>
             </a:extLst>
           </p:cNvPr>
@@ -2431,7 +2431,7 @@
           <p:cNvPr id="7" name="슬라이드 번호 개체 틀 6">
             <a:extLst>
               <a:ext uri="{FF2B5EF4-FFF2-40B4-BE49-F238E27FC236}">
-                <a16:creationId xmlns="" xmlns:a16="http://schemas.microsoft.com/office/drawing/2014/main" id="{0A64F9CB-33EA-4E43-8702-5358554BE3B8}"/>
+                <a16:creationId xmlns:a16="http://schemas.microsoft.com/office/drawing/2014/main" id="{0A64F9CB-33EA-4E43-8702-5358554BE3B8}"/>
               </a:ext>
             </a:extLst>
           </p:cNvPr>
@@ -2490,7 +2490,7 @@
           <p:cNvPr id="2" name="제목 1">
             <a:extLst>
               <a:ext uri="{FF2B5EF4-FFF2-40B4-BE49-F238E27FC236}">
-                <a16:creationId xmlns="" xmlns:a16="http://schemas.microsoft.com/office/drawing/2014/main" id="{A77741BA-1679-404A-B154-81C694B2F0D1}"/>
+                <a16:creationId xmlns:a16="http://schemas.microsoft.com/office/drawing/2014/main" id="{A77741BA-1679-404A-B154-81C694B2F0D1}"/>
               </a:ext>
             </a:extLst>
           </p:cNvPr>
@@ -2527,7 +2527,7 @@
           <p:cNvPr id="3" name="그림 개체 틀 2">
             <a:extLst>
               <a:ext uri="{FF2B5EF4-FFF2-40B4-BE49-F238E27FC236}">
-                <a16:creationId xmlns="" xmlns:a16="http://schemas.microsoft.com/office/drawing/2014/main" id="{2C27C8EB-2C51-424F-A324-761DDD5395F3}"/>
+                <a16:creationId xmlns:a16="http://schemas.microsoft.com/office/drawing/2014/main" id="{2C27C8EB-2C51-424F-A324-761DDD5395F3}"/>
               </a:ext>
             </a:extLst>
           </p:cNvPr>
@@ -2594,7 +2594,7 @@
           <p:cNvPr id="4" name="텍스트 개체 틀 3">
             <a:extLst>
               <a:ext uri="{FF2B5EF4-FFF2-40B4-BE49-F238E27FC236}">
-                <a16:creationId xmlns="" xmlns:a16="http://schemas.microsoft.com/office/drawing/2014/main" id="{35F79E8A-4605-41ED-8484-960D8CB4CE06}"/>
+                <a16:creationId xmlns:a16="http://schemas.microsoft.com/office/drawing/2014/main" id="{35F79E8A-4605-41ED-8484-960D8CB4CE06}"/>
               </a:ext>
             </a:extLst>
           </p:cNvPr>
@@ -2665,7 +2665,7 @@
           <p:cNvPr id="5" name="날짜 개체 틀 4">
             <a:extLst>
               <a:ext uri="{FF2B5EF4-FFF2-40B4-BE49-F238E27FC236}">
-                <a16:creationId xmlns="" xmlns:a16="http://schemas.microsoft.com/office/drawing/2014/main" id="{D8129A4D-F4A0-418B-B127-DF10DE5670C1}"/>
+                <a16:creationId xmlns:a16="http://schemas.microsoft.com/office/drawing/2014/main" id="{D8129A4D-F4A0-418B-B127-DF10DE5670C1}"/>
               </a:ext>
             </a:extLst>
           </p:cNvPr>
@@ -2683,7 +2683,7 @@
           <a:p>
             <a:fld id="{5858DE85-2A6A-430C-A9BC-549214584F34}" type="datetimeFigureOut">
               <a:rPr lang="ko-KR" altLang="en-US" smtClean="0"/>
-              <a:t>2021-10-08</a:t>
+              <a:t>2021-10-11</a:t>
             </a:fld>
             <a:endParaRPr lang="ko-KR" altLang="en-US"/>
           </a:p>
@@ -2694,7 +2694,7 @@
           <p:cNvPr id="6" name="바닥글 개체 틀 5">
             <a:extLst>
               <a:ext uri="{FF2B5EF4-FFF2-40B4-BE49-F238E27FC236}">
-                <a16:creationId xmlns="" xmlns:a16="http://schemas.microsoft.com/office/drawing/2014/main" id="{026D326D-D317-49F6-A59C-501411ACF023}"/>
+                <a16:creationId xmlns:a16="http://schemas.microsoft.com/office/drawing/2014/main" id="{026D326D-D317-49F6-A59C-501411ACF023}"/>
               </a:ext>
             </a:extLst>
           </p:cNvPr>
@@ -2719,7 +2719,7 @@
           <p:cNvPr id="7" name="슬라이드 번호 개체 틀 6">
             <a:extLst>
               <a:ext uri="{FF2B5EF4-FFF2-40B4-BE49-F238E27FC236}">
-                <a16:creationId xmlns="" xmlns:a16="http://schemas.microsoft.com/office/drawing/2014/main" id="{127BD735-79A8-4BAB-BC62-922A90A687C2}"/>
+                <a16:creationId xmlns:a16="http://schemas.microsoft.com/office/drawing/2014/main" id="{127BD735-79A8-4BAB-BC62-922A90A687C2}"/>
               </a:ext>
             </a:extLst>
           </p:cNvPr>
@@ -2783,7 +2783,7 @@
           <p:cNvPr id="2" name="제목 개체 틀 1">
             <a:extLst>
               <a:ext uri="{FF2B5EF4-FFF2-40B4-BE49-F238E27FC236}">
-                <a16:creationId xmlns="" xmlns:a16="http://schemas.microsoft.com/office/drawing/2014/main" id="{1F83D5D1-BDE6-4821-8E61-245990BC95FA}"/>
+                <a16:creationId xmlns:a16="http://schemas.microsoft.com/office/drawing/2014/main" id="{1F83D5D1-BDE6-4821-8E61-245990BC95FA}"/>
               </a:ext>
             </a:extLst>
           </p:cNvPr>
@@ -2821,7 +2821,7 @@
           <p:cNvPr id="3" name="텍스트 개체 틀 2">
             <a:extLst>
               <a:ext uri="{FF2B5EF4-FFF2-40B4-BE49-F238E27FC236}">
-                <a16:creationId xmlns="" xmlns:a16="http://schemas.microsoft.com/office/drawing/2014/main" id="{59097062-9408-48C2-9F82-B3B9AB221076}"/>
+                <a16:creationId xmlns:a16="http://schemas.microsoft.com/office/drawing/2014/main" id="{59097062-9408-48C2-9F82-B3B9AB221076}"/>
               </a:ext>
             </a:extLst>
           </p:cNvPr>
@@ -2888,7 +2888,7 @@
           <p:cNvPr id="4" name="날짜 개체 틀 3">
             <a:extLst>
               <a:ext uri="{FF2B5EF4-FFF2-40B4-BE49-F238E27FC236}">
-                <a16:creationId xmlns="" xmlns:a16="http://schemas.microsoft.com/office/drawing/2014/main" id="{7BD56D38-DB0C-4D0C-B04A-E826D9878BBE}"/>
+                <a16:creationId xmlns:a16="http://schemas.microsoft.com/office/drawing/2014/main" id="{7BD56D38-DB0C-4D0C-B04A-E826D9878BBE}"/>
               </a:ext>
             </a:extLst>
           </p:cNvPr>
@@ -2924,7 +2924,7 @@
           <a:p>
             <a:fld id="{5858DE85-2A6A-430C-A9BC-549214584F34}" type="datetimeFigureOut">
               <a:rPr lang="ko-KR" altLang="en-US" smtClean="0"/>
-              <a:t>2021-10-08</a:t>
+              <a:t>2021-10-11</a:t>
             </a:fld>
             <a:endParaRPr lang="ko-KR" altLang="en-US"/>
           </a:p>
@@ -2935,7 +2935,7 @@
           <p:cNvPr id="5" name="바닥글 개체 틀 4">
             <a:extLst>
               <a:ext uri="{FF2B5EF4-FFF2-40B4-BE49-F238E27FC236}">
-                <a16:creationId xmlns="" xmlns:a16="http://schemas.microsoft.com/office/drawing/2014/main" id="{B5440CBB-E817-46B7-9ABA-20DA0F1D5E1E}"/>
+                <a16:creationId xmlns:a16="http://schemas.microsoft.com/office/drawing/2014/main" id="{B5440CBB-E817-46B7-9ABA-20DA0F1D5E1E}"/>
               </a:ext>
             </a:extLst>
           </p:cNvPr>
@@ -2978,7 +2978,7 @@
           <p:cNvPr id="6" name="슬라이드 번호 개체 틀 5">
             <a:extLst>
               <a:ext uri="{FF2B5EF4-FFF2-40B4-BE49-F238E27FC236}">
-                <a16:creationId xmlns="" xmlns:a16="http://schemas.microsoft.com/office/drawing/2014/main" id="{0ECAD4A1-23F4-4DF1-B8D5-696600662A8A}"/>
+                <a16:creationId xmlns:a16="http://schemas.microsoft.com/office/drawing/2014/main" id="{0ECAD4A1-23F4-4DF1-B8D5-696600662A8A}"/>
               </a:ext>
             </a:extLst>
           </p:cNvPr>
@@ -3346,7 +3346,7 @@
           <p:cNvPr id="4" name="직사각형 3">
             <a:extLst>
               <a:ext uri="{FF2B5EF4-FFF2-40B4-BE49-F238E27FC236}">
-                <a16:creationId xmlns="" xmlns:a16="http://schemas.microsoft.com/office/drawing/2014/main" id="{B2C92360-C33A-46F9-82BD-6D910E205878}"/>
+                <a16:creationId xmlns:a16="http://schemas.microsoft.com/office/drawing/2014/main" id="{B2C92360-C33A-46F9-82BD-6D910E205878}"/>
               </a:ext>
             </a:extLst>
           </p:cNvPr>
@@ -3400,7 +3400,7 @@
           <p:cNvPr id="5" name="직사각형 4">
             <a:extLst>
               <a:ext uri="{FF2B5EF4-FFF2-40B4-BE49-F238E27FC236}">
-                <a16:creationId xmlns="" xmlns:a16="http://schemas.microsoft.com/office/drawing/2014/main" id="{4FB6433F-953A-4346-AC70-45B76AD05C8B}"/>
+                <a16:creationId xmlns:a16="http://schemas.microsoft.com/office/drawing/2014/main" id="{4FB6433F-953A-4346-AC70-45B76AD05C8B}"/>
               </a:ext>
             </a:extLst>
           </p:cNvPr>
@@ -3454,7 +3454,7 @@
           <p:cNvPr id="8" name="TextBox 7">
             <a:extLst>
               <a:ext uri="{FF2B5EF4-FFF2-40B4-BE49-F238E27FC236}">
-                <a16:creationId xmlns="" xmlns:a16="http://schemas.microsoft.com/office/drawing/2014/main" id="{E48E7EFC-F9E0-48BD-8B54-2E5F951D1CB3}"/>
+                <a16:creationId xmlns:a16="http://schemas.microsoft.com/office/drawing/2014/main" id="{E48E7EFC-F9E0-48BD-8B54-2E5F951D1CB3}"/>
               </a:ext>
             </a:extLst>
           </p:cNvPr>
@@ -3495,7 +3495,7 @@
           <p:cNvPr id="12" name="직선 화살표 연결선 11">
             <a:extLst>
               <a:ext uri="{FF2B5EF4-FFF2-40B4-BE49-F238E27FC236}">
-                <a16:creationId xmlns="" xmlns:a16="http://schemas.microsoft.com/office/drawing/2014/main" id="{FAB7B8ED-3857-4F21-B06C-97791FD8A429}"/>
+                <a16:creationId xmlns:a16="http://schemas.microsoft.com/office/drawing/2014/main" id="{FAB7B8ED-3857-4F21-B06C-97791FD8A429}"/>
               </a:ext>
             </a:extLst>
           </p:cNvPr>
@@ -3538,7 +3538,7 @@
           <p:cNvPr id="14" name="직선 화살표 연결선 13">
             <a:extLst>
               <a:ext uri="{FF2B5EF4-FFF2-40B4-BE49-F238E27FC236}">
-                <a16:creationId xmlns="" xmlns:a16="http://schemas.microsoft.com/office/drawing/2014/main" id="{9A902761-F6DE-4CE8-A657-2B37F0C8B5A9}"/>
+                <a16:creationId xmlns:a16="http://schemas.microsoft.com/office/drawing/2014/main" id="{9A902761-F6DE-4CE8-A657-2B37F0C8B5A9}"/>
               </a:ext>
             </a:extLst>
           </p:cNvPr>
@@ -3582,7 +3582,7 @@
           <p:cNvPr id="17" name="TextBox 16">
             <a:extLst>
               <a:ext uri="{FF2B5EF4-FFF2-40B4-BE49-F238E27FC236}">
-                <a16:creationId xmlns="" xmlns:a16="http://schemas.microsoft.com/office/drawing/2014/main" id="{46C66031-426C-4DB4-8EF5-7E998E41EFC2}"/>
+                <a16:creationId xmlns:a16="http://schemas.microsoft.com/office/drawing/2014/main" id="{46C66031-426C-4DB4-8EF5-7E998E41EFC2}"/>
               </a:ext>
             </a:extLst>
           </p:cNvPr>
@@ -3623,7 +3623,7 @@
           <p:cNvPr id="47" name="그룹 46">
             <a:extLst>
               <a:ext uri="{FF2B5EF4-FFF2-40B4-BE49-F238E27FC236}">
-                <a16:creationId xmlns="" xmlns:a16="http://schemas.microsoft.com/office/drawing/2014/main" id="{496C623F-ED03-4A00-AF6D-859D9CAD995F}"/>
+                <a16:creationId xmlns:a16="http://schemas.microsoft.com/office/drawing/2014/main" id="{496C623F-ED03-4A00-AF6D-859D9CAD995F}"/>
               </a:ext>
             </a:extLst>
           </p:cNvPr>
@@ -3643,7 +3643,7 @@
             <p:cNvPr id="34" name="타원 33">
               <a:extLst>
                 <a:ext uri="{FF2B5EF4-FFF2-40B4-BE49-F238E27FC236}">
-                  <a16:creationId xmlns="" xmlns:a16="http://schemas.microsoft.com/office/drawing/2014/main" id="{D0C18ABF-A9BC-4BFF-BC5A-5899A7053D01}"/>
+                  <a16:creationId xmlns:a16="http://schemas.microsoft.com/office/drawing/2014/main" id="{D0C18ABF-A9BC-4BFF-BC5A-5899A7053D01}"/>
                 </a:ext>
               </a:extLst>
             </p:cNvPr>
@@ -3697,7 +3697,7 @@
             <p:cNvPr id="26" name="직선 화살표 연결선 25">
               <a:extLst>
                 <a:ext uri="{FF2B5EF4-FFF2-40B4-BE49-F238E27FC236}">
-                  <a16:creationId xmlns="" xmlns:a16="http://schemas.microsoft.com/office/drawing/2014/main" id="{202B9AF5-EAC8-41D6-B4E1-52B26A002238}"/>
+                  <a16:creationId xmlns:a16="http://schemas.microsoft.com/office/drawing/2014/main" id="{202B9AF5-EAC8-41D6-B4E1-52B26A002238}"/>
                 </a:ext>
               </a:extLst>
             </p:cNvPr>
@@ -3740,7 +3740,7 @@
             <p:cNvPr id="30" name="TextBox 29">
               <a:extLst>
                 <a:ext uri="{FF2B5EF4-FFF2-40B4-BE49-F238E27FC236}">
-                  <a16:creationId xmlns="" xmlns:a16="http://schemas.microsoft.com/office/drawing/2014/main" id="{33B37D42-8896-4884-A09D-FCEA25C4B721}"/>
+                  <a16:creationId xmlns:a16="http://schemas.microsoft.com/office/drawing/2014/main" id="{33B37D42-8896-4884-A09D-FCEA25C4B721}"/>
                 </a:ext>
               </a:extLst>
             </p:cNvPr>
@@ -3782,7 +3782,7 @@
           <p:cNvPr id="46" name="그룹 45">
             <a:extLst>
               <a:ext uri="{FF2B5EF4-FFF2-40B4-BE49-F238E27FC236}">
-                <a16:creationId xmlns="" xmlns:a16="http://schemas.microsoft.com/office/drawing/2014/main" id="{52533F16-C1AF-45B8-8702-D42714D442F7}"/>
+                <a16:creationId xmlns:a16="http://schemas.microsoft.com/office/drawing/2014/main" id="{52533F16-C1AF-45B8-8702-D42714D442F7}"/>
               </a:ext>
             </a:extLst>
           </p:cNvPr>
@@ -3802,7 +3802,7 @@
             <p:cNvPr id="39" name="타원 38">
               <a:extLst>
                 <a:ext uri="{FF2B5EF4-FFF2-40B4-BE49-F238E27FC236}">
-                  <a16:creationId xmlns="" xmlns:a16="http://schemas.microsoft.com/office/drawing/2014/main" id="{22516CB0-4604-47F7-BF70-59D4BDA6FFB2}"/>
+                  <a16:creationId xmlns:a16="http://schemas.microsoft.com/office/drawing/2014/main" id="{22516CB0-4604-47F7-BF70-59D4BDA6FFB2}"/>
                 </a:ext>
               </a:extLst>
             </p:cNvPr>
@@ -3856,7 +3856,7 @@
             <p:cNvPr id="40" name="직선 화살표 연결선 39">
               <a:extLst>
                 <a:ext uri="{FF2B5EF4-FFF2-40B4-BE49-F238E27FC236}">
-                  <a16:creationId xmlns="" xmlns:a16="http://schemas.microsoft.com/office/drawing/2014/main" id="{AB0CE38D-2E8D-4AFE-9B60-84B22BE2E4B0}"/>
+                  <a16:creationId xmlns:a16="http://schemas.microsoft.com/office/drawing/2014/main" id="{AB0CE38D-2E8D-4AFE-9B60-84B22BE2E4B0}"/>
                 </a:ext>
               </a:extLst>
             </p:cNvPr>
@@ -3899,7 +3899,7 @@
             <p:cNvPr id="41" name="TextBox 40">
               <a:extLst>
                 <a:ext uri="{FF2B5EF4-FFF2-40B4-BE49-F238E27FC236}">
-                  <a16:creationId xmlns="" xmlns:a16="http://schemas.microsoft.com/office/drawing/2014/main" id="{88B770F8-3BFB-4D85-97F6-15BDCDF7D06E}"/>
+                  <a16:creationId xmlns:a16="http://schemas.microsoft.com/office/drawing/2014/main" id="{88B770F8-3BFB-4D85-97F6-15BDCDF7D06E}"/>
                 </a:ext>
               </a:extLst>
             </p:cNvPr>
@@ -3941,7 +3941,7 @@
           <p:cNvPr id="42" name="직선 화살표 연결선 41">
             <a:extLst>
               <a:ext uri="{FF2B5EF4-FFF2-40B4-BE49-F238E27FC236}">
-                <a16:creationId xmlns="" xmlns:a16="http://schemas.microsoft.com/office/drawing/2014/main" id="{25F6CD26-35DF-4E88-82B1-6CCEB9D1FC39}"/>
+                <a16:creationId xmlns:a16="http://schemas.microsoft.com/office/drawing/2014/main" id="{25F6CD26-35DF-4E88-82B1-6CCEB9D1FC39}"/>
               </a:ext>
             </a:extLst>
           </p:cNvPr>
@@ -3985,7 +3985,7 @@
           <p:cNvPr id="44" name="TextBox 43">
             <a:extLst>
               <a:ext uri="{FF2B5EF4-FFF2-40B4-BE49-F238E27FC236}">
-                <a16:creationId xmlns="" xmlns:a16="http://schemas.microsoft.com/office/drawing/2014/main" id="{2E7057CF-F415-4BF5-847E-CB091047DC42}"/>
+                <a16:creationId xmlns:a16="http://schemas.microsoft.com/office/drawing/2014/main" id="{2E7057CF-F415-4BF5-847E-CB091047DC42}"/>
               </a:ext>
             </a:extLst>
           </p:cNvPr>
@@ -4026,7 +4026,7 @@
           <p:cNvPr id="48" name="그룹 47">
             <a:extLst>
               <a:ext uri="{FF2B5EF4-FFF2-40B4-BE49-F238E27FC236}">
-                <a16:creationId xmlns="" xmlns:a16="http://schemas.microsoft.com/office/drawing/2014/main" id="{B60C2020-FC23-4335-A02A-BBE203EC230C}"/>
+                <a16:creationId xmlns:a16="http://schemas.microsoft.com/office/drawing/2014/main" id="{B60C2020-FC23-4335-A02A-BBE203EC230C}"/>
               </a:ext>
             </a:extLst>
           </p:cNvPr>
@@ -4046,7 +4046,7 @@
             <p:cNvPr id="49" name="타원 48">
               <a:extLst>
                 <a:ext uri="{FF2B5EF4-FFF2-40B4-BE49-F238E27FC236}">
-                  <a16:creationId xmlns="" xmlns:a16="http://schemas.microsoft.com/office/drawing/2014/main" id="{1B99A42C-10ED-42E0-8353-B623E0BC42FE}"/>
+                  <a16:creationId xmlns:a16="http://schemas.microsoft.com/office/drawing/2014/main" id="{1B99A42C-10ED-42E0-8353-B623E0BC42FE}"/>
                 </a:ext>
               </a:extLst>
             </p:cNvPr>
@@ -4100,7 +4100,7 @@
             <p:cNvPr id="50" name="직선 화살표 연결선 49">
               <a:extLst>
                 <a:ext uri="{FF2B5EF4-FFF2-40B4-BE49-F238E27FC236}">
-                  <a16:creationId xmlns="" xmlns:a16="http://schemas.microsoft.com/office/drawing/2014/main" id="{5CA10EF9-BFC2-45F6-BBBF-9395FD6A306E}"/>
+                  <a16:creationId xmlns:a16="http://schemas.microsoft.com/office/drawing/2014/main" id="{5CA10EF9-BFC2-45F6-BBBF-9395FD6A306E}"/>
                 </a:ext>
               </a:extLst>
             </p:cNvPr>
@@ -4143,7 +4143,7 @@
             <p:cNvPr id="51" name="TextBox 50">
               <a:extLst>
                 <a:ext uri="{FF2B5EF4-FFF2-40B4-BE49-F238E27FC236}">
-                  <a16:creationId xmlns="" xmlns:a16="http://schemas.microsoft.com/office/drawing/2014/main" id="{421E2104-6B87-41C5-B9B4-21D6EB0D5348}"/>
+                  <a16:creationId xmlns:a16="http://schemas.microsoft.com/office/drawing/2014/main" id="{421E2104-6B87-41C5-B9B4-21D6EB0D5348}"/>
                 </a:ext>
               </a:extLst>
             </p:cNvPr>
@@ -4185,7 +4185,7 @@
           <p:cNvPr id="52" name="직선 화살표 연결선 51">
             <a:extLst>
               <a:ext uri="{FF2B5EF4-FFF2-40B4-BE49-F238E27FC236}">
-                <a16:creationId xmlns="" xmlns:a16="http://schemas.microsoft.com/office/drawing/2014/main" id="{FA1A4E32-443E-4B91-844C-A0AB016C426B}"/>
+                <a16:creationId xmlns:a16="http://schemas.microsoft.com/office/drawing/2014/main" id="{FA1A4E32-443E-4B91-844C-A0AB016C426B}"/>
               </a:ext>
             </a:extLst>
           </p:cNvPr>
@@ -4229,7 +4229,7 @@
           <p:cNvPr id="55" name="TextBox 54">
             <a:extLst>
               <a:ext uri="{FF2B5EF4-FFF2-40B4-BE49-F238E27FC236}">
-                <a16:creationId xmlns="" xmlns:a16="http://schemas.microsoft.com/office/drawing/2014/main" id="{E1635862-17BD-45BC-B3CE-8D6FB3959D90}"/>
+                <a16:creationId xmlns:a16="http://schemas.microsoft.com/office/drawing/2014/main" id="{E1635862-17BD-45BC-B3CE-8D6FB3959D90}"/>
               </a:ext>
             </a:extLst>
           </p:cNvPr>
@@ -4270,7 +4270,7 @@
           <p:cNvPr id="59" name="직선 연결선 58">
             <a:extLst>
               <a:ext uri="{FF2B5EF4-FFF2-40B4-BE49-F238E27FC236}">
-                <a16:creationId xmlns="" xmlns:a16="http://schemas.microsoft.com/office/drawing/2014/main" id="{45D491AA-5BA8-403B-884D-7D6F633F7B2D}"/>
+                <a16:creationId xmlns:a16="http://schemas.microsoft.com/office/drawing/2014/main" id="{45D491AA-5BA8-403B-884D-7D6F633F7B2D}"/>
               </a:ext>
             </a:extLst>
           </p:cNvPr>
@@ -4313,7 +4313,7 @@
           <p:cNvPr id="64" name="직선 화살표 연결선 63">
             <a:extLst>
               <a:ext uri="{FF2B5EF4-FFF2-40B4-BE49-F238E27FC236}">
-                <a16:creationId xmlns="" xmlns:a16="http://schemas.microsoft.com/office/drawing/2014/main" id="{234B6DDF-4888-40F0-AD06-D3967A5DDFD5}"/>
+                <a16:creationId xmlns:a16="http://schemas.microsoft.com/office/drawing/2014/main" id="{234B6DDF-4888-40F0-AD06-D3967A5DDFD5}"/>
               </a:ext>
             </a:extLst>
           </p:cNvPr>
@@ -4356,7 +4356,7 @@
           <p:cNvPr id="65" name="TextBox 64">
             <a:extLst>
               <a:ext uri="{FF2B5EF4-FFF2-40B4-BE49-F238E27FC236}">
-                <a16:creationId xmlns="" xmlns:a16="http://schemas.microsoft.com/office/drawing/2014/main" id="{607B6ACD-BCE1-4FA2-A500-0B3708190F4C}"/>
+                <a16:creationId xmlns:a16="http://schemas.microsoft.com/office/drawing/2014/main" id="{607B6ACD-BCE1-4FA2-A500-0B3708190F4C}"/>
               </a:ext>
             </a:extLst>
           </p:cNvPr>
@@ -4397,7 +4397,7 @@
           <p:cNvPr id="66" name="직사각형 65">
             <a:extLst>
               <a:ext uri="{FF2B5EF4-FFF2-40B4-BE49-F238E27FC236}">
-                <a16:creationId xmlns="" xmlns:a16="http://schemas.microsoft.com/office/drawing/2014/main" id="{A4F25954-D150-4537-8AC5-DCE54AF99D0B}"/>
+                <a16:creationId xmlns:a16="http://schemas.microsoft.com/office/drawing/2014/main" id="{A4F25954-D150-4537-8AC5-DCE54AF99D0B}"/>
               </a:ext>
             </a:extLst>
           </p:cNvPr>
@@ -4451,7 +4451,7 @@
           <p:cNvPr id="68" name="직사각형 67">
             <a:extLst>
               <a:ext uri="{FF2B5EF4-FFF2-40B4-BE49-F238E27FC236}">
-                <a16:creationId xmlns="" xmlns:a16="http://schemas.microsoft.com/office/drawing/2014/main" id="{6DCBB259-0998-46D2-84F6-F993BB10A48C}"/>
+                <a16:creationId xmlns:a16="http://schemas.microsoft.com/office/drawing/2014/main" id="{6DCBB259-0998-46D2-84F6-F993BB10A48C}"/>
               </a:ext>
             </a:extLst>
           </p:cNvPr>
@@ -4505,7 +4505,7 @@
           <p:cNvPr id="69" name="TextBox 68">
             <a:extLst>
               <a:ext uri="{FF2B5EF4-FFF2-40B4-BE49-F238E27FC236}">
-                <a16:creationId xmlns="" xmlns:a16="http://schemas.microsoft.com/office/drawing/2014/main" id="{AB7385E6-33E0-4C25-B06D-B7C0DB036CC3}"/>
+                <a16:creationId xmlns:a16="http://schemas.microsoft.com/office/drawing/2014/main" id="{AB7385E6-33E0-4C25-B06D-B7C0DB036CC3}"/>
               </a:ext>
             </a:extLst>
           </p:cNvPr>
@@ -4549,7 +4549,7 @@
           <p:cNvPr id="70" name="TextBox 69">
             <a:extLst>
               <a:ext uri="{FF2B5EF4-FFF2-40B4-BE49-F238E27FC236}">
-                <a16:creationId xmlns="" xmlns:a16="http://schemas.microsoft.com/office/drawing/2014/main" id="{9E443283-F2F5-47AA-A859-82148E0CE2CD}"/>
+                <a16:creationId xmlns:a16="http://schemas.microsoft.com/office/drawing/2014/main" id="{9E443283-F2F5-47AA-A859-82148E0CE2CD}"/>
               </a:ext>
             </a:extLst>
           </p:cNvPr>
@@ -4595,7 +4595,7 @@
           <p:cNvPr id="71" name="TextBox 70">
             <a:extLst>
               <a:ext uri="{FF2B5EF4-FFF2-40B4-BE49-F238E27FC236}">
-                <a16:creationId xmlns="" xmlns:a16="http://schemas.microsoft.com/office/drawing/2014/main" id="{1F67AAF1-CFB2-4551-8473-2C87EB868572}"/>
+                <a16:creationId xmlns:a16="http://schemas.microsoft.com/office/drawing/2014/main" id="{1F67AAF1-CFB2-4551-8473-2C87EB868572}"/>
               </a:ext>
             </a:extLst>
           </p:cNvPr>
@@ -4639,7 +4639,7 @@
           <p:cNvPr id="73" name="오른쪽 중괄호 72">
             <a:extLst>
               <a:ext uri="{FF2B5EF4-FFF2-40B4-BE49-F238E27FC236}">
-                <a16:creationId xmlns="" xmlns:a16="http://schemas.microsoft.com/office/drawing/2014/main" id="{4ED7A47B-AC09-406B-9A9F-C809146293D3}"/>
+                <a16:creationId xmlns:a16="http://schemas.microsoft.com/office/drawing/2014/main" id="{4ED7A47B-AC09-406B-9A9F-C809146293D3}"/>
               </a:ext>
             </a:extLst>
           </p:cNvPr>
@@ -4686,7 +4686,7 @@
           <p:cNvPr id="74" name="왼쪽 중괄호 73">
             <a:extLst>
               <a:ext uri="{FF2B5EF4-FFF2-40B4-BE49-F238E27FC236}">
-                <a16:creationId xmlns="" xmlns:a16="http://schemas.microsoft.com/office/drawing/2014/main" id="{D4BE8370-CD83-4A4E-B011-2831049DD83D}"/>
+                <a16:creationId xmlns:a16="http://schemas.microsoft.com/office/drawing/2014/main" id="{D4BE8370-CD83-4A4E-B011-2831049DD83D}"/>
               </a:ext>
             </a:extLst>
           </p:cNvPr>
@@ -4730,7 +4730,7 @@
           <p:cNvPr id="75" name="TextBox 74">
             <a:extLst>
               <a:ext uri="{FF2B5EF4-FFF2-40B4-BE49-F238E27FC236}">
-                <a16:creationId xmlns="" xmlns:a16="http://schemas.microsoft.com/office/drawing/2014/main" id="{5F0F758F-A0CC-491F-AE91-E529C9D6851C}"/>
+                <a16:creationId xmlns:a16="http://schemas.microsoft.com/office/drawing/2014/main" id="{5F0F758F-A0CC-491F-AE91-E529C9D6851C}"/>
               </a:ext>
             </a:extLst>
           </p:cNvPr>
@@ -4774,7 +4774,7 @@
           <p:cNvPr id="76" name="왼쪽 중괄호 75">
             <a:extLst>
               <a:ext uri="{FF2B5EF4-FFF2-40B4-BE49-F238E27FC236}">
-                <a16:creationId xmlns="" xmlns:a16="http://schemas.microsoft.com/office/drawing/2014/main" id="{651D63D5-F656-42DA-8583-692911B08301}"/>
+                <a16:creationId xmlns:a16="http://schemas.microsoft.com/office/drawing/2014/main" id="{651D63D5-F656-42DA-8583-692911B08301}"/>
               </a:ext>
             </a:extLst>
           </p:cNvPr>
@@ -4818,7 +4818,7 @@
           <p:cNvPr id="77" name="TextBox 76">
             <a:extLst>
               <a:ext uri="{FF2B5EF4-FFF2-40B4-BE49-F238E27FC236}">
-                <a16:creationId xmlns="" xmlns:a16="http://schemas.microsoft.com/office/drawing/2014/main" id="{0EA958A9-9369-4363-9D5F-FDE90905CC8D}"/>
+                <a16:creationId xmlns:a16="http://schemas.microsoft.com/office/drawing/2014/main" id="{0EA958A9-9369-4363-9D5F-FDE90905CC8D}"/>
               </a:ext>
             </a:extLst>
           </p:cNvPr>
@@ -4862,7 +4862,7 @@
           <p:cNvPr id="78" name="직사각형 77">
             <a:extLst>
               <a:ext uri="{FF2B5EF4-FFF2-40B4-BE49-F238E27FC236}">
-                <a16:creationId xmlns="" xmlns:a16="http://schemas.microsoft.com/office/drawing/2014/main" id="{3394C3F3-8EDE-4AA6-8D02-FA02C389D83D}"/>
+                <a16:creationId xmlns:a16="http://schemas.microsoft.com/office/drawing/2014/main" id="{3394C3F3-8EDE-4AA6-8D02-FA02C389D83D}"/>
               </a:ext>
             </a:extLst>
           </p:cNvPr>
@@ -4916,7 +4916,7 @@
           <p:cNvPr id="90" name="그룹 89">
             <a:extLst>
               <a:ext uri="{FF2B5EF4-FFF2-40B4-BE49-F238E27FC236}">
-                <a16:creationId xmlns="" xmlns:a16="http://schemas.microsoft.com/office/drawing/2014/main" id="{3266F12E-EF10-4B18-A10F-5740263E80BC}"/>
+                <a16:creationId xmlns:a16="http://schemas.microsoft.com/office/drawing/2014/main" id="{3266F12E-EF10-4B18-A10F-5740263E80BC}"/>
               </a:ext>
             </a:extLst>
           </p:cNvPr>
@@ -4936,7 +4936,7 @@
             <p:cNvPr id="84" name="TextBox 83">
               <a:extLst>
                 <a:ext uri="{FF2B5EF4-FFF2-40B4-BE49-F238E27FC236}">
-                  <a16:creationId xmlns="" xmlns:a16="http://schemas.microsoft.com/office/drawing/2014/main" id="{0D4D0129-94E1-4D54-8623-9AB0ACD99DC9}"/>
+                  <a16:creationId xmlns:a16="http://schemas.microsoft.com/office/drawing/2014/main" id="{0D4D0129-94E1-4D54-8623-9AB0ACD99DC9}"/>
                 </a:ext>
               </a:extLst>
             </p:cNvPr>
@@ -4993,10 +4993,6 @@
               <a:endParaRPr lang="en-US" altLang="ko-KR" sz="1000" dirty="0"/>
             </a:p>
             <a:p>
-              <a:r>
-                <a:rPr lang="en-US" altLang="ko-KR" sz="1000" dirty="0"/>
-                <a:t/>
-              </a:r>
               <a:br>
                 <a:rPr lang="en-US" altLang="ko-KR" sz="1000" dirty="0"/>
               </a:br>
@@ -5034,7 +5030,7 @@
             <p:cNvPr id="85" name="타원 84">
               <a:extLst>
                 <a:ext uri="{FF2B5EF4-FFF2-40B4-BE49-F238E27FC236}">
-                  <a16:creationId xmlns="" xmlns:a16="http://schemas.microsoft.com/office/drawing/2014/main" id="{5F5F62E0-F2F9-4FF1-9922-8461DC638368}"/>
+                  <a16:creationId xmlns:a16="http://schemas.microsoft.com/office/drawing/2014/main" id="{5F5F62E0-F2F9-4FF1-9922-8461DC638368}"/>
                 </a:ext>
               </a:extLst>
             </p:cNvPr>
@@ -5088,7 +5084,7 @@
             <p:cNvPr id="86" name="직사각형 85">
               <a:extLst>
                 <a:ext uri="{FF2B5EF4-FFF2-40B4-BE49-F238E27FC236}">
-                  <a16:creationId xmlns="" xmlns:a16="http://schemas.microsoft.com/office/drawing/2014/main" id="{577B372C-927E-4263-AA66-0A45EAB1DF04}"/>
+                  <a16:creationId xmlns:a16="http://schemas.microsoft.com/office/drawing/2014/main" id="{577B372C-927E-4263-AA66-0A45EAB1DF04}"/>
                 </a:ext>
               </a:extLst>
             </p:cNvPr>
@@ -5146,7 +5142,7 @@
           <p:cNvPr id="92" name="그룹 91">
             <a:extLst>
               <a:ext uri="{FF2B5EF4-FFF2-40B4-BE49-F238E27FC236}">
-                <a16:creationId xmlns="" xmlns:a16="http://schemas.microsoft.com/office/drawing/2014/main" id="{E6D27DBE-7953-416B-BF32-4418F44F4C50}"/>
+                <a16:creationId xmlns:a16="http://schemas.microsoft.com/office/drawing/2014/main" id="{E6D27DBE-7953-416B-BF32-4418F44F4C50}"/>
               </a:ext>
             </a:extLst>
           </p:cNvPr>
@@ -5166,7 +5162,7 @@
             <p:cNvPr id="93" name="TextBox 92">
               <a:extLst>
                 <a:ext uri="{FF2B5EF4-FFF2-40B4-BE49-F238E27FC236}">
-                  <a16:creationId xmlns="" xmlns:a16="http://schemas.microsoft.com/office/drawing/2014/main" id="{EC4DBD43-148B-4897-8088-0FA1AEA81EEF}"/>
+                  <a16:creationId xmlns:a16="http://schemas.microsoft.com/office/drawing/2014/main" id="{EC4DBD43-148B-4897-8088-0FA1AEA81EEF}"/>
                 </a:ext>
               </a:extLst>
             </p:cNvPr>
@@ -5276,7 +5272,7 @@
             <p:cNvPr id="94" name="타원 93">
               <a:extLst>
                 <a:ext uri="{FF2B5EF4-FFF2-40B4-BE49-F238E27FC236}">
-                  <a16:creationId xmlns="" xmlns:a16="http://schemas.microsoft.com/office/drawing/2014/main" id="{261C02D0-EA84-4424-95C4-06A1205AA05A}"/>
+                  <a16:creationId xmlns:a16="http://schemas.microsoft.com/office/drawing/2014/main" id="{261C02D0-EA84-4424-95C4-06A1205AA05A}"/>
                 </a:ext>
               </a:extLst>
             </p:cNvPr>
@@ -5330,7 +5326,7 @@
             <p:cNvPr id="95" name="직사각형 94">
               <a:extLst>
                 <a:ext uri="{FF2B5EF4-FFF2-40B4-BE49-F238E27FC236}">
-                  <a16:creationId xmlns="" xmlns:a16="http://schemas.microsoft.com/office/drawing/2014/main" id="{AC4569CC-589F-431C-939D-668ED7951BE7}"/>
+                  <a16:creationId xmlns:a16="http://schemas.microsoft.com/office/drawing/2014/main" id="{AC4569CC-589F-431C-939D-668ED7951BE7}"/>
                 </a:ext>
               </a:extLst>
             </p:cNvPr>
@@ -5388,7 +5384,7 @@
           <p:cNvPr id="96" name="직사각형 95">
             <a:extLst>
               <a:ext uri="{FF2B5EF4-FFF2-40B4-BE49-F238E27FC236}">
-                <a16:creationId xmlns="" xmlns:a16="http://schemas.microsoft.com/office/drawing/2014/main" id="{D3E20144-6713-4E25-A870-958E31BE2D30}"/>
+                <a16:creationId xmlns:a16="http://schemas.microsoft.com/office/drawing/2014/main" id="{D3E20144-6713-4E25-A870-958E31BE2D30}"/>
               </a:ext>
             </a:extLst>
           </p:cNvPr>
@@ -5442,7 +5438,7 @@
           <p:cNvPr id="98" name="직사각형 97">
             <a:extLst>
               <a:ext uri="{FF2B5EF4-FFF2-40B4-BE49-F238E27FC236}">
-                <a16:creationId xmlns="" xmlns:a16="http://schemas.microsoft.com/office/drawing/2014/main" id="{95B1E11E-7A14-45AB-AF49-089D9CA8B59C}"/>
+                <a16:creationId xmlns:a16="http://schemas.microsoft.com/office/drawing/2014/main" id="{95B1E11E-7A14-45AB-AF49-089D9CA8B59C}"/>
               </a:ext>
             </a:extLst>
           </p:cNvPr>
@@ -5496,7 +5492,7 @@
           <p:cNvPr id="99" name="직사각형 98">
             <a:extLst>
               <a:ext uri="{FF2B5EF4-FFF2-40B4-BE49-F238E27FC236}">
-                <a16:creationId xmlns="" xmlns:a16="http://schemas.microsoft.com/office/drawing/2014/main" id="{6E9430C2-B03D-4904-A3BB-DEE9C3ED215A}"/>
+                <a16:creationId xmlns:a16="http://schemas.microsoft.com/office/drawing/2014/main" id="{6E9430C2-B03D-4904-A3BB-DEE9C3ED215A}"/>
               </a:ext>
             </a:extLst>
           </p:cNvPr>
@@ -5550,7 +5546,7 @@
           <p:cNvPr id="100" name="직사각형 99">
             <a:extLst>
               <a:ext uri="{FF2B5EF4-FFF2-40B4-BE49-F238E27FC236}">
-                <a16:creationId xmlns="" xmlns:a16="http://schemas.microsoft.com/office/drawing/2014/main" id="{D07D2E78-FA0B-44A6-9C91-7D6F0FCE2D63}"/>
+                <a16:creationId xmlns:a16="http://schemas.microsoft.com/office/drawing/2014/main" id="{D07D2E78-FA0B-44A6-9C91-7D6F0FCE2D63}"/>
               </a:ext>
             </a:extLst>
           </p:cNvPr>
@@ -5604,7 +5600,7 @@
           <p:cNvPr id="101" name="직사각형 100">
             <a:extLst>
               <a:ext uri="{FF2B5EF4-FFF2-40B4-BE49-F238E27FC236}">
-                <a16:creationId xmlns="" xmlns:a16="http://schemas.microsoft.com/office/drawing/2014/main" id="{4043A908-C547-49CB-A640-5D71E5303F44}"/>
+                <a16:creationId xmlns:a16="http://schemas.microsoft.com/office/drawing/2014/main" id="{4043A908-C547-49CB-A640-5D71E5303F44}"/>
               </a:ext>
             </a:extLst>
           </p:cNvPr>
@@ -5658,7 +5654,7 @@
           <p:cNvPr id="102" name="직사각형 101">
             <a:extLst>
               <a:ext uri="{FF2B5EF4-FFF2-40B4-BE49-F238E27FC236}">
-                <a16:creationId xmlns="" xmlns:a16="http://schemas.microsoft.com/office/drawing/2014/main" id="{843167CF-D4D8-498C-9E76-EE1064B6CD1F}"/>
+                <a16:creationId xmlns:a16="http://schemas.microsoft.com/office/drawing/2014/main" id="{843167CF-D4D8-498C-9E76-EE1064B6CD1F}"/>
               </a:ext>
             </a:extLst>
           </p:cNvPr>
@@ -5712,7 +5708,7 @@
           <p:cNvPr id="103" name="직사각형 102">
             <a:extLst>
               <a:ext uri="{FF2B5EF4-FFF2-40B4-BE49-F238E27FC236}">
-                <a16:creationId xmlns="" xmlns:a16="http://schemas.microsoft.com/office/drawing/2014/main" id="{99D07B69-57CC-4DF9-98E1-D908CFDAF067}"/>
+                <a16:creationId xmlns:a16="http://schemas.microsoft.com/office/drawing/2014/main" id="{99D07B69-57CC-4DF9-98E1-D908CFDAF067}"/>
               </a:ext>
             </a:extLst>
           </p:cNvPr>
@@ -5766,7 +5762,7 @@
           <p:cNvPr id="104" name="직사각형 103">
             <a:extLst>
               <a:ext uri="{FF2B5EF4-FFF2-40B4-BE49-F238E27FC236}">
-                <a16:creationId xmlns="" xmlns:a16="http://schemas.microsoft.com/office/drawing/2014/main" id="{A4F63C0A-84B5-4E21-BBF6-DE29C51395F1}"/>
+                <a16:creationId xmlns:a16="http://schemas.microsoft.com/office/drawing/2014/main" id="{A4F63C0A-84B5-4E21-BBF6-DE29C51395F1}"/>
               </a:ext>
             </a:extLst>
           </p:cNvPr>
@@ -5820,7 +5816,7 @@
           <p:cNvPr id="106" name="직사각형 105">
             <a:extLst>
               <a:ext uri="{FF2B5EF4-FFF2-40B4-BE49-F238E27FC236}">
-                <a16:creationId xmlns="" xmlns:a16="http://schemas.microsoft.com/office/drawing/2014/main" id="{3EE46C2C-1473-4BB7-A028-CDFB082A4730}"/>
+                <a16:creationId xmlns:a16="http://schemas.microsoft.com/office/drawing/2014/main" id="{3EE46C2C-1473-4BB7-A028-CDFB082A4730}"/>
               </a:ext>
             </a:extLst>
           </p:cNvPr>
@@ -5874,7 +5870,7 @@
           <p:cNvPr id="107" name="직사각형 106">
             <a:extLst>
               <a:ext uri="{FF2B5EF4-FFF2-40B4-BE49-F238E27FC236}">
-                <a16:creationId xmlns="" xmlns:a16="http://schemas.microsoft.com/office/drawing/2014/main" id="{3A75657D-809B-44DC-BD15-B5442E8A5389}"/>
+                <a16:creationId xmlns:a16="http://schemas.microsoft.com/office/drawing/2014/main" id="{3A75657D-809B-44DC-BD15-B5442E8A5389}"/>
               </a:ext>
             </a:extLst>
           </p:cNvPr>
@@ -5928,7 +5924,7 @@
           <p:cNvPr id="108" name="직사각형 107">
             <a:extLst>
               <a:ext uri="{FF2B5EF4-FFF2-40B4-BE49-F238E27FC236}">
-                <a16:creationId xmlns="" xmlns:a16="http://schemas.microsoft.com/office/drawing/2014/main" id="{34C948D3-2172-4231-B881-1467EDD6F38A}"/>
+                <a16:creationId xmlns:a16="http://schemas.microsoft.com/office/drawing/2014/main" id="{34C948D3-2172-4231-B881-1467EDD6F38A}"/>
               </a:ext>
             </a:extLst>
           </p:cNvPr>
@@ -5982,7 +5978,7 @@
           <p:cNvPr id="109" name="직사각형 108">
             <a:extLst>
               <a:ext uri="{FF2B5EF4-FFF2-40B4-BE49-F238E27FC236}">
-                <a16:creationId xmlns="" xmlns:a16="http://schemas.microsoft.com/office/drawing/2014/main" id="{5069912C-4D8C-4E21-87C6-AF1AC88F6CBD}"/>
+                <a16:creationId xmlns:a16="http://schemas.microsoft.com/office/drawing/2014/main" id="{5069912C-4D8C-4E21-87C6-AF1AC88F6CBD}"/>
               </a:ext>
             </a:extLst>
           </p:cNvPr>
@@ -6036,7 +6032,7 @@
           <p:cNvPr id="110" name="직사각형 109">
             <a:extLst>
               <a:ext uri="{FF2B5EF4-FFF2-40B4-BE49-F238E27FC236}">
-                <a16:creationId xmlns="" xmlns:a16="http://schemas.microsoft.com/office/drawing/2014/main" id="{93FEF782-B96F-4AA2-AFF3-0155CF5ABF0E}"/>
+                <a16:creationId xmlns:a16="http://schemas.microsoft.com/office/drawing/2014/main" id="{93FEF782-B96F-4AA2-AFF3-0155CF5ABF0E}"/>
               </a:ext>
             </a:extLst>
           </p:cNvPr>
@@ -6090,7 +6086,7 @@
           <p:cNvPr id="111" name="왼쪽 중괄호 110">
             <a:extLst>
               <a:ext uri="{FF2B5EF4-FFF2-40B4-BE49-F238E27FC236}">
-                <a16:creationId xmlns="" xmlns:a16="http://schemas.microsoft.com/office/drawing/2014/main" id="{BDAFC3FB-6A6A-45F0-B9E7-D3B3CF42CA05}"/>
+                <a16:creationId xmlns:a16="http://schemas.microsoft.com/office/drawing/2014/main" id="{BDAFC3FB-6A6A-45F0-B9E7-D3B3CF42CA05}"/>
               </a:ext>
             </a:extLst>
           </p:cNvPr>
@@ -6134,7 +6130,7 @@
           <p:cNvPr id="112" name="TextBox 111">
             <a:extLst>
               <a:ext uri="{FF2B5EF4-FFF2-40B4-BE49-F238E27FC236}">
-                <a16:creationId xmlns="" xmlns:a16="http://schemas.microsoft.com/office/drawing/2014/main" id="{5E9DD45A-B690-44D6-A0C8-ED936D281244}"/>
+                <a16:creationId xmlns:a16="http://schemas.microsoft.com/office/drawing/2014/main" id="{5E9DD45A-B690-44D6-A0C8-ED936D281244}"/>
               </a:ext>
             </a:extLst>
           </p:cNvPr>
@@ -6236,7 +6232,7 @@
           <p:cNvPr id="113" name="직사각형 112">
             <a:extLst>
               <a:ext uri="{FF2B5EF4-FFF2-40B4-BE49-F238E27FC236}">
-                <a16:creationId xmlns="" xmlns:a16="http://schemas.microsoft.com/office/drawing/2014/main" id="{B1B92AD2-4462-4419-9811-58AF185F9A41}"/>
+                <a16:creationId xmlns:a16="http://schemas.microsoft.com/office/drawing/2014/main" id="{B1B92AD2-4462-4419-9811-58AF185F9A41}"/>
               </a:ext>
             </a:extLst>
           </p:cNvPr>
@@ -6290,7 +6286,7 @@
           <p:cNvPr id="114" name="직사각형 113">
             <a:extLst>
               <a:ext uri="{FF2B5EF4-FFF2-40B4-BE49-F238E27FC236}">
-                <a16:creationId xmlns="" xmlns:a16="http://schemas.microsoft.com/office/drawing/2014/main" id="{D5AF3640-982F-42AC-BCB9-7A8DECBFE748}"/>
+                <a16:creationId xmlns:a16="http://schemas.microsoft.com/office/drawing/2014/main" id="{D5AF3640-982F-42AC-BCB9-7A8DECBFE748}"/>
               </a:ext>
             </a:extLst>
           </p:cNvPr>
@@ -6344,7 +6340,7 @@
           <p:cNvPr id="115" name="직사각형 114">
             <a:extLst>
               <a:ext uri="{FF2B5EF4-FFF2-40B4-BE49-F238E27FC236}">
-                <a16:creationId xmlns="" xmlns:a16="http://schemas.microsoft.com/office/drawing/2014/main" id="{92209C06-078B-4721-B76B-33BE33BEC704}"/>
+                <a16:creationId xmlns:a16="http://schemas.microsoft.com/office/drawing/2014/main" id="{92209C06-078B-4721-B76B-33BE33BEC704}"/>
               </a:ext>
             </a:extLst>
           </p:cNvPr>
@@ -6398,7 +6394,7 @@
           <p:cNvPr id="116" name="직사각형 115">
             <a:extLst>
               <a:ext uri="{FF2B5EF4-FFF2-40B4-BE49-F238E27FC236}">
-                <a16:creationId xmlns="" xmlns:a16="http://schemas.microsoft.com/office/drawing/2014/main" id="{527F1F91-E7E4-4308-A62F-2850E9D1C2F7}"/>
+                <a16:creationId xmlns:a16="http://schemas.microsoft.com/office/drawing/2014/main" id="{527F1F91-E7E4-4308-A62F-2850E9D1C2F7}"/>
               </a:ext>
             </a:extLst>
           </p:cNvPr>
@@ -6452,7 +6448,7 @@
           <p:cNvPr id="117" name="직사각형 116">
             <a:extLst>
               <a:ext uri="{FF2B5EF4-FFF2-40B4-BE49-F238E27FC236}">
-                <a16:creationId xmlns="" xmlns:a16="http://schemas.microsoft.com/office/drawing/2014/main" id="{444E7598-53E5-440B-9175-63569EFE2CC5}"/>
+                <a16:creationId xmlns:a16="http://schemas.microsoft.com/office/drawing/2014/main" id="{444E7598-53E5-440B-9175-63569EFE2CC5}"/>
               </a:ext>
             </a:extLst>
           </p:cNvPr>
@@ -6506,7 +6502,7 @@
           <p:cNvPr id="118" name="직사각형 117">
             <a:extLst>
               <a:ext uri="{FF2B5EF4-FFF2-40B4-BE49-F238E27FC236}">
-                <a16:creationId xmlns="" xmlns:a16="http://schemas.microsoft.com/office/drawing/2014/main" id="{78964BB3-1232-4605-AD6F-DF1924C16B7B}"/>
+                <a16:creationId xmlns:a16="http://schemas.microsoft.com/office/drawing/2014/main" id="{78964BB3-1232-4605-AD6F-DF1924C16B7B}"/>
               </a:ext>
             </a:extLst>
           </p:cNvPr>
@@ -6560,7 +6556,7 @@
           <p:cNvPr id="119" name="직사각형 118">
             <a:extLst>
               <a:ext uri="{FF2B5EF4-FFF2-40B4-BE49-F238E27FC236}">
-                <a16:creationId xmlns="" xmlns:a16="http://schemas.microsoft.com/office/drawing/2014/main" id="{5E451305-8F0E-46E2-99E7-97EFC89432A1}"/>
+                <a16:creationId xmlns:a16="http://schemas.microsoft.com/office/drawing/2014/main" id="{5E451305-8F0E-46E2-99E7-97EFC89432A1}"/>
               </a:ext>
             </a:extLst>
           </p:cNvPr>
@@ -6614,7 +6610,7 @@
           <p:cNvPr id="120" name="직사각형 119">
             <a:extLst>
               <a:ext uri="{FF2B5EF4-FFF2-40B4-BE49-F238E27FC236}">
-                <a16:creationId xmlns="" xmlns:a16="http://schemas.microsoft.com/office/drawing/2014/main" id="{6D54F0F7-CDB7-468B-85C9-F3D852D64B81}"/>
+                <a16:creationId xmlns:a16="http://schemas.microsoft.com/office/drawing/2014/main" id="{6D54F0F7-CDB7-468B-85C9-F3D852D64B81}"/>
               </a:ext>
             </a:extLst>
           </p:cNvPr>
@@ -6668,7 +6664,7 @@
           <p:cNvPr id="121" name="직사각형 120">
             <a:extLst>
               <a:ext uri="{FF2B5EF4-FFF2-40B4-BE49-F238E27FC236}">
-                <a16:creationId xmlns="" xmlns:a16="http://schemas.microsoft.com/office/drawing/2014/main" id="{479F67A3-1E64-4D87-AAD6-0BA2BDC4EC1A}"/>
+                <a16:creationId xmlns:a16="http://schemas.microsoft.com/office/drawing/2014/main" id="{479F67A3-1E64-4D87-AAD6-0BA2BDC4EC1A}"/>
               </a:ext>
             </a:extLst>
           </p:cNvPr>
@@ -6722,7 +6718,7 @@
           <p:cNvPr id="122" name="직사각형 121">
             <a:extLst>
               <a:ext uri="{FF2B5EF4-FFF2-40B4-BE49-F238E27FC236}">
-                <a16:creationId xmlns="" xmlns:a16="http://schemas.microsoft.com/office/drawing/2014/main" id="{88C053F9-1009-4D58-B1DB-2637632D6557}"/>
+                <a16:creationId xmlns:a16="http://schemas.microsoft.com/office/drawing/2014/main" id="{88C053F9-1009-4D58-B1DB-2637632D6557}"/>
               </a:ext>
             </a:extLst>
           </p:cNvPr>
@@ -6776,7 +6772,7 @@
           <p:cNvPr id="123" name="직사각형 122">
             <a:extLst>
               <a:ext uri="{FF2B5EF4-FFF2-40B4-BE49-F238E27FC236}">
-                <a16:creationId xmlns="" xmlns:a16="http://schemas.microsoft.com/office/drawing/2014/main" id="{F15651A3-DB9B-4796-9EE7-B511FE4CB6C3}"/>
+                <a16:creationId xmlns:a16="http://schemas.microsoft.com/office/drawing/2014/main" id="{F15651A3-DB9B-4796-9EE7-B511FE4CB6C3}"/>
               </a:ext>
             </a:extLst>
           </p:cNvPr>
@@ -6830,7 +6826,7 @@
           <p:cNvPr id="124" name="직사각형 123">
             <a:extLst>
               <a:ext uri="{FF2B5EF4-FFF2-40B4-BE49-F238E27FC236}">
-                <a16:creationId xmlns="" xmlns:a16="http://schemas.microsoft.com/office/drawing/2014/main" id="{FAEB40AB-9177-4C0C-8FCA-654BD4C8D11D}"/>
+                <a16:creationId xmlns:a16="http://schemas.microsoft.com/office/drawing/2014/main" id="{FAEB40AB-9177-4C0C-8FCA-654BD4C8D11D}"/>
               </a:ext>
             </a:extLst>
           </p:cNvPr>
@@ -6884,7 +6880,7 @@
           <p:cNvPr id="125" name="직사각형 124">
             <a:extLst>
               <a:ext uri="{FF2B5EF4-FFF2-40B4-BE49-F238E27FC236}">
-                <a16:creationId xmlns="" xmlns:a16="http://schemas.microsoft.com/office/drawing/2014/main" id="{89B12FEF-E510-4309-B410-0B26816996F9}"/>
+                <a16:creationId xmlns:a16="http://schemas.microsoft.com/office/drawing/2014/main" id="{89B12FEF-E510-4309-B410-0B26816996F9}"/>
               </a:ext>
             </a:extLst>
           </p:cNvPr>
@@ -6938,7 +6934,7 @@
           <p:cNvPr id="126" name="직사각형 125">
             <a:extLst>
               <a:ext uri="{FF2B5EF4-FFF2-40B4-BE49-F238E27FC236}">
-                <a16:creationId xmlns="" xmlns:a16="http://schemas.microsoft.com/office/drawing/2014/main" id="{E11D7440-05C2-4EAB-A236-8039A06DFA83}"/>
+                <a16:creationId xmlns:a16="http://schemas.microsoft.com/office/drawing/2014/main" id="{E11D7440-05C2-4EAB-A236-8039A06DFA83}"/>
               </a:ext>
             </a:extLst>
           </p:cNvPr>
@@ -6992,7 +6988,7 @@
           <p:cNvPr id="127" name="직사각형 126">
             <a:extLst>
               <a:ext uri="{FF2B5EF4-FFF2-40B4-BE49-F238E27FC236}">
-                <a16:creationId xmlns="" xmlns:a16="http://schemas.microsoft.com/office/drawing/2014/main" id="{1E68E927-3C1A-4DD0-805A-EA5AA98EBA24}"/>
+                <a16:creationId xmlns:a16="http://schemas.microsoft.com/office/drawing/2014/main" id="{1E68E927-3C1A-4DD0-805A-EA5AA98EBA24}"/>
               </a:ext>
             </a:extLst>
           </p:cNvPr>
@@ -7046,7 +7042,7 @@
           <p:cNvPr id="128" name="직사각형 127">
             <a:extLst>
               <a:ext uri="{FF2B5EF4-FFF2-40B4-BE49-F238E27FC236}">
-                <a16:creationId xmlns="" xmlns:a16="http://schemas.microsoft.com/office/drawing/2014/main" id="{4F6B78E7-12F7-4FDD-AE48-024A26319207}"/>
+                <a16:creationId xmlns:a16="http://schemas.microsoft.com/office/drawing/2014/main" id="{4F6B78E7-12F7-4FDD-AE48-024A26319207}"/>
               </a:ext>
             </a:extLst>
           </p:cNvPr>
@@ -7100,7 +7096,7 @@
           <p:cNvPr id="129" name="직사각형 128">
             <a:extLst>
               <a:ext uri="{FF2B5EF4-FFF2-40B4-BE49-F238E27FC236}">
-                <a16:creationId xmlns="" xmlns:a16="http://schemas.microsoft.com/office/drawing/2014/main" id="{062C1480-4B0D-467C-8A9D-01D13D06687B}"/>
+                <a16:creationId xmlns:a16="http://schemas.microsoft.com/office/drawing/2014/main" id="{062C1480-4B0D-467C-8A9D-01D13D06687B}"/>
               </a:ext>
             </a:extLst>
           </p:cNvPr>
@@ -7154,7 +7150,7 @@
           <p:cNvPr id="130" name="직사각형 129">
             <a:extLst>
               <a:ext uri="{FF2B5EF4-FFF2-40B4-BE49-F238E27FC236}">
-                <a16:creationId xmlns="" xmlns:a16="http://schemas.microsoft.com/office/drawing/2014/main" id="{1FAF466C-36DC-45FB-ABE4-537A21792308}"/>
+                <a16:creationId xmlns:a16="http://schemas.microsoft.com/office/drawing/2014/main" id="{1FAF466C-36DC-45FB-ABE4-537A21792308}"/>
               </a:ext>
             </a:extLst>
           </p:cNvPr>
@@ -7208,7 +7204,7 @@
           <p:cNvPr id="131" name="직사각형 130">
             <a:extLst>
               <a:ext uri="{FF2B5EF4-FFF2-40B4-BE49-F238E27FC236}">
-                <a16:creationId xmlns="" xmlns:a16="http://schemas.microsoft.com/office/drawing/2014/main" id="{1B243C6E-71F5-415B-9D4C-E7278C8BE1BB}"/>
+                <a16:creationId xmlns:a16="http://schemas.microsoft.com/office/drawing/2014/main" id="{1B243C6E-71F5-415B-9D4C-E7278C8BE1BB}"/>
               </a:ext>
             </a:extLst>
           </p:cNvPr>
@@ -7262,7 +7258,7 @@
           <p:cNvPr id="132" name="직사각형 131">
             <a:extLst>
               <a:ext uri="{FF2B5EF4-FFF2-40B4-BE49-F238E27FC236}">
-                <a16:creationId xmlns="" xmlns:a16="http://schemas.microsoft.com/office/drawing/2014/main" id="{AC0D24CA-FDF4-467F-8339-9F61E394ED29}"/>
+                <a16:creationId xmlns:a16="http://schemas.microsoft.com/office/drawing/2014/main" id="{AC0D24CA-FDF4-467F-8339-9F61E394ED29}"/>
               </a:ext>
             </a:extLst>
           </p:cNvPr>
@@ -7316,7 +7312,7 @@
           <p:cNvPr id="133" name="직사각형 132">
             <a:extLst>
               <a:ext uri="{FF2B5EF4-FFF2-40B4-BE49-F238E27FC236}">
-                <a16:creationId xmlns="" xmlns:a16="http://schemas.microsoft.com/office/drawing/2014/main" id="{32A36638-BD9E-488B-B31C-7961E0861439}"/>
+                <a16:creationId xmlns:a16="http://schemas.microsoft.com/office/drawing/2014/main" id="{32A36638-BD9E-488B-B31C-7961E0861439}"/>
               </a:ext>
             </a:extLst>
           </p:cNvPr>
@@ -7372,7 +7368,7 @@
           <p:cNvPr id="136" name="TextBox 135">
             <a:extLst>
               <a:ext uri="{FF2B5EF4-FFF2-40B4-BE49-F238E27FC236}">
-                <a16:creationId xmlns="" xmlns:a16="http://schemas.microsoft.com/office/drawing/2014/main" id="{C5DF76BA-2E32-4F49-B9F7-432E1042DB16}"/>
+                <a16:creationId xmlns:a16="http://schemas.microsoft.com/office/drawing/2014/main" id="{C5DF76BA-2E32-4F49-B9F7-432E1042DB16}"/>
               </a:ext>
             </a:extLst>
           </p:cNvPr>
@@ -7437,7 +7433,7 @@
           <p:cNvPr id="137" name="직사각형 136">
             <a:extLst>
               <a:ext uri="{FF2B5EF4-FFF2-40B4-BE49-F238E27FC236}">
-                <a16:creationId xmlns="" xmlns:a16="http://schemas.microsoft.com/office/drawing/2014/main" id="{D9C09403-9E6D-4B11-B276-D24B4860AFAA}"/>
+                <a16:creationId xmlns:a16="http://schemas.microsoft.com/office/drawing/2014/main" id="{D9C09403-9E6D-4B11-B276-D24B4860AFAA}"/>
               </a:ext>
             </a:extLst>
           </p:cNvPr>
@@ -7491,7 +7487,7 @@
           <p:cNvPr id="138" name="TextBox 137">
             <a:extLst>
               <a:ext uri="{FF2B5EF4-FFF2-40B4-BE49-F238E27FC236}">
-                <a16:creationId xmlns="" xmlns:a16="http://schemas.microsoft.com/office/drawing/2014/main" id="{3AD3163A-68E0-4CF8-9763-550C0E82AB8A}"/>
+                <a16:creationId xmlns:a16="http://schemas.microsoft.com/office/drawing/2014/main" id="{3AD3163A-68E0-4CF8-9763-550C0E82AB8A}"/>
               </a:ext>
             </a:extLst>
           </p:cNvPr>
@@ -7530,7 +7526,7 @@
           <p:cNvPr id="140" name="직선 연결선 139">
             <a:extLst>
               <a:ext uri="{FF2B5EF4-FFF2-40B4-BE49-F238E27FC236}">
-                <a16:creationId xmlns="" xmlns:a16="http://schemas.microsoft.com/office/drawing/2014/main" id="{3E83F32F-AD39-417A-BFE4-A5C995FE1AB0}"/>
+                <a16:creationId xmlns:a16="http://schemas.microsoft.com/office/drawing/2014/main" id="{3E83F32F-AD39-417A-BFE4-A5C995FE1AB0}"/>
               </a:ext>
             </a:extLst>
           </p:cNvPr>
@@ -7571,7 +7567,7 @@
           <p:cNvPr id="142" name="화살표: 오각형 141">
             <a:extLst>
               <a:ext uri="{FF2B5EF4-FFF2-40B4-BE49-F238E27FC236}">
-                <a16:creationId xmlns="" xmlns:a16="http://schemas.microsoft.com/office/drawing/2014/main" id="{530F07DE-64FE-46B3-A550-19501793C229}"/>
+                <a16:creationId xmlns:a16="http://schemas.microsoft.com/office/drawing/2014/main" id="{530F07DE-64FE-46B3-A550-19501793C229}"/>
               </a:ext>
             </a:extLst>
           </p:cNvPr>
@@ -7625,7 +7621,7 @@
           <p:cNvPr id="143" name="타원 142">
             <a:extLst>
               <a:ext uri="{FF2B5EF4-FFF2-40B4-BE49-F238E27FC236}">
-                <a16:creationId xmlns="" xmlns:a16="http://schemas.microsoft.com/office/drawing/2014/main" id="{3F1588A3-6B16-4088-AED8-236ACFD5E81E}"/>
+                <a16:creationId xmlns:a16="http://schemas.microsoft.com/office/drawing/2014/main" id="{3F1588A3-6B16-4088-AED8-236ACFD5E81E}"/>
               </a:ext>
             </a:extLst>
           </p:cNvPr>
@@ -7677,7 +7673,7 @@
           <p:cNvPr id="144" name="타원 143">
             <a:extLst>
               <a:ext uri="{FF2B5EF4-FFF2-40B4-BE49-F238E27FC236}">
-                <a16:creationId xmlns="" xmlns:a16="http://schemas.microsoft.com/office/drawing/2014/main" id="{3FABE189-F3A9-4BF8-BDC0-1CFD2E8AEBEB}"/>
+                <a16:creationId xmlns:a16="http://schemas.microsoft.com/office/drawing/2014/main" id="{3FABE189-F3A9-4BF8-BDC0-1CFD2E8AEBEB}"/>
               </a:ext>
             </a:extLst>
           </p:cNvPr>
@@ -7729,7 +7725,7 @@
           <p:cNvPr id="145" name="왼쪽 중괄호 144">
             <a:extLst>
               <a:ext uri="{FF2B5EF4-FFF2-40B4-BE49-F238E27FC236}">
-                <a16:creationId xmlns="" xmlns:a16="http://schemas.microsoft.com/office/drawing/2014/main" id="{3C187B06-624B-40FE-9988-682215301EC0}"/>
+                <a16:creationId xmlns:a16="http://schemas.microsoft.com/office/drawing/2014/main" id="{3C187B06-624B-40FE-9988-682215301EC0}"/>
               </a:ext>
             </a:extLst>
           </p:cNvPr>
@@ -7773,7 +7769,7 @@
           <p:cNvPr id="146" name="TextBox 145">
             <a:extLst>
               <a:ext uri="{FF2B5EF4-FFF2-40B4-BE49-F238E27FC236}">
-                <a16:creationId xmlns="" xmlns:a16="http://schemas.microsoft.com/office/drawing/2014/main" id="{AB6CCD22-CEE2-452E-82F1-519762310101}"/>
+                <a16:creationId xmlns:a16="http://schemas.microsoft.com/office/drawing/2014/main" id="{AB6CCD22-CEE2-452E-82F1-519762310101}"/>
               </a:ext>
             </a:extLst>
           </p:cNvPr>
@@ -7817,7 +7813,7 @@
           <p:cNvPr id="147" name="TextBox 146">
             <a:extLst>
               <a:ext uri="{FF2B5EF4-FFF2-40B4-BE49-F238E27FC236}">
-                <a16:creationId xmlns="" xmlns:a16="http://schemas.microsoft.com/office/drawing/2014/main" id="{C24286CB-EC01-4F02-826C-C972500336CE}"/>
+                <a16:creationId xmlns:a16="http://schemas.microsoft.com/office/drawing/2014/main" id="{C24286CB-EC01-4F02-826C-C972500336CE}"/>
               </a:ext>
             </a:extLst>
           </p:cNvPr>
@@ -7868,7 +7864,7 @@
           <p:cNvPr id="148" name="TextBox 147">
             <a:extLst>
               <a:ext uri="{FF2B5EF4-FFF2-40B4-BE49-F238E27FC236}">
-                <a16:creationId xmlns="" xmlns:a16="http://schemas.microsoft.com/office/drawing/2014/main" id="{13436262-714C-4B1F-9583-87C79C7C2D12}"/>
+                <a16:creationId xmlns:a16="http://schemas.microsoft.com/office/drawing/2014/main" id="{13436262-714C-4B1F-9583-87C79C7C2D12}"/>
               </a:ext>
             </a:extLst>
           </p:cNvPr>
@@ -7941,7 +7937,7 @@
           <p:cNvPr id="149" name="TextBox 148">
             <a:extLst>
               <a:ext uri="{FF2B5EF4-FFF2-40B4-BE49-F238E27FC236}">
-                <a16:creationId xmlns="" xmlns:a16="http://schemas.microsoft.com/office/drawing/2014/main" id="{4A3FD607-8192-4E25-BDAB-E206594DCF99}"/>
+                <a16:creationId xmlns:a16="http://schemas.microsoft.com/office/drawing/2014/main" id="{4A3FD607-8192-4E25-BDAB-E206594DCF99}"/>
               </a:ext>
             </a:extLst>
           </p:cNvPr>
@@ -7996,7 +7992,7 @@
           <p:cNvPr id="154" name="그룹 153">
             <a:extLst>
               <a:ext uri="{FF2B5EF4-FFF2-40B4-BE49-F238E27FC236}">
-                <a16:creationId xmlns="" xmlns:a16="http://schemas.microsoft.com/office/drawing/2014/main" id="{067A0F56-C447-423E-9659-D633D012C020}"/>
+                <a16:creationId xmlns:a16="http://schemas.microsoft.com/office/drawing/2014/main" id="{067A0F56-C447-423E-9659-D633D012C020}"/>
               </a:ext>
             </a:extLst>
           </p:cNvPr>
@@ -8016,7 +8012,7 @@
             <p:cNvPr id="151" name="TextBox 150">
               <a:extLst>
                 <a:ext uri="{FF2B5EF4-FFF2-40B4-BE49-F238E27FC236}">
-                  <a16:creationId xmlns="" xmlns:a16="http://schemas.microsoft.com/office/drawing/2014/main" id="{AAA813C2-B5B4-44C4-81D3-04B18EC33704}"/>
+                  <a16:creationId xmlns:a16="http://schemas.microsoft.com/office/drawing/2014/main" id="{AAA813C2-B5B4-44C4-81D3-04B18EC33704}"/>
                 </a:ext>
               </a:extLst>
             </p:cNvPr>
@@ -8055,7 +8051,7 @@
             <p:cNvPr id="150" name="타원 149">
               <a:extLst>
                 <a:ext uri="{FF2B5EF4-FFF2-40B4-BE49-F238E27FC236}">
-                  <a16:creationId xmlns="" xmlns:a16="http://schemas.microsoft.com/office/drawing/2014/main" id="{3730AD89-9B98-428B-8245-6139FEA1BAE6}"/>
+                  <a16:creationId xmlns:a16="http://schemas.microsoft.com/office/drawing/2014/main" id="{3730AD89-9B98-428B-8245-6139FEA1BAE6}"/>
                 </a:ext>
               </a:extLst>
             </p:cNvPr>
@@ -8109,7 +8105,7 @@
             <p:cNvPr id="152" name="TextBox 151">
               <a:extLst>
                 <a:ext uri="{FF2B5EF4-FFF2-40B4-BE49-F238E27FC236}">
-                  <a16:creationId xmlns="" xmlns:a16="http://schemas.microsoft.com/office/drawing/2014/main" id="{86F1206B-D53E-422D-84EF-3E7F87DAE0AF}"/>
+                  <a16:creationId xmlns:a16="http://schemas.microsoft.com/office/drawing/2014/main" id="{86F1206B-D53E-422D-84EF-3E7F87DAE0AF}"/>
                 </a:ext>
               </a:extLst>
             </p:cNvPr>
@@ -8165,7 +8161,7 @@
           <p:cNvPr id="153" name="TextBox 152">
             <a:extLst>
               <a:ext uri="{FF2B5EF4-FFF2-40B4-BE49-F238E27FC236}">
-                <a16:creationId xmlns="" xmlns:a16="http://schemas.microsoft.com/office/drawing/2014/main" id="{843CA255-7EDD-43DE-BC28-829DF012B93B}"/>
+                <a16:creationId xmlns:a16="http://schemas.microsoft.com/office/drawing/2014/main" id="{843CA255-7EDD-43DE-BC28-829DF012B93B}"/>
               </a:ext>
             </a:extLst>
           </p:cNvPr>
@@ -8209,7 +8205,7 @@
           <p:cNvPr id="155" name="그룹 154">
             <a:extLst>
               <a:ext uri="{FF2B5EF4-FFF2-40B4-BE49-F238E27FC236}">
-                <a16:creationId xmlns="" xmlns:a16="http://schemas.microsoft.com/office/drawing/2014/main" id="{9DD1DB25-0250-4800-B84B-6F38A3844C7F}"/>
+                <a16:creationId xmlns:a16="http://schemas.microsoft.com/office/drawing/2014/main" id="{9DD1DB25-0250-4800-B84B-6F38A3844C7F}"/>
               </a:ext>
             </a:extLst>
           </p:cNvPr>
@@ -8229,7 +8225,7 @@
             <p:cNvPr id="156" name="TextBox 155">
               <a:extLst>
                 <a:ext uri="{FF2B5EF4-FFF2-40B4-BE49-F238E27FC236}">
-                  <a16:creationId xmlns="" xmlns:a16="http://schemas.microsoft.com/office/drawing/2014/main" id="{937EC23A-A497-4FE2-84EC-70D75F840D24}"/>
+                  <a16:creationId xmlns:a16="http://schemas.microsoft.com/office/drawing/2014/main" id="{937EC23A-A497-4FE2-84EC-70D75F840D24}"/>
                 </a:ext>
               </a:extLst>
             </p:cNvPr>
@@ -8268,7 +8264,7 @@
             <p:cNvPr id="157" name="타원 156">
               <a:extLst>
                 <a:ext uri="{FF2B5EF4-FFF2-40B4-BE49-F238E27FC236}">
-                  <a16:creationId xmlns="" xmlns:a16="http://schemas.microsoft.com/office/drawing/2014/main" id="{0A6E595D-5D10-495A-93F7-2C00438A4123}"/>
+                  <a16:creationId xmlns:a16="http://schemas.microsoft.com/office/drawing/2014/main" id="{0A6E595D-5D10-495A-93F7-2C00438A4123}"/>
                 </a:ext>
               </a:extLst>
             </p:cNvPr>
@@ -8322,7 +8318,7 @@
             <p:cNvPr id="158" name="TextBox 157">
               <a:extLst>
                 <a:ext uri="{FF2B5EF4-FFF2-40B4-BE49-F238E27FC236}">
-                  <a16:creationId xmlns="" xmlns:a16="http://schemas.microsoft.com/office/drawing/2014/main" id="{51A7AA0B-5AA0-4622-9ACF-9B219ADF111D}"/>
+                  <a16:creationId xmlns:a16="http://schemas.microsoft.com/office/drawing/2014/main" id="{51A7AA0B-5AA0-4622-9ACF-9B219ADF111D}"/>
                 </a:ext>
               </a:extLst>
             </p:cNvPr>
@@ -8378,7 +8374,7 @@
           <p:cNvPr id="159" name="타원 158">
             <a:extLst>
               <a:ext uri="{FF2B5EF4-FFF2-40B4-BE49-F238E27FC236}">
-                <a16:creationId xmlns="" xmlns:a16="http://schemas.microsoft.com/office/drawing/2014/main" id="{526FFEF2-E14C-4007-9251-EA0B2BD1C3FB}"/>
+                <a16:creationId xmlns:a16="http://schemas.microsoft.com/office/drawing/2014/main" id="{526FFEF2-E14C-4007-9251-EA0B2BD1C3FB}"/>
               </a:ext>
             </a:extLst>
           </p:cNvPr>
@@ -8432,7 +8428,7 @@
           <p:cNvPr id="160" name="타원 159">
             <a:extLst>
               <a:ext uri="{FF2B5EF4-FFF2-40B4-BE49-F238E27FC236}">
-                <a16:creationId xmlns="" xmlns:a16="http://schemas.microsoft.com/office/drawing/2014/main" id="{E2D2C27E-A4EF-4AFF-B986-52C26D38C7FB}"/>
+                <a16:creationId xmlns:a16="http://schemas.microsoft.com/office/drawing/2014/main" id="{E2D2C27E-A4EF-4AFF-B986-52C26D38C7FB}"/>
               </a:ext>
             </a:extLst>
           </p:cNvPr>
@@ -8486,7 +8482,7 @@
           <p:cNvPr id="161" name="TextBox 160">
             <a:extLst>
               <a:ext uri="{FF2B5EF4-FFF2-40B4-BE49-F238E27FC236}">
-                <a16:creationId xmlns="" xmlns:a16="http://schemas.microsoft.com/office/drawing/2014/main" id="{771AA55F-E132-40D6-BB9B-36ED4B05AC2F}"/>
+                <a16:creationId xmlns:a16="http://schemas.microsoft.com/office/drawing/2014/main" id="{771AA55F-E132-40D6-BB9B-36ED4B05AC2F}"/>
               </a:ext>
             </a:extLst>
           </p:cNvPr>
@@ -8599,7 +8595,7 @@
           <p:cNvPr id="162" name="TextBox 161">
             <a:extLst>
               <a:ext uri="{FF2B5EF4-FFF2-40B4-BE49-F238E27FC236}">
-                <a16:creationId xmlns="" xmlns:a16="http://schemas.microsoft.com/office/drawing/2014/main" id="{2CDE1E13-2979-480E-BFAF-B76431AAF33B}"/>
+                <a16:creationId xmlns:a16="http://schemas.microsoft.com/office/drawing/2014/main" id="{2CDE1E13-2979-480E-BFAF-B76431AAF33B}"/>
               </a:ext>
             </a:extLst>
           </p:cNvPr>
@@ -8681,7 +8677,7 @@
           <p:cNvPr id="2" name="직사각형 1">
             <a:extLst>
               <a:ext uri="{FF2B5EF4-FFF2-40B4-BE49-F238E27FC236}">
-                <a16:creationId xmlns="" xmlns:a16="http://schemas.microsoft.com/office/drawing/2014/main" id="{B2C92360-C33A-46F9-82BD-6D910E205878}"/>
+                <a16:creationId xmlns:a16="http://schemas.microsoft.com/office/drawing/2014/main" id="{B2C92360-C33A-46F9-82BD-6D910E205878}"/>
               </a:ext>
             </a:extLst>
           </p:cNvPr>
@@ -8735,7 +8731,7 @@
           <p:cNvPr id="3" name="직사각형 2">
             <a:extLst>
               <a:ext uri="{FF2B5EF4-FFF2-40B4-BE49-F238E27FC236}">
-                <a16:creationId xmlns="" xmlns:a16="http://schemas.microsoft.com/office/drawing/2014/main" id="{4FB6433F-953A-4346-AC70-45B76AD05C8B}"/>
+                <a16:creationId xmlns:a16="http://schemas.microsoft.com/office/drawing/2014/main" id="{4FB6433F-953A-4346-AC70-45B76AD05C8B}"/>
               </a:ext>
             </a:extLst>
           </p:cNvPr>
@@ -8789,7 +8785,7 @@
           <p:cNvPr id="13" name="타원 12">
             <a:extLst>
               <a:ext uri="{FF2B5EF4-FFF2-40B4-BE49-F238E27FC236}">
-                <a16:creationId xmlns="" xmlns:a16="http://schemas.microsoft.com/office/drawing/2014/main" id="{22516CB0-4604-47F7-BF70-59D4BDA6FFB2}"/>
+                <a16:creationId xmlns:a16="http://schemas.microsoft.com/office/drawing/2014/main" id="{22516CB0-4604-47F7-BF70-59D4BDA6FFB2}"/>
               </a:ext>
             </a:extLst>
           </p:cNvPr>
@@ -8843,7 +8839,7 @@
           <p:cNvPr id="19" name="타원 18">
             <a:extLst>
               <a:ext uri="{FF2B5EF4-FFF2-40B4-BE49-F238E27FC236}">
-                <a16:creationId xmlns="" xmlns:a16="http://schemas.microsoft.com/office/drawing/2014/main" id="{1B99A42C-10ED-42E0-8353-B623E0BC42FE}"/>
+                <a16:creationId xmlns:a16="http://schemas.microsoft.com/office/drawing/2014/main" id="{1B99A42C-10ED-42E0-8353-B623E0BC42FE}"/>
               </a:ext>
             </a:extLst>
           </p:cNvPr>
@@ -8897,7 +8893,7 @@
           <p:cNvPr id="27" name="직사각형 26">
             <a:extLst>
               <a:ext uri="{FF2B5EF4-FFF2-40B4-BE49-F238E27FC236}">
-                <a16:creationId xmlns="" xmlns:a16="http://schemas.microsoft.com/office/drawing/2014/main" id="{A4F25954-D150-4537-8AC5-DCE54AF99D0B}"/>
+                <a16:creationId xmlns:a16="http://schemas.microsoft.com/office/drawing/2014/main" id="{A4F25954-D150-4537-8AC5-DCE54AF99D0B}"/>
               </a:ext>
             </a:extLst>
           </p:cNvPr>
@@ -8951,7 +8947,7 @@
           <p:cNvPr id="28" name="직사각형 27">
             <a:extLst>
               <a:ext uri="{FF2B5EF4-FFF2-40B4-BE49-F238E27FC236}">
-                <a16:creationId xmlns="" xmlns:a16="http://schemas.microsoft.com/office/drawing/2014/main" id="{6DCBB259-0998-46D2-84F6-F993BB10A48C}"/>
+                <a16:creationId xmlns:a16="http://schemas.microsoft.com/office/drawing/2014/main" id="{6DCBB259-0998-46D2-84F6-F993BB10A48C}"/>
               </a:ext>
             </a:extLst>
           </p:cNvPr>
@@ -9005,7 +9001,7 @@
           <p:cNvPr id="30" name="TextBox 29">
             <a:extLst>
               <a:ext uri="{FF2B5EF4-FFF2-40B4-BE49-F238E27FC236}">
-                <a16:creationId xmlns="" xmlns:a16="http://schemas.microsoft.com/office/drawing/2014/main" id="{9E443283-F2F5-47AA-A859-82148E0CE2CD}"/>
+                <a16:creationId xmlns:a16="http://schemas.microsoft.com/office/drawing/2014/main" id="{9E443283-F2F5-47AA-A859-82148E0CE2CD}"/>
               </a:ext>
             </a:extLst>
           </p:cNvPr>
@@ -9047,7 +9043,7 @@
           <p:cNvPr id="37" name="직사각형 36">
             <a:extLst>
               <a:ext uri="{FF2B5EF4-FFF2-40B4-BE49-F238E27FC236}">
-                <a16:creationId xmlns="" xmlns:a16="http://schemas.microsoft.com/office/drawing/2014/main" id="{3394C3F3-8EDE-4AA6-8D02-FA02C389D83D}"/>
+                <a16:creationId xmlns:a16="http://schemas.microsoft.com/office/drawing/2014/main" id="{3394C3F3-8EDE-4AA6-8D02-FA02C389D83D}"/>
               </a:ext>
             </a:extLst>
           </p:cNvPr>
@@ -9101,7 +9097,7 @@
           <p:cNvPr id="38" name="그룹 37">
             <a:extLst>
               <a:ext uri="{FF2B5EF4-FFF2-40B4-BE49-F238E27FC236}">
-                <a16:creationId xmlns="" xmlns:a16="http://schemas.microsoft.com/office/drawing/2014/main" id="{3266F12E-EF10-4B18-A10F-5740263E80BC}"/>
+                <a16:creationId xmlns:a16="http://schemas.microsoft.com/office/drawing/2014/main" id="{3266F12E-EF10-4B18-A10F-5740263E80BC}"/>
               </a:ext>
             </a:extLst>
           </p:cNvPr>
@@ -9121,7 +9117,7 @@
             <p:cNvPr id="39" name="TextBox 38">
               <a:extLst>
                 <a:ext uri="{FF2B5EF4-FFF2-40B4-BE49-F238E27FC236}">
-                  <a16:creationId xmlns="" xmlns:a16="http://schemas.microsoft.com/office/drawing/2014/main" id="{0D4D0129-94E1-4D54-8623-9AB0ACD99DC9}"/>
+                  <a16:creationId xmlns:a16="http://schemas.microsoft.com/office/drawing/2014/main" id="{0D4D0129-94E1-4D54-8623-9AB0ACD99DC9}"/>
                 </a:ext>
               </a:extLst>
             </p:cNvPr>
@@ -9174,10 +9170,6 @@
               <a:endParaRPr lang="en-US" altLang="ko-KR" sz="1000" dirty="0"/>
             </a:p>
             <a:p>
-              <a:r>
-                <a:rPr lang="en-US" altLang="ko-KR" sz="1000" dirty="0"/>
-                <a:t/>
-              </a:r>
               <a:br>
                 <a:rPr lang="en-US" altLang="ko-KR" sz="1000" dirty="0"/>
               </a:br>
@@ -9215,7 +9207,7 @@
             <p:cNvPr id="40" name="타원 39">
               <a:extLst>
                 <a:ext uri="{FF2B5EF4-FFF2-40B4-BE49-F238E27FC236}">
-                  <a16:creationId xmlns="" xmlns:a16="http://schemas.microsoft.com/office/drawing/2014/main" id="{5F5F62E0-F2F9-4FF1-9922-8461DC638368}"/>
+                  <a16:creationId xmlns:a16="http://schemas.microsoft.com/office/drawing/2014/main" id="{5F5F62E0-F2F9-4FF1-9922-8461DC638368}"/>
                 </a:ext>
               </a:extLst>
             </p:cNvPr>
@@ -9269,7 +9261,7 @@
             <p:cNvPr id="41" name="직사각형 40">
               <a:extLst>
                 <a:ext uri="{FF2B5EF4-FFF2-40B4-BE49-F238E27FC236}">
-                  <a16:creationId xmlns="" xmlns:a16="http://schemas.microsoft.com/office/drawing/2014/main" id="{577B372C-927E-4263-AA66-0A45EAB1DF04}"/>
+                  <a16:creationId xmlns:a16="http://schemas.microsoft.com/office/drawing/2014/main" id="{577B372C-927E-4263-AA66-0A45EAB1DF04}"/>
                 </a:ext>
               </a:extLst>
             </p:cNvPr>
@@ -9327,7 +9319,7 @@
           <p:cNvPr id="42" name="그룹 41">
             <a:extLst>
               <a:ext uri="{FF2B5EF4-FFF2-40B4-BE49-F238E27FC236}">
-                <a16:creationId xmlns="" xmlns:a16="http://schemas.microsoft.com/office/drawing/2014/main" id="{E6D27DBE-7953-416B-BF32-4418F44F4C50}"/>
+                <a16:creationId xmlns:a16="http://schemas.microsoft.com/office/drawing/2014/main" id="{E6D27DBE-7953-416B-BF32-4418F44F4C50}"/>
               </a:ext>
             </a:extLst>
           </p:cNvPr>
@@ -9347,7 +9339,7 @@
             <p:cNvPr id="43" name="TextBox 42">
               <a:extLst>
                 <a:ext uri="{FF2B5EF4-FFF2-40B4-BE49-F238E27FC236}">
-                  <a16:creationId xmlns="" xmlns:a16="http://schemas.microsoft.com/office/drawing/2014/main" id="{EC4DBD43-148B-4897-8088-0FA1AEA81EEF}"/>
+                  <a16:creationId xmlns:a16="http://schemas.microsoft.com/office/drawing/2014/main" id="{EC4DBD43-148B-4897-8088-0FA1AEA81EEF}"/>
                 </a:ext>
               </a:extLst>
             </p:cNvPr>
@@ -9453,7 +9445,7 @@
             <p:cNvPr id="44" name="타원 43">
               <a:extLst>
                 <a:ext uri="{FF2B5EF4-FFF2-40B4-BE49-F238E27FC236}">
-                  <a16:creationId xmlns="" xmlns:a16="http://schemas.microsoft.com/office/drawing/2014/main" id="{261C02D0-EA84-4424-95C4-06A1205AA05A}"/>
+                  <a16:creationId xmlns:a16="http://schemas.microsoft.com/office/drawing/2014/main" id="{261C02D0-EA84-4424-95C4-06A1205AA05A}"/>
                 </a:ext>
               </a:extLst>
             </p:cNvPr>
@@ -9507,7 +9499,7 @@
             <p:cNvPr id="45" name="직사각형 44">
               <a:extLst>
                 <a:ext uri="{FF2B5EF4-FFF2-40B4-BE49-F238E27FC236}">
-                  <a16:creationId xmlns="" xmlns:a16="http://schemas.microsoft.com/office/drawing/2014/main" id="{AC4569CC-589F-431C-939D-668ED7951BE7}"/>
+                  <a16:creationId xmlns:a16="http://schemas.microsoft.com/office/drawing/2014/main" id="{AC4569CC-589F-431C-939D-668ED7951BE7}"/>
                 </a:ext>
               </a:extLst>
             </p:cNvPr>
@@ -9565,7 +9557,7 @@
           <p:cNvPr id="46" name="직사각형 45">
             <a:extLst>
               <a:ext uri="{FF2B5EF4-FFF2-40B4-BE49-F238E27FC236}">
-                <a16:creationId xmlns="" xmlns:a16="http://schemas.microsoft.com/office/drawing/2014/main" id="{D3E20144-6713-4E25-A870-958E31BE2D30}"/>
+                <a16:creationId xmlns:a16="http://schemas.microsoft.com/office/drawing/2014/main" id="{D3E20144-6713-4E25-A870-958E31BE2D30}"/>
               </a:ext>
             </a:extLst>
           </p:cNvPr>
@@ -9619,7 +9611,7 @@
           <p:cNvPr id="47" name="직사각형 46">
             <a:extLst>
               <a:ext uri="{FF2B5EF4-FFF2-40B4-BE49-F238E27FC236}">
-                <a16:creationId xmlns="" xmlns:a16="http://schemas.microsoft.com/office/drawing/2014/main" id="{95B1E11E-7A14-45AB-AF49-089D9CA8B59C}"/>
+                <a16:creationId xmlns:a16="http://schemas.microsoft.com/office/drawing/2014/main" id="{95B1E11E-7A14-45AB-AF49-089D9CA8B59C}"/>
               </a:ext>
             </a:extLst>
           </p:cNvPr>
@@ -9673,7 +9665,7 @@
           <p:cNvPr id="48" name="직사각형 47">
             <a:extLst>
               <a:ext uri="{FF2B5EF4-FFF2-40B4-BE49-F238E27FC236}">
-                <a16:creationId xmlns="" xmlns:a16="http://schemas.microsoft.com/office/drawing/2014/main" id="{6E9430C2-B03D-4904-A3BB-DEE9C3ED215A}"/>
+                <a16:creationId xmlns:a16="http://schemas.microsoft.com/office/drawing/2014/main" id="{6E9430C2-B03D-4904-A3BB-DEE9C3ED215A}"/>
               </a:ext>
             </a:extLst>
           </p:cNvPr>
@@ -9727,7 +9719,7 @@
           <p:cNvPr id="49" name="직사각형 48">
             <a:extLst>
               <a:ext uri="{FF2B5EF4-FFF2-40B4-BE49-F238E27FC236}">
-                <a16:creationId xmlns="" xmlns:a16="http://schemas.microsoft.com/office/drawing/2014/main" id="{D07D2E78-FA0B-44A6-9C91-7D6F0FCE2D63}"/>
+                <a16:creationId xmlns:a16="http://schemas.microsoft.com/office/drawing/2014/main" id="{D07D2E78-FA0B-44A6-9C91-7D6F0FCE2D63}"/>
               </a:ext>
             </a:extLst>
           </p:cNvPr>
@@ -9781,7 +9773,7 @@
           <p:cNvPr id="50" name="직사각형 49">
             <a:extLst>
               <a:ext uri="{FF2B5EF4-FFF2-40B4-BE49-F238E27FC236}">
-                <a16:creationId xmlns="" xmlns:a16="http://schemas.microsoft.com/office/drawing/2014/main" id="{4043A908-C547-49CB-A640-5D71E5303F44}"/>
+                <a16:creationId xmlns:a16="http://schemas.microsoft.com/office/drawing/2014/main" id="{4043A908-C547-49CB-A640-5D71E5303F44}"/>
               </a:ext>
             </a:extLst>
           </p:cNvPr>
@@ -9835,7 +9827,7 @@
           <p:cNvPr id="51" name="직사각형 50">
             <a:extLst>
               <a:ext uri="{FF2B5EF4-FFF2-40B4-BE49-F238E27FC236}">
-                <a16:creationId xmlns="" xmlns:a16="http://schemas.microsoft.com/office/drawing/2014/main" id="{843167CF-D4D8-498C-9E76-EE1064B6CD1F}"/>
+                <a16:creationId xmlns:a16="http://schemas.microsoft.com/office/drawing/2014/main" id="{843167CF-D4D8-498C-9E76-EE1064B6CD1F}"/>
               </a:ext>
             </a:extLst>
           </p:cNvPr>
@@ -9889,7 +9881,7 @@
           <p:cNvPr id="52" name="직사각형 51">
             <a:extLst>
               <a:ext uri="{FF2B5EF4-FFF2-40B4-BE49-F238E27FC236}">
-                <a16:creationId xmlns="" xmlns:a16="http://schemas.microsoft.com/office/drawing/2014/main" id="{99D07B69-57CC-4DF9-98E1-D908CFDAF067}"/>
+                <a16:creationId xmlns:a16="http://schemas.microsoft.com/office/drawing/2014/main" id="{99D07B69-57CC-4DF9-98E1-D908CFDAF067}"/>
               </a:ext>
             </a:extLst>
           </p:cNvPr>
@@ -9943,7 +9935,7 @@
           <p:cNvPr id="53" name="직사각형 52">
             <a:extLst>
               <a:ext uri="{FF2B5EF4-FFF2-40B4-BE49-F238E27FC236}">
-                <a16:creationId xmlns="" xmlns:a16="http://schemas.microsoft.com/office/drawing/2014/main" id="{A4F63C0A-84B5-4E21-BBF6-DE29C51395F1}"/>
+                <a16:creationId xmlns:a16="http://schemas.microsoft.com/office/drawing/2014/main" id="{A4F63C0A-84B5-4E21-BBF6-DE29C51395F1}"/>
               </a:ext>
             </a:extLst>
           </p:cNvPr>
@@ -9997,7 +9989,7 @@
           <p:cNvPr id="54" name="직사각형 53">
             <a:extLst>
               <a:ext uri="{FF2B5EF4-FFF2-40B4-BE49-F238E27FC236}">
-                <a16:creationId xmlns="" xmlns:a16="http://schemas.microsoft.com/office/drawing/2014/main" id="{3EE46C2C-1473-4BB7-A028-CDFB082A4730}"/>
+                <a16:creationId xmlns:a16="http://schemas.microsoft.com/office/drawing/2014/main" id="{3EE46C2C-1473-4BB7-A028-CDFB082A4730}"/>
               </a:ext>
             </a:extLst>
           </p:cNvPr>
@@ -10051,7 +10043,7 @@
           <p:cNvPr id="55" name="직사각형 54">
             <a:extLst>
               <a:ext uri="{FF2B5EF4-FFF2-40B4-BE49-F238E27FC236}">
-                <a16:creationId xmlns="" xmlns:a16="http://schemas.microsoft.com/office/drawing/2014/main" id="{3A75657D-809B-44DC-BD15-B5442E8A5389}"/>
+                <a16:creationId xmlns:a16="http://schemas.microsoft.com/office/drawing/2014/main" id="{3A75657D-809B-44DC-BD15-B5442E8A5389}"/>
               </a:ext>
             </a:extLst>
           </p:cNvPr>
@@ -10105,7 +10097,7 @@
           <p:cNvPr id="56" name="직사각형 55">
             <a:extLst>
               <a:ext uri="{FF2B5EF4-FFF2-40B4-BE49-F238E27FC236}">
-                <a16:creationId xmlns="" xmlns:a16="http://schemas.microsoft.com/office/drawing/2014/main" id="{34C948D3-2172-4231-B881-1467EDD6F38A}"/>
+                <a16:creationId xmlns:a16="http://schemas.microsoft.com/office/drawing/2014/main" id="{34C948D3-2172-4231-B881-1467EDD6F38A}"/>
               </a:ext>
             </a:extLst>
           </p:cNvPr>
@@ -10159,7 +10151,7 @@
           <p:cNvPr id="57" name="직사각형 56">
             <a:extLst>
               <a:ext uri="{FF2B5EF4-FFF2-40B4-BE49-F238E27FC236}">
-                <a16:creationId xmlns="" xmlns:a16="http://schemas.microsoft.com/office/drawing/2014/main" id="{5069912C-4D8C-4E21-87C6-AF1AC88F6CBD}"/>
+                <a16:creationId xmlns:a16="http://schemas.microsoft.com/office/drawing/2014/main" id="{5069912C-4D8C-4E21-87C6-AF1AC88F6CBD}"/>
               </a:ext>
             </a:extLst>
           </p:cNvPr>
@@ -10213,7 +10205,7 @@
           <p:cNvPr id="58" name="직사각형 57">
             <a:extLst>
               <a:ext uri="{FF2B5EF4-FFF2-40B4-BE49-F238E27FC236}">
-                <a16:creationId xmlns="" xmlns:a16="http://schemas.microsoft.com/office/drawing/2014/main" id="{93FEF782-B96F-4AA2-AFF3-0155CF5ABF0E}"/>
+                <a16:creationId xmlns:a16="http://schemas.microsoft.com/office/drawing/2014/main" id="{93FEF782-B96F-4AA2-AFF3-0155CF5ABF0E}"/>
               </a:ext>
             </a:extLst>
           </p:cNvPr>
@@ -10267,7 +10259,7 @@
           <p:cNvPr id="61" name="직사각형 60">
             <a:extLst>
               <a:ext uri="{FF2B5EF4-FFF2-40B4-BE49-F238E27FC236}">
-                <a16:creationId xmlns="" xmlns:a16="http://schemas.microsoft.com/office/drawing/2014/main" id="{B1B92AD2-4462-4419-9811-58AF185F9A41}"/>
+                <a16:creationId xmlns:a16="http://schemas.microsoft.com/office/drawing/2014/main" id="{B1B92AD2-4462-4419-9811-58AF185F9A41}"/>
               </a:ext>
             </a:extLst>
           </p:cNvPr>
@@ -10321,7 +10313,7 @@
           <p:cNvPr id="62" name="직사각형 61">
             <a:extLst>
               <a:ext uri="{FF2B5EF4-FFF2-40B4-BE49-F238E27FC236}">
-                <a16:creationId xmlns="" xmlns:a16="http://schemas.microsoft.com/office/drawing/2014/main" id="{D5AF3640-982F-42AC-BCB9-7A8DECBFE748}"/>
+                <a16:creationId xmlns:a16="http://schemas.microsoft.com/office/drawing/2014/main" id="{D5AF3640-982F-42AC-BCB9-7A8DECBFE748}"/>
               </a:ext>
             </a:extLst>
           </p:cNvPr>
@@ -10375,7 +10367,7 @@
           <p:cNvPr id="63" name="직사각형 62">
             <a:extLst>
               <a:ext uri="{FF2B5EF4-FFF2-40B4-BE49-F238E27FC236}">
-                <a16:creationId xmlns="" xmlns:a16="http://schemas.microsoft.com/office/drawing/2014/main" id="{92209C06-078B-4721-B76B-33BE33BEC704}"/>
+                <a16:creationId xmlns:a16="http://schemas.microsoft.com/office/drawing/2014/main" id="{92209C06-078B-4721-B76B-33BE33BEC704}"/>
               </a:ext>
             </a:extLst>
           </p:cNvPr>
@@ -10429,7 +10421,7 @@
           <p:cNvPr id="64" name="직사각형 63">
             <a:extLst>
               <a:ext uri="{FF2B5EF4-FFF2-40B4-BE49-F238E27FC236}">
-                <a16:creationId xmlns="" xmlns:a16="http://schemas.microsoft.com/office/drawing/2014/main" id="{527F1F91-E7E4-4308-A62F-2850E9D1C2F7}"/>
+                <a16:creationId xmlns:a16="http://schemas.microsoft.com/office/drawing/2014/main" id="{527F1F91-E7E4-4308-A62F-2850E9D1C2F7}"/>
               </a:ext>
             </a:extLst>
           </p:cNvPr>
@@ -10483,7 +10475,7 @@
           <p:cNvPr id="65" name="직사각형 64">
             <a:extLst>
               <a:ext uri="{FF2B5EF4-FFF2-40B4-BE49-F238E27FC236}">
-                <a16:creationId xmlns="" xmlns:a16="http://schemas.microsoft.com/office/drawing/2014/main" id="{444E7598-53E5-440B-9175-63569EFE2CC5}"/>
+                <a16:creationId xmlns:a16="http://schemas.microsoft.com/office/drawing/2014/main" id="{444E7598-53E5-440B-9175-63569EFE2CC5}"/>
               </a:ext>
             </a:extLst>
           </p:cNvPr>
@@ -10537,7 +10529,7 @@
           <p:cNvPr id="66" name="직사각형 65">
             <a:extLst>
               <a:ext uri="{FF2B5EF4-FFF2-40B4-BE49-F238E27FC236}">
-                <a16:creationId xmlns="" xmlns:a16="http://schemas.microsoft.com/office/drawing/2014/main" id="{78964BB3-1232-4605-AD6F-DF1924C16B7B}"/>
+                <a16:creationId xmlns:a16="http://schemas.microsoft.com/office/drawing/2014/main" id="{78964BB3-1232-4605-AD6F-DF1924C16B7B}"/>
               </a:ext>
             </a:extLst>
           </p:cNvPr>
@@ -10591,7 +10583,7 @@
           <p:cNvPr id="67" name="직사각형 66">
             <a:extLst>
               <a:ext uri="{FF2B5EF4-FFF2-40B4-BE49-F238E27FC236}">
-                <a16:creationId xmlns="" xmlns:a16="http://schemas.microsoft.com/office/drawing/2014/main" id="{5E451305-8F0E-46E2-99E7-97EFC89432A1}"/>
+                <a16:creationId xmlns:a16="http://schemas.microsoft.com/office/drawing/2014/main" id="{5E451305-8F0E-46E2-99E7-97EFC89432A1}"/>
               </a:ext>
             </a:extLst>
           </p:cNvPr>
@@ -10645,7 +10637,7 @@
           <p:cNvPr id="68" name="직사각형 67">
             <a:extLst>
               <a:ext uri="{FF2B5EF4-FFF2-40B4-BE49-F238E27FC236}">
-                <a16:creationId xmlns="" xmlns:a16="http://schemas.microsoft.com/office/drawing/2014/main" id="{6D54F0F7-CDB7-468B-85C9-F3D852D64B81}"/>
+                <a16:creationId xmlns:a16="http://schemas.microsoft.com/office/drawing/2014/main" id="{6D54F0F7-CDB7-468B-85C9-F3D852D64B81}"/>
               </a:ext>
             </a:extLst>
           </p:cNvPr>
@@ -10699,7 +10691,7 @@
           <p:cNvPr id="69" name="직사각형 68">
             <a:extLst>
               <a:ext uri="{FF2B5EF4-FFF2-40B4-BE49-F238E27FC236}">
-                <a16:creationId xmlns="" xmlns:a16="http://schemas.microsoft.com/office/drawing/2014/main" id="{479F67A3-1E64-4D87-AAD6-0BA2BDC4EC1A}"/>
+                <a16:creationId xmlns:a16="http://schemas.microsoft.com/office/drawing/2014/main" id="{479F67A3-1E64-4D87-AAD6-0BA2BDC4EC1A}"/>
               </a:ext>
             </a:extLst>
           </p:cNvPr>
@@ -10753,7 +10745,7 @@
           <p:cNvPr id="70" name="직사각형 69">
             <a:extLst>
               <a:ext uri="{FF2B5EF4-FFF2-40B4-BE49-F238E27FC236}">
-                <a16:creationId xmlns="" xmlns:a16="http://schemas.microsoft.com/office/drawing/2014/main" id="{88C053F9-1009-4D58-B1DB-2637632D6557}"/>
+                <a16:creationId xmlns:a16="http://schemas.microsoft.com/office/drawing/2014/main" id="{88C053F9-1009-4D58-B1DB-2637632D6557}"/>
               </a:ext>
             </a:extLst>
           </p:cNvPr>
@@ -10807,7 +10799,7 @@
           <p:cNvPr id="71" name="직사각형 70">
             <a:extLst>
               <a:ext uri="{FF2B5EF4-FFF2-40B4-BE49-F238E27FC236}">
-                <a16:creationId xmlns="" xmlns:a16="http://schemas.microsoft.com/office/drawing/2014/main" id="{F15651A3-DB9B-4796-9EE7-B511FE4CB6C3}"/>
+                <a16:creationId xmlns:a16="http://schemas.microsoft.com/office/drawing/2014/main" id="{F15651A3-DB9B-4796-9EE7-B511FE4CB6C3}"/>
               </a:ext>
             </a:extLst>
           </p:cNvPr>
@@ -10861,7 +10853,7 @@
           <p:cNvPr id="72" name="직사각형 71">
             <a:extLst>
               <a:ext uri="{FF2B5EF4-FFF2-40B4-BE49-F238E27FC236}">
-                <a16:creationId xmlns="" xmlns:a16="http://schemas.microsoft.com/office/drawing/2014/main" id="{FAEB40AB-9177-4C0C-8FCA-654BD4C8D11D}"/>
+                <a16:creationId xmlns:a16="http://schemas.microsoft.com/office/drawing/2014/main" id="{FAEB40AB-9177-4C0C-8FCA-654BD4C8D11D}"/>
               </a:ext>
             </a:extLst>
           </p:cNvPr>
@@ -10915,7 +10907,7 @@
           <p:cNvPr id="73" name="직사각형 72">
             <a:extLst>
               <a:ext uri="{FF2B5EF4-FFF2-40B4-BE49-F238E27FC236}">
-                <a16:creationId xmlns="" xmlns:a16="http://schemas.microsoft.com/office/drawing/2014/main" id="{89B12FEF-E510-4309-B410-0B26816996F9}"/>
+                <a16:creationId xmlns:a16="http://schemas.microsoft.com/office/drawing/2014/main" id="{89B12FEF-E510-4309-B410-0B26816996F9}"/>
               </a:ext>
             </a:extLst>
           </p:cNvPr>
@@ -10969,7 +10961,7 @@
           <p:cNvPr id="74" name="직사각형 73">
             <a:extLst>
               <a:ext uri="{FF2B5EF4-FFF2-40B4-BE49-F238E27FC236}">
-                <a16:creationId xmlns="" xmlns:a16="http://schemas.microsoft.com/office/drawing/2014/main" id="{E11D7440-05C2-4EAB-A236-8039A06DFA83}"/>
+                <a16:creationId xmlns:a16="http://schemas.microsoft.com/office/drawing/2014/main" id="{E11D7440-05C2-4EAB-A236-8039A06DFA83}"/>
               </a:ext>
             </a:extLst>
           </p:cNvPr>
@@ -11023,7 +11015,7 @@
           <p:cNvPr id="75" name="직사각형 74">
             <a:extLst>
               <a:ext uri="{FF2B5EF4-FFF2-40B4-BE49-F238E27FC236}">
-                <a16:creationId xmlns="" xmlns:a16="http://schemas.microsoft.com/office/drawing/2014/main" id="{1E68E927-3C1A-4DD0-805A-EA5AA98EBA24}"/>
+                <a16:creationId xmlns:a16="http://schemas.microsoft.com/office/drawing/2014/main" id="{1E68E927-3C1A-4DD0-805A-EA5AA98EBA24}"/>
               </a:ext>
             </a:extLst>
           </p:cNvPr>
@@ -11077,7 +11069,7 @@
           <p:cNvPr id="76" name="직사각형 75">
             <a:extLst>
               <a:ext uri="{FF2B5EF4-FFF2-40B4-BE49-F238E27FC236}">
-                <a16:creationId xmlns="" xmlns:a16="http://schemas.microsoft.com/office/drawing/2014/main" id="{4F6B78E7-12F7-4FDD-AE48-024A26319207}"/>
+                <a16:creationId xmlns:a16="http://schemas.microsoft.com/office/drawing/2014/main" id="{4F6B78E7-12F7-4FDD-AE48-024A26319207}"/>
               </a:ext>
             </a:extLst>
           </p:cNvPr>
@@ -11131,7 +11123,7 @@
           <p:cNvPr id="77" name="직사각형 76">
             <a:extLst>
               <a:ext uri="{FF2B5EF4-FFF2-40B4-BE49-F238E27FC236}">
-                <a16:creationId xmlns="" xmlns:a16="http://schemas.microsoft.com/office/drawing/2014/main" id="{062C1480-4B0D-467C-8A9D-01D13D06687B}"/>
+                <a16:creationId xmlns:a16="http://schemas.microsoft.com/office/drawing/2014/main" id="{062C1480-4B0D-467C-8A9D-01D13D06687B}"/>
               </a:ext>
             </a:extLst>
           </p:cNvPr>
@@ -11185,7 +11177,7 @@
           <p:cNvPr id="78" name="직사각형 77">
             <a:extLst>
               <a:ext uri="{FF2B5EF4-FFF2-40B4-BE49-F238E27FC236}">
-                <a16:creationId xmlns="" xmlns:a16="http://schemas.microsoft.com/office/drawing/2014/main" id="{1FAF466C-36DC-45FB-ABE4-537A21792308}"/>
+                <a16:creationId xmlns:a16="http://schemas.microsoft.com/office/drawing/2014/main" id="{1FAF466C-36DC-45FB-ABE4-537A21792308}"/>
               </a:ext>
             </a:extLst>
           </p:cNvPr>
@@ -11239,7 +11231,7 @@
           <p:cNvPr id="79" name="직사각형 78">
             <a:extLst>
               <a:ext uri="{FF2B5EF4-FFF2-40B4-BE49-F238E27FC236}">
-                <a16:creationId xmlns="" xmlns:a16="http://schemas.microsoft.com/office/drawing/2014/main" id="{1B243C6E-71F5-415B-9D4C-E7278C8BE1BB}"/>
+                <a16:creationId xmlns:a16="http://schemas.microsoft.com/office/drawing/2014/main" id="{1B243C6E-71F5-415B-9D4C-E7278C8BE1BB}"/>
               </a:ext>
             </a:extLst>
           </p:cNvPr>
@@ -11293,7 +11285,7 @@
           <p:cNvPr id="80" name="직사각형 79">
             <a:extLst>
               <a:ext uri="{FF2B5EF4-FFF2-40B4-BE49-F238E27FC236}">
-                <a16:creationId xmlns="" xmlns:a16="http://schemas.microsoft.com/office/drawing/2014/main" id="{AC0D24CA-FDF4-467F-8339-9F61E394ED29}"/>
+                <a16:creationId xmlns:a16="http://schemas.microsoft.com/office/drawing/2014/main" id="{AC0D24CA-FDF4-467F-8339-9F61E394ED29}"/>
               </a:ext>
             </a:extLst>
           </p:cNvPr>
@@ -11347,7 +11339,7 @@
           <p:cNvPr id="81" name="직사각형 80">
             <a:extLst>
               <a:ext uri="{FF2B5EF4-FFF2-40B4-BE49-F238E27FC236}">
-                <a16:creationId xmlns="" xmlns:a16="http://schemas.microsoft.com/office/drawing/2014/main" id="{32A36638-BD9E-488B-B31C-7961E0861439}"/>
+                <a16:creationId xmlns:a16="http://schemas.microsoft.com/office/drawing/2014/main" id="{32A36638-BD9E-488B-B31C-7961E0861439}"/>
               </a:ext>
             </a:extLst>
           </p:cNvPr>
@@ -11403,7 +11395,7 @@
           <p:cNvPr id="82" name="TextBox 81">
             <a:extLst>
               <a:ext uri="{FF2B5EF4-FFF2-40B4-BE49-F238E27FC236}">
-                <a16:creationId xmlns="" xmlns:a16="http://schemas.microsoft.com/office/drawing/2014/main" id="{C5DF76BA-2E32-4F49-B9F7-432E1042DB16}"/>
+                <a16:creationId xmlns:a16="http://schemas.microsoft.com/office/drawing/2014/main" id="{C5DF76BA-2E32-4F49-B9F7-432E1042DB16}"/>
               </a:ext>
             </a:extLst>
           </p:cNvPr>
@@ -11468,7 +11460,7 @@
           <p:cNvPr id="83" name="직사각형 82">
             <a:extLst>
               <a:ext uri="{FF2B5EF4-FFF2-40B4-BE49-F238E27FC236}">
-                <a16:creationId xmlns="" xmlns:a16="http://schemas.microsoft.com/office/drawing/2014/main" id="{D9C09403-9E6D-4B11-B276-D24B4860AFAA}"/>
+                <a16:creationId xmlns:a16="http://schemas.microsoft.com/office/drawing/2014/main" id="{D9C09403-9E6D-4B11-B276-D24B4860AFAA}"/>
               </a:ext>
             </a:extLst>
           </p:cNvPr>
@@ -11522,7 +11514,7 @@
           <p:cNvPr id="85" name="직선 연결선 84">
             <a:extLst>
               <a:ext uri="{FF2B5EF4-FFF2-40B4-BE49-F238E27FC236}">
-                <a16:creationId xmlns="" xmlns:a16="http://schemas.microsoft.com/office/drawing/2014/main" id="{3E83F32F-AD39-417A-BFE4-A5C995FE1AB0}"/>
+                <a16:creationId xmlns:a16="http://schemas.microsoft.com/office/drawing/2014/main" id="{3E83F32F-AD39-417A-BFE4-A5C995FE1AB0}"/>
               </a:ext>
             </a:extLst>
           </p:cNvPr>
@@ -11563,7 +11555,7 @@
           <p:cNvPr id="86" name="화살표: 오각형 141">
             <a:extLst>
               <a:ext uri="{FF2B5EF4-FFF2-40B4-BE49-F238E27FC236}">
-                <a16:creationId xmlns="" xmlns:a16="http://schemas.microsoft.com/office/drawing/2014/main" id="{530F07DE-64FE-46B3-A550-19501793C229}"/>
+                <a16:creationId xmlns:a16="http://schemas.microsoft.com/office/drawing/2014/main" id="{530F07DE-64FE-46B3-A550-19501793C229}"/>
               </a:ext>
             </a:extLst>
           </p:cNvPr>
@@ -11617,7 +11609,7 @@
           <p:cNvPr id="87" name="타원 86">
             <a:extLst>
               <a:ext uri="{FF2B5EF4-FFF2-40B4-BE49-F238E27FC236}">
-                <a16:creationId xmlns="" xmlns:a16="http://schemas.microsoft.com/office/drawing/2014/main" id="{3F1588A3-6B16-4088-AED8-236ACFD5E81E}"/>
+                <a16:creationId xmlns:a16="http://schemas.microsoft.com/office/drawing/2014/main" id="{3F1588A3-6B16-4088-AED8-236ACFD5E81E}"/>
               </a:ext>
             </a:extLst>
           </p:cNvPr>
@@ -11669,7 +11661,7 @@
           <p:cNvPr id="88" name="타원 87">
             <a:extLst>
               <a:ext uri="{FF2B5EF4-FFF2-40B4-BE49-F238E27FC236}">
-                <a16:creationId xmlns="" xmlns:a16="http://schemas.microsoft.com/office/drawing/2014/main" id="{3FABE189-F3A9-4BF8-BDC0-1CFD2E8AEBEB}"/>
+                <a16:creationId xmlns:a16="http://schemas.microsoft.com/office/drawing/2014/main" id="{3FABE189-F3A9-4BF8-BDC0-1CFD2E8AEBEB}"/>
               </a:ext>
             </a:extLst>
           </p:cNvPr>
@@ -11721,7 +11713,7 @@
           <p:cNvPr id="91" name="TextBox 90">
             <a:extLst>
               <a:ext uri="{FF2B5EF4-FFF2-40B4-BE49-F238E27FC236}">
-                <a16:creationId xmlns="" xmlns:a16="http://schemas.microsoft.com/office/drawing/2014/main" id="{C24286CB-EC01-4F02-826C-C972500336CE}"/>
+                <a16:creationId xmlns:a16="http://schemas.microsoft.com/office/drawing/2014/main" id="{C24286CB-EC01-4F02-826C-C972500336CE}"/>
               </a:ext>
             </a:extLst>
           </p:cNvPr>
@@ -11782,7 +11774,7 @@
             <p:cNvPr id="95" name="TextBox 94">
               <a:extLst>
                 <a:ext uri="{FF2B5EF4-FFF2-40B4-BE49-F238E27FC236}">
-                  <a16:creationId xmlns="" xmlns:a16="http://schemas.microsoft.com/office/drawing/2014/main" id="{AAA813C2-B5B4-44C4-81D3-04B18EC33704}"/>
+                  <a16:creationId xmlns:a16="http://schemas.microsoft.com/office/drawing/2014/main" id="{AAA813C2-B5B4-44C4-81D3-04B18EC33704}"/>
                 </a:ext>
               </a:extLst>
             </p:cNvPr>
@@ -11819,7 +11811,7 @@
             <p:cNvPr id="96" name="타원 95">
               <a:extLst>
                 <a:ext uri="{FF2B5EF4-FFF2-40B4-BE49-F238E27FC236}">
-                  <a16:creationId xmlns="" xmlns:a16="http://schemas.microsoft.com/office/drawing/2014/main" id="{3730AD89-9B98-428B-8245-6139FEA1BAE6}"/>
+                  <a16:creationId xmlns:a16="http://schemas.microsoft.com/office/drawing/2014/main" id="{3730AD89-9B98-428B-8245-6139FEA1BAE6}"/>
                 </a:ext>
               </a:extLst>
             </p:cNvPr>
@@ -11873,7 +11865,7 @@
             <p:cNvPr id="97" name="TextBox 96">
               <a:extLst>
                 <a:ext uri="{FF2B5EF4-FFF2-40B4-BE49-F238E27FC236}">
-                  <a16:creationId xmlns="" xmlns:a16="http://schemas.microsoft.com/office/drawing/2014/main" id="{86F1206B-D53E-422D-84EF-3E7F87DAE0AF}"/>
+                  <a16:creationId xmlns:a16="http://schemas.microsoft.com/office/drawing/2014/main" id="{86F1206B-D53E-422D-84EF-3E7F87DAE0AF}"/>
                 </a:ext>
               </a:extLst>
             </p:cNvPr>
@@ -11924,7 +11916,7 @@
             <p:cNvPr id="103" name="타원 102">
               <a:extLst>
                 <a:ext uri="{FF2B5EF4-FFF2-40B4-BE49-F238E27FC236}">
-                  <a16:creationId xmlns="" xmlns:a16="http://schemas.microsoft.com/office/drawing/2014/main" id="{526FFEF2-E14C-4007-9251-EA0B2BD1C3FB}"/>
+                  <a16:creationId xmlns:a16="http://schemas.microsoft.com/office/drawing/2014/main" id="{526FFEF2-E14C-4007-9251-EA0B2BD1C3FB}"/>
                 </a:ext>
               </a:extLst>
             </p:cNvPr>
@@ -11979,7 +11971,7 @@
           <p:cNvPr id="107" name="직사각형 106">
             <a:extLst>
               <a:ext uri="{FF2B5EF4-FFF2-40B4-BE49-F238E27FC236}">
-                <a16:creationId xmlns="" xmlns:a16="http://schemas.microsoft.com/office/drawing/2014/main" id="{4FB6433F-953A-4346-AC70-45B76AD05C8B}"/>
+                <a16:creationId xmlns:a16="http://schemas.microsoft.com/office/drawing/2014/main" id="{4FB6433F-953A-4346-AC70-45B76AD05C8B}"/>
               </a:ext>
             </a:extLst>
           </p:cNvPr>
@@ -12047,7 +12039,7 @@
             <p:cNvPr id="100" name="TextBox 99">
               <a:extLst>
                 <a:ext uri="{FF2B5EF4-FFF2-40B4-BE49-F238E27FC236}">
-                  <a16:creationId xmlns="" xmlns:a16="http://schemas.microsoft.com/office/drawing/2014/main" id="{937EC23A-A497-4FE2-84EC-70D75F840D24}"/>
+                  <a16:creationId xmlns:a16="http://schemas.microsoft.com/office/drawing/2014/main" id="{937EC23A-A497-4FE2-84EC-70D75F840D24}"/>
                 </a:ext>
               </a:extLst>
             </p:cNvPr>
@@ -12084,7 +12076,7 @@
             <p:cNvPr id="101" name="타원 100">
               <a:extLst>
                 <a:ext uri="{FF2B5EF4-FFF2-40B4-BE49-F238E27FC236}">
-                  <a16:creationId xmlns="" xmlns:a16="http://schemas.microsoft.com/office/drawing/2014/main" id="{0A6E595D-5D10-495A-93F7-2C00438A4123}"/>
+                  <a16:creationId xmlns:a16="http://schemas.microsoft.com/office/drawing/2014/main" id="{0A6E595D-5D10-495A-93F7-2C00438A4123}"/>
                 </a:ext>
               </a:extLst>
             </p:cNvPr>
@@ -12138,7 +12130,7 @@
             <p:cNvPr id="102" name="TextBox 101">
               <a:extLst>
                 <a:ext uri="{FF2B5EF4-FFF2-40B4-BE49-F238E27FC236}">
-                  <a16:creationId xmlns="" xmlns:a16="http://schemas.microsoft.com/office/drawing/2014/main" id="{51A7AA0B-5AA0-4622-9ACF-9B219ADF111D}"/>
+                  <a16:creationId xmlns:a16="http://schemas.microsoft.com/office/drawing/2014/main" id="{51A7AA0B-5AA0-4622-9ACF-9B219ADF111D}"/>
                 </a:ext>
               </a:extLst>
             </p:cNvPr>
@@ -12189,7 +12181,7 @@
             <p:cNvPr id="104" name="타원 103">
               <a:extLst>
                 <a:ext uri="{FF2B5EF4-FFF2-40B4-BE49-F238E27FC236}">
-                  <a16:creationId xmlns="" xmlns:a16="http://schemas.microsoft.com/office/drawing/2014/main" id="{E2D2C27E-A4EF-4AFF-B986-52C26D38C7FB}"/>
+                  <a16:creationId xmlns:a16="http://schemas.microsoft.com/office/drawing/2014/main" id="{E2D2C27E-A4EF-4AFF-B986-52C26D38C7FB}"/>
                 </a:ext>
               </a:extLst>
             </p:cNvPr>
@@ -12244,7 +12236,7 @@
           <p:cNvPr id="9" name="타원 8">
             <a:extLst>
               <a:ext uri="{FF2B5EF4-FFF2-40B4-BE49-F238E27FC236}">
-                <a16:creationId xmlns="" xmlns:a16="http://schemas.microsoft.com/office/drawing/2014/main" id="{D0C18ABF-A9BC-4BFF-BC5A-5899A7053D01}"/>
+                <a16:creationId xmlns:a16="http://schemas.microsoft.com/office/drawing/2014/main" id="{D0C18ABF-A9BC-4BFF-BC5A-5899A7053D01}"/>
               </a:ext>
             </a:extLst>
           </p:cNvPr>
@@ -12298,7 +12290,7 @@
           <p:cNvPr id="112" name="TextBox 111">
             <a:extLst>
               <a:ext uri="{FF2B5EF4-FFF2-40B4-BE49-F238E27FC236}">
-                <a16:creationId xmlns="" xmlns:a16="http://schemas.microsoft.com/office/drawing/2014/main" id="{9E443283-F2F5-47AA-A859-82148E0CE2CD}"/>
+                <a16:creationId xmlns:a16="http://schemas.microsoft.com/office/drawing/2014/main" id="{9E443283-F2F5-47AA-A859-82148E0CE2CD}"/>
               </a:ext>
             </a:extLst>
           </p:cNvPr>
@@ -12325,14 +12317,13 @@
           <a:lstStyle/>
           <a:p>
             <a:r>
-              <a:rPr lang="en-US" altLang="ko-KR" dirty="0" smtClean="0"/>
+              <a:rPr lang="en-US" altLang="ko-KR" dirty="0"/>
               <a:t>1. </a:t>
             </a:r>
             <a:r>
-              <a:rPr lang="ko-KR" altLang="en-US" dirty="0" smtClean="0"/>
+              <a:rPr lang="ko-KR" altLang="en-US" dirty="0"/>
               <a:t>초안</a:t>
             </a:r>
-            <a:endParaRPr lang="ko-KR" altLang="en-US" dirty="0"/>
           </a:p>
         </p:txBody>
       </p:sp>
@@ -12371,7 +12362,7 @@
           <p:cNvPr id="6" name="TextBox 5">
             <a:extLst>
               <a:ext uri="{FF2B5EF4-FFF2-40B4-BE49-F238E27FC236}">
-                <a16:creationId xmlns="" xmlns:a16="http://schemas.microsoft.com/office/drawing/2014/main" id="{9E443283-F2F5-47AA-A859-82148E0CE2CD}"/>
+                <a16:creationId xmlns:a16="http://schemas.microsoft.com/office/drawing/2014/main" id="{9E443283-F2F5-47AA-A859-82148E0CE2CD}"/>
               </a:ext>
             </a:extLst>
           </p:cNvPr>
@@ -12399,17 +12390,12 @@
           <a:p>
             <a:r>
               <a:rPr lang="en-US" altLang="ko-KR" dirty="0"/>
-              <a:t>2</a:t>
+              <a:t>2. Panel </a:t>
             </a:r>
             <a:r>
-              <a:rPr lang="en-US" altLang="ko-KR" dirty="0" smtClean="0"/>
-              <a:t>. Panel </a:t>
-            </a:r>
-            <a:r>
-              <a:rPr lang="ko-KR" altLang="en-US" dirty="0" smtClean="0"/>
+              <a:rPr lang="ko-KR" altLang="en-US" dirty="0"/>
               <a:t>구조</a:t>
             </a:r>
-            <a:endParaRPr lang="ko-KR" altLang="en-US" dirty="0"/>
           </a:p>
         </p:txBody>
       </p:sp>
@@ -12432,7 +12418,7 @@
             <p:cNvPr id="8" name="직사각형 7">
               <a:extLst>
                 <a:ext uri="{FF2B5EF4-FFF2-40B4-BE49-F238E27FC236}">
-                  <a16:creationId xmlns="" xmlns:a16="http://schemas.microsoft.com/office/drawing/2014/main" id="{B2C92360-C33A-46F9-82BD-6D910E205878}"/>
+                  <a16:creationId xmlns:a16="http://schemas.microsoft.com/office/drawing/2014/main" id="{B2C92360-C33A-46F9-82BD-6D910E205878}"/>
                 </a:ext>
               </a:extLst>
             </p:cNvPr>
@@ -12505,7 +12491,7 @@
             <a:p>
               <a:pPr algn="r"/>
               <a:r>
-                <a:rPr lang="en-US" altLang="ko-KR" dirty="0" err="1" smtClean="0"/>
+                <a:rPr lang="en-US" altLang="ko-KR" dirty="0" err="1"/>
                 <a:t>MainFrame</a:t>
               </a:r>
               <a:endParaRPr lang="ko-KR" altLang="en-US" dirty="0"/>
@@ -12532,7 +12518,7 @@
             <p:cNvPr id="5" name="직사각형 4">
               <a:extLst>
                 <a:ext uri="{FF2B5EF4-FFF2-40B4-BE49-F238E27FC236}">
-                  <a16:creationId xmlns="" xmlns:a16="http://schemas.microsoft.com/office/drawing/2014/main" id="{B2C92360-C33A-46F9-82BD-6D910E205878}"/>
+                  <a16:creationId xmlns:a16="http://schemas.microsoft.com/office/drawing/2014/main" id="{B2C92360-C33A-46F9-82BD-6D910E205878}"/>
                 </a:ext>
               </a:extLst>
             </p:cNvPr>
@@ -12605,10 +12591,10 @@
             <a:p>
               <a:pPr algn="r"/>
               <a:r>
-                <a:rPr lang="en-US" altLang="ko-KR" dirty="0" err="1" smtClean="0"/>
+                <a:rPr lang="en-US" altLang="ko-KR" dirty="0" err="1"/>
                 <a:t>ContentPane</a:t>
               </a:r>
-              <a:endParaRPr lang="en-US" altLang="ko-KR" dirty="0" smtClean="0"/>
+              <a:endParaRPr lang="en-US" altLang="ko-KR" dirty="0"/>
             </a:p>
           </p:txBody>
         </p:sp>
@@ -12714,14 +12700,14 @@
               <a:p>
                 <a:pPr algn="r"/>
                 <a:r>
-                  <a:rPr lang="en-US" altLang="ko-KR" sz="1000" dirty="0" err="1" smtClean="0">
+                  <a:rPr lang="en-US" altLang="ko-KR" sz="1000" dirty="0" err="1">
                     <a:solidFill>
                       <a:schemeClr val="bg1"/>
                     </a:solidFill>
                   </a:rPr>
                   <a:t>MenuColumn</a:t>
                 </a:r>
-                <a:endParaRPr lang="en-US" altLang="ko-KR" sz="1000" dirty="0" smtClean="0">
+                <a:endParaRPr lang="en-US" altLang="ko-KR" sz="1000" dirty="0">
                   <a:solidFill>
                     <a:schemeClr val="bg1"/>
                   </a:solidFill>
@@ -12776,14 +12762,14 @@
             <a:p>
               <a:pPr algn="ctr"/>
               <a:r>
-                <a:rPr lang="en-US" altLang="ko-KR" sz="1050" dirty="0" err="1" smtClean="0">
+                <a:rPr lang="en-US" altLang="ko-KR" sz="1050" dirty="0" err="1">
                   <a:solidFill>
                     <a:schemeClr val="tx1"/>
                   </a:solidFill>
                 </a:rPr>
                 <a:t>MenuPanel</a:t>
               </a:r>
-              <a:endParaRPr lang="en-US" altLang="ko-KR" sz="1050" dirty="0" smtClean="0">
+              <a:endParaRPr lang="en-US" altLang="ko-KR" sz="1050" dirty="0">
                 <a:solidFill>
                   <a:schemeClr val="tx1"/>
                 </a:solidFill>
@@ -12837,14 +12823,14 @@
             <a:p>
               <a:pPr algn="ctr"/>
               <a:r>
-                <a:rPr lang="en-US" altLang="ko-KR" sz="1050" dirty="0" err="1" smtClean="0">
+                <a:rPr lang="en-US" altLang="ko-KR" sz="1050" dirty="0" err="1">
                   <a:solidFill>
                     <a:schemeClr val="tx1"/>
                   </a:solidFill>
                 </a:rPr>
                 <a:t>RoomPanel</a:t>
               </a:r>
-              <a:endParaRPr lang="en-US" altLang="ko-KR" sz="1050" dirty="0" smtClean="0">
+              <a:endParaRPr lang="en-US" altLang="ko-KR" sz="1050" dirty="0">
                 <a:solidFill>
                   <a:schemeClr val="tx1"/>
                 </a:solidFill>
@@ -12958,14 +12944,14 @@
               <a:p>
                 <a:pPr algn="r"/>
                 <a:r>
-                  <a:rPr lang="en-US" altLang="ko-KR" sz="1000" dirty="0" err="1" smtClean="0">
+                  <a:rPr lang="en-US" altLang="ko-KR" sz="1000" dirty="0" err="1">
                     <a:solidFill>
                       <a:schemeClr val="bg1"/>
                     </a:solidFill>
                   </a:rPr>
                   <a:t>InfoColumn</a:t>
                 </a:r>
-                <a:endParaRPr lang="en-US" altLang="ko-KR" sz="1000" dirty="0" smtClean="0">
+                <a:endParaRPr lang="en-US" altLang="ko-KR" sz="1000" dirty="0">
                   <a:solidFill>
                     <a:schemeClr val="bg1"/>
                   </a:solidFill>
@@ -13020,14 +13006,14 @@
             <a:p>
               <a:pPr algn="ctr"/>
               <a:r>
-                <a:rPr lang="en-US" altLang="ko-KR" sz="1050" dirty="0" err="1" smtClean="0">
+                <a:rPr lang="en-US" altLang="ko-KR" sz="1050" dirty="0" err="1">
                   <a:solidFill>
                     <a:schemeClr val="tx1"/>
                   </a:solidFill>
                 </a:rPr>
                 <a:t>RoomTitlePanel</a:t>
               </a:r>
-              <a:endParaRPr lang="en-US" altLang="ko-KR" sz="1050" dirty="0" smtClean="0">
+              <a:endParaRPr lang="en-US" altLang="ko-KR" sz="1050" dirty="0">
                 <a:solidFill>
                   <a:schemeClr val="tx1"/>
                 </a:solidFill>
@@ -13081,14 +13067,14 @@
             <a:p>
               <a:pPr algn="ctr"/>
               <a:r>
-                <a:rPr lang="en-US" altLang="ko-KR" sz="1050" dirty="0" err="1" smtClean="0">
+                <a:rPr lang="en-US" altLang="ko-KR" sz="1050" dirty="0" err="1">
                   <a:solidFill>
                     <a:schemeClr val="tx1"/>
                   </a:solidFill>
                 </a:rPr>
                 <a:t>MemberPanel</a:t>
               </a:r>
-              <a:endParaRPr lang="en-US" altLang="ko-KR" sz="1050" dirty="0" smtClean="0">
+              <a:endParaRPr lang="en-US" altLang="ko-KR" sz="1050" dirty="0">
                 <a:solidFill>
                   <a:schemeClr val="tx1"/>
                 </a:solidFill>
@@ -13202,14 +13188,14 @@
               <a:p>
                 <a:pPr algn="r"/>
                 <a:r>
-                  <a:rPr lang="en-US" altLang="ko-KR" sz="1000" dirty="0" err="1" smtClean="0">
+                  <a:rPr lang="en-US" altLang="ko-KR" sz="1000" dirty="0" err="1">
                     <a:solidFill>
                       <a:schemeClr val="bg1"/>
                     </a:solidFill>
                   </a:rPr>
                   <a:t>ChattingColumn</a:t>
                 </a:r>
-                <a:endParaRPr lang="en-US" altLang="ko-KR" sz="1000" dirty="0" smtClean="0">
+                <a:endParaRPr lang="en-US" altLang="ko-KR" sz="1000" dirty="0">
                   <a:solidFill>
                     <a:schemeClr val="bg1"/>
                   </a:solidFill>
@@ -13264,14 +13250,14 @@
             <a:p>
               <a:pPr algn="ctr"/>
               <a:r>
-                <a:rPr lang="en-US" altLang="ko-KR" sz="1050" dirty="0" err="1" smtClean="0">
+                <a:rPr lang="en-US" altLang="ko-KR" sz="1050" dirty="0" err="1">
                   <a:solidFill>
                     <a:schemeClr val="tx1"/>
                   </a:solidFill>
                 </a:rPr>
                 <a:t>TypingPanel</a:t>
               </a:r>
-              <a:endParaRPr lang="en-US" altLang="ko-KR" sz="1050" dirty="0" smtClean="0">
+              <a:endParaRPr lang="en-US" altLang="ko-KR" sz="1050" dirty="0">
                 <a:solidFill>
                   <a:schemeClr val="tx1"/>
                 </a:solidFill>
@@ -13338,7 +13324,7 @@
               <a:lstStyle/>
               <a:p>
                 <a:pPr algn="ctr"/>
-                <a:endParaRPr lang="en-US" altLang="ko-KR" sz="1050" dirty="0" smtClean="0">
+                <a:endParaRPr lang="en-US" altLang="ko-KR" sz="1050" dirty="0">
                   <a:solidFill>
                     <a:schemeClr val="tx1"/>
                   </a:solidFill>
@@ -13370,10 +13356,10 @@
               <a:p>
                 <a:pPr algn="r"/>
                 <a:r>
-                  <a:rPr lang="en-US" altLang="ko-KR" sz="1000" dirty="0" err="1" smtClean="0"/>
+                  <a:rPr lang="en-US" altLang="ko-KR" sz="1000" dirty="0" err="1"/>
                   <a:t>LogPanel</a:t>
                 </a:r>
-                <a:endParaRPr lang="en-US" altLang="ko-KR" sz="1000" dirty="0" smtClean="0"/>
+                <a:endParaRPr lang="en-US" altLang="ko-KR" sz="1000" dirty="0"/>
               </a:p>
             </p:txBody>
           </p:sp>
@@ -13424,14 +13410,14 @@
             <a:p>
               <a:pPr algn="ctr"/>
               <a:r>
-                <a:rPr lang="en-US" altLang="ko-KR" sz="1050" dirty="0" err="1" smtClean="0">
+                <a:rPr lang="en-US" altLang="ko-KR" sz="1050" dirty="0" err="1">
                   <a:solidFill>
                     <a:schemeClr val="tx1"/>
                   </a:solidFill>
                 </a:rPr>
                 <a:t>ChattingChunk</a:t>
               </a:r>
-              <a:endParaRPr lang="en-US" altLang="ko-KR" sz="1050" dirty="0" smtClean="0">
+              <a:endParaRPr lang="en-US" altLang="ko-KR" sz="1050" dirty="0">
                 <a:solidFill>
                   <a:schemeClr val="tx1"/>
                 </a:solidFill>
@@ -13485,14 +13471,14 @@
             <a:p>
               <a:pPr algn="ctr"/>
               <a:r>
-                <a:rPr lang="en-US" altLang="ko-KR" sz="1050" dirty="0" err="1" smtClean="0">
+                <a:rPr lang="en-US" altLang="ko-KR" sz="1050" dirty="0" err="1">
                   <a:solidFill>
                     <a:schemeClr val="tx1"/>
                   </a:solidFill>
                 </a:rPr>
                 <a:t>ChattingChunk</a:t>
               </a:r>
-              <a:endParaRPr lang="en-US" altLang="ko-KR" sz="1050" dirty="0" smtClean="0">
+              <a:endParaRPr lang="en-US" altLang="ko-KR" sz="1050" dirty="0">
                 <a:solidFill>
                   <a:schemeClr val="tx1"/>
                 </a:solidFill>
@@ -13606,14 +13592,14 @@
               <a:p>
                 <a:pPr algn="r"/>
                 <a:r>
-                  <a:rPr lang="en-US" altLang="ko-KR" sz="1000" dirty="0" err="1" smtClean="0">
+                  <a:rPr lang="en-US" altLang="ko-KR" sz="1000" dirty="0" err="1">
                     <a:solidFill>
                       <a:schemeClr val="bg1"/>
                     </a:solidFill>
                   </a:rPr>
                   <a:t>InfoColumn</a:t>
                 </a:r>
-                <a:endParaRPr lang="en-US" altLang="ko-KR" sz="1000" dirty="0" smtClean="0">
+                <a:endParaRPr lang="en-US" altLang="ko-KR" sz="1000" dirty="0">
                   <a:solidFill>
                     <a:schemeClr val="bg1"/>
                   </a:solidFill>
@@ -13668,14 +13654,14 @@
             <a:p>
               <a:pPr algn="ctr"/>
               <a:r>
-                <a:rPr lang="en-US" altLang="ko-KR" sz="1050" dirty="0" err="1" smtClean="0">
+                <a:rPr lang="en-US" altLang="ko-KR" sz="1050" dirty="0" err="1">
                   <a:solidFill>
                     <a:schemeClr val="tx1"/>
                   </a:solidFill>
                 </a:rPr>
                 <a:t>EaselPanel</a:t>
               </a:r>
-              <a:endParaRPr lang="en-US" altLang="ko-KR" sz="1050" dirty="0" smtClean="0">
+              <a:endParaRPr lang="en-US" altLang="ko-KR" sz="1050" dirty="0">
                 <a:solidFill>
                   <a:schemeClr val="tx1"/>
                 </a:solidFill>
@@ -13729,14 +13715,14 @@
             <a:p>
               <a:pPr algn="ctr"/>
               <a:r>
-                <a:rPr lang="en-US" altLang="ko-KR" sz="1050" dirty="0" err="1" smtClean="0">
+                <a:rPr lang="en-US" altLang="ko-KR" sz="1050" dirty="0" err="1">
                   <a:solidFill>
                     <a:schemeClr val="tx1"/>
                   </a:solidFill>
                 </a:rPr>
                 <a:t>PallettePanel</a:t>
               </a:r>
-              <a:endParaRPr lang="en-US" altLang="ko-KR" sz="1050" dirty="0" smtClean="0">
+              <a:endParaRPr lang="en-US" altLang="ko-KR" sz="1050" dirty="0">
                 <a:solidFill>
                   <a:schemeClr val="tx1"/>
                 </a:solidFill>
@@ -13780,7 +13766,7 @@
           <p:cNvPr id="4" name="TextBox 3">
             <a:extLst>
               <a:ext uri="{FF2B5EF4-FFF2-40B4-BE49-F238E27FC236}">
-                <a16:creationId xmlns="" xmlns:a16="http://schemas.microsoft.com/office/drawing/2014/main" id="{9E443283-F2F5-47AA-A859-82148E0CE2CD}"/>
+                <a16:creationId xmlns:a16="http://schemas.microsoft.com/office/drawing/2014/main" id="{9E443283-F2F5-47AA-A859-82148E0CE2CD}"/>
               </a:ext>
             </a:extLst>
           </p:cNvPr>
@@ -13807,11 +13793,11 @@
           <a:lstStyle/>
           <a:p>
             <a:r>
-              <a:rPr lang="en-US" altLang="ko-KR" dirty="0" smtClean="0"/>
+              <a:rPr lang="en-US" altLang="ko-KR" dirty="0"/>
               <a:t>3-1. </a:t>
             </a:r>
             <a:r>
-              <a:rPr lang="en-US" altLang="ko-KR" dirty="0" err="1" smtClean="0"/>
+              <a:rPr lang="en-US" altLang="ko-KR" dirty="0" err="1"/>
               <a:t>MenuColumn</a:t>
             </a:r>
             <a:endParaRPr lang="ko-KR" altLang="en-US" dirty="0"/>
@@ -13924,14 +13910,14 @@
             <a:p>
               <a:pPr algn="ctr"/>
               <a:r>
-                <a:rPr lang="en-US" altLang="ko-KR" sz="1050" dirty="0" err="1" smtClean="0">
+                <a:rPr lang="en-US" altLang="ko-KR" sz="1050" dirty="0" err="1">
                   <a:solidFill>
                     <a:schemeClr val="tx1"/>
                   </a:solidFill>
                 </a:rPr>
                 <a:t>MenuPanel</a:t>
               </a:r>
-              <a:endParaRPr lang="en-US" altLang="ko-KR" sz="1050" dirty="0" smtClean="0">
+              <a:endParaRPr lang="en-US" altLang="ko-KR" sz="1050" dirty="0">
                 <a:solidFill>
                   <a:schemeClr val="tx1"/>
                 </a:solidFill>
@@ -13982,14 +13968,14 @@
             <a:p>
               <a:pPr algn="ctr"/>
               <a:r>
-                <a:rPr lang="en-US" altLang="ko-KR" sz="1050" dirty="0" err="1" smtClean="0">
+                <a:rPr lang="en-US" altLang="ko-KR" sz="1050" dirty="0" err="1">
                   <a:solidFill>
                     <a:schemeClr val="tx1"/>
                   </a:solidFill>
                 </a:rPr>
                 <a:t>RoomPanel</a:t>
               </a:r>
-              <a:endParaRPr lang="en-US" altLang="ko-KR" sz="1050" dirty="0" smtClean="0">
+              <a:endParaRPr lang="en-US" altLang="ko-KR" sz="1050" dirty="0">
                 <a:solidFill>
                   <a:schemeClr val="tx1"/>
                 </a:solidFill>
@@ -14022,7 +14008,7 @@
           <a:p>
             <a:pPr algn="r"/>
             <a:r>
-              <a:rPr lang="en-US" altLang="ko-KR" sz="800" dirty="0" err="1" smtClean="0">
+              <a:rPr lang="en-US" altLang="ko-KR" sz="800" dirty="0" err="1">
                 <a:solidFill>
                   <a:schemeClr val="accent5">
                     <a:lumMod val="75000"/>
@@ -14032,7 +14018,7 @@
               <a:t>ContentPane</a:t>
             </a:r>
             <a:r>
-              <a:rPr lang="en-US" altLang="ko-KR" sz="800" dirty="0" smtClean="0">
+              <a:rPr lang="en-US" altLang="ko-KR" sz="800" dirty="0">
                 <a:solidFill>
                   <a:schemeClr val="accent5">
                     <a:lumMod val="75000"/>
@@ -14075,7 +14061,7 @@
           <a:p>
             <a:pPr algn="r"/>
             <a:r>
-              <a:rPr lang="en-US" altLang="ko-KR" sz="800" dirty="0" smtClean="0">
+              <a:rPr lang="en-US" altLang="ko-KR" sz="800" dirty="0">
                 <a:solidFill>
                   <a:schemeClr val="accent5">
                     <a:lumMod val="75000"/>
@@ -14118,7 +14104,7 @@
           <a:p>
             <a:pPr algn="r"/>
             <a:r>
-              <a:rPr lang="en-US" altLang="ko-KR" sz="800" dirty="0" smtClean="0">
+              <a:rPr lang="en-US" altLang="ko-KR" sz="800" dirty="0">
                 <a:solidFill>
                   <a:schemeClr val="accent5">
                     <a:lumMod val="75000"/>
@@ -14474,7 +14460,7 @@
           <a:p>
             <a:pPr algn="r"/>
             <a:r>
-              <a:rPr lang="en-US" altLang="ko-KR" sz="800" dirty="0" err="1" smtClean="0">
+              <a:rPr lang="en-US" altLang="ko-KR" sz="800" dirty="0" err="1">
                 <a:solidFill>
                   <a:schemeClr val="accent5">
                     <a:lumMod val="75000"/>
@@ -14484,7 +14470,7 @@
               <a:t>g.setColor</a:t>
             </a:r>
             <a:r>
-              <a:rPr lang="en-US" altLang="ko-KR" sz="800" dirty="0" smtClean="0">
+              <a:rPr lang="en-US" altLang="ko-KR" sz="800" dirty="0">
                 <a:solidFill>
                   <a:schemeClr val="accent5">
                     <a:lumMod val="75000"/>
@@ -14494,7 +14480,7 @@
               <a:t>(</a:t>
             </a:r>
             <a:r>
-              <a:rPr lang="ko-KR" altLang="en-US" sz="800" dirty="0" smtClean="0">
+              <a:rPr lang="ko-KR" altLang="en-US" sz="800" dirty="0">
                 <a:solidFill>
                   <a:schemeClr val="accent5">
                     <a:lumMod val="75000"/>
@@ -14504,7 +14490,7 @@
               <a:t>색깔</a:t>
             </a:r>
             <a:r>
-              <a:rPr lang="en-US" altLang="ko-KR" sz="800" dirty="0" smtClean="0">
+              <a:rPr lang="en-US" altLang="ko-KR" sz="800" dirty="0">
                 <a:solidFill>
                   <a:schemeClr val="accent5">
                     <a:lumMod val="75000"/>
@@ -14517,7 +14503,7 @@
           <a:p>
             <a:pPr algn="r"/>
             <a:r>
-              <a:rPr lang="en-US" altLang="ko-KR" sz="800" dirty="0" err="1" smtClean="0">
+              <a:rPr lang="en-US" altLang="ko-KR" sz="800" dirty="0" err="1">
                 <a:solidFill>
                   <a:schemeClr val="accent5">
                     <a:lumMod val="75000"/>
@@ -14527,7 +14513,7 @@
               <a:t>g.drawLine</a:t>
             </a:r>
             <a:r>
-              <a:rPr lang="en-US" altLang="ko-KR" sz="800" dirty="0" smtClean="0">
+              <a:rPr lang="en-US" altLang="ko-KR" sz="800" dirty="0">
                 <a:solidFill>
                   <a:schemeClr val="accent5">
                     <a:lumMod val="75000"/>
@@ -14588,7 +14574,7 @@
           <a:lstStyle/>
           <a:p>
             <a:pPr algn="ctr"/>
-            <a:endParaRPr lang="en-US" altLang="ko-KR" sz="1050" dirty="0" smtClean="0">
+            <a:endParaRPr lang="en-US" altLang="ko-KR" sz="1050" dirty="0">
               <a:solidFill>
                 <a:schemeClr val="tx1"/>
               </a:solidFill>
@@ -14618,7 +14604,7 @@
           <a:lstStyle/>
           <a:p>
             <a:r>
-              <a:rPr lang="en-US" altLang="ko-KR" dirty="0" err="1" smtClean="0"/>
+              <a:rPr lang="en-US" altLang="ko-KR" dirty="0" err="1"/>
               <a:t>MenuPanel</a:t>
             </a:r>
             <a:endParaRPr lang="ko-KR" altLang="en-US" dirty="0"/>
@@ -14683,7 +14669,7 @@
           <a:p>
             <a:pPr algn="r"/>
             <a:r>
-              <a:rPr lang="en-US" altLang="ko-KR" sz="800" dirty="0" smtClean="0">
+              <a:rPr lang="en-US" altLang="ko-KR" sz="800" dirty="0">
                 <a:solidFill>
                   <a:schemeClr val="accent5">
                     <a:lumMod val="75000"/>
@@ -14760,7 +14746,7 @@
           <a:p>
             <a:pPr algn="r"/>
             <a:r>
-              <a:rPr lang="en-US" altLang="ko-KR" sz="800" dirty="0" smtClean="0">
+              <a:rPr lang="en-US" altLang="ko-KR" sz="800" dirty="0">
                 <a:solidFill>
                   <a:schemeClr val="accent5">
                     <a:lumMod val="75000"/>
@@ -14885,7 +14871,7 @@
           <a:p>
             <a:pPr algn="r"/>
             <a:r>
-              <a:rPr lang="en-US" altLang="ko-KR" sz="800" dirty="0" smtClean="0">
+              <a:rPr lang="en-US" altLang="ko-KR" sz="800" dirty="0">
                 <a:solidFill>
                   <a:schemeClr val="accent5">
                     <a:lumMod val="75000"/>
@@ -14946,7 +14932,7 @@
           <a:lstStyle/>
           <a:p>
             <a:pPr algn="ctr"/>
-            <a:endParaRPr lang="en-US" altLang="ko-KR" sz="1050" dirty="0" smtClean="0">
+            <a:endParaRPr lang="en-US" altLang="ko-KR" sz="1050" dirty="0">
               <a:solidFill>
                 <a:schemeClr val="tx1"/>
               </a:solidFill>
@@ -15012,7 +14998,7 @@
           <a:p>
             <a:pPr algn="r"/>
             <a:r>
-              <a:rPr lang="en-US" altLang="ko-KR" sz="800" dirty="0" smtClean="0">
+              <a:rPr lang="en-US" altLang="ko-KR" sz="800" dirty="0">
                 <a:solidFill>
                   <a:schemeClr val="accent5">
                     <a:lumMod val="75000"/>
@@ -15133,7 +15119,7 @@
           <a:p>
             <a:pPr algn="r"/>
             <a:r>
-              <a:rPr lang="en-US" altLang="ko-KR" sz="800" dirty="0" smtClean="0">
+              <a:rPr lang="en-US" altLang="ko-KR" sz="800" dirty="0">
                 <a:solidFill>
                   <a:schemeClr val="accent5">
                     <a:lumMod val="75000"/>
@@ -15257,7 +15243,7 @@
           <a:p>
             <a:pPr algn="r"/>
             <a:r>
-              <a:rPr lang="en-US" altLang="ko-KR" sz="800" dirty="0" smtClean="0">
+              <a:rPr lang="en-US" altLang="ko-KR" sz="800" dirty="0">
                 <a:solidFill>
                   <a:schemeClr val="accent5">
                     <a:lumMod val="75000"/>
@@ -15276,6 +15262,107 @@
           </a:p>
         </p:txBody>
       </p:sp>
+      <p:sp>
+        <p:nvSpPr>
+          <p:cNvPr id="37" name="TextBox 36">
+            <a:extLst>
+              <a:ext uri="{FF2B5EF4-FFF2-40B4-BE49-F238E27FC236}">
+                <a16:creationId xmlns:a16="http://schemas.microsoft.com/office/drawing/2014/main" id="{C0892527-1AA5-4082-B715-930C80A691A2}"/>
+              </a:ext>
+            </a:extLst>
+          </p:cNvPr>
+          <p:cNvSpPr txBox="1"/>
+          <p:nvPr/>
+        </p:nvSpPr>
+        <p:spPr>
+          <a:xfrm>
+            <a:off x="591052" y="6004142"/>
+            <a:ext cx="1245854" cy="215444"/>
+          </a:xfrm>
+          <a:prstGeom prst="rect">
+            <a:avLst/>
+          </a:prstGeom>
+          <a:noFill/>
+        </p:spPr>
+        <p:txBody>
+          <a:bodyPr wrap="none" rtlCol="0">
+            <a:spAutoFit/>
+          </a:bodyPr>
+          <a:lstStyle/>
+          <a:p>
+            <a:pPr algn="r"/>
+            <a:r>
+              <a:rPr lang="en-US" altLang="ko-KR" sz="800" dirty="0" err="1">
+                <a:solidFill>
+                  <a:schemeClr val="accent5">
+                    <a:lumMod val="75000"/>
+                  </a:schemeClr>
+                </a:solidFill>
+              </a:rPr>
+              <a:t>ScrollView</a:t>
+            </a:r>
+            <a:r>
+              <a:rPr lang="ko-KR" altLang="en-US" sz="800" dirty="0">
+                <a:solidFill>
+                  <a:schemeClr val="accent5">
+                    <a:lumMod val="75000"/>
+                  </a:schemeClr>
+                </a:solidFill>
+              </a:rPr>
+              <a:t>로 덮여 있음</a:t>
+            </a:r>
+            <a:endParaRPr lang="en-US" altLang="ko-KR" sz="800" dirty="0">
+              <a:solidFill>
+                <a:schemeClr val="accent5">
+                  <a:lumMod val="75000"/>
+                </a:schemeClr>
+              </a:solidFill>
+            </a:endParaRPr>
+          </a:p>
+        </p:txBody>
+      </p:sp>
+      <p:cxnSp>
+        <p:nvCxnSpPr>
+          <p:cNvPr id="38" name="직선 연결선 37">
+            <a:extLst>
+              <a:ext uri="{FF2B5EF4-FFF2-40B4-BE49-F238E27FC236}">
+                <a16:creationId xmlns:a16="http://schemas.microsoft.com/office/drawing/2014/main" id="{80E05F82-DB1D-4F9F-BF51-7EEDFAC426FC}"/>
+              </a:ext>
+            </a:extLst>
+          </p:cNvPr>
+          <p:cNvCxnSpPr>
+            <a:cxnSpLocks/>
+            <a:endCxn id="37" idx="3"/>
+          </p:cNvCxnSpPr>
+          <p:nvPr/>
+        </p:nvCxnSpPr>
+        <p:spPr>
+          <a:xfrm flipH="1">
+            <a:off x="1836906" y="5791201"/>
+            <a:ext cx="828282" cy="320663"/>
+          </a:xfrm>
+          <a:prstGeom prst="line">
+            <a:avLst/>
+          </a:prstGeom>
+          <a:ln>
+            <a:prstDash val="dash"/>
+          </a:ln>
+        </p:spPr>
+        <p:style>
+          <a:lnRef idx="1">
+            <a:schemeClr val="accent1"/>
+          </a:lnRef>
+          <a:fillRef idx="0">
+            <a:schemeClr val="accent1"/>
+          </a:fillRef>
+          <a:effectRef idx="0">
+            <a:schemeClr val="accent1"/>
+          </a:effectRef>
+          <a:fontRef idx="minor">
+            <a:schemeClr val="tx1"/>
+          </a:fontRef>
+        </p:style>
+      </p:cxnSp>
     </p:spTree>
     <p:extLst>
       <p:ext uri="{BB962C8B-B14F-4D97-AF65-F5344CB8AC3E}">

--- a/문서/UI 디자인 명세.pptx
+++ b/문서/UI 디자인 명세.pptx
@@ -274,7 +274,7 @@
           <a:p>
             <a:fld id="{5858DE85-2A6A-430C-A9BC-549214584F34}" type="datetimeFigureOut">
               <a:rPr lang="ko-KR" altLang="en-US" smtClean="0"/>
-              <a:t>2021-10-11</a:t>
+              <a:t>2021-10-14</a:t>
             </a:fld>
             <a:endParaRPr lang="ko-KR" altLang="en-US"/>
           </a:p>
@@ -472,7 +472,7 @@
           <a:p>
             <a:fld id="{5858DE85-2A6A-430C-A9BC-549214584F34}" type="datetimeFigureOut">
               <a:rPr lang="ko-KR" altLang="en-US" smtClean="0"/>
-              <a:t>2021-10-11</a:t>
+              <a:t>2021-10-14</a:t>
             </a:fld>
             <a:endParaRPr lang="ko-KR" altLang="en-US"/>
           </a:p>
@@ -680,7 +680,7 @@
           <a:p>
             <a:fld id="{5858DE85-2A6A-430C-A9BC-549214584F34}" type="datetimeFigureOut">
               <a:rPr lang="ko-KR" altLang="en-US" smtClean="0"/>
-              <a:t>2021-10-11</a:t>
+              <a:t>2021-10-14</a:t>
             </a:fld>
             <a:endParaRPr lang="ko-KR" altLang="en-US"/>
           </a:p>
@@ -878,7 +878,7 @@
           <a:p>
             <a:fld id="{5858DE85-2A6A-430C-A9BC-549214584F34}" type="datetimeFigureOut">
               <a:rPr lang="ko-KR" altLang="en-US" smtClean="0"/>
-              <a:t>2021-10-11</a:t>
+              <a:t>2021-10-14</a:t>
             </a:fld>
             <a:endParaRPr lang="ko-KR" altLang="en-US"/>
           </a:p>
@@ -1153,7 +1153,7 @@
           <a:p>
             <a:fld id="{5858DE85-2A6A-430C-A9BC-549214584F34}" type="datetimeFigureOut">
               <a:rPr lang="ko-KR" altLang="en-US" smtClean="0"/>
-              <a:t>2021-10-11</a:t>
+              <a:t>2021-10-14</a:t>
             </a:fld>
             <a:endParaRPr lang="ko-KR" altLang="en-US"/>
           </a:p>
@@ -1418,7 +1418,7 @@
           <a:p>
             <a:fld id="{5858DE85-2A6A-430C-A9BC-549214584F34}" type="datetimeFigureOut">
               <a:rPr lang="ko-KR" altLang="en-US" smtClean="0"/>
-              <a:t>2021-10-11</a:t>
+              <a:t>2021-10-14</a:t>
             </a:fld>
             <a:endParaRPr lang="ko-KR" altLang="en-US"/>
           </a:p>
@@ -1830,7 +1830,7 @@
           <a:p>
             <a:fld id="{5858DE85-2A6A-430C-A9BC-549214584F34}" type="datetimeFigureOut">
               <a:rPr lang="ko-KR" altLang="en-US" smtClean="0"/>
-              <a:t>2021-10-11</a:t>
+              <a:t>2021-10-14</a:t>
             </a:fld>
             <a:endParaRPr lang="ko-KR" altLang="en-US"/>
           </a:p>
@@ -1971,7 +1971,7 @@
           <a:p>
             <a:fld id="{5858DE85-2A6A-430C-A9BC-549214584F34}" type="datetimeFigureOut">
               <a:rPr lang="ko-KR" altLang="en-US" smtClean="0"/>
-              <a:t>2021-10-11</a:t>
+              <a:t>2021-10-14</a:t>
             </a:fld>
             <a:endParaRPr lang="ko-KR" altLang="en-US"/>
           </a:p>
@@ -2084,7 +2084,7 @@
           <a:p>
             <a:fld id="{5858DE85-2A6A-430C-A9BC-549214584F34}" type="datetimeFigureOut">
               <a:rPr lang="ko-KR" altLang="en-US" smtClean="0"/>
-              <a:t>2021-10-11</a:t>
+              <a:t>2021-10-14</a:t>
             </a:fld>
             <a:endParaRPr lang="ko-KR" altLang="en-US"/>
           </a:p>
@@ -2395,7 +2395,7 @@
           <a:p>
             <a:fld id="{5858DE85-2A6A-430C-A9BC-549214584F34}" type="datetimeFigureOut">
               <a:rPr lang="ko-KR" altLang="en-US" smtClean="0"/>
-              <a:t>2021-10-11</a:t>
+              <a:t>2021-10-14</a:t>
             </a:fld>
             <a:endParaRPr lang="ko-KR" altLang="en-US"/>
           </a:p>
@@ -2683,7 +2683,7 @@
           <a:p>
             <a:fld id="{5858DE85-2A6A-430C-A9BC-549214584F34}" type="datetimeFigureOut">
               <a:rPr lang="ko-KR" altLang="en-US" smtClean="0"/>
-              <a:t>2021-10-11</a:t>
+              <a:t>2021-10-14</a:t>
             </a:fld>
             <a:endParaRPr lang="ko-KR" altLang="en-US"/>
           </a:p>
@@ -2924,7 +2924,7 @@
           <a:p>
             <a:fld id="{5858DE85-2A6A-430C-A9BC-549214584F34}" type="datetimeFigureOut">
               <a:rPr lang="ko-KR" altLang="en-US" smtClean="0"/>
-              <a:t>2021-10-11</a:t>
+              <a:t>2021-10-14</a:t>
             </a:fld>
             <a:endParaRPr lang="ko-KR" altLang="en-US"/>
           </a:p>

--- a/문서/UI 디자인 명세.pptx
+++ b/문서/UI 디자인 명세.pptx
@@ -13659,7 +13659,7 @@
                     <a:schemeClr val="tx1"/>
                   </a:solidFill>
                 </a:rPr>
-                <a:t>EaselPanel</a:t>
+                <a:t>CanvasPanel</a:t>
               </a:r>
               <a:endParaRPr lang="en-US" altLang="ko-KR" sz="1050" dirty="0">
                 <a:solidFill>

--- a/문서/UI 디자인 명세.pptx
+++ b/문서/UI 디자인 명세.pptx
@@ -13592,12 +13592,12 @@
               <a:p>
                 <a:pPr algn="r"/>
                 <a:r>
-                  <a:rPr lang="en-US" altLang="ko-KR" sz="1000" dirty="0" err="1">
+                  <a:rPr lang="en-US" altLang="ko-KR" sz="1000">
                     <a:solidFill>
                       <a:schemeClr val="bg1"/>
                     </a:solidFill>
                   </a:rPr>
-                  <a:t>InfoColumn</a:t>
+                  <a:t>EaselColumn</a:t>
                 </a:r>
                 <a:endParaRPr lang="en-US" altLang="ko-KR" sz="1000" dirty="0">
                   <a:solidFill>
